--- a/FYP/Timeline and Diagram/FYPTimeline 15th June Edition.pptx
+++ b/FYP/Timeline and Diagram/FYPTimeline 15th June Edition.pptx
@@ -209,7 +209,7 @@
           <a:p>
             <a:fld id="{D8A5F3BE-A6C5-E54D-9A35-A968F4ADF59A}" type="datetimeFigureOut">
               <a:rPr lang="en-US" smtClean="0"/>
-              <a:t>6/16/16</a:t>
+              <a:t>7/16/16</a:t>
             </a:fld>
             <a:endParaRPr lang="en-US"/>
           </a:p>
@@ -697,7 +697,7 @@
           <a:p>
             <a:fld id="{D93CE7DB-6B87-9F48-AC89-27FF703009F0}" type="datetimeFigureOut">
               <a:rPr lang="en-US" smtClean="0"/>
-              <a:t>6/16/16</a:t>
+              <a:t>7/16/16</a:t>
             </a:fld>
             <a:endParaRPr lang="en-US"/>
           </a:p>
@@ -867,7 +867,7 @@
           <a:p>
             <a:fld id="{D93CE7DB-6B87-9F48-AC89-27FF703009F0}" type="datetimeFigureOut">
               <a:rPr lang="en-US" smtClean="0"/>
-              <a:t>6/16/16</a:t>
+              <a:t>7/16/16</a:t>
             </a:fld>
             <a:endParaRPr lang="en-US"/>
           </a:p>
@@ -1047,7 +1047,7 @@
           <a:p>
             <a:fld id="{D93CE7DB-6B87-9F48-AC89-27FF703009F0}" type="datetimeFigureOut">
               <a:rPr lang="en-US" smtClean="0"/>
-              <a:t>6/16/16</a:t>
+              <a:t>7/16/16</a:t>
             </a:fld>
             <a:endParaRPr lang="en-US"/>
           </a:p>
@@ -1217,7 +1217,7 @@
           <a:p>
             <a:fld id="{D93CE7DB-6B87-9F48-AC89-27FF703009F0}" type="datetimeFigureOut">
               <a:rPr lang="en-US" smtClean="0"/>
-              <a:t>6/16/16</a:t>
+              <a:t>7/16/16</a:t>
             </a:fld>
             <a:endParaRPr lang="en-US"/>
           </a:p>
@@ -1461,7 +1461,7 @@
           <a:p>
             <a:fld id="{D93CE7DB-6B87-9F48-AC89-27FF703009F0}" type="datetimeFigureOut">
               <a:rPr lang="en-US" smtClean="0"/>
-              <a:t>6/16/16</a:t>
+              <a:t>7/16/16</a:t>
             </a:fld>
             <a:endParaRPr lang="en-US"/>
           </a:p>
@@ -1693,7 +1693,7 @@
           <a:p>
             <a:fld id="{D93CE7DB-6B87-9F48-AC89-27FF703009F0}" type="datetimeFigureOut">
               <a:rPr lang="en-US" smtClean="0"/>
-              <a:t>6/16/16</a:t>
+              <a:t>7/16/16</a:t>
             </a:fld>
             <a:endParaRPr lang="en-US"/>
           </a:p>
@@ -2060,7 +2060,7 @@
           <a:p>
             <a:fld id="{D93CE7DB-6B87-9F48-AC89-27FF703009F0}" type="datetimeFigureOut">
               <a:rPr lang="en-US" smtClean="0"/>
-              <a:t>6/16/16</a:t>
+              <a:t>7/16/16</a:t>
             </a:fld>
             <a:endParaRPr lang="en-US"/>
           </a:p>
@@ -2178,7 +2178,7 @@
           <a:p>
             <a:fld id="{D93CE7DB-6B87-9F48-AC89-27FF703009F0}" type="datetimeFigureOut">
               <a:rPr lang="en-US" smtClean="0"/>
-              <a:t>6/16/16</a:t>
+              <a:t>7/16/16</a:t>
             </a:fld>
             <a:endParaRPr lang="en-US"/>
           </a:p>
@@ -2273,7 +2273,7 @@
           <a:p>
             <a:fld id="{D93CE7DB-6B87-9F48-AC89-27FF703009F0}" type="datetimeFigureOut">
               <a:rPr lang="en-US" smtClean="0"/>
-              <a:t>6/16/16</a:t>
+              <a:t>7/16/16</a:t>
             </a:fld>
             <a:endParaRPr lang="en-US"/>
           </a:p>
@@ -2550,7 +2550,7 @@
           <a:p>
             <a:fld id="{D93CE7DB-6B87-9F48-AC89-27FF703009F0}" type="datetimeFigureOut">
               <a:rPr lang="en-US" smtClean="0"/>
-              <a:t>6/16/16</a:t>
+              <a:t>7/16/16</a:t>
             </a:fld>
             <a:endParaRPr lang="en-US"/>
           </a:p>
@@ -2807,7 +2807,7 @@
           <a:p>
             <a:fld id="{D93CE7DB-6B87-9F48-AC89-27FF703009F0}" type="datetimeFigureOut">
               <a:rPr lang="en-US" smtClean="0"/>
-              <a:t>6/16/16</a:t>
+              <a:t>7/16/16</a:t>
             </a:fld>
             <a:endParaRPr lang="en-US"/>
           </a:p>
@@ -3020,7 +3020,7 @@
           <a:p>
             <a:fld id="{D93CE7DB-6B87-9F48-AC89-27FF703009F0}" type="datetimeFigureOut">
               <a:rPr lang="en-US" smtClean="0"/>
-              <a:t>6/16/16</a:t>
+              <a:t>7/16/16</a:t>
             </a:fld>
             <a:endParaRPr lang="en-US"/>
           </a:p>
@@ -5032,7 +5032,7 @@
                 <a:gridCol w="1612468">
                   <a:extLst>
                     <a:ext uri="{9D8B030D-6E8A-4147-A177-3AD203B41FA5}">
-                      <a16:colId xmlns:a16="http://schemas.microsoft.com/office/drawing/2014/main" xmlns="" val="20000"/>
+                      <a16:colId xmlns="" xmlns:a16="http://schemas.microsoft.com/office/drawing/2014/main" val="20000"/>
                     </a:ext>
                   </a:extLst>
                 </a:gridCol>
@@ -5107,7 +5107,7 @@
                 </a:tc>
                 <a:extLst>
                   <a:ext uri="{0D108BD9-81ED-4DB2-BD59-A6C34878D82A}">
-                    <a16:rowId xmlns:a16="http://schemas.microsoft.com/office/drawing/2014/main" xmlns="" val="10000"/>
+                    <a16:rowId xmlns="" xmlns:a16="http://schemas.microsoft.com/office/drawing/2014/main" val="10000"/>
                   </a:ext>
                 </a:extLst>
               </a:tr>
@@ -5141,7 +5141,7 @@
                 </a:tc>
                 <a:extLst>
                   <a:ext uri="{0D108BD9-81ED-4DB2-BD59-A6C34878D82A}">
-                    <a16:rowId xmlns:a16="http://schemas.microsoft.com/office/drawing/2014/main" xmlns="" val="10001"/>
+                    <a16:rowId xmlns="" xmlns:a16="http://schemas.microsoft.com/office/drawing/2014/main" val="10001"/>
                   </a:ext>
                 </a:extLst>
               </a:tr>
@@ -5183,7 +5183,7 @@
                 </a:tc>
                 <a:extLst>
                   <a:ext uri="{0D108BD9-81ED-4DB2-BD59-A6C34878D82A}">
-                    <a16:rowId xmlns:a16="http://schemas.microsoft.com/office/drawing/2014/main" xmlns="" val="10002"/>
+                    <a16:rowId xmlns="" xmlns:a16="http://schemas.microsoft.com/office/drawing/2014/main" val="10002"/>
                   </a:ext>
                 </a:extLst>
               </a:tr>
@@ -5217,7 +5217,7 @@
                 </a:tc>
                 <a:extLst>
                   <a:ext uri="{0D108BD9-81ED-4DB2-BD59-A6C34878D82A}">
-                    <a16:rowId xmlns:a16="http://schemas.microsoft.com/office/drawing/2014/main" xmlns="" val="10003"/>
+                    <a16:rowId xmlns="" xmlns:a16="http://schemas.microsoft.com/office/drawing/2014/main" val="10003"/>
                   </a:ext>
                 </a:extLst>
               </a:tr>
@@ -5288,7 +5288,7 @@
                 <a:gridCol w="2222878">
                   <a:extLst>
                     <a:ext uri="{9D8B030D-6E8A-4147-A177-3AD203B41FA5}">
-                      <a16:colId xmlns:a16="http://schemas.microsoft.com/office/drawing/2014/main" xmlns="" val="2192527220"/>
+                      <a16:colId xmlns="" xmlns:a16="http://schemas.microsoft.com/office/drawing/2014/main" val="2192527220"/>
                     </a:ext>
                   </a:extLst>
                 </a:gridCol>
@@ -5363,7 +5363,7 @@
                 </a:tc>
                 <a:extLst>
                   <a:ext uri="{0D108BD9-81ED-4DB2-BD59-A6C34878D82A}">
-                    <a16:rowId xmlns:a16="http://schemas.microsoft.com/office/drawing/2014/main" xmlns="" val="1986687887"/>
+                    <a16:rowId xmlns="" xmlns:a16="http://schemas.microsoft.com/office/drawing/2014/main" val="1986687887"/>
                   </a:ext>
                 </a:extLst>
               </a:tr>
@@ -5457,7 +5457,7 @@
                 </a:tc>
                 <a:extLst>
                   <a:ext uri="{0D108BD9-81ED-4DB2-BD59-A6C34878D82A}">
-                    <a16:rowId xmlns:a16="http://schemas.microsoft.com/office/drawing/2014/main" xmlns="" val="3506151837"/>
+                    <a16:rowId xmlns="" xmlns:a16="http://schemas.microsoft.com/office/drawing/2014/main" val="3506151837"/>
                   </a:ext>
                 </a:extLst>
               </a:tr>
@@ -5553,7 +5553,7 @@
                 </a:tc>
                 <a:extLst>
                   <a:ext uri="{0D108BD9-81ED-4DB2-BD59-A6C34878D82A}">
-                    <a16:rowId xmlns:a16="http://schemas.microsoft.com/office/drawing/2014/main" xmlns="" val="1767699772"/>
+                    <a16:rowId xmlns="" xmlns:a16="http://schemas.microsoft.com/office/drawing/2014/main" val="1767699772"/>
                   </a:ext>
                 </a:extLst>
               </a:tr>
@@ -5624,7 +5624,7 @@
                 <a:gridCol w="1928341">
                   <a:extLst>
                     <a:ext uri="{9D8B030D-6E8A-4147-A177-3AD203B41FA5}">
-                      <a16:colId xmlns:a16="http://schemas.microsoft.com/office/drawing/2014/main" xmlns="" val="20000"/>
+                      <a16:colId xmlns="" xmlns:a16="http://schemas.microsoft.com/office/drawing/2014/main" val="20000"/>
                     </a:ext>
                   </a:extLst>
                 </a:gridCol>
@@ -5699,7 +5699,7 @@
                 </a:tc>
                 <a:extLst>
                   <a:ext uri="{0D108BD9-81ED-4DB2-BD59-A6C34878D82A}">
-                    <a16:rowId xmlns:a16="http://schemas.microsoft.com/office/drawing/2014/main" xmlns="" val="10000"/>
+                    <a16:rowId xmlns="" xmlns:a16="http://schemas.microsoft.com/office/drawing/2014/main" val="10000"/>
                   </a:ext>
                 </a:extLst>
               </a:tr>
@@ -5771,7 +5771,7 @@
                 </a:tc>
                 <a:extLst>
                   <a:ext uri="{0D108BD9-81ED-4DB2-BD59-A6C34878D82A}">
-                    <a16:rowId xmlns:a16="http://schemas.microsoft.com/office/drawing/2014/main" xmlns="" val="10002"/>
+                    <a16:rowId xmlns="" xmlns:a16="http://schemas.microsoft.com/office/drawing/2014/main" val="10002"/>
                   </a:ext>
                 </a:extLst>
               </a:tr>
@@ -5909,7 +5909,7 @@
                 </a:tc>
                 <a:extLst>
                   <a:ext uri="{0D108BD9-81ED-4DB2-BD59-A6C34878D82A}">
-                    <a16:rowId xmlns:a16="http://schemas.microsoft.com/office/drawing/2014/main" xmlns="" val="10003"/>
+                    <a16:rowId xmlns="" xmlns:a16="http://schemas.microsoft.com/office/drawing/2014/main" val="10003"/>
                   </a:ext>
                 </a:extLst>
               </a:tr>
@@ -5961,7 +5961,7 @@
           <p:nvPr>
             <p:extLst>
               <p:ext uri="{D42A27DB-BD31-4B8C-83A1-F6EECF244321}">
-                <p14:modId xmlns:p14="http://schemas.microsoft.com/office/powerpoint/2010/main" val="739349627"/>
+                <p14:modId xmlns:p14="http://schemas.microsoft.com/office/powerpoint/2010/main" val="135049384"/>
               </p:ext>
             </p:extLst>
           </p:nvPr>
@@ -5980,7 +5980,7 @@
                 <a:gridCol w="2987497">
                   <a:extLst>
                     <a:ext uri="{9D8B030D-6E8A-4147-A177-3AD203B41FA5}">
-                      <a16:colId xmlns:a16="http://schemas.microsoft.com/office/drawing/2014/main" xmlns="" val="2192527220"/>
+                      <a16:colId xmlns="" xmlns:a16="http://schemas.microsoft.com/office/drawing/2014/main" val="2192527220"/>
                     </a:ext>
                   </a:extLst>
                 </a:gridCol>
@@ -6022,7 +6022,7 @@
                           <a:ea typeface="Noveo Sans" charset="0"/>
                           <a:cs typeface="Noveo Sans" charset="0"/>
                         </a:rPr>
-                        <a:t>Jun</a:t>
+                        <a:t>Jul</a:t>
                       </a:r>
                       <a:r>
                         <a:rPr lang="en-US" sz="1300" b="0" dirty="0" smtClean="0">
@@ -6030,7 +6030,15 @@
                           <a:ea typeface="Noveo Sans" charset="0"/>
                           <a:cs typeface="Noveo Sans" charset="0"/>
                         </a:rPr>
-                        <a:t> –</a:t>
+                        <a:t> </a:t>
+                      </a:r>
+                      <a:r>
+                        <a:rPr lang="en-US" sz="1300" b="0" dirty="0" smtClean="0">
+                          <a:latin typeface="Noveo Sans" charset="0"/>
+                          <a:ea typeface="Noveo Sans" charset="0"/>
+                          <a:cs typeface="Noveo Sans" charset="0"/>
+                        </a:rPr>
+                        <a:t>–</a:t>
                       </a:r>
                       <a:r>
                         <a:rPr lang="en-US" sz="1300" b="0" baseline="0" dirty="0" smtClean="0">
@@ -6071,7 +6079,7 @@
                 </a:tc>
                 <a:extLst>
                   <a:ext uri="{0D108BD9-81ED-4DB2-BD59-A6C34878D82A}">
-                    <a16:rowId xmlns:a16="http://schemas.microsoft.com/office/drawing/2014/main" xmlns="" val="1986687887"/>
+                    <a16:rowId xmlns="" xmlns:a16="http://schemas.microsoft.com/office/drawing/2014/main" val="1986687887"/>
                   </a:ext>
                 </a:extLst>
               </a:tr>
@@ -6127,7 +6135,7 @@
                 </a:tc>
                 <a:extLst>
                   <a:ext uri="{0D108BD9-81ED-4DB2-BD59-A6C34878D82A}">
-                    <a16:rowId xmlns:a16="http://schemas.microsoft.com/office/drawing/2014/main" xmlns="" val="3506151837"/>
+                    <a16:rowId xmlns="" xmlns:a16="http://schemas.microsoft.com/office/drawing/2014/main" val="3506151837"/>
                   </a:ext>
                 </a:extLst>
               </a:tr>
@@ -6265,7 +6273,7 @@
                 </a:tc>
                 <a:extLst>
                   <a:ext uri="{0D108BD9-81ED-4DB2-BD59-A6C34878D82A}">
-                    <a16:rowId xmlns:a16="http://schemas.microsoft.com/office/drawing/2014/main" xmlns="" val="1767699772"/>
+                    <a16:rowId xmlns="" xmlns:a16="http://schemas.microsoft.com/office/drawing/2014/main" val="1767699772"/>
                   </a:ext>
                 </a:extLst>
               </a:tr>
@@ -6317,7 +6325,7 @@
           <p:nvPr>
             <p:extLst>
               <p:ext uri="{D42A27DB-BD31-4B8C-83A1-F6EECF244321}">
-                <p14:modId xmlns:p14="http://schemas.microsoft.com/office/powerpoint/2010/main" val="1980996061"/>
+                <p14:modId xmlns:p14="http://schemas.microsoft.com/office/powerpoint/2010/main" val="2008022764"/>
               </p:ext>
             </p:extLst>
           </p:nvPr>
@@ -6336,7 +6344,7 @@
                 <a:gridCol w="2690439">
                   <a:extLst>
                     <a:ext uri="{9D8B030D-6E8A-4147-A177-3AD203B41FA5}">
-                      <a16:colId xmlns:a16="http://schemas.microsoft.com/office/drawing/2014/main" xmlns="" val="20000"/>
+                      <a16:colId xmlns="" xmlns:a16="http://schemas.microsoft.com/office/drawing/2014/main" val="20000"/>
                     </a:ext>
                   </a:extLst>
                 </a:gridCol>
@@ -6411,7 +6419,7 @@
                 </a:tc>
                 <a:extLst>
                   <a:ext uri="{0D108BD9-81ED-4DB2-BD59-A6C34878D82A}">
-                    <a16:rowId xmlns:a16="http://schemas.microsoft.com/office/drawing/2014/main" xmlns="" val="10000"/>
+                    <a16:rowId xmlns="" xmlns:a16="http://schemas.microsoft.com/office/drawing/2014/main" val="10000"/>
                   </a:ext>
                 </a:extLst>
               </a:tr>
@@ -6476,7 +6484,7 @@
                 </a:tc>
                 <a:extLst>
                   <a:ext uri="{0D108BD9-81ED-4DB2-BD59-A6C34878D82A}">
-                    <a16:rowId xmlns:a16="http://schemas.microsoft.com/office/drawing/2014/main" xmlns="" val="2572675366"/>
+                    <a16:rowId xmlns="" xmlns:a16="http://schemas.microsoft.com/office/drawing/2014/main" val="2572675366"/>
                   </a:ext>
                 </a:extLst>
               </a:tr>
@@ -6520,8 +6528,21 @@
                           <a:ea typeface="Noveo Sans" charset="0"/>
                           <a:cs typeface="Noveo Sans" charset="0"/>
                         </a:rPr>
-                        <a:t>Analytics Module (Graphical)</a:t>
-                      </a:r>
+                        <a:t>Analytics Module (Graphical</a:t>
+                      </a:r>
+                      <a:r>
+                        <a:rPr lang="en-SG" sz="1200" dirty="0" smtClean="0">
+                          <a:latin typeface="Noveo Sans" charset="0"/>
+                          <a:ea typeface="Noveo Sans" charset="0"/>
+                          <a:cs typeface="Noveo Sans" charset="0"/>
+                        </a:rPr>
+                        <a:t>), Revamp UI</a:t>
+                      </a:r>
+                      <a:endParaRPr lang="en-SG" sz="1200" dirty="0" smtClean="0">
+                        <a:latin typeface="Noveo Sans" charset="0"/>
+                        <a:ea typeface="Noveo Sans" charset="0"/>
+                        <a:cs typeface="Noveo Sans" charset="0"/>
+                      </a:endParaRPr>
                     </a:p>
                   </a:txBody>
                   <a:tcPr marL="96012" marR="96012" marT="48007" marB="48007" anchor="ctr">
@@ -6532,7 +6553,7 @@
                 </a:tc>
                 <a:extLst>
                   <a:ext uri="{0D108BD9-81ED-4DB2-BD59-A6C34878D82A}">
-                    <a16:rowId xmlns:a16="http://schemas.microsoft.com/office/drawing/2014/main" xmlns="" val="10001"/>
+                    <a16:rowId xmlns="" xmlns:a16="http://schemas.microsoft.com/office/drawing/2014/main" val="10001"/>
                   </a:ext>
                 </a:extLst>
               </a:tr>
@@ -6649,7 +6670,31 @@
                           <a:ea typeface="+mn-ea"/>
                           <a:cs typeface="+mn-cs"/>
                         </a:rPr>
-                        <a:t>Update Bug log</a:t>
+                        <a:t>Update Bug </a:t>
+                      </a:r>
+                      <a:r>
+                        <a:rPr lang="en-US" sz="1200" kern="1200" dirty="0" smtClean="0">
+                          <a:solidFill>
+                            <a:schemeClr val="dk1"/>
+                          </a:solidFill>
+                          <a:effectLst/>
+                          <a:latin typeface="Noveo Sans" panose="020B0503020204020203" pitchFamily="34" charset="0"/>
+                          <a:ea typeface="+mn-ea"/>
+                          <a:cs typeface="+mn-cs"/>
+                        </a:rPr>
+                        <a:t>log, UAT 1 User</a:t>
+                      </a:r>
+                      <a:r>
+                        <a:rPr lang="en-US" sz="1200" kern="1200" baseline="0" dirty="0" smtClean="0">
+                          <a:solidFill>
+                            <a:schemeClr val="dk1"/>
+                          </a:solidFill>
+                          <a:effectLst/>
+                          <a:latin typeface="Noveo Sans" panose="020B0503020204020203" pitchFamily="34" charset="0"/>
+                          <a:ea typeface="+mn-ea"/>
+                          <a:cs typeface="+mn-cs"/>
+                        </a:rPr>
+                        <a:t> Guide</a:t>
                       </a:r>
                       <a:endParaRPr lang="en-SG" sz="1200" kern="1200" dirty="0">
                         <a:solidFill>
@@ -6670,7 +6715,7 @@
                 </a:tc>
                 <a:extLst>
                   <a:ext uri="{0D108BD9-81ED-4DB2-BD59-A6C34878D82A}">
-                    <a16:rowId xmlns:a16="http://schemas.microsoft.com/office/drawing/2014/main" xmlns="" val="10002"/>
+                    <a16:rowId xmlns="" xmlns:a16="http://schemas.microsoft.com/office/drawing/2014/main" val="10002"/>
                   </a:ext>
                 </a:extLst>
               </a:tr>
@@ -6706,7 +6751,7 @@
                 <a:gridCol w="2998856">
                   <a:extLst>
                     <a:ext uri="{9D8B030D-6E8A-4147-A177-3AD203B41FA5}">
-                      <a16:colId xmlns:a16="http://schemas.microsoft.com/office/drawing/2014/main" xmlns="" val="2192527220"/>
+                      <a16:colId xmlns="" xmlns:a16="http://schemas.microsoft.com/office/drawing/2014/main" val="2192527220"/>
                     </a:ext>
                   </a:extLst>
                 </a:gridCol>
@@ -6773,7 +6818,7 @@
                 </a:tc>
                 <a:extLst>
                   <a:ext uri="{0D108BD9-81ED-4DB2-BD59-A6C34878D82A}">
-                    <a16:rowId xmlns:a16="http://schemas.microsoft.com/office/drawing/2014/main" xmlns="" val="1986687887"/>
+                    <a16:rowId xmlns="" xmlns:a16="http://schemas.microsoft.com/office/drawing/2014/main" val="1986687887"/>
                   </a:ext>
                 </a:extLst>
               </a:tr>
@@ -6813,7 +6858,7 @@
                 </a:tc>
                 <a:extLst>
                   <a:ext uri="{0D108BD9-81ED-4DB2-BD59-A6C34878D82A}">
-                    <a16:rowId xmlns:a16="http://schemas.microsoft.com/office/drawing/2014/main" xmlns="" val="3506151837"/>
+                    <a16:rowId xmlns="" xmlns:a16="http://schemas.microsoft.com/office/drawing/2014/main" val="3506151837"/>
                   </a:ext>
                 </a:extLst>
               </a:tr>
@@ -6970,7 +7015,7 @@
                 </a:tc>
                 <a:extLst>
                   <a:ext uri="{0D108BD9-81ED-4DB2-BD59-A6C34878D82A}">
-                    <a16:rowId xmlns:a16="http://schemas.microsoft.com/office/drawing/2014/main" xmlns="" val="1767699772"/>
+                    <a16:rowId xmlns="" xmlns:a16="http://schemas.microsoft.com/office/drawing/2014/main" val="1767699772"/>
                   </a:ext>
                 </a:extLst>
               </a:tr>
@@ -7076,7 +7121,7 @@
                 <a:gridCol w="2294840">
                   <a:extLst>
                     <a:ext uri="{9D8B030D-6E8A-4147-A177-3AD203B41FA5}">
-                      <a16:colId xmlns:a16="http://schemas.microsoft.com/office/drawing/2014/main" xmlns="" val="20000"/>
+                      <a16:colId xmlns="" xmlns:a16="http://schemas.microsoft.com/office/drawing/2014/main" val="20000"/>
                     </a:ext>
                   </a:extLst>
                 </a:gridCol>
@@ -7159,7 +7204,7 @@
                 </a:tc>
                 <a:extLst>
                   <a:ext uri="{0D108BD9-81ED-4DB2-BD59-A6C34878D82A}">
-                    <a16:rowId xmlns:a16="http://schemas.microsoft.com/office/drawing/2014/main" xmlns="" val="10000"/>
+                    <a16:rowId xmlns="" xmlns:a16="http://schemas.microsoft.com/office/drawing/2014/main" val="10000"/>
                   </a:ext>
                 </a:extLst>
               </a:tr>
@@ -7195,14 +7240,6 @@
                         </a:rPr>
                         <a:t>(1) FYP Acceptance: 10th Aug </a:t>
                       </a:r>
-                      <a:endParaRPr lang="en-SG" sz="1200" dirty="0" smtClean="0">
-                        <a:solidFill>
-                          <a:schemeClr val="bg1"/>
-                        </a:solidFill>
-                        <a:latin typeface="Noveo Sans" charset="0"/>
-                        <a:ea typeface="Noveo Sans" charset="0"/>
-                        <a:cs typeface="Noveo Sans" charset="0"/>
-                      </a:endParaRPr>
                     </a:p>
                   </a:txBody>
                   <a:tcPr marL="96012" marR="96012" marT="48007" marB="48007" anchor="ctr">
@@ -7242,7 +7279,7 @@
                 </a:tc>
                 <a:extLst>
                   <a:ext uri="{0D108BD9-81ED-4DB2-BD59-A6C34878D82A}">
-                    <a16:rowId xmlns:a16="http://schemas.microsoft.com/office/drawing/2014/main" xmlns="" val="10001"/>
+                    <a16:rowId xmlns="" xmlns:a16="http://schemas.microsoft.com/office/drawing/2014/main" val="10001"/>
                   </a:ext>
                 </a:extLst>
               </a:tr>
@@ -7274,7 +7311,7 @@
                 </a:tc>
                 <a:extLst>
                   <a:ext uri="{0D108BD9-81ED-4DB2-BD59-A6C34878D82A}">
-                    <a16:rowId xmlns:a16="http://schemas.microsoft.com/office/drawing/2014/main" xmlns="" val="4235489286"/>
+                    <a16:rowId xmlns="" xmlns:a16="http://schemas.microsoft.com/office/drawing/2014/main" val="4235489286"/>
                   </a:ext>
                 </a:extLst>
               </a:tr>
@@ -7343,7 +7380,7 @@
                 </a:tc>
                 <a:extLst>
                   <a:ext uri="{0D108BD9-81ED-4DB2-BD59-A6C34878D82A}">
-                    <a16:rowId xmlns:a16="http://schemas.microsoft.com/office/drawing/2014/main" xmlns="" val="10002"/>
+                    <a16:rowId xmlns="" xmlns:a16="http://schemas.microsoft.com/office/drawing/2014/main" val="10002"/>
                   </a:ext>
                 </a:extLst>
               </a:tr>
@@ -7496,7 +7533,7 @@
                 </a:tc>
                 <a:extLst>
                   <a:ext uri="{0D108BD9-81ED-4DB2-BD59-A6C34878D82A}">
-                    <a16:rowId xmlns:a16="http://schemas.microsoft.com/office/drawing/2014/main" xmlns="" val="10003"/>
+                    <a16:rowId xmlns="" xmlns:a16="http://schemas.microsoft.com/office/drawing/2014/main" val="10003"/>
                   </a:ext>
                 </a:extLst>
               </a:tr>
@@ -7532,7 +7569,7 @@
                 <a:gridCol w="1591819">
                   <a:extLst>
                     <a:ext uri="{9D8B030D-6E8A-4147-A177-3AD203B41FA5}">
-                      <a16:colId xmlns:a16="http://schemas.microsoft.com/office/drawing/2014/main" xmlns="" val="2192527220"/>
+                      <a16:colId xmlns="" xmlns:a16="http://schemas.microsoft.com/office/drawing/2014/main" val="2192527220"/>
                     </a:ext>
                   </a:extLst>
                 </a:gridCol>
@@ -7623,7 +7660,7 @@
                 </a:tc>
                 <a:extLst>
                   <a:ext uri="{0D108BD9-81ED-4DB2-BD59-A6C34878D82A}">
-                    <a16:rowId xmlns:a16="http://schemas.microsoft.com/office/drawing/2014/main" xmlns="" val="1986687887"/>
+                    <a16:rowId xmlns="" xmlns:a16="http://schemas.microsoft.com/office/drawing/2014/main" val="1986687887"/>
                   </a:ext>
                 </a:extLst>
               </a:tr>
@@ -7679,7 +7716,7 @@
                 </a:tc>
                 <a:extLst>
                   <a:ext uri="{0D108BD9-81ED-4DB2-BD59-A6C34878D82A}">
-                    <a16:rowId xmlns:a16="http://schemas.microsoft.com/office/drawing/2014/main" xmlns="" val="3506151837"/>
+                    <a16:rowId xmlns="" xmlns:a16="http://schemas.microsoft.com/office/drawing/2014/main" val="3506151837"/>
                   </a:ext>
                 </a:extLst>
               </a:tr>
@@ -7812,7 +7849,7 @@
                 </a:tc>
                 <a:extLst>
                   <a:ext uri="{0D108BD9-81ED-4DB2-BD59-A6C34878D82A}">
-                    <a16:rowId xmlns:a16="http://schemas.microsoft.com/office/drawing/2014/main" xmlns="" val="1767699772"/>
+                    <a16:rowId xmlns="" xmlns:a16="http://schemas.microsoft.com/office/drawing/2014/main" val="1767699772"/>
                   </a:ext>
                 </a:extLst>
               </a:tr>
@@ -7883,7 +7920,7 @@
                 <a:gridCol w="2625544">
                   <a:extLst>
                     <a:ext uri="{9D8B030D-6E8A-4147-A177-3AD203B41FA5}">
-                      <a16:colId xmlns:a16="http://schemas.microsoft.com/office/drawing/2014/main" xmlns="" val="20000"/>
+                      <a16:colId xmlns="" xmlns:a16="http://schemas.microsoft.com/office/drawing/2014/main" val="20000"/>
                     </a:ext>
                   </a:extLst>
                 </a:gridCol>
@@ -7974,7 +8011,7 @@
                 </a:tc>
                 <a:extLst>
                   <a:ext uri="{0D108BD9-81ED-4DB2-BD59-A6C34878D82A}">
-                    <a16:rowId xmlns:a16="http://schemas.microsoft.com/office/drawing/2014/main" xmlns="" val="10000"/>
+                    <a16:rowId xmlns="" xmlns:a16="http://schemas.microsoft.com/office/drawing/2014/main" val="10000"/>
                   </a:ext>
                 </a:extLst>
               </a:tr>
@@ -8008,18 +8045,7 @@
                           <a:ea typeface="Noveo Sans" charset="0"/>
                           <a:cs typeface="Noveo Sans" charset="0"/>
                         </a:rPr>
-                        <a:t>(</a:t>
-                      </a:r>
-                      <a:r>
-                        <a:rPr lang="en-SG" sz="1200" dirty="0" smtClean="0">
-                          <a:solidFill>
-                            <a:schemeClr val="bg1"/>
-                          </a:solidFill>
-                          <a:latin typeface="Noveo Sans" charset="0"/>
-                          <a:ea typeface="Noveo Sans" charset="0"/>
-                          <a:cs typeface="Noveo Sans" charset="0"/>
-                        </a:rPr>
-                        <a:t>2) Registration and Class: 18th Aug</a:t>
+                        <a:t>(2) Registration and Class: 18th Aug</a:t>
                       </a:r>
                     </a:p>
                   </a:txBody>
@@ -8031,7 +8057,7 @@
                 </a:tc>
                 <a:extLst>
                   <a:ext uri="{0D108BD9-81ED-4DB2-BD59-A6C34878D82A}">
-                    <a16:rowId xmlns:a16="http://schemas.microsoft.com/office/drawing/2014/main" xmlns="" val="10001"/>
+                    <a16:rowId xmlns="" xmlns:a16="http://schemas.microsoft.com/office/drawing/2014/main" val="10001"/>
                   </a:ext>
                 </a:extLst>
               </a:tr>
@@ -8087,7 +8113,7 @@
                 </a:tc>
                 <a:extLst>
                   <a:ext uri="{0D108BD9-81ED-4DB2-BD59-A6C34878D82A}">
-                    <a16:rowId xmlns:a16="http://schemas.microsoft.com/office/drawing/2014/main" xmlns="" val="10002"/>
+                    <a16:rowId xmlns="" xmlns:a16="http://schemas.microsoft.com/office/drawing/2014/main" val="10002"/>
                   </a:ext>
                 </a:extLst>
               </a:tr>
@@ -8225,7 +8251,7 @@
                 </a:tc>
                 <a:extLst>
                   <a:ext uri="{0D108BD9-81ED-4DB2-BD59-A6C34878D82A}">
-                    <a16:rowId xmlns:a16="http://schemas.microsoft.com/office/drawing/2014/main" xmlns="" val="10003"/>
+                    <a16:rowId xmlns="" xmlns:a16="http://schemas.microsoft.com/office/drawing/2014/main" val="10003"/>
                   </a:ext>
                 </a:extLst>
               </a:tr>
@@ -8296,7 +8322,7 @@
                 <a:gridCol w="2532795">
                   <a:extLst>
                     <a:ext uri="{9D8B030D-6E8A-4147-A177-3AD203B41FA5}">
-                      <a16:colId xmlns:a16="http://schemas.microsoft.com/office/drawing/2014/main" xmlns="" val="20000"/>
+                      <a16:colId xmlns="" xmlns:a16="http://schemas.microsoft.com/office/drawing/2014/main" val="20000"/>
                     </a:ext>
                   </a:extLst>
                 </a:gridCol>
@@ -8363,7 +8389,7 @@
                 </a:tc>
                 <a:extLst>
                   <a:ext uri="{0D108BD9-81ED-4DB2-BD59-A6C34878D82A}">
-                    <a16:rowId xmlns:a16="http://schemas.microsoft.com/office/drawing/2014/main" xmlns="" val="10000"/>
+                    <a16:rowId xmlns="" xmlns:a16="http://schemas.microsoft.com/office/drawing/2014/main" val="10000"/>
                   </a:ext>
                 </a:extLst>
               </a:tr>
@@ -8397,7 +8423,7 @@
                 </a:tc>
                 <a:extLst>
                   <a:ext uri="{0D108BD9-81ED-4DB2-BD59-A6C34878D82A}">
-                    <a16:rowId xmlns:a16="http://schemas.microsoft.com/office/drawing/2014/main" xmlns="" val="10001"/>
+                    <a16:rowId xmlns="" xmlns:a16="http://schemas.microsoft.com/office/drawing/2014/main" val="10001"/>
                   </a:ext>
                 </a:extLst>
               </a:tr>
@@ -8445,7 +8471,7 @@
                 </a:tc>
                 <a:extLst>
                   <a:ext uri="{0D108BD9-81ED-4DB2-BD59-A6C34878D82A}">
-                    <a16:rowId xmlns:a16="http://schemas.microsoft.com/office/drawing/2014/main" xmlns="" val="4232395393"/>
+                    <a16:rowId xmlns="" xmlns:a16="http://schemas.microsoft.com/office/drawing/2014/main" val="4232395393"/>
                   </a:ext>
                 </a:extLst>
               </a:tr>
@@ -8485,7 +8511,7 @@
                 </a:tc>
                 <a:extLst>
                   <a:ext uri="{0D108BD9-81ED-4DB2-BD59-A6C34878D82A}">
-                    <a16:rowId xmlns:a16="http://schemas.microsoft.com/office/drawing/2014/main" xmlns="" val="10002"/>
+                    <a16:rowId xmlns="" xmlns:a16="http://schemas.microsoft.com/office/drawing/2014/main" val="10002"/>
                   </a:ext>
                 </a:extLst>
               </a:tr>
@@ -8614,7 +8640,7 @@
                 </a:tc>
                 <a:extLst>
                   <a:ext uri="{0D108BD9-81ED-4DB2-BD59-A6C34878D82A}">
-                    <a16:rowId xmlns:a16="http://schemas.microsoft.com/office/drawing/2014/main" xmlns="" val="10003"/>
+                    <a16:rowId xmlns="" xmlns:a16="http://schemas.microsoft.com/office/drawing/2014/main" val="10003"/>
                   </a:ext>
                 </a:extLst>
               </a:tr>
@@ -8685,7 +8711,7 @@
                 <a:gridCol w="2055072">
                   <a:extLst>
                     <a:ext uri="{9D8B030D-6E8A-4147-A177-3AD203B41FA5}">
-                      <a16:colId xmlns:a16="http://schemas.microsoft.com/office/drawing/2014/main" xmlns="" val="20000"/>
+                      <a16:colId xmlns="" xmlns:a16="http://schemas.microsoft.com/office/drawing/2014/main" val="20000"/>
                     </a:ext>
                   </a:extLst>
                 </a:gridCol>
@@ -8776,7 +8802,7 @@
                 </a:tc>
                 <a:extLst>
                   <a:ext uri="{0D108BD9-81ED-4DB2-BD59-A6C34878D82A}">
-                    <a16:rowId xmlns:a16="http://schemas.microsoft.com/office/drawing/2014/main" xmlns="" val="10000"/>
+                    <a16:rowId xmlns="" xmlns:a16="http://schemas.microsoft.com/office/drawing/2014/main" val="10000"/>
                   </a:ext>
                 </a:extLst>
               </a:tr>
@@ -8844,7 +8870,7 @@
                 </a:tc>
                 <a:extLst>
                   <a:ext uri="{0D108BD9-81ED-4DB2-BD59-A6C34878D82A}">
-                    <a16:rowId xmlns:a16="http://schemas.microsoft.com/office/drawing/2014/main" xmlns="" val="10001"/>
+                    <a16:rowId xmlns="" xmlns:a16="http://schemas.microsoft.com/office/drawing/2014/main" val="10001"/>
                   </a:ext>
                 </a:extLst>
               </a:tr>
@@ -8884,7 +8910,7 @@
                 </a:tc>
                 <a:extLst>
                   <a:ext uri="{0D108BD9-81ED-4DB2-BD59-A6C34878D82A}">
-                    <a16:rowId xmlns:a16="http://schemas.microsoft.com/office/drawing/2014/main" xmlns="" val="10002"/>
+                    <a16:rowId xmlns="" xmlns:a16="http://schemas.microsoft.com/office/drawing/2014/main" val="10002"/>
                   </a:ext>
                 </a:extLst>
               </a:tr>
@@ -9022,7 +9048,7 @@
                 </a:tc>
                 <a:extLst>
                   <a:ext uri="{0D108BD9-81ED-4DB2-BD59-A6C34878D82A}">
-                    <a16:rowId xmlns:a16="http://schemas.microsoft.com/office/drawing/2014/main" xmlns="" val="10003"/>
+                    <a16:rowId xmlns="" xmlns:a16="http://schemas.microsoft.com/office/drawing/2014/main" val="10003"/>
                   </a:ext>
                 </a:extLst>
               </a:tr>
@@ -9093,7 +9119,7 @@
                 <a:gridCol w="2950330">
                   <a:extLst>
                     <a:ext uri="{9D8B030D-6E8A-4147-A177-3AD203B41FA5}">
-                      <a16:colId xmlns:a16="http://schemas.microsoft.com/office/drawing/2014/main" xmlns="" val="20000"/>
+                      <a16:colId xmlns="" xmlns:a16="http://schemas.microsoft.com/office/drawing/2014/main" val="20000"/>
                     </a:ext>
                   </a:extLst>
                 </a:gridCol>
@@ -9160,7 +9186,7 @@
                 </a:tc>
                 <a:extLst>
                   <a:ext uri="{0D108BD9-81ED-4DB2-BD59-A6C34878D82A}">
-                    <a16:rowId xmlns:a16="http://schemas.microsoft.com/office/drawing/2014/main" xmlns="" val="10000"/>
+                    <a16:rowId xmlns="" xmlns:a16="http://schemas.microsoft.com/office/drawing/2014/main" val="10000"/>
                   </a:ext>
                 </a:extLst>
               </a:tr>
@@ -9194,7 +9220,7 @@
                 </a:tc>
                 <a:extLst>
                   <a:ext uri="{0D108BD9-81ED-4DB2-BD59-A6C34878D82A}">
-                    <a16:rowId xmlns:a16="http://schemas.microsoft.com/office/drawing/2014/main" xmlns="" val="10001"/>
+                    <a16:rowId xmlns="" xmlns:a16="http://schemas.microsoft.com/office/drawing/2014/main" val="10001"/>
                   </a:ext>
                 </a:extLst>
               </a:tr>
@@ -9242,7 +9268,7 @@
                 </a:tc>
                 <a:extLst>
                   <a:ext uri="{0D108BD9-81ED-4DB2-BD59-A6C34878D82A}">
-                    <a16:rowId xmlns:a16="http://schemas.microsoft.com/office/drawing/2014/main" xmlns="" val="679801633"/>
+                    <a16:rowId xmlns="" xmlns:a16="http://schemas.microsoft.com/office/drawing/2014/main" val="679801633"/>
                   </a:ext>
                 </a:extLst>
               </a:tr>
@@ -9276,7 +9302,7 @@
                 </a:tc>
                 <a:extLst>
                   <a:ext uri="{0D108BD9-81ED-4DB2-BD59-A6C34878D82A}">
-                    <a16:rowId xmlns:a16="http://schemas.microsoft.com/office/drawing/2014/main" xmlns="" val="10002"/>
+                    <a16:rowId xmlns="" xmlns:a16="http://schemas.microsoft.com/office/drawing/2014/main" val="10002"/>
                   </a:ext>
                 </a:extLst>
               </a:tr>
@@ -9453,7 +9479,7 @@
                 </a:tc>
                 <a:extLst>
                   <a:ext uri="{0D108BD9-81ED-4DB2-BD59-A6C34878D82A}">
-                    <a16:rowId xmlns:a16="http://schemas.microsoft.com/office/drawing/2014/main" xmlns="" val="10003"/>
+                    <a16:rowId xmlns="" xmlns:a16="http://schemas.microsoft.com/office/drawing/2014/main" val="10003"/>
                   </a:ext>
                 </a:extLst>
               </a:tr>
@@ -9526,7 +9552,7 @@
                 <a:gridCol w="2055072">
                   <a:extLst>
                     <a:ext uri="{9D8B030D-6E8A-4147-A177-3AD203B41FA5}">
-                      <a16:colId xmlns:a16="http://schemas.microsoft.com/office/drawing/2014/main" xmlns="" val="20000"/>
+                      <a16:colId xmlns="" xmlns:a16="http://schemas.microsoft.com/office/drawing/2014/main" val="20000"/>
                     </a:ext>
                   </a:extLst>
                 </a:gridCol>
@@ -9577,7 +9603,7 @@
                 </a:tc>
                 <a:extLst>
                   <a:ext uri="{0D108BD9-81ED-4DB2-BD59-A6C34878D82A}">
-                    <a16:rowId xmlns:a16="http://schemas.microsoft.com/office/drawing/2014/main" xmlns="" val="10000"/>
+                    <a16:rowId xmlns="" xmlns:a16="http://schemas.microsoft.com/office/drawing/2014/main" val="10000"/>
                   </a:ext>
                 </a:extLst>
               </a:tr>
@@ -9623,7 +9649,7 @@
                 </a:tc>
                 <a:extLst>
                   <a:ext uri="{0D108BD9-81ED-4DB2-BD59-A6C34878D82A}">
-                    <a16:rowId xmlns:a16="http://schemas.microsoft.com/office/drawing/2014/main" xmlns="" val="10001"/>
+                    <a16:rowId xmlns="" xmlns:a16="http://schemas.microsoft.com/office/drawing/2014/main" val="10001"/>
                   </a:ext>
                 </a:extLst>
               </a:tr>
@@ -9671,7 +9697,7 @@
                 </a:tc>
                 <a:extLst>
                   <a:ext uri="{0D108BD9-81ED-4DB2-BD59-A6C34878D82A}">
-                    <a16:rowId xmlns:a16="http://schemas.microsoft.com/office/drawing/2014/main" xmlns="" val="634995201"/>
+                    <a16:rowId xmlns="" xmlns:a16="http://schemas.microsoft.com/office/drawing/2014/main" val="634995201"/>
                   </a:ext>
                 </a:extLst>
               </a:tr>
@@ -9705,7 +9731,7 @@
                 </a:tc>
                 <a:extLst>
                   <a:ext uri="{0D108BD9-81ED-4DB2-BD59-A6C34878D82A}">
-                    <a16:rowId xmlns:a16="http://schemas.microsoft.com/office/drawing/2014/main" xmlns="" val="10002"/>
+                    <a16:rowId xmlns="" xmlns:a16="http://schemas.microsoft.com/office/drawing/2014/main" val="10002"/>
                   </a:ext>
                 </a:extLst>
               </a:tr>
@@ -9843,7 +9869,7 @@
                 </a:tc>
                 <a:extLst>
                   <a:ext uri="{0D108BD9-81ED-4DB2-BD59-A6C34878D82A}">
-                    <a16:rowId xmlns:a16="http://schemas.microsoft.com/office/drawing/2014/main" xmlns="" val="10003"/>
+                    <a16:rowId xmlns="" xmlns:a16="http://schemas.microsoft.com/office/drawing/2014/main" val="10003"/>
                   </a:ext>
                 </a:extLst>
               </a:tr>
@@ -9914,7 +9940,7 @@
                 <a:gridCol w="3094779">
                   <a:extLst>
                     <a:ext uri="{9D8B030D-6E8A-4147-A177-3AD203B41FA5}">
-                      <a16:colId xmlns:a16="http://schemas.microsoft.com/office/drawing/2014/main" xmlns="" val="20000"/>
+                      <a16:colId xmlns="" xmlns:a16="http://schemas.microsoft.com/office/drawing/2014/main" val="20000"/>
                     </a:ext>
                   </a:extLst>
                 </a:gridCol>
@@ -9949,7 +9975,7 @@
                 </a:tc>
                 <a:extLst>
                   <a:ext uri="{0D108BD9-81ED-4DB2-BD59-A6C34878D82A}">
-                    <a16:rowId xmlns:a16="http://schemas.microsoft.com/office/drawing/2014/main" xmlns="" val="10000"/>
+                    <a16:rowId xmlns="" xmlns:a16="http://schemas.microsoft.com/office/drawing/2014/main" val="10000"/>
                   </a:ext>
                 </a:extLst>
               </a:tr>
@@ -10017,7 +10043,7 @@
                 </a:tc>
                 <a:extLst>
                   <a:ext uri="{0D108BD9-81ED-4DB2-BD59-A6C34878D82A}">
-                    <a16:rowId xmlns:a16="http://schemas.microsoft.com/office/drawing/2014/main" xmlns="" val="10001"/>
+                    <a16:rowId xmlns="" xmlns:a16="http://schemas.microsoft.com/office/drawing/2014/main" val="10001"/>
                   </a:ext>
                 </a:extLst>
               </a:tr>
@@ -10182,7 +10208,7 @@
                 </a:tc>
                 <a:extLst>
                   <a:ext uri="{0D108BD9-81ED-4DB2-BD59-A6C34878D82A}">
-                    <a16:rowId xmlns:a16="http://schemas.microsoft.com/office/drawing/2014/main" xmlns="" val="10003"/>
+                    <a16:rowId xmlns="" xmlns:a16="http://schemas.microsoft.com/office/drawing/2014/main" val="10003"/>
                   </a:ext>
                 </a:extLst>
               </a:tr>
@@ -10253,7 +10279,7 @@
                 <a:gridCol w="1986506">
                   <a:extLst>
                     <a:ext uri="{9D8B030D-6E8A-4147-A177-3AD203B41FA5}">
-                      <a16:colId xmlns:a16="http://schemas.microsoft.com/office/drawing/2014/main" xmlns="" val="20000"/>
+                      <a16:colId xmlns="" xmlns:a16="http://schemas.microsoft.com/office/drawing/2014/main" val="20000"/>
                     </a:ext>
                   </a:extLst>
                 </a:gridCol>
@@ -10288,7 +10314,7 @@
                 </a:tc>
                 <a:extLst>
                   <a:ext uri="{0D108BD9-81ED-4DB2-BD59-A6C34878D82A}">
-                    <a16:rowId xmlns:a16="http://schemas.microsoft.com/office/drawing/2014/main" xmlns="" val="10000"/>
+                    <a16:rowId xmlns="" xmlns:a16="http://schemas.microsoft.com/office/drawing/2014/main" val="10000"/>
                   </a:ext>
                 </a:extLst>
               </a:tr>
@@ -10394,7 +10420,7 @@
                 </a:tc>
                 <a:extLst>
                   <a:ext uri="{0D108BD9-81ED-4DB2-BD59-A6C34878D82A}">
-                    <a16:rowId xmlns:a16="http://schemas.microsoft.com/office/drawing/2014/main" xmlns="" val="10001"/>
+                    <a16:rowId xmlns="" xmlns:a16="http://schemas.microsoft.com/office/drawing/2014/main" val="10001"/>
                   </a:ext>
                 </a:extLst>
               </a:tr>
@@ -10472,7 +10498,7 @@
                 </a:tc>
                 <a:extLst>
                   <a:ext uri="{0D108BD9-81ED-4DB2-BD59-A6C34878D82A}">
-                    <a16:rowId xmlns:a16="http://schemas.microsoft.com/office/drawing/2014/main" xmlns="" val="10003"/>
+                    <a16:rowId xmlns="" xmlns:a16="http://schemas.microsoft.com/office/drawing/2014/main" val="10003"/>
                   </a:ext>
                 </a:extLst>
               </a:tr>

--- a/FYP/Timeline and Diagram/FYPTimeline 15th June Edition.pptx
+++ b/FYP/Timeline and Diagram/FYPTimeline 15th June Edition.pptx
@@ -209,7 +209,7 @@
           <a:p>
             <a:fld id="{D8A5F3BE-A6C5-E54D-9A35-A968F4ADF59A}" type="datetimeFigureOut">
               <a:rPr lang="en-US" smtClean="0"/>
-              <a:t>7/16/16</a:t>
+              <a:t>8/9/16</a:t>
             </a:fld>
             <a:endParaRPr lang="en-US"/>
           </a:p>
@@ -697,7 +697,7 @@
           <a:p>
             <a:fld id="{D93CE7DB-6B87-9F48-AC89-27FF703009F0}" type="datetimeFigureOut">
               <a:rPr lang="en-US" smtClean="0"/>
-              <a:t>7/16/16</a:t>
+              <a:t>8/9/16</a:t>
             </a:fld>
             <a:endParaRPr lang="en-US"/>
           </a:p>
@@ -867,7 +867,7 @@
           <a:p>
             <a:fld id="{D93CE7DB-6B87-9F48-AC89-27FF703009F0}" type="datetimeFigureOut">
               <a:rPr lang="en-US" smtClean="0"/>
-              <a:t>7/16/16</a:t>
+              <a:t>8/9/16</a:t>
             </a:fld>
             <a:endParaRPr lang="en-US"/>
           </a:p>
@@ -1047,7 +1047,7 @@
           <a:p>
             <a:fld id="{D93CE7DB-6B87-9F48-AC89-27FF703009F0}" type="datetimeFigureOut">
               <a:rPr lang="en-US" smtClean="0"/>
-              <a:t>7/16/16</a:t>
+              <a:t>8/9/16</a:t>
             </a:fld>
             <a:endParaRPr lang="en-US"/>
           </a:p>
@@ -1217,7 +1217,7 @@
           <a:p>
             <a:fld id="{D93CE7DB-6B87-9F48-AC89-27FF703009F0}" type="datetimeFigureOut">
               <a:rPr lang="en-US" smtClean="0"/>
-              <a:t>7/16/16</a:t>
+              <a:t>8/9/16</a:t>
             </a:fld>
             <a:endParaRPr lang="en-US"/>
           </a:p>
@@ -1461,7 +1461,7 @@
           <a:p>
             <a:fld id="{D93CE7DB-6B87-9F48-AC89-27FF703009F0}" type="datetimeFigureOut">
               <a:rPr lang="en-US" smtClean="0"/>
-              <a:t>7/16/16</a:t>
+              <a:t>8/9/16</a:t>
             </a:fld>
             <a:endParaRPr lang="en-US"/>
           </a:p>
@@ -1693,7 +1693,7 @@
           <a:p>
             <a:fld id="{D93CE7DB-6B87-9F48-AC89-27FF703009F0}" type="datetimeFigureOut">
               <a:rPr lang="en-US" smtClean="0"/>
-              <a:t>7/16/16</a:t>
+              <a:t>8/9/16</a:t>
             </a:fld>
             <a:endParaRPr lang="en-US"/>
           </a:p>
@@ -2060,7 +2060,7 @@
           <a:p>
             <a:fld id="{D93CE7DB-6B87-9F48-AC89-27FF703009F0}" type="datetimeFigureOut">
               <a:rPr lang="en-US" smtClean="0"/>
-              <a:t>7/16/16</a:t>
+              <a:t>8/9/16</a:t>
             </a:fld>
             <a:endParaRPr lang="en-US"/>
           </a:p>
@@ -2178,7 +2178,7 @@
           <a:p>
             <a:fld id="{D93CE7DB-6B87-9F48-AC89-27FF703009F0}" type="datetimeFigureOut">
               <a:rPr lang="en-US" smtClean="0"/>
-              <a:t>7/16/16</a:t>
+              <a:t>8/9/16</a:t>
             </a:fld>
             <a:endParaRPr lang="en-US"/>
           </a:p>
@@ -2273,7 +2273,7 @@
           <a:p>
             <a:fld id="{D93CE7DB-6B87-9F48-AC89-27FF703009F0}" type="datetimeFigureOut">
               <a:rPr lang="en-US" smtClean="0"/>
-              <a:t>7/16/16</a:t>
+              <a:t>8/9/16</a:t>
             </a:fld>
             <a:endParaRPr lang="en-US"/>
           </a:p>
@@ -2550,7 +2550,7 @@
           <a:p>
             <a:fld id="{D93CE7DB-6B87-9F48-AC89-27FF703009F0}" type="datetimeFigureOut">
               <a:rPr lang="en-US" smtClean="0"/>
-              <a:t>7/16/16</a:t>
+              <a:t>8/9/16</a:t>
             </a:fld>
             <a:endParaRPr lang="en-US"/>
           </a:p>
@@ -2807,7 +2807,7 @@
           <a:p>
             <a:fld id="{D93CE7DB-6B87-9F48-AC89-27FF703009F0}" type="datetimeFigureOut">
               <a:rPr lang="en-US" smtClean="0"/>
-              <a:t>7/16/16</a:t>
+              <a:t>8/9/16</a:t>
             </a:fld>
             <a:endParaRPr lang="en-US"/>
           </a:p>
@@ -3020,7 +3020,7 @@
           <a:p>
             <a:fld id="{D93CE7DB-6B87-9F48-AC89-27FF703009F0}" type="datetimeFigureOut">
               <a:rPr lang="en-US" smtClean="0"/>
-              <a:t>7/16/16</a:t>
+              <a:t>8/9/16</a:t>
             </a:fld>
             <a:endParaRPr lang="en-US"/>
           </a:p>
@@ -5032,7 +5032,7 @@
                 <a:gridCol w="1612468">
                   <a:extLst>
                     <a:ext uri="{9D8B030D-6E8A-4147-A177-3AD203B41FA5}">
-                      <a16:colId xmlns="" xmlns:a16="http://schemas.microsoft.com/office/drawing/2014/main" val="20000"/>
+                      <a16:colId xmlns:a16="http://schemas.microsoft.com/office/drawing/2014/main" xmlns="" val="20000"/>
                     </a:ext>
                   </a:extLst>
                 </a:gridCol>
@@ -5107,7 +5107,7 @@
                 </a:tc>
                 <a:extLst>
                   <a:ext uri="{0D108BD9-81ED-4DB2-BD59-A6C34878D82A}">
-                    <a16:rowId xmlns="" xmlns:a16="http://schemas.microsoft.com/office/drawing/2014/main" val="10000"/>
+                    <a16:rowId xmlns:a16="http://schemas.microsoft.com/office/drawing/2014/main" xmlns="" val="10000"/>
                   </a:ext>
                 </a:extLst>
               </a:tr>
@@ -5141,7 +5141,7 @@
                 </a:tc>
                 <a:extLst>
                   <a:ext uri="{0D108BD9-81ED-4DB2-BD59-A6C34878D82A}">
-                    <a16:rowId xmlns="" xmlns:a16="http://schemas.microsoft.com/office/drawing/2014/main" val="10001"/>
+                    <a16:rowId xmlns:a16="http://schemas.microsoft.com/office/drawing/2014/main" xmlns="" val="10001"/>
                   </a:ext>
                 </a:extLst>
               </a:tr>
@@ -5183,7 +5183,7 @@
                 </a:tc>
                 <a:extLst>
                   <a:ext uri="{0D108BD9-81ED-4DB2-BD59-A6C34878D82A}">
-                    <a16:rowId xmlns="" xmlns:a16="http://schemas.microsoft.com/office/drawing/2014/main" val="10002"/>
+                    <a16:rowId xmlns:a16="http://schemas.microsoft.com/office/drawing/2014/main" xmlns="" val="10002"/>
                   </a:ext>
                 </a:extLst>
               </a:tr>
@@ -5217,7 +5217,7 @@
                 </a:tc>
                 <a:extLst>
                   <a:ext uri="{0D108BD9-81ED-4DB2-BD59-A6C34878D82A}">
-                    <a16:rowId xmlns="" xmlns:a16="http://schemas.microsoft.com/office/drawing/2014/main" val="10003"/>
+                    <a16:rowId xmlns:a16="http://schemas.microsoft.com/office/drawing/2014/main" xmlns="" val="10003"/>
                   </a:ext>
                 </a:extLst>
               </a:tr>
@@ -5269,7 +5269,7 @@
           <p:nvPr>
             <p:extLst>
               <p:ext uri="{D42A27DB-BD31-4B8C-83A1-F6EECF244321}">
-                <p14:modId xmlns:p14="http://schemas.microsoft.com/office/powerpoint/2010/main" val="1107727129"/>
+                <p14:modId xmlns:p14="http://schemas.microsoft.com/office/powerpoint/2010/main" val="2053507832"/>
               </p:ext>
             </p:extLst>
           </p:nvPr>
@@ -5288,7 +5288,7 @@
                 <a:gridCol w="2222878">
                   <a:extLst>
                     <a:ext uri="{9D8B030D-6E8A-4147-A177-3AD203B41FA5}">
-                      <a16:colId xmlns="" xmlns:a16="http://schemas.microsoft.com/office/drawing/2014/main" val="2192527220"/>
+                      <a16:colId xmlns:a16="http://schemas.microsoft.com/office/drawing/2014/main" xmlns="" val="2192527220"/>
                     </a:ext>
                   </a:extLst>
                 </a:gridCol>
@@ -5363,7 +5363,7 @@
                 </a:tc>
                 <a:extLst>
                   <a:ext uri="{0D108BD9-81ED-4DB2-BD59-A6C34878D82A}">
-                    <a16:rowId xmlns="" xmlns:a16="http://schemas.microsoft.com/office/drawing/2014/main" val="1986687887"/>
+                    <a16:rowId xmlns:a16="http://schemas.microsoft.com/office/drawing/2014/main" xmlns="" val="1986687887"/>
                   </a:ext>
                 </a:extLst>
               </a:tr>
@@ -5432,7 +5432,23 @@
                           <a:ea typeface="Noveo Sans" charset="0"/>
                           <a:cs typeface="Noveo Sans" charset="0"/>
                         </a:rPr>
-                        <a:t>Authentication Module (I),</a:t>
+                        <a:t>Accounting Module </a:t>
+                      </a:r>
+                      <a:r>
+                        <a:rPr lang="en-SG" sz="1200" dirty="0" smtClean="0">
+                          <a:latin typeface="Noveo Sans" charset="0"/>
+                          <a:ea typeface="Noveo Sans" charset="0"/>
+                          <a:cs typeface="Noveo Sans" charset="0"/>
+                        </a:rPr>
+                        <a:t>(I</a:t>
+                      </a:r>
+                      <a:r>
+                        <a:rPr lang="en-SG" sz="1200" dirty="0" smtClean="0">
+                          <a:latin typeface="Noveo Sans" charset="0"/>
+                          <a:ea typeface="Noveo Sans" charset="0"/>
+                          <a:cs typeface="Noveo Sans" charset="0"/>
+                        </a:rPr>
+                        <a:t>),</a:t>
                       </a:r>
                       <a:r>
                         <a:rPr lang="en-SG" sz="1200" baseline="0" dirty="0" smtClean="0">
@@ -5440,7 +5456,7 @@
                           <a:ea typeface="Noveo Sans" charset="0"/>
                           <a:cs typeface="Noveo Sans" charset="0"/>
                         </a:rPr>
-                        <a:t> Enquiry Module</a:t>
+                        <a:t> Online Help Module</a:t>
                       </a:r>
                       <a:endParaRPr lang="en-SG" sz="1200" dirty="0" smtClean="0">
                         <a:latin typeface="Noveo Sans" charset="0"/>
@@ -5457,7 +5473,7 @@
                 </a:tc>
                 <a:extLst>
                   <a:ext uri="{0D108BD9-81ED-4DB2-BD59-A6C34878D82A}">
-                    <a16:rowId xmlns="" xmlns:a16="http://schemas.microsoft.com/office/drawing/2014/main" val="3506151837"/>
+                    <a16:rowId xmlns:a16="http://schemas.microsoft.com/office/drawing/2014/main" xmlns="" val="3506151837"/>
                   </a:ext>
                 </a:extLst>
               </a:tr>
@@ -5553,7 +5569,7 @@
                 </a:tc>
                 <a:extLst>
                   <a:ext uri="{0D108BD9-81ED-4DB2-BD59-A6C34878D82A}">
-                    <a16:rowId xmlns="" xmlns:a16="http://schemas.microsoft.com/office/drawing/2014/main" val="1767699772"/>
+                    <a16:rowId xmlns:a16="http://schemas.microsoft.com/office/drawing/2014/main" xmlns="" val="1767699772"/>
                   </a:ext>
                 </a:extLst>
               </a:tr>
@@ -5624,7 +5640,7 @@
                 <a:gridCol w="1928341">
                   <a:extLst>
                     <a:ext uri="{9D8B030D-6E8A-4147-A177-3AD203B41FA5}">
-                      <a16:colId xmlns="" xmlns:a16="http://schemas.microsoft.com/office/drawing/2014/main" val="20000"/>
+                      <a16:colId xmlns:a16="http://schemas.microsoft.com/office/drawing/2014/main" xmlns="" val="20000"/>
                     </a:ext>
                   </a:extLst>
                 </a:gridCol>
@@ -5699,7 +5715,7 @@
                 </a:tc>
                 <a:extLst>
                   <a:ext uri="{0D108BD9-81ED-4DB2-BD59-A6C34878D82A}">
-                    <a16:rowId xmlns="" xmlns:a16="http://schemas.microsoft.com/office/drawing/2014/main" val="10000"/>
+                    <a16:rowId xmlns:a16="http://schemas.microsoft.com/office/drawing/2014/main" xmlns="" val="10000"/>
                   </a:ext>
                 </a:extLst>
               </a:tr>
@@ -5771,7 +5787,7 @@
                 </a:tc>
                 <a:extLst>
                   <a:ext uri="{0D108BD9-81ED-4DB2-BD59-A6C34878D82A}">
-                    <a16:rowId xmlns="" xmlns:a16="http://schemas.microsoft.com/office/drawing/2014/main" val="10002"/>
+                    <a16:rowId xmlns:a16="http://schemas.microsoft.com/office/drawing/2014/main" xmlns="" val="10002"/>
                   </a:ext>
                 </a:extLst>
               </a:tr>
@@ -5909,7 +5925,7 @@
                 </a:tc>
                 <a:extLst>
                   <a:ext uri="{0D108BD9-81ED-4DB2-BD59-A6C34878D82A}">
-                    <a16:rowId xmlns="" xmlns:a16="http://schemas.microsoft.com/office/drawing/2014/main" val="10003"/>
+                    <a16:rowId xmlns:a16="http://schemas.microsoft.com/office/drawing/2014/main" xmlns="" val="10003"/>
                   </a:ext>
                 </a:extLst>
               </a:tr>
@@ -5961,7 +5977,7 @@
           <p:nvPr>
             <p:extLst>
               <p:ext uri="{D42A27DB-BD31-4B8C-83A1-F6EECF244321}">
-                <p14:modId xmlns:p14="http://schemas.microsoft.com/office/powerpoint/2010/main" val="135049384"/>
+                <p14:modId xmlns:p14="http://schemas.microsoft.com/office/powerpoint/2010/main" val="1125342140"/>
               </p:ext>
             </p:extLst>
           </p:nvPr>
@@ -5980,7 +5996,7 @@
                 <a:gridCol w="2987497">
                   <a:extLst>
                     <a:ext uri="{9D8B030D-6E8A-4147-A177-3AD203B41FA5}">
-                      <a16:colId xmlns="" xmlns:a16="http://schemas.microsoft.com/office/drawing/2014/main" val="2192527220"/>
+                      <a16:colId xmlns:a16="http://schemas.microsoft.com/office/drawing/2014/main" xmlns="" val="2192527220"/>
                     </a:ext>
                   </a:extLst>
                 </a:gridCol>
@@ -6030,15 +6046,7 @@
                           <a:ea typeface="Noveo Sans" charset="0"/>
                           <a:cs typeface="Noveo Sans" charset="0"/>
                         </a:rPr>
-                        <a:t> </a:t>
-                      </a:r>
-                      <a:r>
-                        <a:rPr lang="en-US" sz="1300" b="0" dirty="0" smtClean="0">
-                          <a:latin typeface="Noveo Sans" charset="0"/>
-                          <a:ea typeface="Noveo Sans" charset="0"/>
-                          <a:cs typeface="Noveo Sans" charset="0"/>
-                        </a:rPr>
-                        <a:t>–</a:t>
+                        <a:t> –</a:t>
                       </a:r>
                       <a:r>
                         <a:rPr lang="en-US" sz="1300" b="0" baseline="0" dirty="0" smtClean="0">
@@ -6079,7 +6087,7 @@
                 </a:tc>
                 <a:extLst>
                   <a:ext uri="{0D108BD9-81ED-4DB2-BD59-A6C34878D82A}">
-                    <a16:rowId xmlns="" xmlns:a16="http://schemas.microsoft.com/office/drawing/2014/main" val="1986687887"/>
+                    <a16:rowId xmlns:a16="http://schemas.microsoft.com/office/drawing/2014/main" xmlns="" val="1986687887"/>
                   </a:ext>
                 </a:extLst>
               </a:tr>
@@ -6107,7 +6115,15 @@
                           <a:ea typeface="Noveo Sans" charset="0"/>
                           <a:cs typeface="Noveo Sans" charset="0"/>
                         </a:rPr>
-                        <a:t>Local Storage Module,</a:t>
+                        <a:t>Offline Mode Module</a:t>
+                      </a:r>
+                      <a:r>
+                        <a:rPr lang="en-SG" sz="1200" dirty="0" smtClean="0">
+                          <a:latin typeface="Noveo Sans" charset="0"/>
+                          <a:ea typeface="Noveo Sans" charset="0"/>
+                          <a:cs typeface="Noveo Sans" charset="0"/>
+                        </a:rPr>
+                        <a:t>,</a:t>
                       </a:r>
                       <a:r>
                         <a:rPr lang="en-SG" sz="1200" baseline="0" dirty="0" smtClean="0">
@@ -6135,7 +6151,7 @@
                 </a:tc>
                 <a:extLst>
                   <a:ext uri="{0D108BD9-81ED-4DB2-BD59-A6C34878D82A}">
-                    <a16:rowId xmlns="" xmlns:a16="http://schemas.microsoft.com/office/drawing/2014/main" val="3506151837"/>
+                    <a16:rowId xmlns:a16="http://schemas.microsoft.com/office/drawing/2014/main" xmlns="" val="3506151837"/>
                   </a:ext>
                 </a:extLst>
               </a:tr>
@@ -6273,7 +6289,7 @@
                 </a:tc>
                 <a:extLst>
                   <a:ext uri="{0D108BD9-81ED-4DB2-BD59-A6C34878D82A}">
-                    <a16:rowId xmlns="" xmlns:a16="http://schemas.microsoft.com/office/drawing/2014/main" val="1767699772"/>
+                    <a16:rowId xmlns:a16="http://schemas.microsoft.com/office/drawing/2014/main" xmlns="" val="1767699772"/>
                   </a:ext>
                 </a:extLst>
               </a:tr>
@@ -6325,13 +6341,13 @@
           <p:nvPr>
             <p:extLst>
               <p:ext uri="{D42A27DB-BD31-4B8C-83A1-F6EECF244321}">
-                <p14:modId xmlns:p14="http://schemas.microsoft.com/office/powerpoint/2010/main" val="2008022764"/>
+                <p14:modId xmlns:p14="http://schemas.microsoft.com/office/powerpoint/2010/main" val="494704219"/>
               </p:ext>
             </p:extLst>
           </p:nvPr>
         </p:nvGraphicFramePr>
         <p:xfrm>
-          <a:off x="2008338" y="4724836"/>
+          <a:off x="2006742" y="4552649"/>
           <a:ext cx="2690439" cy="2228096"/>
         </p:xfrm>
         <a:graphic>
@@ -6344,7 +6360,7 @@
                 <a:gridCol w="2690439">
                   <a:extLst>
                     <a:ext uri="{9D8B030D-6E8A-4147-A177-3AD203B41FA5}">
-                      <a16:colId xmlns="" xmlns:a16="http://schemas.microsoft.com/office/drawing/2014/main" val="20000"/>
+                      <a16:colId xmlns:a16="http://schemas.microsoft.com/office/drawing/2014/main" xmlns="" val="20000"/>
                     </a:ext>
                   </a:extLst>
                 </a:gridCol>
@@ -6419,7 +6435,7 @@
                 </a:tc>
                 <a:extLst>
                   <a:ext uri="{0D108BD9-81ED-4DB2-BD59-A6C34878D82A}">
-                    <a16:rowId xmlns="" xmlns:a16="http://schemas.microsoft.com/office/drawing/2014/main" val="10000"/>
+                    <a16:rowId xmlns:a16="http://schemas.microsoft.com/office/drawing/2014/main" xmlns="" val="10000"/>
                   </a:ext>
                 </a:extLst>
               </a:tr>
@@ -6484,7 +6500,7 @@
                 </a:tc>
                 <a:extLst>
                   <a:ext uri="{0D108BD9-81ED-4DB2-BD59-A6C34878D82A}">
-                    <a16:rowId xmlns="" xmlns:a16="http://schemas.microsoft.com/office/drawing/2014/main" val="2572675366"/>
+                    <a16:rowId xmlns:a16="http://schemas.microsoft.com/office/drawing/2014/main" xmlns="" val="2572675366"/>
                   </a:ext>
                 </a:extLst>
               </a:tr>
@@ -6512,7 +6528,7 @@
                           <a:ea typeface="Noveo Sans" charset="0"/>
                           <a:cs typeface="Noveo Sans" charset="0"/>
                         </a:rPr>
-                        <a:t>Authentication</a:t>
+                        <a:t>Accounting </a:t>
                       </a:r>
                       <a:r>
                         <a:rPr lang="en-SG" sz="1200" baseline="0" dirty="0" smtClean="0">
@@ -6520,7 +6536,15 @@
                           <a:ea typeface="Noveo Sans" charset="0"/>
                           <a:cs typeface="Noveo Sans" charset="0"/>
                         </a:rPr>
-                        <a:t> Module (I) – User Access Control, </a:t>
+                        <a:t>Module (I) </a:t>
+                      </a:r>
+                      <a:r>
+                        <a:rPr lang="en-SG" sz="1200" baseline="0" dirty="0" smtClean="0">
+                          <a:latin typeface="Noveo Sans" charset="0"/>
+                          <a:ea typeface="Noveo Sans" charset="0"/>
+                          <a:cs typeface="Noveo Sans" charset="0"/>
+                        </a:rPr>
+                        <a:t>– User Access Control, </a:t>
                       </a:r>
                       <a:r>
                         <a:rPr lang="en-SG" sz="1200" dirty="0" smtClean="0">
@@ -6528,21 +6552,8 @@
                           <a:ea typeface="Noveo Sans" charset="0"/>
                           <a:cs typeface="Noveo Sans" charset="0"/>
                         </a:rPr>
-                        <a:t>Analytics Module (Graphical</a:t>
-                      </a:r>
-                      <a:r>
-                        <a:rPr lang="en-SG" sz="1200" dirty="0" smtClean="0">
-                          <a:latin typeface="Noveo Sans" charset="0"/>
-                          <a:ea typeface="Noveo Sans" charset="0"/>
-                          <a:cs typeface="Noveo Sans" charset="0"/>
-                        </a:rPr>
-                        <a:t>), Revamp UI</a:t>
-                      </a:r>
-                      <a:endParaRPr lang="en-SG" sz="1200" dirty="0" smtClean="0">
-                        <a:latin typeface="Noveo Sans" charset="0"/>
-                        <a:ea typeface="Noveo Sans" charset="0"/>
-                        <a:cs typeface="Noveo Sans" charset="0"/>
-                      </a:endParaRPr>
+                        <a:t>Analytics Module (Graphical), Revamp UI</a:t>
+                      </a:r>
                     </a:p>
                   </a:txBody>
                   <a:tcPr marL="96012" marR="96012" marT="48007" marB="48007" anchor="ctr">
@@ -6553,7 +6564,7 @@
                 </a:tc>
                 <a:extLst>
                   <a:ext uri="{0D108BD9-81ED-4DB2-BD59-A6C34878D82A}">
-                    <a16:rowId xmlns="" xmlns:a16="http://schemas.microsoft.com/office/drawing/2014/main" val="10001"/>
+                    <a16:rowId xmlns:a16="http://schemas.microsoft.com/office/drawing/2014/main" xmlns="" val="10001"/>
                   </a:ext>
                 </a:extLst>
               </a:tr>
@@ -6670,7 +6681,7 @@
                           <a:ea typeface="+mn-ea"/>
                           <a:cs typeface="+mn-cs"/>
                         </a:rPr>
-                        <a:t>Update Bug </a:t>
+                        <a:t>Update Bug log, </a:t>
                       </a:r>
                       <a:r>
                         <a:rPr lang="en-US" sz="1200" kern="1200" dirty="0" smtClean="0">
@@ -6682,7 +6693,7 @@
                           <a:ea typeface="+mn-ea"/>
                           <a:cs typeface="+mn-cs"/>
                         </a:rPr>
-                        <a:t>log, UAT 1 User</a:t>
+                        <a:t>Expert Testing User</a:t>
                       </a:r>
                       <a:r>
                         <a:rPr lang="en-US" sz="1200" kern="1200" baseline="0" dirty="0" smtClean="0">
@@ -6694,7 +6705,19 @@
                           <a:ea typeface="+mn-ea"/>
                           <a:cs typeface="+mn-cs"/>
                         </a:rPr>
-                        <a:t> Guide</a:t>
+                        <a:t> </a:t>
+                      </a:r>
+                      <a:r>
+                        <a:rPr lang="en-US" sz="1200" kern="1200" baseline="0" dirty="0" smtClean="0">
+                          <a:solidFill>
+                            <a:schemeClr val="dk1"/>
+                          </a:solidFill>
+                          <a:effectLst/>
+                          <a:latin typeface="Noveo Sans" panose="020B0503020204020203" pitchFamily="34" charset="0"/>
+                          <a:ea typeface="+mn-ea"/>
+                          <a:cs typeface="+mn-cs"/>
+                        </a:rPr>
+                        <a:t>Guide</a:t>
                       </a:r>
                       <a:endParaRPr lang="en-SG" sz="1200" kern="1200" dirty="0">
                         <a:solidFill>
@@ -6715,7 +6738,7 @@
                 </a:tc>
                 <a:extLst>
                   <a:ext uri="{0D108BD9-81ED-4DB2-BD59-A6C34878D82A}">
-                    <a16:rowId xmlns="" xmlns:a16="http://schemas.microsoft.com/office/drawing/2014/main" val="10002"/>
+                    <a16:rowId xmlns:a16="http://schemas.microsoft.com/office/drawing/2014/main" xmlns="" val="10002"/>
                   </a:ext>
                 </a:extLst>
               </a:tr>
@@ -6732,7 +6755,7 @@
           <p:nvPr>
             <p:extLst>
               <p:ext uri="{D42A27DB-BD31-4B8C-83A1-F6EECF244321}">
-                <p14:modId xmlns:p14="http://schemas.microsoft.com/office/powerpoint/2010/main" val="2096800226"/>
+                <p14:modId xmlns:p14="http://schemas.microsoft.com/office/powerpoint/2010/main" val="641691385"/>
               </p:ext>
             </p:extLst>
           </p:nvPr>
@@ -6751,7 +6774,7 @@
                 <a:gridCol w="2998856">
                   <a:extLst>
                     <a:ext uri="{9D8B030D-6E8A-4147-A177-3AD203B41FA5}">
-                      <a16:colId xmlns="" xmlns:a16="http://schemas.microsoft.com/office/drawing/2014/main" val="2192527220"/>
+                      <a16:colId xmlns:a16="http://schemas.microsoft.com/office/drawing/2014/main" xmlns="" val="2192527220"/>
                     </a:ext>
                   </a:extLst>
                 </a:gridCol>
@@ -6818,7 +6841,7 @@
                 </a:tc>
                 <a:extLst>
                   <a:ext uri="{0D108BD9-81ED-4DB2-BD59-A6C34878D82A}">
-                    <a16:rowId xmlns="" xmlns:a16="http://schemas.microsoft.com/office/drawing/2014/main" val="1986687887"/>
+                    <a16:rowId xmlns:a16="http://schemas.microsoft.com/office/drawing/2014/main" xmlns="" val="1986687887"/>
                   </a:ext>
                 </a:extLst>
               </a:tr>
@@ -6846,7 +6869,15 @@
                           <a:ea typeface="Noveo Sans" charset="0"/>
                           <a:cs typeface="Noveo Sans" charset="0"/>
                         </a:rPr>
-                        <a:t>Authentication Module (II)</a:t>
+                        <a:t>Accounting Module </a:t>
+                      </a:r>
+                      <a:r>
+                        <a:rPr lang="en-SG" sz="1200" dirty="0" smtClean="0">
+                          <a:latin typeface="Noveo Sans" charset="0"/>
+                          <a:ea typeface="Noveo Sans" charset="0"/>
+                          <a:cs typeface="Noveo Sans" charset="0"/>
+                        </a:rPr>
+                        <a:t>(II)</a:t>
                       </a:r>
                     </a:p>
                   </a:txBody>
@@ -6858,7 +6889,7 @@
                 </a:tc>
                 <a:extLst>
                   <a:ext uri="{0D108BD9-81ED-4DB2-BD59-A6C34878D82A}">
-                    <a16:rowId xmlns="" xmlns:a16="http://schemas.microsoft.com/office/drawing/2014/main" val="3506151837"/>
+                    <a16:rowId xmlns:a16="http://schemas.microsoft.com/office/drawing/2014/main" xmlns="" val="3506151837"/>
                   </a:ext>
                 </a:extLst>
               </a:tr>
@@ -7015,7 +7046,7 @@
                 </a:tc>
                 <a:extLst>
                   <a:ext uri="{0D108BD9-81ED-4DB2-BD59-A6C34878D82A}">
-                    <a16:rowId xmlns="" xmlns:a16="http://schemas.microsoft.com/office/drawing/2014/main" val="1767699772"/>
+                    <a16:rowId xmlns:a16="http://schemas.microsoft.com/office/drawing/2014/main" xmlns="" val="1767699772"/>
                   </a:ext>
                 </a:extLst>
               </a:tr>
@@ -7102,14 +7133,14 @@
           <p:nvPr>
             <p:extLst>
               <p:ext uri="{D42A27DB-BD31-4B8C-83A1-F6EECF244321}">
-                <p14:modId xmlns:p14="http://schemas.microsoft.com/office/powerpoint/2010/main" val="417799727"/>
+                <p14:modId xmlns:p14="http://schemas.microsoft.com/office/powerpoint/2010/main" val="1283703459"/>
               </p:ext>
             </p:extLst>
           </p:nvPr>
         </p:nvGraphicFramePr>
         <p:xfrm>
-          <a:off x="3438316" y="141063"/>
-          <a:ext cx="2294840" cy="3074922"/>
+          <a:off x="3389598" y="146634"/>
+          <a:ext cx="2294840" cy="2796028"/>
         </p:xfrm>
         <a:graphic>
           <a:graphicData uri="http://schemas.openxmlformats.org/drawingml/2006/table">
@@ -7121,7 +7152,7 @@
                 <a:gridCol w="2294840">
                   <a:extLst>
                     <a:ext uri="{9D8B030D-6E8A-4147-A177-3AD203B41FA5}">
-                      <a16:colId xmlns="" xmlns:a16="http://schemas.microsoft.com/office/drawing/2014/main" val="20000"/>
+                      <a16:colId xmlns:a16="http://schemas.microsoft.com/office/drawing/2014/main" xmlns="" val="20000"/>
                     </a:ext>
                   </a:extLst>
                 </a:gridCol>
@@ -7204,7 +7235,7 @@
                 </a:tc>
                 <a:extLst>
                   <a:ext uri="{0D108BD9-81ED-4DB2-BD59-A6C34878D82A}">
-                    <a16:rowId xmlns="" xmlns:a16="http://schemas.microsoft.com/office/drawing/2014/main" val="10000"/>
+                    <a16:rowId xmlns:a16="http://schemas.microsoft.com/office/drawing/2014/main" xmlns="" val="10000"/>
                   </a:ext>
                 </a:extLst>
               </a:tr>
@@ -7262,7 +7293,15 @@
                           <a:ea typeface="Noveo Sans" charset="0"/>
                           <a:cs typeface="Noveo Sans" charset="0"/>
                         </a:rPr>
-                        <a:t>UAT 1</a:t>
+                        <a:t>Expert</a:t>
+                      </a:r>
+                      <a:r>
+                        <a:rPr lang="en-SG" sz="1200" b="1" baseline="0" dirty="0" smtClean="0">
+                          <a:latin typeface="Noveo Sans" charset="0"/>
+                          <a:ea typeface="Noveo Sans" charset="0"/>
+                          <a:cs typeface="Noveo Sans" charset="0"/>
+                        </a:rPr>
+                        <a:t> Testing</a:t>
                       </a:r>
                       <a:endParaRPr lang="en-SG" sz="1200" dirty="0" smtClean="0">
                         <a:latin typeface="Noveo Sans" charset="0"/>
@@ -7279,39 +7318,7 @@
                 </a:tc>
                 <a:extLst>
                   <a:ext uri="{0D108BD9-81ED-4DB2-BD59-A6C34878D82A}">
-                    <a16:rowId xmlns="" xmlns:a16="http://schemas.microsoft.com/office/drawing/2014/main" val="10001"/>
-                  </a:ext>
-                </a:extLst>
-              </a:tr>
-              <a:tr h="273461">
-                <a:tc>
-                  <a:txBody>
-                    <a:bodyPr/>
-                    <a:lstStyle/>
-                    <a:p>
-                      <a:pPr algn="ctr"/>
-                      <a:r>
-                        <a:rPr lang="en-SG" sz="1200" b="1" dirty="0" smtClean="0">
-                          <a:solidFill>
-                            <a:schemeClr val="bg1"/>
-                          </a:solidFill>
-                          <a:latin typeface="Noveo Sans" charset="0"/>
-                          <a:ea typeface="Noveo Sans" charset="0"/>
-                          <a:cs typeface="Noveo Sans" charset="0"/>
-                        </a:rPr>
-                        <a:t>Client Review</a:t>
-                      </a:r>
-                    </a:p>
-                  </a:txBody>
-                  <a:tcPr marL="96012" marR="96012" marT="48007" marB="48007" anchor="ctr">
-                    <a:solidFill>
-                      <a:srgbClr val="0068B3"/>
-                    </a:solidFill>
-                  </a:tcPr>
-                </a:tc>
-                <a:extLst>
-                  <a:ext uri="{0D108BD9-81ED-4DB2-BD59-A6C34878D82A}">
-                    <a16:rowId xmlns="" xmlns:a16="http://schemas.microsoft.com/office/drawing/2014/main" val="4235489286"/>
+                    <a16:rowId xmlns:a16="http://schemas.microsoft.com/office/drawing/2014/main" xmlns="" val="10001"/>
                   </a:ext>
                 </a:extLst>
               </a:tr>
@@ -7363,7 +7370,7 @@
                           <a:ea typeface="Noveo Sans" charset="0"/>
                           <a:cs typeface="Noveo Sans" charset="0"/>
                         </a:rPr>
-                        <a:t>(I) and (II)</a:t>
+                        <a:t>(I), Revamp UI</a:t>
                       </a:r>
                       <a:endParaRPr lang="en-SG" sz="1200" dirty="0" smtClean="0">
                         <a:latin typeface="Noveo Sans" charset="0"/>
@@ -7380,7 +7387,7 @@
                 </a:tc>
                 <a:extLst>
                   <a:ext uri="{0D108BD9-81ED-4DB2-BD59-A6C34878D82A}">
-                    <a16:rowId xmlns="" xmlns:a16="http://schemas.microsoft.com/office/drawing/2014/main" val="10002"/>
+                    <a16:rowId xmlns:a16="http://schemas.microsoft.com/office/drawing/2014/main" xmlns="" val="10002"/>
                   </a:ext>
                 </a:extLst>
               </a:tr>
@@ -7497,19 +7504,7 @@
                           <a:ea typeface="+mn-ea"/>
                           <a:cs typeface="+mn-cs"/>
                         </a:rPr>
-                        <a:t>Update Bug log, Prepare acceptance slides,</a:t>
-                      </a:r>
-                      <a:r>
-                        <a:rPr lang="en-US" sz="1200" kern="1200" baseline="0" dirty="0" smtClean="0">
-                          <a:solidFill>
-                            <a:schemeClr val="dk1"/>
-                          </a:solidFill>
-                          <a:effectLst/>
-                          <a:latin typeface="Noveo Sans" panose="020B0503020204020203" pitchFamily="34" charset="0"/>
-                          <a:ea typeface="+mn-ea"/>
-                          <a:cs typeface="+mn-cs"/>
-                        </a:rPr>
-                        <a:t> </a:t>
+                        <a:t>Update Bug log, Prepare acceptance </a:t>
                       </a:r>
                       <a:r>
                         <a:rPr lang="en-US" sz="1200" kern="1200" dirty="0" smtClean="0">
@@ -7521,8 +7516,17 @@
                           <a:ea typeface="+mn-ea"/>
                           <a:cs typeface="+mn-cs"/>
                         </a:rPr>
-                        <a:t>Document UAT 1 Results</a:t>
-                      </a:r>
+                        <a:t>slides</a:t>
+                      </a:r>
+                      <a:endParaRPr lang="en-US" sz="1200" kern="1200" dirty="0" smtClean="0">
+                        <a:solidFill>
+                          <a:schemeClr val="dk1"/>
+                        </a:solidFill>
+                        <a:effectLst/>
+                        <a:latin typeface="Noveo Sans" panose="020B0503020204020203" pitchFamily="34" charset="0"/>
+                        <a:ea typeface="+mn-ea"/>
+                        <a:cs typeface="+mn-cs"/>
+                      </a:endParaRPr>
                     </a:p>
                   </a:txBody>
                   <a:tcPr marL="96012" marR="96012" marT="48007" marB="48007" anchor="ctr">
@@ -7533,7 +7537,7 @@
                 </a:tc>
                 <a:extLst>
                   <a:ext uri="{0D108BD9-81ED-4DB2-BD59-A6C34878D82A}">
-                    <a16:rowId xmlns="" xmlns:a16="http://schemas.microsoft.com/office/drawing/2014/main" val="10003"/>
+                    <a16:rowId xmlns:a16="http://schemas.microsoft.com/office/drawing/2014/main" xmlns="" val="10003"/>
                   </a:ext>
                 </a:extLst>
               </a:tr>
@@ -7550,14 +7554,14 @@
           <p:nvPr>
             <p:extLst>
               <p:ext uri="{D42A27DB-BD31-4B8C-83A1-F6EECF244321}">
-                <p14:modId xmlns:p14="http://schemas.microsoft.com/office/powerpoint/2010/main" val="855509270"/>
+                <p14:modId xmlns:p14="http://schemas.microsoft.com/office/powerpoint/2010/main" val="981849484"/>
               </p:ext>
             </p:extLst>
           </p:nvPr>
         </p:nvGraphicFramePr>
         <p:xfrm>
-          <a:off x="5786003" y="2242937"/>
-          <a:ext cx="1591819" cy="1669428"/>
+          <a:off x="5795855" y="1852119"/>
+          <a:ext cx="1591819" cy="1816250"/>
         </p:xfrm>
         <a:graphic>
           <a:graphicData uri="http://schemas.openxmlformats.org/drawingml/2006/table">
@@ -7569,7 +7573,7 @@
                 <a:gridCol w="1591819">
                   <a:extLst>
                     <a:ext uri="{9D8B030D-6E8A-4147-A177-3AD203B41FA5}">
-                      <a16:colId xmlns="" xmlns:a16="http://schemas.microsoft.com/office/drawing/2014/main" val="2192527220"/>
+                      <a16:colId xmlns:a16="http://schemas.microsoft.com/office/drawing/2014/main" xmlns="" val="2192527220"/>
                     </a:ext>
                   </a:extLst>
                 </a:gridCol>
@@ -7660,7 +7664,7 @@
                 </a:tc>
                 <a:extLst>
                   <a:ext uri="{0D108BD9-81ED-4DB2-BD59-A6C34878D82A}">
-                    <a16:rowId xmlns="" xmlns:a16="http://schemas.microsoft.com/office/drawing/2014/main" val="1986687887"/>
+                    <a16:rowId xmlns:a16="http://schemas.microsoft.com/office/drawing/2014/main" xmlns="" val="1986687887"/>
                   </a:ext>
                 </a:extLst>
               </a:tr>
@@ -7704,8 +7708,29 @@
                           <a:ea typeface="Noveo Sans" charset="0"/>
                           <a:cs typeface="Noveo Sans" charset="0"/>
                         </a:rPr>
-                        <a:t>Image Capturing Module</a:t>
-                      </a:r>
+                        <a:t>Image Capturing </a:t>
+                      </a:r>
+                      <a:r>
+                        <a:rPr lang="en-SG" sz="1200" dirty="0" smtClean="0">
+                          <a:latin typeface="Noveo Sans" charset="0"/>
+                          <a:ea typeface="Noveo Sans" charset="0"/>
+                          <a:cs typeface="Noveo Sans" charset="0"/>
+                        </a:rPr>
+                        <a:t>Module, Language Module</a:t>
+                      </a:r>
+                      <a:r>
+                        <a:rPr lang="en-SG" sz="1200" baseline="0" dirty="0" smtClean="0">
+                          <a:latin typeface="Noveo Sans" charset="0"/>
+                          <a:ea typeface="Noveo Sans" charset="0"/>
+                          <a:cs typeface="Noveo Sans" charset="0"/>
+                        </a:rPr>
+                        <a:t> (II)</a:t>
+                      </a:r>
+                      <a:endParaRPr lang="en-SG" sz="1200" dirty="0" smtClean="0">
+                        <a:latin typeface="Noveo Sans" charset="0"/>
+                        <a:ea typeface="Noveo Sans" charset="0"/>
+                        <a:cs typeface="Noveo Sans" charset="0"/>
+                      </a:endParaRPr>
                     </a:p>
                   </a:txBody>
                   <a:tcPr marL="96012" marR="96012" marT="48007" marB="48007" anchor="ctr">
@@ -7716,7 +7741,7 @@
                 </a:tc>
                 <a:extLst>
                   <a:ext uri="{0D108BD9-81ED-4DB2-BD59-A6C34878D82A}">
-                    <a16:rowId xmlns="" xmlns:a16="http://schemas.microsoft.com/office/drawing/2014/main" val="3506151837"/>
+                    <a16:rowId xmlns:a16="http://schemas.microsoft.com/office/drawing/2014/main" xmlns="" val="3506151837"/>
                   </a:ext>
                 </a:extLst>
               </a:tr>
@@ -7849,7 +7874,7 @@
                 </a:tc>
                 <a:extLst>
                   <a:ext uri="{0D108BD9-81ED-4DB2-BD59-A6C34878D82A}">
-                    <a16:rowId xmlns="" xmlns:a16="http://schemas.microsoft.com/office/drawing/2014/main" val="1767699772"/>
+                    <a16:rowId xmlns:a16="http://schemas.microsoft.com/office/drawing/2014/main" xmlns="" val="1767699772"/>
                   </a:ext>
                 </a:extLst>
               </a:tr>
@@ -7865,8 +7890,8 @@
         </p:nvCxnSpPr>
         <p:spPr>
           <a:xfrm flipH="1">
-            <a:off x="5934549" y="3207723"/>
-            <a:ext cx="8360" cy="884042"/>
+            <a:off x="5934549" y="3666757"/>
+            <a:ext cx="8360" cy="453655"/>
           </a:xfrm>
           <a:prstGeom prst="line">
             <a:avLst/>
@@ -7901,14 +7926,14 @@
           <p:nvPr>
             <p:extLst>
               <p:ext uri="{D42A27DB-BD31-4B8C-83A1-F6EECF244321}">
-                <p14:modId xmlns:p14="http://schemas.microsoft.com/office/powerpoint/2010/main" val="1210894784"/>
+                <p14:modId xmlns:p14="http://schemas.microsoft.com/office/powerpoint/2010/main" val="1064018794"/>
               </p:ext>
             </p:extLst>
           </p:nvPr>
         </p:nvGraphicFramePr>
         <p:xfrm>
-          <a:off x="3485786" y="7050433"/>
-          <a:ext cx="2625544" cy="2153059"/>
+          <a:off x="3161195" y="6940807"/>
+          <a:ext cx="3020398" cy="2614833"/>
         </p:xfrm>
         <a:graphic>
           <a:graphicData uri="http://schemas.openxmlformats.org/drawingml/2006/table">
@@ -7917,10 +7942,10 @@
                 <a:tableStyleId>{073A0DAA-6AF3-43AB-8588-CEC1D06C72B9}</a:tableStyleId>
               </a:tblPr>
               <a:tblGrid>
-                <a:gridCol w="2625544">
+                <a:gridCol w="3020398">
                   <a:extLst>
                     <a:ext uri="{9D8B030D-6E8A-4147-A177-3AD203B41FA5}">
-                      <a16:colId xmlns="" xmlns:a16="http://schemas.microsoft.com/office/drawing/2014/main" val="20000"/>
+                      <a16:colId xmlns:a16="http://schemas.microsoft.com/office/drawing/2014/main" xmlns="" val="20000"/>
                     </a:ext>
                   </a:extLst>
                 </a:gridCol>
@@ -8011,7 +8036,7 @@
                 </a:tc>
                 <a:extLst>
                   <a:ext uri="{0D108BD9-81ED-4DB2-BD59-A6C34878D82A}">
-                    <a16:rowId xmlns="" xmlns:a16="http://schemas.microsoft.com/office/drawing/2014/main" val="10000"/>
+                    <a16:rowId xmlns:a16="http://schemas.microsoft.com/office/drawing/2014/main" xmlns="" val="10000"/>
                   </a:ext>
                 </a:extLst>
               </a:tr>
@@ -8057,9 +8082,60 @@
                 </a:tc>
                 <a:extLst>
                   <a:ext uri="{0D108BD9-81ED-4DB2-BD59-A6C34878D82A}">
-                    <a16:rowId xmlns="" xmlns:a16="http://schemas.microsoft.com/office/drawing/2014/main" val="10001"/>
+                    <a16:rowId xmlns:a16="http://schemas.microsoft.com/office/drawing/2014/main" xmlns="" val="10001"/>
                   </a:ext>
                 </a:extLst>
+              </a:tr>
+              <a:tr h="461774">
+                <a:tc>
+                  <a:txBody>
+                    <a:bodyPr/>
+                    <a:lstStyle/>
+                    <a:p>
+                      <a:pPr marL="0" marR="0" indent="0" algn="ctr" defTabSz="1280160" rtl="0" eaLnBrk="1" fontAlgn="auto" latinLnBrk="0" hangingPunct="1">
+                        <a:lnSpc>
+                          <a:spcPct val="100000"/>
+                        </a:lnSpc>
+                        <a:spcBef>
+                          <a:spcPts val="0"/>
+                        </a:spcBef>
+                        <a:spcAft>
+                          <a:spcPts val="0"/>
+                        </a:spcAft>
+                        <a:buClrTx/>
+                        <a:buSzTx/>
+                        <a:buFontTx/>
+                        <a:buNone/>
+                        <a:tabLst/>
+                        <a:defRPr/>
+                      </a:pPr>
+                      <a:r>
+                        <a:rPr lang="en-SG" sz="1200" dirty="0" smtClean="0">
+                          <a:solidFill>
+                            <a:schemeClr val="bg1"/>
+                          </a:solidFill>
+                          <a:latin typeface="Noveo Sans" charset="0"/>
+                          <a:ea typeface="Noveo Sans" charset="0"/>
+                          <a:cs typeface="Noveo Sans" charset="0"/>
+                        </a:rPr>
+                        <a:t>Expert Testing Review</a:t>
+                      </a:r>
+                      <a:endParaRPr lang="en-SG" sz="1200" dirty="0" smtClean="0">
+                        <a:solidFill>
+                          <a:schemeClr val="bg1"/>
+                        </a:solidFill>
+                        <a:latin typeface="Noveo Sans" charset="0"/>
+                        <a:ea typeface="Noveo Sans" charset="0"/>
+                        <a:cs typeface="Noveo Sans" charset="0"/>
+                      </a:endParaRPr>
+                    </a:p>
+                  </a:txBody>
+                  <a:tcPr marL="96012" marR="96012" marT="48007" marB="48007" anchor="ctr">
+                    <a:solidFill>
+                      <a:srgbClr val="0068B3"/>
+                    </a:solidFill>
+                  </a:tcPr>
+                </a:tc>
               </a:tr>
               <a:tr h="461774">
                 <a:tc>
@@ -8101,7 +8177,23 @@
                           <a:ea typeface="Noveo Sans" charset="0"/>
                           <a:cs typeface="Noveo Sans" charset="0"/>
                         </a:rPr>
-                        <a:t>Analytics Module (Analysis – e.g. forecasting peak period)</a:t>
+                        <a:t>Analytics Module </a:t>
+                      </a:r>
+                      <a:r>
+                        <a:rPr lang="en-SG" sz="1200" dirty="0" smtClean="0">
+                          <a:latin typeface="Noveo Sans" charset="0"/>
+                          <a:ea typeface="Noveo Sans" charset="0"/>
+                          <a:cs typeface="Noveo Sans" charset="0"/>
+                        </a:rPr>
+                        <a:t>(Analysis </a:t>
+                      </a:r>
+                      <a:r>
+                        <a:rPr lang="en-SG" sz="1200" dirty="0" smtClean="0">
+                          <a:latin typeface="Noveo Sans" charset="0"/>
+                          <a:ea typeface="Noveo Sans" charset="0"/>
+                          <a:cs typeface="Noveo Sans" charset="0"/>
+                        </a:rPr>
+                        <a:t>– e.g. forecasting peak period)</a:t>
                       </a:r>
                     </a:p>
                   </a:txBody>
@@ -8113,7 +8205,7 @@
                 </a:tc>
                 <a:extLst>
                   <a:ext uri="{0D108BD9-81ED-4DB2-BD59-A6C34878D82A}">
-                    <a16:rowId xmlns="" xmlns:a16="http://schemas.microsoft.com/office/drawing/2014/main" val="10002"/>
+                    <a16:rowId xmlns:a16="http://schemas.microsoft.com/office/drawing/2014/main" xmlns="" val="10002"/>
                   </a:ext>
                 </a:extLst>
               </a:tr>
@@ -8147,7 +8239,23 @@
                       </a:endParaRPr>
                     </a:p>
                     <a:p>
-                      <a:pPr lvl="0" algn="ctr"/>
+                      <a:pPr marL="0" marR="0" lvl="0" indent="0" algn="ctr" defTabSz="1280160" rtl="0" eaLnBrk="1" fontAlgn="auto" latinLnBrk="0" hangingPunct="1">
+                        <a:lnSpc>
+                          <a:spcPct val="100000"/>
+                        </a:lnSpc>
+                        <a:spcBef>
+                          <a:spcPts val="0"/>
+                        </a:spcBef>
+                        <a:spcAft>
+                          <a:spcPts val="0"/>
+                        </a:spcAft>
+                        <a:buClrTx/>
+                        <a:buSzTx/>
+                        <a:buFontTx/>
+                        <a:buNone/>
+                        <a:tabLst/>
+                        <a:defRPr/>
+                      </a:pPr>
                       <a:r>
                         <a:rPr lang="en-US" sz="1200" kern="1200" dirty="0" smtClean="0">
                           <a:solidFill>
@@ -8230,17 +8338,56 @@
                           <a:ea typeface="+mn-ea"/>
                           <a:cs typeface="+mn-cs"/>
                         </a:rPr>
-                        <a:t>Update Bug log</a:t>
-                      </a:r>
-                      <a:endParaRPr lang="en-SG" sz="1200" kern="1200" dirty="0">
-                        <a:solidFill>
-                          <a:schemeClr val="dk1"/>
-                        </a:solidFill>
-                        <a:effectLst/>
-                        <a:latin typeface="Noveo Sans" panose="020B0503020204020203" pitchFamily="34" charset="0"/>
-                        <a:ea typeface="+mn-ea"/>
-                        <a:cs typeface="+mn-cs"/>
-                      </a:endParaRPr>
+                        <a:t>Update Bug </a:t>
+                      </a:r>
+                      <a:r>
+                        <a:rPr lang="en-US" sz="1200" kern="1200" dirty="0" smtClean="0">
+                          <a:solidFill>
+                            <a:schemeClr val="dk1"/>
+                          </a:solidFill>
+                          <a:effectLst/>
+                          <a:latin typeface="Noveo Sans" panose="020B0503020204020203" pitchFamily="34" charset="0"/>
+                          <a:ea typeface="+mn-ea"/>
+                          <a:cs typeface="+mn-cs"/>
+                        </a:rPr>
+                        <a:t>log</a:t>
+                      </a:r>
+                      <a:r>
+                        <a:rPr lang="en-SG" sz="1200" kern="1200" dirty="0" smtClean="0">
+                          <a:solidFill>
+                            <a:schemeClr val="dk1"/>
+                          </a:solidFill>
+                          <a:effectLst/>
+                          <a:latin typeface="Noveo Sans" panose="020B0503020204020203" pitchFamily="34" charset="0"/>
+                          <a:ea typeface="+mn-ea"/>
+                          <a:cs typeface="+mn-cs"/>
+                        </a:rPr>
+                        <a:t>,</a:t>
+                      </a:r>
+                      <a:r>
+                        <a:rPr lang="en-SG" sz="1200" kern="1200" baseline="0" dirty="0" smtClean="0">
+                          <a:solidFill>
+                            <a:schemeClr val="dk1"/>
+                          </a:solidFill>
+                          <a:effectLst/>
+                          <a:latin typeface="Noveo Sans" panose="020B0503020204020203" pitchFamily="34" charset="0"/>
+                          <a:ea typeface="+mn-ea"/>
+                          <a:cs typeface="+mn-cs"/>
+                        </a:rPr>
+                        <a:t> </a:t>
+                      </a:r>
+                      <a:r>
+                        <a:rPr lang="en-US" sz="1200" kern="1200" dirty="0" smtClean="0">
+                          <a:solidFill>
+                            <a:schemeClr val="dk1"/>
+                          </a:solidFill>
+                          <a:effectLst/>
+                          <a:latin typeface="Noveo Sans" panose="020B0503020204020203" pitchFamily="34" charset="0"/>
+                          <a:ea typeface="+mn-ea"/>
+                          <a:cs typeface="+mn-cs"/>
+                        </a:rPr>
+                        <a:t>Document Expert Testing Results</a:t>
+                      </a:r>
                     </a:p>
                   </a:txBody>
                   <a:tcPr marL="96012" marR="96012" marT="48007" marB="48007" anchor="ctr">
@@ -8251,7 +8398,7 @@
                 </a:tc>
                 <a:extLst>
                   <a:ext uri="{0D108BD9-81ED-4DB2-BD59-A6C34878D82A}">
-                    <a16:rowId xmlns="" xmlns:a16="http://schemas.microsoft.com/office/drawing/2014/main" val="10003"/>
+                    <a16:rowId xmlns:a16="http://schemas.microsoft.com/office/drawing/2014/main" xmlns="" val="10003"/>
                   </a:ext>
                 </a:extLst>
               </a:tr>
@@ -8303,13 +8450,13 @@
           <p:nvPr>
             <p:extLst>
               <p:ext uri="{D42A27DB-BD31-4B8C-83A1-F6EECF244321}">
-                <p14:modId xmlns:p14="http://schemas.microsoft.com/office/powerpoint/2010/main" val="2341330148"/>
+                <p14:modId xmlns:p14="http://schemas.microsoft.com/office/powerpoint/2010/main" val="233634501"/>
               </p:ext>
             </p:extLst>
           </p:nvPr>
         </p:nvGraphicFramePr>
         <p:xfrm>
-          <a:off x="5350674" y="4585209"/>
+          <a:off x="5407209" y="4558755"/>
           <a:ext cx="2532795" cy="2328467"/>
         </p:xfrm>
         <a:graphic>
@@ -8322,7 +8469,7 @@
                 <a:gridCol w="2532795">
                   <a:extLst>
                     <a:ext uri="{9D8B030D-6E8A-4147-A177-3AD203B41FA5}">
-                      <a16:colId xmlns="" xmlns:a16="http://schemas.microsoft.com/office/drawing/2014/main" val="20000"/>
+                      <a16:colId xmlns:a16="http://schemas.microsoft.com/office/drawing/2014/main" xmlns="" val="20000"/>
                     </a:ext>
                   </a:extLst>
                 </a:gridCol>
@@ -8389,7 +8536,7 @@
                 </a:tc>
                 <a:extLst>
                   <a:ext uri="{0D108BD9-81ED-4DB2-BD59-A6C34878D82A}">
-                    <a16:rowId xmlns="" xmlns:a16="http://schemas.microsoft.com/office/drawing/2014/main" val="10000"/>
+                    <a16:rowId xmlns:a16="http://schemas.microsoft.com/office/drawing/2014/main" xmlns="" val="10000"/>
                   </a:ext>
                 </a:extLst>
               </a:tr>
@@ -8406,7 +8553,15 @@
                           <a:ea typeface="Noveo Sans" charset="0"/>
                           <a:cs typeface="Noveo Sans" charset="0"/>
                         </a:rPr>
-                        <a:t>UAT 2</a:t>
+                        <a:t>UAT </a:t>
+                      </a:r>
+                      <a:r>
+                        <a:rPr lang="en-SG" sz="1200" b="1" dirty="0" smtClean="0">
+                          <a:latin typeface="Noveo Sans" charset="0"/>
+                          <a:ea typeface="Noveo Sans" charset="0"/>
+                          <a:cs typeface="Noveo Sans" charset="0"/>
+                        </a:rPr>
+                        <a:t>1</a:t>
                       </a:r>
                       <a:endParaRPr lang="en-SG" sz="1200" dirty="0" smtClean="0">
                         <a:latin typeface="Noveo Sans" charset="0"/>
@@ -8423,7 +8578,7 @@
                 </a:tc>
                 <a:extLst>
                   <a:ext uri="{0D108BD9-81ED-4DB2-BD59-A6C34878D82A}">
-                    <a16:rowId xmlns="" xmlns:a16="http://schemas.microsoft.com/office/drawing/2014/main" val="10001"/>
+                    <a16:rowId xmlns:a16="http://schemas.microsoft.com/office/drawing/2014/main" xmlns="" val="10001"/>
                   </a:ext>
                 </a:extLst>
               </a:tr>
@@ -8471,7 +8626,7 @@
                 </a:tc>
                 <a:extLst>
                   <a:ext uri="{0D108BD9-81ED-4DB2-BD59-A6C34878D82A}">
-                    <a16:rowId xmlns="" xmlns:a16="http://schemas.microsoft.com/office/drawing/2014/main" val="4232395393"/>
+                    <a16:rowId xmlns:a16="http://schemas.microsoft.com/office/drawing/2014/main" xmlns="" val="4232395393"/>
                   </a:ext>
                 </a:extLst>
               </a:tr>
@@ -8511,7 +8666,7 @@
                 </a:tc>
                 <a:extLst>
                   <a:ext uri="{0D108BD9-81ED-4DB2-BD59-A6C34878D82A}">
-                    <a16:rowId xmlns="" xmlns:a16="http://schemas.microsoft.com/office/drawing/2014/main" val="10002"/>
+                    <a16:rowId xmlns:a16="http://schemas.microsoft.com/office/drawing/2014/main" xmlns="" val="10002"/>
                   </a:ext>
                 </a:extLst>
               </a:tr>
@@ -8628,7 +8783,31 @@
                           <a:ea typeface="+mn-ea"/>
                           <a:cs typeface="+mn-cs"/>
                         </a:rPr>
-                        <a:t>Document UAT 2 Results</a:t>
+                        <a:t>Document UAT </a:t>
+                      </a:r>
+                      <a:r>
+                        <a:rPr lang="en-US" sz="1200" kern="1200" dirty="0" smtClean="0">
+                          <a:solidFill>
+                            <a:schemeClr val="dk1"/>
+                          </a:solidFill>
+                          <a:effectLst/>
+                          <a:latin typeface="Noveo Sans" panose="020B0503020204020203" pitchFamily="34" charset="0"/>
+                          <a:ea typeface="+mn-ea"/>
+                          <a:cs typeface="+mn-cs"/>
+                        </a:rPr>
+                        <a:t>1 </a:t>
+                      </a:r>
+                      <a:r>
+                        <a:rPr lang="en-US" sz="1200" kern="1200" dirty="0" smtClean="0">
+                          <a:solidFill>
+                            <a:schemeClr val="dk1"/>
+                          </a:solidFill>
+                          <a:effectLst/>
+                          <a:latin typeface="Noveo Sans" panose="020B0503020204020203" pitchFamily="34" charset="0"/>
+                          <a:ea typeface="+mn-ea"/>
+                          <a:cs typeface="+mn-cs"/>
+                        </a:rPr>
+                        <a:t>Results</a:t>
                       </a:r>
                     </a:p>
                   </a:txBody>
@@ -8640,7 +8819,7 @@
                 </a:tc>
                 <a:extLst>
                   <a:ext uri="{0D108BD9-81ED-4DB2-BD59-A6C34878D82A}">
-                    <a16:rowId xmlns="" xmlns:a16="http://schemas.microsoft.com/office/drawing/2014/main" val="10003"/>
+                    <a16:rowId xmlns:a16="http://schemas.microsoft.com/office/drawing/2014/main" xmlns="" val="10003"/>
                   </a:ext>
                 </a:extLst>
               </a:tr>
@@ -8711,7 +8890,7 @@
                 <a:gridCol w="2055072">
                   <a:extLst>
                     <a:ext uri="{9D8B030D-6E8A-4147-A177-3AD203B41FA5}">
-                      <a16:colId xmlns="" xmlns:a16="http://schemas.microsoft.com/office/drawing/2014/main" val="20000"/>
+                      <a16:colId xmlns:a16="http://schemas.microsoft.com/office/drawing/2014/main" xmlns="" val="20000"/>
                     </a:ext>
                   </a:extLst>
                 </a:gridCol>
@@ -8802,7 +8981,7 @@
                 </a:tc>
                 <a:extLst>
                   <a:ext uri="{0D108BD9-81ED-4DB2-BD59-A6C34878D82A}">
-                    <a16:rowId xmlns="" xmlns:a16="http://schemas.microsoft.com/office/drawing/2014/main" val="10000"/>
+                    <a16:rowId xmlns:a16="http://schemas.microsoft.com/office/drawing/2014/main" xmlns="" val="10000"/>
                   </a:ext>
                 </a:extLst>
               </a:tr>
@@ -8870,7 +9049,7 @@
                 </a:tc>
                 <a:extLst>
                   <a:ext uri="{0D108BD9-81ED-4DB2-BD59-A6C34878D82A}">
-                    <a16:rowId xmlns="" xmlns:a16="http://schemas.microsoft.com/office/drawing/2014/main" val="10001"/>
+                    <a16:rowId xmlns:a16="http://schemas.microsoft.com/office/drawing/2014/main" xmlns="" val="10001"/>
                   </a:ext>
                 </a:extLst>
               </a:tr>
@@ -8910,7 +9089,7 @@
                 </a:tc>
                 <a:extLst>
                   <a:ext uri="{0D108BD9-81ED-4DB2-BD59-A6C34878D82A}">
-                    <a16:rowId xmlns="" xmlns:a16="http://schemas.microsoft.com/office/drawing/2014/main" val="10002"/>
+                    <a16:rowId xmlns:a16="http://schemas.microsoft.com/office/drawing/2014/main" xmlns="" val="10002"/>
                   </a:ext>
                 </a:extLst>
               </a:tr>
@@ -9048,7 +9227,7 @@
                 </a:tc>
                 <a:extLst>
                   <a:ext uri="{0D108BD9-81ED-4DB2-BD59-A6C34878D82A}">
-                    <a16:rowId xmlns="" xmlns:a16="http://schemas.microsoft.com/office/drawing/2014/main" val="10003"/>
+                    <a16:rowId xmlns:a16="http://schemas.microsoft.com/office/drawing/2014/main" xmlns="" val="10003"/>
                   </a:ext>
                 </a:extLst>
               </a:tr>
@@ -9100,7 +9279,7 @@
           <p:nvPr>
             <p:extLst>
               <p:ext uri="{D42A27DB-BD31-4B8C-83A1-F6EECF244321}">
-                <p14:modId xmlns:p14="http://schemas.microsoft.com/office/powerpoint/2010/main" val="599569119"/>
+                <p14:modId xmlns:p14="http://schemas.microsoft.com/office/powerpoint/2010/main" val="1531735123"/>
               </p:ext>
             </p:extLst>
           </p:nvPr>
@@ -9119,7 +9298,7 @@
                 <a:gridCol w="2950330">
                   <a:extLst>
                     <a:ext uri="{9D8B030D-6E8A-4147-A177-3AD203B41FA5}">
-                      <a16:colId xmlns="" xmlns:a16="http://schemas.microsoft.com/office/drawing/2014/main" val="20000"/>
+                      <a16:colId xmlns:a16="http://schemas.microsoft.com/office/drawing/2014/main" xmlns="" val="20000"/>
                     </a:ext>
                   </a:extLst>
                 </a:gridCol>
@@ -9186,7 +9365,7 @@
                 </a:tc>
                 <a:extLst>
                   <a:ext uri="{0D108BD9-81ED-4DB2-BD59-A6C34878D82A}">
-                    <a16:rowId xmlns="" xmlns:a16="http://schemas.microsoft.com/office/drawing/2014/main" val="10000"/>
+                    <a16:rowId xmlns:a16="http://schemas.microsoft.com/office/drawing/2014/main" xmlns="" val="10000"/>
                   </a:ext>
                 </a:extLst>
               </a:tr>
@@ -9203,7 +9382,15 @@
                           <a:ea typeface="Noveo Sans" charset="0"/>
                           <a:cs typeface="Noveo Sans" charset="0"/>
                         </a:rPr>
-                        <a:t>UAT 3</a:t>
+                        <a:t>UAT </a:t>
+                      </a:r>
+                      <a:r>
+                        <a:rPr lang="en-SG" sz="1200" b="1" dirty="0" smtClean="0">
+                          <a:latin typeface="Noveo Sans" charset="0"/>
+                          <a:ea typeface="Noveo Sans" charset="0"/>
+                          <a:cs typeface="Noveo Sans" charset="0"/>
+                        </a:rPr>
+                        <a:t>2</a:t>
                       </a:r>
                       <a:endParaRPr lang="en-SG" sz="1200" dirty="0" smtClean="0">
                         <a:latin typeface="Noveo Sans" charset="0"/>
@@ -9220,7 +9407,7 @@
                 </a:tc>
                 <a:extLst>
                   <a:ext uri="{0D108BD9-81ED-4DB2-BD59-A6C34878D82A}">
-                    <a16:rowId xmlns="" xmlns:a16="http://schemas.microsoft.com/office/drawing/2014/main" val="10001"/>
+                    <a16:rowId xmlns:a16="http://schemas.microsoft.com/office/drawing/2014/main" xmlns="" val="10001"/>
                   </a:ext>
                 </a:extLst>
               </a:tr>
@@ -9268,7 +9455,7 @@
                 </a:tc>
                 <a:extLst>
                   <a:ext uri="{0D108BD9-81ED-4DB2-BD59-A6C34878D82A}">
-                    <a16:rowId xmlns="" xmlns:a16="http://schemas.microsoft.com/office/drawing/2014/main" val="679801633"/>
+                    <a16:rowId xmlns:a16="http://schemas.microsoft.com/office/drawing/2014/main" xmlns="" val="679801633"/>
                   </a:ext>
                 </a:extLst>
               </a:tr>
@@ -9302,7 +9489,7 @@
                 </a:tc>
                 <a:extLst>
                   <a:ext uri="{0D108BD9-81ED-4DB2-BD59-A6C34878D82A}">
-                    <a16:rowId xmlns="" xmlns:a16="http://schemas.microsoft.com/office/drawing/2014/main" val="10002"/>
+                    <a16:rowId xmlns:a16="http://schemas.microsoft.com/office/drawing/2014/main" xmlns="" val="10002"/>
                   </a:ext>
                 </a:extLst>
               </a:tr>
@@ -9467,8 +9654,53 @@
                           <a:ea typeface="+mn-ea"/>
                           <a:cs typeface="+mn-cs"/>
                         </a:rPr>
-                        <a:t>Document UAT 3 Results</a:t>
-                      </a:r>
+                        <a:t>Document UAT </a:t>
+                      </a:r>
+                      <a:r>
+                        <a:rPr lang="en-US" sz="1200" kern="1200" dirty="0" smtClean="0">
+                          <a:solidFill>
+                            <a:schemeClr val="dk1"/>
+                          </a:solidFill>
+                          <a:effectLst/>
+                          <a:latin typeface="Noveo Sans" panose="020B0503020204020203" pitchFamily="34" charset="0"/>
+                          <a:ea typeface="+mn-ea"/>
+                          <a:cs typeface="+mn-cs"/>
+                        </a:rPr>
+                        <a:t>2</a:t>
+                      </a:r>
+                      <a:r>
+                        <a:rPr lang="en-US" sz="1200" kern="1200" baseline="0" dirty="0" smtClean="0">
+                          <a:solidFill>
+                            <a:schemeClr val="dk1"/>
+                          </a:solidFill>
+                          <a:effectLst/>
+                          <a:latin typeface="Noveo Sans" panose="020B0503020204020203" pitchFamily="34" charset="0"/>
+                          <a:ea typeface="+mn-ea"/>
+                          <a:cs typeface="+mn-cs"/>
+                        </a:rPr>
+                        <a:t> </a:t>
+                      </a:r>
+                      <a:r>
+                        <a:rPr lang="en-US" sz="1200" kern="1200" dirty="0" smtClean="0">
+                          <a:solidFill>
+                            <a:schemeClr val="dk1"/>
+                          </a:solidFill>
+                          <a:effectLst/>
+                          <a:latin typeface="Noveo Sans" panose="020B0503020204020203" pitchFamily="34" charset="0"/>
+                          <a:ea typeface="+mn-ea"/>
+                          <a:cs typeface="+mn-cs"/>
+                        </a:rPr>
+                        <a:t>Results</a:t>
+                      </a:r>
+                      <a:endParaRPr lang="en-US" sz="1200" kern="1200" dirty="0" smtClean="0">
+                        <a:solidFill>
+                          <a:schemeClr val="dk1"/>
+                        </a:solidFill>
+                        <a:effectLst/>
+                        <a:latin typeface="Noveo Sans" panose="020B0503020204020203" pitchFamily="34" charset="0"/>
+                        <a:ea typeface="+mn-ea"/>
+                        <a:cs typeface="+mn-cs"/>
+                      </a:endParaRPr>
                     </a:p>
                   </a:txBody>
                   <a:tcPr marL="96012" marR="96012" marT="48007" marB="48007" anchor="ctr">
@@ -9479,7 +9711,7 @@
                 </a:tc>
                 <a:extLst>
                   <a:ext uri="{0D108BD9-81ED-4DB2-BD59-A6C34878D82A}">
-                    <a16:rowId xmlns="" xmlns:a16="http://schemas.microsoft.com/office/drawing/2014/main" val="10003"/>
+                    <a16:rowId xmlns:a16="http://schemas.microsoft.com/office/drawing/2014/main" xmlns="" val="10003"/>
                   </a:ext>
                 </a:extLst>
               </a:tr>
@@ -9552,7 +9784,7 @@
                 <a:gridCol w="2055072">
                   <a:extLst>
                     <a:ext uri="{9D8B030D-6E8A-4147-A177-3AD203B41FA5}">
-                      <a16:colId xmlns="" xmlns:a16="http://schemas.microsoft.com/office/drawing/2014/main" val="20000"/>
+                      <a16:colId xmlns:a16="http://schemas.microsoft.com/office/drawing/2014/main" xmlns="" val="20000"/>
                     </a:ext>
                   </a:extLst>
                 </a:gridCol>
@@ -9603,7 +9835,7 @@
                 </a:tc>
                 <a:extLst>
                   <a:ext uri="{0D108BD9-81ED-4DB2-BD59-A6C34878D82A}">
-                    <a16:rowId xmlns="" xmlns:a16="http://schemas.microsoft.com/office/drawing/2014/main" val="10000"/>
+                    <a16:rowId xmlns:a16="http://schemas.microsoft.com/office/drawing/2014/main" xmlns="" val="10000"/>
                   </a:ext>
                 </a:extLst>
               </a:tr>
@@ -9649,7 +9881,7 @@
                 </a:tc>
                 <a:extLst>
                   <a:ext uri="{0D108BD9-81ED-4DB2-BD59-A6C34878D82A}">
-                    <a16:rowId xmlns="" xmlns:a16="http://schemas.microsoft.com/office/drawing/2014/main" val="10001"/>
+                    <a16:rowId xmlns:a16="http://schemas.microsoft.com/office/drawing/2014/main" xmlns="" val="10001"/>
                   </a:ext>
                 </a:extLst>
               </a:tr>
@@ -9697,7 +9929,7 @@
                 </a:tc>
                 <a:extLst>
                   <a:ext uri="{0D108BD9-81ED-4DB2-BD59-A6C34878D82A}">
-                    <a16:rowId xmlns="" xmlns:a16="http://schemas.microsoft.com/office/drawing/2014/main" val="634995201"/>
+                    <a16:rowId xmlns:a16="http://schemas.microsoft.com/office/drawing/2014/main" xmlns="" val="634995201"/>
                   </a:ext>
                 </a:extLst>
               </a:tr>
@@ -9731,7 +9963,7 @@
                 </a:tc>
                 <a:extLst>
                   <a:ext uri="{0D108BD9-81ED-4DB2-BD59-A6C34878D82A}">
-                    <a16:rowId xmlns="" xmlns:a16="http://schemas.microsoft.com/office/drawing/2014/main" val="10002"/>
+                    <a16:rowId xmlns:a16="http://schemas.microsoft.com/office/drawing/2014/main" xmlns="" val="10002"/>
                   </a:ext>
                 </a:extLst>
               </a:tr>
@@ -9869,7 +10101,7 @@
                 </a:tc>
                 <a:extLst>
                   <a:ext uri="{0D108BD9-81ED-4DB2-BD59-A6C34878D82A}">
-                    <a16:rowId xmlns="" xmlns:a16="http://schemas.microsoft.com/office/drawing/2014/main" val="10003"/>
+                    <a16:rowId xmlns:a16="http://schemas.microsoft.com/office/drawing/2014/main" xmlns="" val="10003"/>
                   </a:ext>
                 </a:extLst>
               </a:tr>
@@ -9940,7 +10172,7 @@
                 <a:gridCol w="3094779">
                   <a:extLst>
                     <a:ext uri="{9D8B030D-6E8A-4147-A177-3AD203B41FA5}">
-                      <a16:colId xmlns="" xmlns:a16="http://schemas.microsoft.com/office/drawing/2014/main" val="20000"/>
+                      <a16:colId xmlns:a16="http://schemas.microsoft.com/office/drawing/2014/main" xmlns="" val="20000"/>
                     </a:ext>
                   </a:extLst>
                 </a:gridCol>
@@ -9975,7 +10207,7 @@
                 </a:tc>
                 <a:extLst>
                   <a:ext uri="{0D108BD9-81ED-4DB2-BD59-A6C34878D82A}">
-                    <a16:rowId xmlns="" xmlns:a16="http://schemas.microsoft.com/office/drawing/2014/main" val="10000"/>
+                    <a16:rowId xmlns:a16="http://schemas.microsoft.com/office/drawing/2014/main" xmlns="" val="10000"/>
                   </a:ext>
                 </a:extLst>
               </a:tr>
@@ -10043,7 +10275,7 @@
                 </a:tc>
                 <a:extLst>
                   <a:ext uri="{0D108BD9-81ED-4DB2-BD59-A6C34878D82A}">
-                    <a16:rowId xmlns="" xmlns:a16="http://schemas.microsoft.com/office/drawing/2014/main" val="10001"/>
+                    <a16:rowId xmlns:a16="http://schemas.microsoft.com/office/drawing/2014/main" xmlns="" val="10001"/>
                   </a:ext>
                 </a:extLst>
               </a:tr>
@@ -10208,7 +10440,7 @@
                 </a:tc>
                 <a:extLst>
                   <a:ext uri="{0D108BD9-81ED-4DB2-BD59-A6C34878D82A}">
-                    <a16:rowId xmlns="" xmlns:a16="http://schemas.microsoft.com/office/drawing/2014/main" val="10003"/>
+                    <a16:rowId xmlns:a16="http://schemas.microsoft.com/office/drawing/2014/main" xmlns="" val="10003"/>
                   </a:ext>
                 </a:extLst>
               </a:tr>
@@ -10279,7 +10511,7 @@
                 <a:gridCol w="1986506">
                   <a:extLst>
                     <a:ext uri="{9D8B030D-6E8A-4147-A177-3AD203B41FA5}">
-                      <a16:colId xmlns="" xmlns:a16="http://schemas.microsoft.com/office/drawing/2014/main" val="20000"/>
+                      <a16:colId xmlns:a16="http://schemas.microsoft.com/office/drawing/2014/main" xmlns="" val="20000"/>
                     </a:ext>
                   </a:extLst>
                 </a:gridCol>
@@ -10314,7 +10546,7 @@
                 </a:tc>
                 <a:extLst>
                   <a:ext uri="{0D108BD9-81ED-4DB2-BD59-A6C34878D82A}">
-                    <a16:rowId xmlns="" xmlns:a16="http://schemas.microsoft.com/office/drawing/2014/main" val="10000"/>
+                    <a16:rowId xmlns:a16="http://schemas.microsoft.com/office/drawing/2014/main" xmlns="" val="10000"/>
                   </a:ext>
                 </a:extLst>
               </a:tr>
@@ -10420,7 +10652,7 @@
                 </a:tc>
                 <a:extLst>
                   <a:ext uri="{0D108BD9-81ED-4DB2-BD59-A6C34878D82A}">
-                    <a16:rowId xmlns="" xmlns:a16="http://schemas.microsoft.com/office/drawing/2014/main" val="10001"/>
+                    <a16:rowId xmlns:a16="http://schemas.microsoft.com/office/drawing/2014/main" xmlns="" val="10001"/>
                   </a:ext>
                 </a:extLst>
               </a:tr>
@@ -10498,7 +10730,7 @@
                 </a:tc>
                 <a:extLst>
                   <a:ext uri="{0D108BD9-81ED-4DB2-BD59-A6C34878D82A}">
-                    <a16:rowId xmlns="" xmlns:a16="http://schemas.microsoft.com/office/drawing/2014/main" val="10003"/>
+                    <a16:rowId xmlns:a16="http://schemas.microsoft.com/office/drawing/2014/main" xmlns="" val="10003"/>
                   </a:ext>
                 </a:extLst>
               </a:tr>
@@ -10516,6 +10748,13 @@
   <p:clrMapOvr>
     <a:masterClrMapping/>
   </p:clrMapOvr>
+  <p:timing>
+    <p:tnLst>
+      <p:par>
+        <p:cTn id="1" dur="indefinite" restart="never" nodeType="tmRoot"/>
+      </p:par>
+    </p:tnLst>
+  </p:timing>
 </p:sld>
 </file>
 
@@ -10925,6 +11164,13 @@
   <p:clrMapOvr>
     <a:masterClrMapping/>
   </p:clrMapOvr>
+  <p:timing>
+    <p:tnLst>
+      <p:par>
+        <p:cTn id="1" dur="indefinite" restart="never" nodeType="tmRoot"/>
+      </p:par>
+    </p:tnLst>
+  </p:timing>
 </p:sld>
 </file>
 

--- a/FYP/Timeline and Diagram/FYPTimeline 15th June Edition.pptx
+++ b/FYP/Timeline and Diagram/FYPTimeline 15th June Edition.pptx
@@ -209,7 +209,7 @@
           <a:p>
             <a:fld id="{D8A5F3BE-A6C5-E54D-9A35-A968F4ADF59A}" type="datetimeFigureOut">
               <a:rPr lang="en-US" smtClean="0"/>
-              <a:t>8/9/16</a:t>
+              <a:t>8/10/16</a:t>
             </a:fld>
             <a:endParaRPr lang="en-US"/>
           </a:p>
@@ -697,7 +697,7 @@
           <a:p>
             <a:fld id="{D93CE7DB-6B87-9F48-AC89-27FF703009F0}" type="datetimeFigureOut">
               <a:rPr lang="en-US" smtClean="0"/>
-              <a:t>8/9/16</a:t>
+              <a:t>8/10/16</a:t>
             </a:fld>
             <a:endParaRPr lang="en-US"/>
           </a:p>
@@ -867,7 +867,7 @@
           <a:p>
             <a:fld id="{D93CE7DB-6B87-9F48-AC89-27FF703009F0}" type="datetimeFigureOut">
               <a:rPr lang="en-US" smtClean="0"/>
-              <a:t>8/9/16</a:t>
+              <a:t>8/10/16</a:t>
             </a:fld>
             <a:endParaRPr lang="en-US"/>
           </a:p>
@@ -1047,7 +1047,7 @@
           <a:p>
             <a:fld id="{D93CE7DB-6B87-9F48-AC89-27FF703009F0}" type="datetimeFigureOut">
               <a:rPr lang="en-US" smtClean="0"/>
-              <a:t>8/9/16</a:t>
+              <a:t>8/10/16</a:t>
             </a:fld>
             <a:endParaRPr lang="en-US"/>
           </a:p>
@@ -1217,7 +1217,7 @@
           <a:p>
             <a:fld id="{D93CE7DB-6B87-9F48-AC89-27FF703009F0}" type="datetimeFigureOut">
               <a:rPr lang="en-US" smtClean="0"/>
-              <a:t>8/9/16</a:t>
+              <a:t>8/10/16</a:t>
             </a:fld>
             <a:endParaRPr lang="en-US"/>
           </a:p>
@@ -1461,7 +1461,7 @@
           <a:p>
             <a:fld id="{D93CE7DB-6B87-9F48-AC89-27FF703009F0}" type="datetimeFigureOut">
               <a:rPr lang="en-US" smtClean="0"/>
-              <a:t>8/9/16</a:t>
+              <a:t>8/10/16</a:t>
             </a:fld>
             <a:endParaRPr lang="en-US"/>
           </a:p>
@@ -1693,7 +1693,7 @@
           <a:p>
             <a:fld id="{D93CE7DB-6B87-9F48-AC89-27FF703009F0}" type="datetimeFigureOut">
               <a:rPr lang="en-US" smtClean="0"/>
-              <a:t>8/9/16</a:t>
+              <a:t>8/10/16</a:t>
             </a:fld>
             <a:endParaRPr lang="en-US"/>
           </a:p>
@@ -2060,7 +2060,7 @@
           <a:p>
             <a:fld id="{D93CE7DB-6B87-9F48-AC89-27FF703009F0}" type="datetimeFigureOut">
               <a:rPr lang="en-US" smtClean="0"/>
-              <a:t>8/9/16</a:t>
+              <a:t>8/10/16</a:t>
             </a:fld>
             <a:endParaRPr lang="en-US"/>
           </a:p>
@@ -2178,7 +2178,7 @@
           <a:p>
             <a:fld id="{D93CE7DB-6B87-9F48-AC89-27FF703009F0}" type="datetimeFigureOut">
               <a:rPr lang="en-US" smtClean="0"/>
-              <a:t>8/9/16</a:t>
+              <a:t>8/10/16</a:t>
             </a:fld>
             <a:endParaRPr lang="en-US"/>
           </a:p>
@@ -2273,7 +2273,7 @@
           <a:p>
             <a:fld id="{D93CE7DB-6B87-9F48-AC89-27FF703009F0}" type="datetimeFigureOut">
               <a:rPr lang="en-US" smtClean="0"/>
-              <a:t>8/9/16</a:t>
+              <a:t>8/10/16</a:t>
             </a:fld>
             <a:endParaRPr lang="en-US"/>
           </a:p>
@@ -2550,7 +2550,7 @@
           <a:p>
             <a:fld id="{D93CE7DB-6B87-9F48-AC89-27FF703009F0}" type="datetimeFigureOut">
               <a:rPr lang="en-US" smtClean="0"/>
-              <a:t>8/9/16</a:t>
+              <a:t>8/10/16</a:t>
             </a:fld>
             <a:endParaRPr lang="en-US"/>
           </a:p>
@@ -2807,7 +2807,7 @@
           <a:p>
             <a:fld id="{D93CE7DB-6B87-9F48-AC89-27FF703009F0}" type="datetimeFigureOut">
               <a:rPr lang="en-US" smtClean="0"/>
-              <a:t>8/9/16</a:t>
+              <a:t>8/10/16</a:t>
             </a:fld>
             <a:endParaRPr lang="en-US"/>
           </a:p>
@@ -3020,7 +3020,7 @@
           <a:p>
             <a:fld id="{D93CE7DB-6B87-9F48-AC89-27FF703009F0}" type="datetimeFigureOut">
               <a:rPr lang="en-US" smtClean="0"/>
-              <a:t>8/9/16</a:t>
+              <a:t>8/10/16</a:t>
             </a:fld>
             <a:endParaRPr lang="en-US"/>
           </a:p>
@@ -5032,7 +5032,7 @@
                 <a:gridCol w="1612468">
                   <a:extLst>
                     <a:ext uri="{9D8B030D-6E8A-4147-A177-3AD203B41FA5}">
-                      <a16:colId xmlns:a16="http://schemas.microsoft.com/office/drawing/2014/main" xmlns="" val="20000"/>
+                      <a16:colId xmlns="" xmlns:a16="http://schemas.microsoft.com/office/drawing/2014/main" val="20000"/>
                     </a:ext>
                   </a:extLst>
                 </a:gridCol>
@@ -5107,7 +5107,7 @@
                 </a:tc>
                 <a:extLst>
                   <a:ext uri="{0D108BD9-81ED-4DB2-BD59-A6C34878D82A}">
-                    <a16:rowId xmlns:a16="http://schemas.microsoft.com/office/drawing/2014/main" xmlns="" val="10000"/>
+                    <a16:rowId xmlns="" xmlns:a16="http://schemas.microsoft.com/office/drawing/2014/main" val="10000"/>
                   </a:ext>
                 </a:extLst>
               </a:tr>
@@ -5141,7 +5141,7 @@
                 </a:tc>
                 <a:extLst>
                   <a:ext uri="{0D108BD9-81ED-4DB2-BD59-A6C34878D82A}">
-                    <a16:rowId xmlns:a16="http://schemas.microsoft.com/office/drawing/2014/main" xmlns="" val="10001"/>
+                    <a16:rowId xmlns="" xmlns:a16="http://schemas.microsoft.com/office/drawing/2014/main" val="10001"/>
                   </a:ext>
                 </a:extLst>
               </a:tr>
@@ -5183,7 +5183,7 @@
                 </a:tc>
                 <a:extLst>
                   <a:ext uri="{0D108BD9-81ED-4DB2-BD59-A6C34878D82A}">
-                    <a16:rowId xmlns:a16="http://schemas.microsoft.com/office/drawing/2014/main" xmlns="" val="10002"/>
+                    <a16:rowId xmlns="" xmlns:a16="http://schemas.microsoft.com/office/drawing/2014/main" val="10002"/>
                   </a:ext>
                 </a:extLst>
               </a:tr>
@@ -5217,7 +5217,7 @@
                 </a:tc>
                 <a:extLst>
                   <a:ext uri="{0D108BD9-81ED-4DB2-BD59-A6C34878D82A}">
-                    <a16:rowId xmlns:a16="http://schemas.microsoft.com/office/drawing/2014/main" xmlns="" val="10003"/>
+                    <a16:rowId xmlns="" xmlns:a16="http://schemas.microsoft.com/office/drawing/2014/main" val="10003"/>
                   </a:ext>
                 </a:extLst>
               </a:tr>
@@ -5288,7 +5288,7 @@
                 <a:gridCol w="2222878">
                   <a:extLst>
                     <a:ext uri="{9D8B030D-6E8A-4147-A177-3AD203B41FA5}">
-                      <a16:colId xmlns:a16="http://schemas.microsoft.com/office/drawing/2014/main" xmlns="" val="2192527220"/>
+                      <a16:colId xmlns="" xmlns:a16="http://schemas.microsoft.com/office/drawing/2014/main" val="2192527220"/>
                     </a:ext>
                   </a:extLst>
                 </a:gridCol>
@@ -5363,7 +5363,7 @@
                 </a:tc>
                 <a:extLst>
                   <a:ext uri="{0D108BD9-81ED-4DB2-BD59-A6C34878D82A}">
-                    <a16:rowId xmlns:a16="http://schemas.microsoft.com/office/drawing/2014/main" xmlns="" val="1986687887"/>
+                    <a16:rowId xmlns="" xmlns:a16="http://schemas.microsoft.com/office/drawing/2014/main" val="1986687887"/>
                   </a:ext>
                 </a:extLst>
               </a:tr>
@@ -5432,23 +5432,7 @@
                           <a:ea typeface="Noveo Sans" charset="0"/>
                           <a:cs typeface="Noveo Sans" charset="0"/>
                         </a:rPr>
-                        <a:t>Accounting Module </a:t>
-                      </a:r>
-                      <a:r>
-                        <a:rPr lang="en-SG" sz="1200" dirty="0" smtClean="0">
-                          <a:latin typeface="Noveo Sans" charset="0"/>
-                          <a:ea typeface="Noveo Sans" charset="0"/>
-                          <a:cs typeface="Noveo Sans" charset="0"/>
-                        </a:rPr>
-                        <a:t>(I</a:t>
-                      </a:r>
-                      <a:r>
-                        <a:rPr lang="en-SG" sz="1200" dirty="0" smtClean="0">
-                          <a:latin typeface="Noveo Sans" charset="0"/>
-                          <a:ea typeface="Noveo Sans" charset="0"/>
-                          <a:cs typeface="Noveo Sans" charset="0"/>
-                        </a:rPr>
-                        <a:t>),</a:t>
+                        <a:t>Accounting Module (I),</a:t>
                       </a:r>
                       <a:r>
                         <a:rPr lang="en-SG" sz="1200" baseline="0" dirty="0" smtClean="0">
@@ -5473,7 +5457,7 @@
                 </a:tc>
                 <a:extLst>
                   <a:ext uri="{0D108BD9-81ED-4DB2-BD59-A6C34878D82A}">
-                    <a16:rowId xmlns:a16="http://schemas.microsoft.com/office/drawing/2014/main" xmlns="" val="3506151837"/>
+                    <a16:rowId xmlns="" xmlns:a16="http://schemas.microsoft.com/office/drawing/2014/main" val="3506151837"/>
                   </a:ext>
                 </a:extLst>
               </a:tr>
@@ -5569,7 +5553,7 @@
                 </a:tc>
                 <a:extLst>
                   <a:ext uri="{0D108BD9-81ED-4DB2-BD59-A6C34878D82A}">
-                    <a16:rowId xmlns:a16="http://schemas.microsoft.com/office/drawing/2014/main" xmlns="" val="1767699772"/>
+                    <a16:rowId xmlns="" xmlns:a16="http://schemas.microsoft.com/office/drawing/2014/main" val="1767699772"/>
                   </a:ext>
                 </a:extLst>
               </a:tr>
@@ -5640,7 +5624,7 @@
                 <a:gridCol w="1928341">
                   <a:extLst>
                     <a:ext uri="{9D8B030D-6E8A-4147-A177-3AD203B41FA5}">
-                      <a16:colId xmlns:a16="http://schemas.microsoft.com/office/drawing/2014/main" xmlns="" val="20000"/>
+                      <a16:colId xmlns="" xmlns:a16="http://schemas.microsoft.com/office/drawing/2014/main" val="20000"/>
                     </a:ext>
                   </a:extLst>
                 </a:gridCol>
@@ -5715,7 +5699,7 @@
                 </a:tc>
                 <a:extLst>
                   <a:ext uri="{0D108BD9-81ED-4DB2-BD59-A6C34878D82A}">
-                    <a16:rowId xmlns:a16="http://schemas.microsoft.com/office/drawing/2014/main" xmlns="" val="10000"/>
+                    <a16:rowId xmlns="" xmlns:a16="http://schemas.microsoft.com/office/drawing/2014/main" val="10000"/>
                   </a:ext>
                 </a:extLst>
               </a:tr>
@@ -5787,7 +5771,7 @@
                 </a:tc>
                 <a:extLst>
                   <a:ext uri="{0D108BD9-81ED-4DB2-BD59-A6C34878D82A}">
-                    <a16:rowId xmlns:a16="http://schemas.microsoft.com/office/drawing/2014/main" xmlns="" val="10002"/>
+                    <a16:rowId xmlns="" xmlns:a16="http://schemas.microsoft.com/office/drawing/2014/main" val="10002"/>
                   </a:ext>
                 </a:extLst>
               </a:tr>
@@ -5925,7 +5909,7 @@
                 </a:tc>
                 <a:extLst>
                   <a:ext uri="{0D108BD9-81ED-4DB2-BD59-A6C34878D82A}">
-                    <a16:rowId xmlns:a16="http://schemas.microsoft.com/office/drawing/2014/main" xmlns="" val="10003"/>
+                    <a16:rowId xmlns="" xmlns:a16="http://schemas.microsoft.com/office/drawing/2014/main" val="10003"/>
                   </a:ext>
                 </a:extLst>
               </a:tr>
@@ -5996,7 +5980,7 @@
                 <a:gridCol w="2987497">
                   <a:extLst>
                     <a:ext uri="{9D8B030D-6E8A-4147-A177-3AD203B41FA5}">
-                      <a16:colId xmlns:a16="http://schemas.microsoft.com/office/drawing/2014/main" xmlns="" val="2192527220"/>
+                      <a16:colId xmlns="" xmlns:a16="http://schemas.microsoft.com/office/drawing/2014/main" val="2192527220"/>
                     </a:ext>
                   </a:extLst>
                 </a:gridCol>
@@ -6087,7 +6071,7 @@
                 </a:tc>
                 <a:extLst>
                   <a:ext uri="{0D108BD9-81ED-4DB2-BD59-A6C34878D82A}">
-                    <a16:rowId xmlns:a16="http://schemas.microsoft.com/office/drawing/2014/main" xmlns="" val="1986687887"/>
+                    <a16:rowId xmlns="" xmlns:a16="http://schemas.microsoft.com/office/drawing/2014/main" val="1986687887"/>
                   </a:ext>
                 </a:extLst>
               </a:tr>
@@ -6115,15 +6099,7 @@
                           <a:ea typeface="Noveo Sans" charset="0"/>
                           <a:cs typeface="Noveo Sans" charset="0"/>
                         </a:rPr>
-                        <a:t>Offline Mode Module</a:t>
-                      </a:r>
-                      <a:r>
-                        <a:rPr lang="en-SG" sz="1200" dirty="0" smtClean="0">
-                          <a:latin typeface="Noveo Sans" charset="0"/>
-                          <a:ea typeface="Noveo Sans" charset="0"/>
-                          <a:cs typeface="Noveo Sans" charset="0"/>
-                        </a:rPr>
-                        <a:t>,</a:t>
+                        <a:t>Offline Mode Module,</a:t>
                       </a:r>
                       <a:r>
                         <a:rPr lang="en-SG" sz="1200" baseline="0" dirty="0" smtClean="0">
@@ -6151,7 +6127,7 @@
                 </a:tc>
                 <a:extLst>
                   <a:ext uri="{0D108BD9-81ED-4DB2-BD59-A6C34878D82A}">
-                    <a16:rowId xmlns:a16="http://schemas.microsoft.com/office/drawing/2014/main" xmlns="" val="3506151837"/>
+                    <a16:rowId xmlns="" xmlns:a16="http://schemas.microsoft.com/office/drawing/2014/main" val="3506151837"/>
                   </a:ext>
                 </a:extLst>
               </a:tr>
@@ -6289,7 +6265,7 @@
                 </a:tc>
                 <a:extLst>
                   <a:ext uri="{0D108BD9-81ED-4DB2-BD59-A6C34878D82A}">
-                    <a16:rowId xmlns:a16="http://schemas.microsoft.com/office/drawing/2014/main" xmlns="" val="1767699772"/>
+                    <a16:rowId xmlns="" xmlns:a16="http://schemas.microsoft.com/office/drawing/2014/main" val="1767699772"/>
                   </a:ext>
                 </a:extLst>
               </a:tr>
@@ -6360,7 +6336,7 @@
                 <a:gridCol w="2690439">
                   <a:extLst>
                     <a:ext uri="{9D8B030D-6E8A-4147-A177-3AD203B41FA5}">
-                      <a16:colId xmlns:a16="http://schemas.microsoft.com/office/drawing/2014/main" xmlns="" val="20000"/>
+                      <a16:colId xmlns="" xmlns:a16="http://schemas.microsoft.com/office/drawing/2014/main" val="20000"/>
                     </a:ext>
                   </a:extLst>
                 </a:gridCol>
@@ -6435,7 +6411,7 @@
                 </a:tc>
                 <a:extLst>
                   <a:ext uri="{0D108BD9-81ED-4DB2-BD59-A6C34878D82A}">
-                    <a16:rowId xmlns:a16="http://schemas.microsoft.com/office/drawing/2014/main" xmlns="" val="10000"/>
+                    <a16:rowId xmlns="" xmlns:a16="http://schemas.microsoft.com/office/drawing/2014/main" val="10000"/>
                   </a:ext>
                 </a:extLst>
               </a:tr>
@@ -6500,7 +6476,7 @@
                 </a:tc>
                 <a:extLst>
                   <a:ext uri="{0D108BD9-81ED-4DB2-BD59-A6C34878D82A}">
-                    <a16:rowId xmlns:a16="http://schemas.microsoft.com/office/drawing/2014/main" xmlns="" val="2572675366"/>
+                    <a16:rowId xmlns="" xmlns:a16="http://schemas.microsoft.com/office/drawing/2014/main" val="2572675366"/>
                   </a:ext>
                 </a:extLst>
               </a:tr>
@@ -6536,15 +6512,7 @@
                           <a:ea typeface="Noveo Sans" charset="0"/>
                           <a:cs typeface="Noveo Sans" charset="0"/>
                         </a:rPr>
-                        <a:t>Module (I) </a:t>
-                      </a:r>
-                      <a:r>
-                        <a:rPr lang="en-SG" sz="1200" baseline="0" dirty="0" smtClean="0">
-                          <a:latin typeface="Noveo Sans" charset="0"/>
-                          <a:ea typeface="Noveo Sans" charset="0"/>
-                          <a:cs typeface="Noveo Sans" charset="0"/>
-                        </a:rPr>
-                        <a:t>– User Access Control, </a:t>
+                        <a:t>Module (I) – User Access Control, </a:t>
                       </a:r>
                       <a:r>
                         <a:rPr lang="en-SG" sz="1200" dirty="0" smtClean="0">
@@ -6564,7 +6532,7 @@
                 </a:tc>
                 <a:extLst>
                   <a:ext uri="{0D108BD9-81ED-4DB2-BD59-A6C34878D82A}">
-                    <a16:rowId xmlns:a16="http://schemas.microsoft.com/office/drawing/2014/main" xmlns="" val="10001"/>
+                    <a16:rowId xmlns="" xmlns:a16="http://schemas.microsoft.com/office/drawing/2014/main" val="10001"/>
                   </a:ext>
                 </a:extLst>
               </a:tr>
@@ -6681,10 +6649,10 @@
                           <a:ea typeface="+mn-ea"/>
                           <a:cs typeface="+mn-cs"/>
                         </a:rPr>
-                        <a:t>Update Bug log, </a:t>
-                      </a:r>
-                      <a:r>
-                        <a:rPr lang="en-US" sz="1200" kern="1200" dirty="0" smtClean="0">
+                        <a:t>Update Bug log, Expert Testing User</a:t>
+                      </a:r>
+                      <a:r>
+                        <a:rPr lang="en-US" sz="1200" kern="1200" baseline="0" dirty="0" smtClean="0">
                           <a:solidFill>
                             <a:schemeClr val="dk1"/>
                           </a:solidFill>
@@ -6693,31 +6661,7 @@
                           <a:ea typeface="+mn-ea"/>
                           <a:cs typeface="+mn-cs"/>
                         </a:rPr>
-                        <a:t>Expert Testing User</a:t>
-                      </a:r>
-                      <a:r>
-                        <a:rPr lang="en-US" sz="1200" kern="1200" baseline="0" dirty="0" smtClean="0">
-                          <a:solidFill>
-                            <a:schemeClr val="dk1"/>
-                          </a:solidFill>
-                          <a:effectLst/>
-                          <a:latin typeface="Noveo Sans" panose="020B0503020204020203" pitchFamily="34" charset="0"/>
-                          <a:ea typeface="+mn-ea"/>
-                          <a:cs typeface="+mn-cs"/>
-                        </a:rPr>
-                        <a:t> </a:t>
-                      </a:r>
-                      <a:r>
-                        <a:rPr lang="en-US" sz="1200" kern="1200" baseline="0" dirty="0" smtClean="0">
-                          <a:solidFill>
-                            <a:schemeClr val="dk1"/>
-                          </a:solidFill>
-                          <a:effectLst/>
-                          <a:latin typeface="Noveo Sans" panose="020B0503020204020203" pitchFamily="34" charset="0"/>
-                          <a:ea typeface="+mn-ea"/>
-                          <a:cs typeface="+mn-cs"/>
-                        </a:rPr>
-                        <a:t>Guide</a:t>
+                        <a:t> Guide</a:t>
                       </a:r>
                       <a:endParaRPr lang="en-SG" sz="1200" kern="1200" dirty="0">
                         <a:solidFill>
@@ -6738,7 +6682,7 @@
                 </a:tc>
                 <a:extLst>
                   <a:ext uri="{0D108BD9-81ED-4DB2-BD59-A6C34878D82A}">
-                    <a16:rowId xmlns:a16="http://schemas.microsoft.com/office/drawing/2014/main" xmlns="" val="10002"/>
+                    <a16:rowId xmlns="" xmlns:a16="http://schemas.microsoft.com/office/drawing/2014/main" val="10002"/>
                   </a:ext>
                 </a:extLst>
               </a:tr>
@@ -6755,13 +6699,13 @@
           <p:nvPr>
             <p:extLst>
               <p:ext uri="{D42A27DB-BD31-4B8C-83A1-F6EECF244321}">
-                <p14:modId xmlns:p14="http://schemas.microsoft.com/office/powerpoint/2010/main" val="641691385"/>
+                <p14:modId xmlns:p14="http://schemas.microsoft.com/office/powerpoint/2010/main" val="1125835696"/>
               </p:ext>
             </p:extLst>
           </p:nvPr>
         </p:nvGraphicFramePr>
         <p:xfrm>
-          <a:off x="6254053" y="135210"/>
+          <a:off x="6519073" y="147965"/>
           <a:ext cx="2998856" cy="1595212"/>
         </p:xfrm>
         <a:graphic>
@@ -6774,7 +6718,7 @@
                 <a:gridCol w="2998856">
                   <a:extLst>
                     <a:ext uri="{9D8B030D-6E8A-4147-A177-3AD203B41FA5}">
-                      <a16:colId xmlns:a16="http://schemas.microsoft.com/office/drawing/2014/main" xmlns="" val="2192527220"/>
+                      <a16:colId xmlns="" xmlns:a16="http://schemas.microsoft.com/office/drawing/2014/main" val="2192527220"/>
                     </a:ext>
                   </a:extLst>
                 </a:gridCol>
@@ -6841,7 +6785,7 @@
                 </a:tc>
                 <a:extLst>
                   <a:ext uri="{0D108BD9-81ED-4DB2-BD59-A6C34878D82A}">
-                    <a16:rowId xmlns:a16="http://schemas.microsoft.com/office/drawing/2014/main" xmlns="" val="1986687887"/>
+                    <a16:rowId xmlns="" xmlns:a16="http://schemas.microsoft.com/office/drawing/2014/main" val="1986687887"/>
                   </a:ext>
                 </a:extLst>
               </a:tr>
@@ -6869,15 +6813,7 @@
                           <a:ea typeface="Noveo Sans" charset="0"/>
                           <a:cs typeface="Noveo Sans" charset="0"/>
                         </a:rPr>
-                        <a:t>Accounting Module </a:t>
-                      </a:r>
-                      <a:r>
-                        <a:rPr lang="en-SG" sz="1200" dirty="0" smtClean="0">
-                          <a:latin typeface="Noveo Sans" charset="0"/>
-                          <a:ea typeface="Noveo Sans" charset="0"/>
-                          <a:cs typeface="Noveo Sans" charset="0"/>
-                        </a:rPr>
-                        <a:t>(II)</a:t>
+                        <a:t>Accounting Module (II)</a:t>
                       </a:r>
                     </a:p>
                   </a:txBody>
@@ -6889,7 +6825,7 @@
                 </a:tc>
                 <a:extLst>
                   <a:ext uri="{0D108BD9-81ED-4DB2-BD59-A6C34878D82A}">
-                    <a16:rowId xmlns:a16="http://schemas.microsoft.com/office/drawing/2014/main" xmlns="" val="3506151837"/>
+                    <a16:rowId xmlns="" xmlns:a16="http://schemas.microsoft.com/office/drawing/2014/main" val="3506151837"/>
                   </a:ext>
                 </a:extLst>
               </a:tr>
@@ -7046,7 +6982,7 @@
                 </a:tc>
                 <a:extLst>
                   <a:ext uri="{0D108BD9-81ED-4DB2-BD59-A6C34878D82A}">
-                    <a16:rowId xmlns:a16="http://schemas.microsoft.com/office/drawing/2014/main" xmlns="" val="1767699772"/>
+                    <a16:rowId xmlns="" xmlns:a16="http://schemas.microsoft.com/office/drawing/2014/main" val="1767699772"/>
                   </a:ext>
                 </a:extLst>
               </a:tr>
@@ -7133,14 +7069,14 @@
           <p:nvPr>
             <p:extLst>
               <p:ext uri="{D42A27DB-BD31-4B8C-83A1-F6EECF244321}">
-                <p14:modId xmlns:p14="http://schemas.microsoft.com/office/powerpoint/2010/main" val="1283703459"/>
+                <p14:modId xmlns:p14="http://schemas.microsoft.com/office/powerpoint/2010/main" val="1299486956"/>
               </p:ext>
             </p:extLst>
           </p:nvPr>
         </p:nvGraphicFramePr>
         <p:xfrm>
           <a:off x="3389598" y="146634"/>
-          <a:ext cx="2294840" cy="2796028"/>
+          <a:ext cx="2160267" cy="2796028"/>
         </p:xfrm>
         <a:graphic>
           <a:graphicData uri="http://schemas.openxmlformats.org/drawingml/2006/table">
@@ -7149,10 +7085,10 @@
                 <a:tableStyleId>{073A0DAA-6AF3-43AB-8588-CEC1D06C72B9}</a:tableStyleId>
               </a:tblPr>
               <a:tblGrid>
-                <a:gridCol w="2294840">
+                <a:gridCol w="2160267">
                   <a:extLst>
                     <a:ext uri="{9D8B030D-6E8A-4147-A177-3AD203B41FA5}">
-                      <a16:colId xmlns:a16="http://schemas.microsoft.com/office/drawing/2014/main" xmlns="" val="20000"/>
+                      <a16:colId xmlns="" xmlns:a16="http://schemas.microsoft.com/office/drawing/2014/main" val="20000"/>
                     </a:ext>
                   </a:extLst>
                 </a:gridCol>
@@ -7235,7 +7171,7 @@
                 </a:tc>
                 <a:extLst>
                   <a:ext uri="{0D108BD9-81ED-4DB2-BD59-A6C34878D82A}">
-                    <a16:rowId xmlns:a16="http://schemas.microsoft.com/office/drawing/2014/main" xmlns="" val="10000"/>
+                    <a16:rowId xmlns="" xmlns:a16="http://schemas.microsoft.com/office/drawing/2014/main" val="10000"/>
                   </a:ext>
                 </a:extLst>
               </a:tr>
@@ -7301,7 +7237,15 @@
                           <a:ea typeface="Noveo Sans" charset="0"/>
                           <a:cs typeface="Noveo Sans" charset="0"/>
                         </a:rPr>
-                        <a:t> Testing</a:t>
+                        <a:t> </a:t>
+                      </a:r>
+                      <a:r>
+                        <a:rPr lang="en-SG" sz="1200" b="1" baseline="0" dirty="0" smtClean="0">
+                          <a:latin typeface="Noveo Sans" charset="0"/>
+                          <a:ea typeface="Noveo Sans" charset="0"/>
+                          <a:cs typeface="Noveo Sans" charset="0"/>
+                        </a:rPr>
+                        <a:t>Testing (I)</a:t>
                       </a:r>
                       <a:endParaRPr lang="en-SG" sz="1200" dirty="0" smtClean="0">
                         <a:latin typeface="Noveo Sans" charset="0"/>
@@ -7318,7 +7262,7 @@
                 </a:tc>
                 <a:extLst>
                   <a:ext uri="{0D108BD9-81ED-4DB2-BD59-A6C34878D82A}">
-                    <a16:rowId xmlns:a16="http://schemas.microsoft.com/office/drawing/2014/main" xmlns="" val="10001"/>
+                    <a16:rowId xmlns="" xmlns:a16="http://schemas.microsoft.com/office/drawing/2014/main" val="10001"/>
                   </a:ext>
                 </a:extLst>
               </a:tr>
@@ -7387,7 +7331,7 @@
                 </a:tc>
                 <a:extLst>
                   <a:ext uri="{0D108BD9-81ED-4DB2-BD59-A6C34878D82A}">
-                    <a16:rowId xmlns:a16="http://schemas.microsoft.com/office/drawing/2014/main" xmlns="" val="10002"/>
+                    <a16:rowId xmlns="" xmlns:a16="http://schemas.microsoft.com/office/drawing/2014/main" val="10002"/>
                   </a:ext>
                 </a:extLst>
               </a:tr>
@@ -7504,29 +7448,8 @@
                           <a:ea typeface="+mn-ea"/>
                           <a:cs typeface="+mn-cs"/>
                         </a:rPr>
-                        <a:t>Update Bug log, Prepare acceptance </a:t>
-                      </a:r>
-                      <a:r>
-                        <a:rPr lang="en-US" sz="1200" kern="1200" dirty="0" smtClean="0">
-                          <a:solidFill>
-                            <a:schemeClr val="dk1"/>
-                          </a:solidFill>
-                          <a:effectLst/>
-                          <a:latin typeface="Noveo Sans" panose="020B0503020204020203" pitchFamily="34" charset="0"/>
-                          <a:ea typeface="+mn-ea"/>
-                          <a:cs typeface="+mn-cs"/>
-                        </a:rPr>
-                        <a:t>slides</a:t>
-                      </a:r>
-                      <a:endParaRPr lang="en-US" sz="1200" kern="1200" dirty="0" smtClean="0">
-                        <a:solidFill>
-                          <a:schemeClr val="dk1"/>
-                        </a:solidFill>
-                        <a:effectLst/>
-                        <a:latin typeface="Noveo Sans" panose="020B0503020204020203" pitchFamily="34" charset="0"/>
-                        <a:ea typeface="+mn-ea"/>
-                        <a:cs typeface="+mn-cs"/>
-                      </a:endParaRPr>
+                        <a:t>Update Bug log, Prepare acceptance slides</a:t>
+                      </a:r>
                     </a:p>
                   </a:txBody>
                   <a:tcPr marL="96012" marR="96012" marT="48007" marB="48007" anchor="ctr">
@@ -7537,7 +7460,7 @@
                 </a:tc>
                 <a:extLst>
                   <a:ext uri="{0D108BD9-81ED-4DB2-BD59-A6C34878D82A}">
-                    <a16:rowId xmlns:a16="http://schemas.microsoft.com/office/drawing/2014/main" xmlns="" val="10003"/>
+                    <a16:rowId xmlns="" xmlns:a16="http://schemas.microsoft.com/office/drawing/2014/main" val="10003"/>
                   </a:ext>
                 </a:extLst>
               </a:tr>
@@ -7554,14 +7477,14 @@
           <p:nvPr>
             <p:extLst>
               <p:ext uri="{D42A27DB-BD31-4B8C-83A1-F6EECF244321}">
-                <p14:modId xmlns:p14="http://schemas.microsoft.com/office/powerpoint/2010/main" val="981849484"/>
+                <p14:modId xmlns:p14="http://schemas.microsoft.com/office/powerpoint/2010/main" val="1960944611"/>
               </p:ext>
             </p:extLst>
           </p:nvPr>
         </p:nvGraphicFramePr>
         <p:xfrm>
-          <a:off x="5795855" y="1852119"/>
-          <a:ext cx="1591819" cy="1816250"/>
+          <a:off x="5670602" y="1852119"/>
+          <a:ext cx="1854351" cy="2095144"/>
         </p:xfrm>
         <a:graphic>
           <a:graphicData uri="http://schemas.openxmlformats.org/drawingml/2006/table">
@@ -7570,10 +7493,10 @@
                 <a:tableStyleId>{073A0DAA-6AF3-43AB-8588-CEC1D06C72B9}</a:tableStyleId>
               </a:tblPr>
               <a:tblGrid>
-                <a:gridCol w="1591819">
+                <a:gridCol w="1854351">
                   <a:extLst>
                     <a:ext uri="{9D8B030D-6E8A-4147-A177-3AD203B41FA5}">
-                      <a16:colId xmlns:a16="http://schemas.microsoft.com/office/drawing/2014/main" xmlns="" val="2192527220"/>
+                      <a16:colId xmlns="" xmlns:a16="http://schemas.microsoft.com/office/drawing/2014/main" val="2192527220"/>
                     </a:ext>
                   </a:extLst>
                 </a:gridCol>
@@ -7664,7 +7587,7 @@
                 </a:tc>
                 <a:extLst>
                   <a:ext uri="{0D108BD9-81ED-4DB2-BD59-A6C34878D82A}">
-                    <a16:rowId xmlns:a16="http://schemas.microsoft.com/office/drawing/2014/main" xmlns="" val="1986687887"/>
+                    <a16:rowId xmlns="" xmlns:a16="http://schemas.microsoft.com/office/drawing/2014/main" val="1986687887"/>
                   </a:ext>
                 </a:extLst>
               </a:tr>
@@ -7708,29 +7631,57 @@
                           <a:ea typeface="Noveo Sans" charset="0"/>
                           <a:cs typeface="Noveo Sans" charset="0"/>
                         </a:rPr>
-                        <a:t>Image Capturing </a:t>
+                        <a:t>Image Capturing Module, Language Module</a:t>
+                      </a:r>
+                      <a:r>
+                        <a:rPr lang="en-SG" sz="1200" baseline="0" dirty="0" smtClean="0">
+                          <a:latin typeface="Noveo Sans" charset="0"/>
+                          <a:ea typeface="Noveo Sans" charset="0"/>
+                          <a:cs typeface="Noveo Sans" charset="0"/>
+                        </a:rPr>
+                        <a:t> (II</a:t>
+                      </a:r>
+                      <a:r>
+                        <a:rPr lang="en-SG" sz="1200" baseline="0" dirty="0" smtClean="0">
+                          <a:latin typeface="Noveo Sans" charset="0"/>
+                          <a:ea typeface="Noveo Sans" charset="0"/>
+                          <a:cs typeface="Noveo Sans" charset="0"/>
+                        </a:rPr>
+                        <a:t>), </a:t>
                       </a:r>
                       <a:r>
                         <a:rPr lang="en-SG" sz="1200" dirty="0" smtClean="0">
-                          <a:latin typeface="Noveo Sans" charset="0"/>
-                          <a:ea typeface="Noveo Sans" charset="0"/>
-                          <a:cs typeface="Noveo Sans" charset="0"/>
-                        </a:rPr>
-                        <a:t>Module, Language Module</a:t>
+                          <a:solidFill>
+                            <a:schemeClr val="tx1"/>
+                          </a:solidFill>
+                          <a:latin typeface="Noveo Sans" charset="0"/>
+                          <a:ea typeface="Noveo Sans" charset="0"/>
+                          <a:cs typeface="Noveo Sans" charset="0"/>
+                        </a:rPr>
+                        <a:t>Expert Testing (II)</a:t>
                       </a:r>
                       <a:r>
                         <a:rPr lang="en-SG" sz="1200" baseline="0" dirty="0" smtClean="0">
-                          <a:latin typeface="Noveo Sans" charset="0"/>
-                          <a:ea typeface="Noveo Sans" charset="0"/>
-                          <a:cs typeface="Noveo Sans" charset="0"/>
-                        </a:rPr>
-                        <a:t> (II)</a:t>
-                      </a:r>
-                      <a:endParaRPr lang="en-SG" sz="1200" dirty="0" smtClean="0">
-                        <a:latin typeface="Noveo Sans" charset="0"/>
-                        <a:ea typeface="Noveo Sans" charset="0"/>
-                        <a:cs typeface="Noveo Sans" charset="0"/>
-                      </a:endParaRPr>
+                          <a:solidFill>
+                            <a:schemeClr val="tx1"/>
+                          </a:solidFill>
+                          <a:latin typeface="Noveo Sans" charset="0"/>
+                          <a:ea typeface="Noveo Sans" charset="0"/>
+                          <a:cs typeface="Noveo Sans" charset="0"/>
+                        </a:rPr>
+                        <a:t> </a:t>
+                      </a:r>
+                      <a:r>
+                        <a:rPr lang="en-SG" sz="1200" dirty="0" smtClean="0">
+                          <a:solidFill>
+                            <a:schemeClr val="tx1"/>
+                          </a:solidFill>
+                          <a:latin typeface="Noveo Sans" charset="0"/>
+                          <a:ea typeface="Noveo Sans" charset="0"/>
+                          <a:cs typeface="Noveo Sans" charset="0"/>
+                        </a:rPr>
+                        <a:t>Review </a:t>
+                      </a:r>
                     </a:p>
                   </a:txBody>
                   <a:tcPr marL="96012" marR="96012" marT="48007" marB="48007" anchor="ctr">
@@ -7741,9 +7692,62 @@
                 </a:tc>
                 <a:extLst>
                   <a:ext uri="{0D108BD9-81ED-4DB2-BD59-A6C34878D82A}">
-                    <a16:rowId xmlns:a16="http://schemas.microsoft.com/office/drawing/2014/main" xmlns="" val="3506151837"/>
+                    <a16:rowId xmlns="" xmlns:a16="http://schemas.microsoft.com/office/drawing/2014/main" val="3506151837"/>
                   </a:ext>
                 </a:extLst>
+              </a:tr>
+              <a:tr h="201213">
+                <a:tc>
+                  <a:txBody>
+                    <a:bodyPr/>
+                    <a:lstStyle/>
+                    <a:p>
+                      <a:pPr marL="0" marR="0" indent="0" algn="ctr" defTabSz="1280160" rtl="0" eaLnBrk="1" fontAlgn="auto" latinLnBrk="0" hangingPunct="1">
+                        <a:lnSpc>
+                          <a:spcPct val="100000"/>
+                        </a:lnSpc>
+                        <a:spcBef>
+                          <a:spcPts val="0"/>
+                        </a:spcBef>
+                        <a:spcAft>
+                          <a:spcPts val="0"/>
+                        </a:spcAft>
+                        <a:buClrTx/>
+                        <a:buSzTx/>
+                        <a:buFontTx/>
+                        <a:buNone/>
+                        <a:tabLst/>
+                        <a:defRPr/>
+                      </a:pPr>
+                      <a:r>
+                        <a:rPr lang="en-SG" sz="1200" b="1" dirty="0" smtClean="0">
+                          <a:latin typeface="Noveo Sans" charset="0"/>
+                          <a:ea typeface="Noveo Sans" charset="0"/>
+                          <a:cs typeface="Noveo Sans" charset="0"/>
+                        </a:rPr>
+                        <a:t>Expert</a:t>
+                      </a:r>
+                      <a:r>
+                        <a:rPr lang="en-SG" sz="1200" b="1" baseline="0" dirty="0" smtClean="0">
+                          <a:latin typeface="Noveo Sans" charset="0"/>
+                          <a:ea typeface="Noveo Sans" charset="0"/>
+                          <a:cs typeface="Noveo Sans" charset="0"/>
+                        </a:rPr>
+                        <a:t> Testing (II)</a:t>
+                      </a:r>
+                      <a:endParaRPr lang="en-SG" sz="1200" dirty="0" smtClean="0">
+                        <a:latin typeface="Noveo Sans" charset="0"/>
+                        <a:ea typeface="Noveo Sans" charset="0"/>
+                        <a:cs typeface="Noveo Sans" charset="0"/>
+                      </a:endParaRPr>
+                    </a:p>
+                  </a:txBody>
+                  <a:tcPr marL="96012" marR="96012" marT="48007" marB="48007" anchor="ctr">
+                    <a:solidFill>
+                      <a:srgbClr val="FDB813"/>
+                    </a:solidFill>
+                  </a:tcPr>
+                </a:tc>
               </a:tr>
               <a:tr h="694582">
                 <a:tc>
@@ -7874,7 +7878,7 @@
                 </a:tc>
                 <a:extLst>
                   <a:ext uri="{0D108BD9-81ED-4DB2-BD59-A6C34878D82A}">
-                    <a16:rowId xmlns:a16="http://schemas.microsoft.com/office/drawing/2014/main" xmlns="" val="1767699772"/>
+                    <a16:rowId xmlns="" xmlns:a16="http://schemas.microsoft.com/office/drawing/2014/main" val="1767699772"/>
                   </a:ext>
                 </a:extLst>
               </a:tr>
@@ -7890,8 +7894,8 @@
         </p:nvCxnSpPr>
         <p:spPr>
           <a:xfrm flipH="1">
-            <a:off x="5934549" y="3666757"/>
-            <a:ext cx="8360" cy="453655"/>
+            <a:off x="5946191" y="3920964"/>
+            <a:ext cx="8360" cy="174905"/>
           </a:xfrm>
           <a:prstGeom prst="line">
             <a:avLst/>
@@ -7926,14 +7930,14 @@
           <p:nvPr>
             <p:extLst>
               <p:ext uri="{D42A27DB-BD31-4B8C-83A1-F6EECF244321}">
-                <p14:modId xmlns:p14="http://schemas.microsoft.com/office/powerpoint/2010/main" val="1064018794"/>
+                <p14:modId xmlns:p14="http://schemas.microsoft.com/office/powerpoint/2010/main" val="1469594365"/>
               </p:ext>
             </p:extLst>
           </p:nvPr>
         </p:nvGraphicFramePr>
         <p:xfrm>
           <a:off x="3161195" y="6940807"/>
-          <a:ext cx="3020398" cy="2614833"/>
+          <a:ext cx="3020398" cy="2335939"/>
         </p:xfrm>
         <a:graphic>
           <a:graphicData uri="http://schemas.openxmlformats.org/drawingml/2006/table">
@@ -7945,7 +7949,7 @@
                 <a:gridCol w="3020398">
                   <a:extLst>
                     <a:ext uri="{9D8B030D-6E8A-4147-A177-3AD203B41FA5}">
-                      <a16:colId xmlns:a16="http://schemas.microsoft.com/office/drawing/2014/main" xmlns="" val="20000"/>
+                      <a16:colId xmlns="" xmlns:a16="http://schemas.microsoft.com/office/drawing/2014/main" val="20000"/>
                     </a:ext>
                   </a:extLst>
                 </a:gridCol>
@@ -8036,7 +8040,7 @@
                 </a:tc>
                 <a:extLst>
                   <a:ext uri="{0D108BD9-81ED-4DB2-BD59-A6C34878D82A}">
-                    <a16:rowId xmlns:a16="http://schemas.microsoft.com/office/drawing/2014/main" xmlns="" val="10000"/>
+                    <a16:rowId xmlns="" xmlns:a16="http://schemas.microsoft.com/office/drawing/2014/main" val="10000"/>
                   </a:ext>
                 </a:extLst>
               </a:tr>
@@ -8082,60 +8086,9 @@
                 </a:tc>
                 <a:extLst>
                   <a:ext uri="{0D108BD9-81ED-4DB2-BD59-A6C34878D82A}">
-                    <a16:rowId xmlns:a16="http://schemas.microsoft.com/office/drawing/2014/main" xmlns="" val="10001"/>
+                    <a16:rowId xmlns="" xmlns:a16="http://schemas.microsoft.com/office/drawing/2014/main" val="10001"/>
                   </a:ext>
                 </a:extLst>
-              </a:tr>
-              <a:tr h="461774">
-                <a:tc>
-                  <a:txBody>
-                    <a:bodyPr/>
-                    <a:lstStyle/>
-                    <a:p>
-                      <a:pPr marL="0" marR="0" indent="0" algn="ctr" defTabSz="1280160" rtl="0" eaLnBrk="1" fontAlgn="auto" latinLnBrk="0" hangingPunct="1">
-                        <a:lnSpc>
-                          <a:spcPct val="100000"/>
-                        </a:lnSpc>
-                        <a:spcBef>
-                          <a:spcPts val="0"/>
-                        </a:spcBef>
-                        <a:spcAft>
-                          <a:spcPts val="0"/>
-                        </a:spcAft>
-                        <a:buClrTx/>
-                        <a:buSzTx/>
-                        <a:buFontTx/>
-                        <a:buNone/>
-                        <a:tabLst/>
-                        <a:defRPr/>
-                      </a:pPr>
-                      <a:r>
-                        <a:rPr lang="en-SG" sz="1200" dirty="0" smtClean="0">
-                          <a:solidFill>
-                            <a:schemeClr val="bg1"/>
-                          </a:solidFill>
-                          <a:latin typeface="Noveo Sans" charset="0"/>
-                          <a:ea typeface="Noveo Sans" charset="0"/>
-                          <a:cs typeface="Noveo Sans" charset="0"/>
-                        </a:rPr>
-                        <a:t>Expert Testing Review</a:t>
-                      </a:r>
-                      <a:endParaRPr lang="en-SG" sz="1200" dirty="0" smtClean="0">
-                        <a:solidFill>
-                          <a:schemeClr val="bg1"/>
-                        </a:solidFill>
-                        <a:latin typeface="Noveo Sans" charset="0"/>
-                        <a:ea typeface="Noveo Sans" charset="0"/>
-                        <a:cs typeface="Noveo Sans" charset="0"/>
-                      </a:endParaRPr>
-                    </a:p>
-                  </a:txBody>
-                  <a:tcPr marL="96012" marR="96012" marT="48007" marB="48007" anchor="ctr">
-                    <a:solidFill>
-                      <a:srgbClr val="0068B3"/>
-                    </a:solidFill>
-                  </a:tcPr>
-                </a:tc>
               </a:tr>
               <a:tr h="461774">
                 <a:tc>
@@ -8177,7 +8130,7 @@
                           <a:ea typeface="Noveo Sans" charset="0"/>
                           <a:cs typeface="Noveo Sans" charset="0"/>
                         </a:rPr>
-                        <a:t>Analytics Module </a:t>
+                        <a:t>Analytics Module (Analysis – e.g. forecasting peak period</a:t>
                       </a:r>
                       <a:r>
                         <a:rPr lang="en-SG" sz="1200" dirty="0" smtClean="0">
@@ -8185,15 +8138,40 @@
                           <a:ea typeface="Noveo Sans" charset="0"/>
                           <a:cs typeface="Noveo Sans" charset="0"/>
                         </a:rPr>
-                        <a:t>(Analysis </a:t>
+                        <a:t>), </a:t>
                       </a:r>
                       <a:r>
                         <a:rPr lang="en-SG" sz="1200" dirty="0" smtClean="0">
-                          <a:latin typeface="Noveo Sans" charset="0"/>
-                          <a:ea typeface="Noveo Sans" charset="0"/>
-                          <a:cs typeface="Noveo Sans" charset="0"/>
-                        </a:rPr>
-                        <a:t>– e.g. forecasting peak period)</a:t>
+                          <a:solidFill>
+                            <a:schemeClr val="tx1"/>
+                          </a:solidFill>
+                          <a:latin typeface="Noveo Sans" charset="0"/>
+                          <a:ea typeface="Noveo Sans" charset="0"/>
+                          <a:cs typeface="Noveo Sans" charset="0"/>
+                        </a:rPr>
+                        <a:t>Expert Testing (I)</a:t>
+                      </a:r>
+                      <a:r>
+                        <a:rPr lang="en-SG" sz="1200" baseline="0" dirty="0" smtClean="0">
+                          <a:solidFill>
+                            <a:schemeClr val="tx1"/>
+                          </a:solidFill>
+                          <a:latin typeface="Noveo Sans" charset="0"/>
+                          <a:ea typeface="Noveo Sans" charset="0"/>
+                          <a:cs typeface="Noveo Sans" charset="0"/>
+                        </a:rPr>
+                        <a:t> </a:t>
+                      </a:r>
+                      <a:r>
+                        <a:rPr lang="en-SG" sz="1200" dirty="0" smtClean="0">
+                          <a:solidFill>
+                            <a:schemeClr val="tx1"/>
+                          </a:solidFill>
+                          <a:latin typeface="Noveo Sans" charset="0"/>
+                          <a:ea typeface="Noveo Sans" charset="0"/>
+                          <a:cs typeface="Noveo Sans" charset="0"/>
+                        </a:rPr>
+                        <a:t>Review </a:t>
                       </a:r>
                     </a:p>
                   </a:txBody>
@@ -8205,7 +8183,7 @@
                 </a:tc>
                 <a:extLst>
                   <a:ext uri="{0D108BD9-81ED-4DB2-BD59-A6C34878D82A}">
-                    <a16:rowId xmlns:a16="http://schemas.microsoft.com/office/drawing/2014/main" xmlns="" val="10002"/>
+                    <a16:rowId xmlns="" xmlns:a16="http://schemas.microsoft.com/office/drawing/2014/main" val="10002"/>
                   </a:ext>
                 </a:extLst>
               </a:tr>
@@ -8338,19 +8316,7 @@
                           <a:ea typeface="+mn-ea"/>
                           <a:cs typeface="+mn-cs"/>
                         </a:rPr>
-                        <a:t>Update Bug </a:t>
-                      </a:r>
-                      <a:r>
-                        <a:rPr lang="en-US" sz="1200" kern="1200" dirty="0" smtClean="0">
-                          <a:solidFill>
-                            <a:schemeClr val="dk1"/>
-                          </a:solidFill>
-                          <a:effectLst/>
-                          <a:latin typeface="Noveo Sans" panose="020B0503020204020203" pitchFamily="34" charset="0"/>
-                          <a:ea typeface="+mn-ea"/>
-                          <a:cs typeface="+mn-cs"/>
-                        </a:rPr>
-                        <a:t>log</a:t>
+                        <a:t>Update Bug log</a:t>
                       </a:r>
                       <a:r>
                         <a:rPr lang="en-SG" sz="1200" kern="1200" dirty="0" smtClean="0">
@@ -8398,7 +8364,7 @@
                 </a:tc>
                 <a:extLst>
                   <a:ext uri="{0D108BD9-81ED-4DB2-BD59-A6C34878D82A}">
-                    <a16:rowId xmlns:a16="http://schemas.microsoft.com/office/drawing/2014/main" xmlns="" val="10003"/>
+                    <a16:rowId xmlns="" xmlns:a16="http://schemas.microsoft.com/office/drawing/2014/main" val="10003"/>
                   </a:ext>
                 </a:extLst>
               </a:tr>
@@ -8469,7 +8435,7 @@
                 <a:gridCol w="2532795">
                   <a:extLst>
                     <a:ext uri="{9D8B030D-6E8A-4147-A177-3AD203B41FA5}">
-                      <a16:colId xmlns:a16="http://schemas.microsoft.com/office/drawing/2014/main" xmlns="" val="20000"/>
+                      <a16:colId xmlns="" xmlns:a16="http://schemas.microsoft.com/office/drawing/2014/main" val="20000"/>
                     </a:ext>
                   </a:extLst>
                 </a:gridCol>
@@ -8536,7 +8502,7 @@
                 </a:tc>
                 <a:extLst>
                   <a:ext uri="{0D108BD9-81ED-4DB2-BD59-A6C34878D82A}">
-                    <a16:rowId xmlns:a16="http://schemas.microsoft.com/office/drawing/2014/main" xmlns="" val="10000"/>
+                    <a16:rowId xmlns="" xmlns:a16="http://schemas.microsoft.com/office/drawing/2014/main" val="10000"/>
                   </a:ext>
                 </a:extLst>
               </a:tr>
@@ -8553,15 +8519,7 @@
                           <a:ea typeface="Noveo Sans" charset="0"/>
                           <a:cs typeface="Noveo Sans" charset="0"/>
                         </a:rPr>
-                        <a:t>UAT </a:t>
-                      </a:r>
-                      <a:r>
-                        <a:rPr lang="en-SG" sz="1200" b="1" dirty="0" smtClean="0">
-                          <a:latin typeface="Noveo Sans" charset="0"/>
-                          <a:ea typeface="Noveo Sans" charset="0"/>
-                          <a:cs typeface="Noveo Sans" charset="0"/>
-                        </a:rPr>
-                        <a:t>1</a:t>
+                        <a:t>UAT 1</a:t>
                       </a:r>
                       <a:endParaRPr lang="en-SG" sz="1200" dirty="0" smtClean="0">
                         <a:latin typeface="Noveo Sans" charset="0"/>
@@ -8578,7 +8536,7 @@
                 </a:tc>
                 <a:extLst>
                   <a:ext uri="{0D108BD9-81ED-4DB2-BD59-A6C34878D82A}">
-                    <a16:rowId xmlns:a16="http://schemas.microsoft.com/office/drawing/2014/main" xmlns="" val="10001"/>
+                    <a16:rowId xmlns="" xmlns:a16="http://schemas.microsoft.com/office/drawing/2014/main" val="10001"/>
                   </a:ext>
                 </a:extLst>
               </a:tr>
@@ -8626,7 +8584,7 @@
                 </a:tc>
                 <a:extLst>
                   <a:ext uri="{0D108BD9-81ED-4DB2-BD59-A6C34878D82A}">
-                    <a16:rowId xmlns:a16="http://schemas.microsoft.com/office/drawing/2014/main" xmlns="" val="4232395393"/>
+                    <a16:rowId xmlns="" xmlns:a16="http://schemas.microsoft.com/office/drawing/2014/main" val="4232395393"/>
                   </a:ext>
                 </a:extLst>
               </a:tr>
@@ -8666,7 +8624,7 @@
                 </a:tc>
                 <a:extLst>
                   <a:ext uri="{0D108BD9-81ED-4DB2-BD59-A6C34878D82A}">
-                    <a16:rowId xmlns:a16="http://schemas.microsoft.com/office/drawing/2014/main" xmlns="" val="10002"/>
+                    <a16:rowId xmlns="" xmlns:a16="http://schemas.microsoft.com/office/drawing/2014/main" val="10002"/>
                   </a:ext>
                 </a:extLst>
               </a:tr>
@@ -8783,31 +8741,7 @@
                           <a:ea typeface="+mn-ea"/>
                           <a:cs typeface="+mn-cs"/>
                         </a:rPr>
-                        <a:t>Document UAT </a:t>
-                      </a:r>
-                      <a:r>
-                        <a:rPr lang="en-US" sz="1200" kern="1200" dirty="0" smtClean="0">
-                          <a:solidFill>
-                            <a:schemeClr val="dk1"/>
-                          </a:solidFill>
-                          <a:effectLst/>
-                          <a:latin typeface="Noveo Sans" panose="020B0503020204020203" pitchFamily="34" charset="0"/>
-                          <a:ea typeface="+mn-ea"/>
-                          <a:cs typeface="+mn-cs"/>
-                        </a:rPr>
-                        <a:t>1 </a:t>
-                      </a:r>
-                      <a:r>
-                        <a:rPr lang="en-US" sz="1200" kern="1200" dirty="0" smtClean="0">
-                          <a:solidFill>
-                            <a:schemeClr val="dk1"/>
-                          </a:solidFill>
-                          <a:effectLst/>
-                          <a:latin typeface="Noveo Sans" panose="020B0503020204020203" pitchFamily="34" charset="0"/>
-                          <a:ea typeface="+mn-ea"/>
-                          <a:cs typeface="+mn-cs"/>
-                        </a:rPr>
-                        <a:t>Results</a:t>
+                        <a:t>Document UAT 1 Results</a:t>
                       </a:r>
                     </a:p>
                   </a:txBody>
@@ -8819,7 +8753,7 @@
                 </a:tc>
                 <a:extLst>
                   <a:ext uri="{0D108BD9-81ED-4DB2-BD59-A6C34878D82A}">
-                    <a16:rowId xmlns:a16="http://schemas.microsoft.com/office/drawing/2014/main" xmlns="" val="10003"/>
+                    <a16:rowId xmlns="" xmlns:a16="http://schemas.microsoft.com/office/drawing/2014/main" val="10003"/>
                   </a:ext>
                 </a:extLst>
               </a:tr>
@@ -8890,7 +8824,7 @@
                 <a:gridCol w="2055072">
                   <a:extLst>
                     <a:ext uri="{9D8B030D-6E8A-4147-A177-3AD203B41FA5}">
-                      <a16:colId xmlns:a16="http://schemas.microsoft.com/office/drawing/2014/main" xmlns="" val="20000"/>
+                      <a16:colId xmlns="" xmlns:a16="http://schemas.microsoft.com/office/drawing/2014/main" val="20000"/>
                     </a:ext>
                   </a:extLst>
                 </a:gridCol>
@@ -8981,7 +8915,7 @@
                 </a:tc>
                 <a:extLst>
                   <a:ext uri="{0D108BD9-81ED-4DB2-BD59-A6C34878D82A}">
-                    <a16:rowId xmlns:a16="http://schemas.microsoft.com/office/drawing/2014/main" xmlns="" val="10000"/>
+                    <a16:rowId xmlns="" xmlns:a16="http://schemas.microsoft.com/office/drawing/2014/main" val="10000"/>
                   </a:ext>
                 </a:extLst>
               </a:tr>
@@ -9049,7 +8983,7 @@
                 </a:tc>
                 <a:extLst>
                   <a:ext uri="{0D108BD9-81ED-4DB2-BD59-A6C34878D82A}">
-                    <a16:rowId xmlns:a16="http://schemas.microsoft.com/office/drawing/2014/main" xmlns="" val="10001"/>
+                    <a16:rowId xmlns="" xmlns:a16="http://schemas.microsoft.com/office/drawing/2014/main" val="10001"/>
                   </a:ext>
                 </a:extLst>
               </a:tr>
@@ -9089,7 +9023,7 @@
                 </a:tc>
                 <a:extLst>
                   <a:ext uri="{0D108BD9-81ED-4DB2-BD59-A6C34878D82A}">
-                    <a16:rowId xmlns:a16="http://schemas.microsoft.com/office/drawing/2014/main" xmlns="" val="10002"/>
+                    <a16:rowId xmlns="" xmlns:a16="http://schemas.microsoft.com/office/drawing/2014/main" val="10002"/>
                   </a:ext>
                 </a:extLst>
               </a:tr>
@@ -9227,7 +9161,7 @@
                 </a:tc>
                 <a:extLst>
                   <a:ext uri="{0D108BD9-81ED-4DB2-BD59-A6C34878D82A}">
-                    <a16:rowId xmlns:a16="http://schemas.microsoft.com/office/drawing/2014/main" xmlns="" val="10003"/>
+                    <a16:rowId xmlns="" xmlns:a16="http://schemas.microsoft.com/office/drawing/2014/main" val="10003"/>
                   </a:ext>
                 </a:extLst>
               </a:tr>
@@ -9298,7 +9232,7 @@
                 <a:gridCol w="2950330">
                   <a:extLst>
                     <a:ext uri="{9D8B030D-6E8A-4147-A177-3AD203B41FA5}">
-                      <a16:colId xmlns:a16="http://schemas.microsoft.com/office/drawing/2014/main" xmlns="" val="20000"/>
+                      <a16:colId xmlns="" xmlns:a16="http://schemas.microsoft.com/office/drawing/2014/main" val="20000"/>
                     </a:ext>
                   </a:extLst>
                 </a:gridCol>
@@ -9365,7 +9299,7 @@
                 </a:tc>
                 <a:extLst>
                   <a:ext uri="{0D108BD9-81ED-4DB2-BD59-A6C34878D82A}">
-                    <a16:rowId xmlns:a16="http://schemas.microsoft.com/office/drawing/2014/main" xmlns="" val="10000"/>
+                    <a16:rowId xmlns="" xmlns:a16="http://schemas.microsoft.com/office/drawing/2014/main" val="10000"/>
                   </a:ext>
                 </a:extLst>
               </a:tr>
@@ -9382,15 +9316,7 @@
                           <a:ea typeface="Noveo Sans" charset="0"/>
                           <a:cs typeface="Noveo Sans" charset="0"/>
                         </a:rPr>
-                        <a:t>UAT </a:t>
-                      </a:r>
-                      <a:r>
-                        <a:rPr lang="en-SG" sz="1200" b="1" dirty="0" smtClean="0">
-                          <a:latin typeface="Noveo Sans" charset="0"/>
-                          <a:ea typeface="Noveo Sans" charset="0"/>
-                          <a:cs typeface="Noveo Sans" charset="0"/>
-                        </a:rPr>
-                        <a:t>2</a:t>
+                        <a:t>UAT 2</a:t>
                       </a:r>
                       <a:endParaRPr lang="en-SG" sz="1200" dirty="0" smtClean="0">
                         <a:latin typeface="Noveo Sans" charset="0"/>
@@ -9407,7 +9333,7 @@
                 </a:tc>
                 <a:extLst>
                   <a:ext uri="{0D108BD9-81ED-4DB2-BD59-A6C34878D82A}">
-                    <a16:rowId xmlns:a16="http://schemas.microsoft.com/office/drawing/2014/main" xmlns="" val="10001"/>
+                    <a16:rowId xmlns="" xmlns:a16="http://schemas.microsoft.com/office/drawing/2014/main" val="10001"/>
                   </a:ext>
                 </a:extLst>
               </a:tr>
@@ -9455,7 +9381,7 @@
                 </a:tc>
                 <a:extLst>
                   <a:ext uri="{0D108BD9-81ED-4DB2-BD59-A6C34878D82A}">
-                    <a16:rowId xmlns:a16="http://schemas.microsoft.com/office/drawing/2014/main" xmlns="" val="679801633"/>
+                    <a16:rowId xmlns="" xmlns:a16="http://schemas.microsoft.com/office/drawing/2014/main" val="679801633"/>
                   </a:ext>
                 </a:extLst>
               </a:tr>
@@ -9489,7 +9415,7 @@
                 </a:tc>
                 <a:extLst>
                   <a:ext uri="{0D108BD9-81ED-4DB2-BD59-A6C34878D82A}">
-                    <a16:rowId xmlns:a16="http://schemas.microsoft.com/office/drawing/2014/main" xmlns="" val="10002"/>
+                    <a16:rowId xmlns="" xmlns:a16="http://schemas.microsoft.com/office/drawing/2014/main" val="10002"/>
                   </a:ext>
                 </a:extLst>
               </a:tr>
@@ -9654,10 +9580,10 @@
                           <a:ea typeface="+mn-ea"/>
                           <a:cs typeface="+mn-cs"/>
                         </a:rPr>
-                        <a:t>Document UAT </a:t>
-                      </a:r>
-                      <a:r>
-                        <a:rPr lang="en-US" sz="1200" kern="1200" dirty="0" smtClean="0">
+                        <a:t>Document UAT 2</a:t>
+                      </a:r>
+                      <a:r>
+                        <a:rPr lang="en-US" sz="1200" kern="1200" baseline="0" dirty="0" smtClean="0">
                           <a:solidFill>
                             <a:schemeClr val="dk1"/>
                           </a:solidFill>
@@ -9666,10 +9592,10 @@
                           <a:ea typeface="+mn-ea"/>
                           <a:cs typeface="+mn-cs"/>
                         </a:rPr>
-                        <a:t>2</a:t>
-                      </a:r>
-                      <a:r>
-                        <a:rPr lang="en-US" sz="1200" kern="1200" baseline="0" dirty="0" smtClean="0">
+                        <a:t> </a:t>
+                      </a:r>
+                      <a:r>
+                        <a:rPr lang="en-US" sz="1200" kern="1200" dirty="0" smtClean="0">
                           <a:solidFill>
                             <a:schemeClr val="dk1"/>
                           </a:solidFill>
@@ -9678,29 +9604,8 @@
                           <a:ea typeface="+mn-ea"/>
                           <a:cs typeface="+mn-cs"/>
                         </a:rPr>
-                        <a:t> </a:t>
-                      </a:r>
-                      <a:r>
-                        <a:rPr lang="en-US" sz="1200" kern="1200" dirty="0" smtClean="0">
-                          <a:solidFill>
-                            <a:schemeClr val="dk1"/>
-                          </a:solidFill>
-                          <a:effectLst/>
-                          <a:latin typeface="Noveo Sans" panose="020B0503020204020203" pitchFamily="34" charset="0"/>
-                          <a:ea typeface="+mn-ea"/>
-                          <a:cs typeface="+mn-cs"/>
-                        </a:rPr>
                         <a:t>Results</a:t>
                       </a:r>
-                      <a:endParaRPr lang="en-US" sz="1200" kern="1200" dirty="0" smtClean="0">
-                        <a:solidFill>
-                          <a:schemeClr val="dk1"/>
-                        </a:solidFill>
-                        <a:effectLst/>
-                        <a:latin typeface="Noveo Sans" panose="020B0503020204020203" pitchFamily="34" charset="0"/>
-                        <a:ea typeface="+mn-ea"/>
-                        <a:cs typeface="+mn-cs"/>
-                      </a:endParaRPr>
                     </a:p>
                   </a:txBody>
                   <a:tcPr marL="96012" marR="96012" marT="48007" marB="48007" anchor="ctr">
@@ -9711,7 +9616,7 @@
                 </a:tc>
                 <a:extLst>
                   <a:ext uri="{0D108BD9-81ED-4DB2-BD59-A6C34878D82A}">
-                    <a16:rowId xmlns:a16="http://schemas.microsoft.com/office/drawing/2014/main" xmlns="" val="10003"/>
+                    <a16:rowId xmlns="" xmlns:a16="http://schemas.microsoft.com/office/drawing/2014/main" val="10003"/>
                   </a:ext>
                 </a:extLst>
               </a:tr>
@@ -9784,7 +9689,7 @@
                 <a:gridCol w="2055072">
                   <a:extLst>
                     <a:ext uri="{9D8B030D-6E8A-4147-A177-3AD203B41FA5}">
-                      <a16:colId xmlns:a16="http://schemas.microsoft.com/office/drawing/2014/main" xmlns="" val="20000"/>
+                      <a16:colId xmlns="" xmlns:a16="http://schemas.microsoft.com/office/drawing/2014/main" val="20000"/>
                     </a:ext>
                   </a:extLst>
                 </a:gridCol>
@@ -9835,7 +9740,7 @@
                 </a:tc>
                 <a:extLst>
                   <a:ext uri="{0D108BD9-81ED-4DB2-BD59-A6C34878D82A}">
-                    <a16:rowId xmlns:a16="http://schemas.microsoft.com/office/drawing/2014/main" xmlns="" val="10000"/>
+                    <a16:rowId xmlns="" xmlns:a16="http://schemas.microsoft.com/office/drawing/2014/main" val="10000"/>
                   </a:ext>
                 </a:extLst>
               </a:tr>
@@ -9881,7 +9786,7 @@
                 </a:tc>
                 <a:extLst>
                   <a:ext uri="{0D108BD9-81ED-4DB2-BD59-A6C34878D82A}">
-                    <a16:rowId xmlns:a16="http://schemas.microsoft.com/office/drawing/2014/main" xmlns="" val="10001"/>
+                    <a16:rowId xmlns="" xmlns:a16="http://schemas.microsoft.com/office/drawing/2014/main" val="10001"/>
                   </a:ext>
                 </a:extLst>
               </a:tr>
@@ -9929,7 +9834,7 @@
                 </a:tc>
                 <a:extLst>
                   <a:ext uri="{0D108BD9-81ED-4DB2-BD59-A6C34878D82A}">
-                    <a16:rowId xmlns:a16="http://schemas.microsoft.com/office/drawing/2014/main" xmlns="" val="634995201"/>
+                    <a16:rowId xmlns="" xmlns:a16="http://schemas.microsoft.com/office/drawing/2014/main" val="634995201"/>
                   </a:ext>
                 </a:extLst>
               </a:tr>
@@ -9963,7 +9868,7 @@
                 </a:tc>
                 <a:extLst>
                   <a:ext uri="{0D108BD9-81ED-4DB2-BD59-A6C34878D82A}">
-                    <a16:rowId xmlns:a16="http://schemas.microsoft.com/office/drawing/2014/main" xmlns="" val="10002"/>
+                    <a16:rowId xmlns="" xmlns:a16="http://schemas.microsoft.com/office/drawing/2014/main" val="10002"/>
                   </a:ext>
                 </a:extLst>
               </a:tr>
@@ -10101,7 +10006,7 @@
                 </a:tc>
                 <a:extLst>
                   <a:ext uri="{0D108BD9-81ED-4DB2-BD59-A6C34878D82A}">
-                    <a16:rowId xmlns:a16="http://schemas.microsoft.com/office/drawing/2014/main" xmlns="" val="10003"/>
+                    <a16:rowId xmlns="" xmlns:a16="http://schemas.microsoft.com/office/drawing/2014/main" val="10003"/>
                   </a:ext>
                 </a:extLst>
               </a:tr>
@@ -10172,7 +10077,7 @@
                 <a:gridCol w="3094779">
                   <a:extLst>
                     <a:ext uri="{9D8B030D-6E8A-4147-A177-3AD203B41FA5}">
-                      <a16:colId xmlns:a16="http://schemas.microsoft.com/office/drawing/2014/main" xmlns="" val="20000"/>
+                      <a16:colId xmlns="" xmlns:a16="http://schemas.microsoft.com/office/drawing/2014/main" val="20000"/>
                     </a:ext>
                   </a:extLst>
                 </a:gridCol>
@@ -10207,7 +10112,7 @@
                 </a:tc>
                 <a:extLst>
                   <a:ext uri="{0D108BD9-81ED-4DB2-BD59-A6C34878D82A}">
-                    <a16:rowId xmlns:a16="http://schemas.microsoft.com/office/drawing/2014/main" xmlns="" val="10000"/>
+                    <a16:rowId xmlns="" xmlns:a16="http://schemas.microsoft.com/office/drawing/2014/main" val="10000"/>
                   </a:ext>
                 </a:extLst>
               </a:tr>
@@ -10275,7 +10180,7 @@
                 </a:tc>
                 <a:extLst>
                   <a:ext uri="{0D108BD9-81ED-4DB2-BD59-A6C34878D82A}">
-                    <a16:rowId xmlns:a16="http://schemas.microsoft.com/office/drawing/2014/main" xmlns="" val="10001"/>
+                    <a16:rowId xmlns="" xmlns:a16="http://schemas.microsoft.com/office/drawing/2014/main" val="10001"/>
                   </a:ext>
                 </a:extLst>
               </a:tr>
@@ -10440,7 +10345,7 @@
                 </a:tc>
                 <a:extLst>
                   <a:ext uri="{0D108BD9-81ED-4DB2-BD59-A6C34878D82A}">
-                    <a16:rowId xmlns:a16="http://schemas.microsoft.com/office/drawing/2014/main" xmlns="" val="10003"/>
+                    <a16:rowId xmlns="" xmlns:a16="http://schemas.microsoft.com/office/drawing/2014/main" val="10003"/>
                   </a:ext>
                 </a:extLst>
               </a:tr>
@@ -10511,7 +10416,7 @@
                 <a:gridCol w="1986506">
                   <a:extLst>
                     <a:ext uri="{9D8B030D-6E8A-4147-A177-3AD203B41FA5}">
-                      <a16:colId xmlns:a16="http://schemas.microsoft.com/office/drawing/2014/main" xmlns="" val="20000"/>
+                      <a16:colId xmlns="" xmlns:a16="http://schemas.microsoft.com/office/drawing/2014/main" val="20000"/>
                     </a:ext>
                   </a:extLst>
                 </a:gridCol>
@@ -10546,7 +10451,7 @@
                 </a:tc>
                 <a:extLst>
                   <a:ext uri="{0D108BD9-81ED-4DB2-BD59-A6C34878D82A}">
-                    <a16:rowId xmlns:a16="http://schemas.microsoft.com/office/drawing/2014/main" xmlns="" val="10000"/>
+                    <a16:rowId xmlns="" xmlns:a16="http://schemas.microsoft.com/office/drawing/2014/main" val="10000"/>
                   </a:ext>
                 </a:extLst>
               </a:tr>
@@ -10652,7 +10557,7 @@
                 </a:tc>
                 <a:extLst>
                   <a:ext uri="{0D108BD9-81ED-4DB2-BD59-A6C34878D82A}">
-                    <a16:rowId xmlns:a16="http://schemas.microsoft.com/office/drawing/2014/main" xmlns="" val="10001"/>
+                    <a16:rowId xmlns="" xmlns:a16="http://schemas.microsoft.com/office/drawing/2014/main" val="10001"/>
                   </a:ext>
                 </a:extLst>
               </a:tr>
@@ -10730,7 +10635,7 @@
                 </a:tc>
                 <a:extLst>
                   <a:ext uri="{0D108BD9-81ED-4DB2-BD59-A6C34878D82A}">
-                    <a16:rowId xmlns:a16="http://schemas.microsoft.com/office/drawing/2014/main" xmlns="" val="10003"/>
+                    <a16:rowId xmlns="" xmlns:a16="http://schemas.microsoft.com/office/drawing/2014/main" val="10003"/>
                   </a:ext>
                 </a:extLst>
               </a:tr>

--- a/FYP/Timeline and Diagram/FYPTimeline 15th June Edition.pptx
+++ b/FYP/Timeline and Diagram/FYPTimeline 15th June Edition.pptx
@@ -209,7 +209,7 @@
           <a:p>
             <a:fld id="{D8A5F3BE-A6C5-E54D-9A35-A968F4ADF59A}" type="datetimeFigureOut">
               <a:rPr lang="en-US" smtClean="0"/>
-              <a:t>8/10/16</a:t>
+              <a:t>8/22/16</a:t>
             </a:fld>
             <a:endParaRPr lang="en-US"/>
           </a:p>
@@ -697,7 +697,7 @@
           <a:p>
             <a:fld id="{D93CE7DB-6B87-9F48-AC89-27FF703009F0}" type="datetimeFigureOut">
               <a:rPr lang="en-US" smtClean="0"/>
-              <a:t>8/10/16</a:t>
+              <a:t>8/22/16</a:t>
             </a:fld>
             <a:endParaRPr lang="en-US"/>
           </a:p>
@@ -867,7 +867,7 @@
           <a:p>
             <a:fld id="{D93CE7DB-6B87-9F48-AC89-27FF703009F0}" type="datetimeFigureOut">
               <a:rPr lang="en-US" smtClean="0"/>
-              <a:t>8/10/16</a:t>
+              <a:t>8/22/16</a:t>
             </a:fld>
             <a:endParaRPr lang="en-US"/>
           </a:p>
@@ -1047,7 +1047,7 @@
           <a:p>
             <a:fld id="{D93CE7DB-6B87-9F48-AC89-27FF703009F0}" type="datetimeFigureOut">
               <a:rPr lang="en-US" smtClean="0"/>
-              <a:t>8/10/16</a:t>
+              <a:t>8/22/16</a:t>
             </a:fld>
             <a:endParaRPr lang="en-US"/>
           </a:p>
@@ -1217,7 +1217,7 @@
           <a:p>
             <a:fld id="{D93CE7DB-6B87-9F48-AC89-27FF703009F0}" type="datetimeFigureOut">
               <a:rPr lang="en-US" smtClean="0"/>
-              <a:t>8/10/16</a:t>
+              <a:t>8/22/16</a:t>
             </a:fld>
             <a:endParaRPr lang="en-US"/>
           </a:p>
@@ -1461,7 +1461,7 @@
           <a:p>
             <a:fld id="{D93CE7DB-6B87-9F48-AC89-27FF703009F0}" type="datetimeFigureOut">
               <a:rPr lang="en-US" smtClean="0"/>
-              <a:t>8/10/16</a:t>
+              <a:t>8/22/16</a:t>
             </a:fld>
             <a:endParaRPr lang="en-US"/>
           </a:p>
@@ -1693,7 +1693,7 @@
           <a:p>
             <a:fld id="{D93CE7DB-6B87-9F48-AC89-27FF703009F0}" type="datetimeFigureOut">
               <a:rPr lang="en-US" smtClean="0"/>
-              <a:t>8/10/16</a:t>
+              <a:t>8/22/16</a:t>
             </a:fld>
             <a:endParaRPr lang="en-US"/>
           </a:p>
@@ -2060,7 +2060,7 @@
           <a:p>
             <a:fld id="{D93CE7DB-6B87-9F48-AC89-27FF703009F0}" type="datetimeFigureOut">
               <a:rPr lang="en-US" smtClean="0"/>
-              <a:t>8/10/16</a:t>
+              <a:t>8/22/16</a:t>
             </a:fld>
             <a:endParaRPr lang="en-US"/>
           </a:p>
@@ -2178,7 +2178,7 @@
           <a:p>
             <a:fld id="{D93CE7DB-6B87-9F48-AC89-27FF703009F0}" type="datetimeFigureOut">
               <a:rPr lang="en-US" smtClean="0"/>
-              <a:t>8/10/16</a:t>
+              <a:t>8/22/16</a:t>
             </a:fld>
             <a:endParaRPr lang="en-US"/>
           </a:p>
@@ -2273,7 +2273,7 @@
           <a:p>
             <a:fld id="{D93CE7DB-6B87-9F48-AC89-27FF703009F0}" type="datetimeFigureOut">
               <a:rPr lang="en-US" smtClean="0"/>
-              <a:t>8/10/16</a:t>
+              <a:t>8/22/16</a:t>
             </a:fld>
             <a:endParaRPr lang="en-US"/>
           </a:p>
@@ -2550,7 +2550,7 @@
           <a:p>
             <a:fld id="{D93CE7DB-6B87-9F48-AC89-27FF703009F0}" type="datetimeFigureOut">
               <a:rPr lang="en-US" smtClean="0"/>
-              <a:t>8/10/16</a:t>
+              <a:t>8/22/16</a:t>
             </a:fld>
             <a:endParaRPr lang="en-US"/>
           </a:p>
@@ -2807,7 +2807,7 @@
           <a:p>
             <a:fld id="{D93CE7DB-6B87-9F48-AC89-27FF703009F0}" type="datetimeFigureOut">
               <a:rPr lang="en-US" smtClean="0"/>
-              <a:t>8/10/16</a:t>
+              <a:t>8/22/16</a:t>
             </a:fld>
             <a:endParaRPr lang="en-US"/>
           </a:p>
@@ -3020,7 +3020,7 @@
           <a:p>
             <a:fld id="{D93CE7DB-6B87-9F48-AC89-27FF703009F0}" type="datetimeFigureOut">
               <a:rPr lang="en-US" smtClean="0"/>
-              <a:t>8/10/16</a:t>
+              <a:t>8/22/16</a:t>
             </a:fld>
             <a:endParaRPr lang="en-US"/>
           </a:p>
@@ -5032,7 +5032,7 @@
                 <a:gridCol w="1612468">
                   <a:extLst>
                     <a:ext uri="{9D8B030D-6E8A-4147-A177-3AD203B41FA5}">
-                      <a16:colId xmlns="" xmlns:a16="http://schemas.microsoft.com/office/drawing/2014/main" val="20000"/>
+                      <a16:colId xmlns:a16="http://schemas.microsoft.com/office/drawing/2014/main" xmlns="" val="20000"/>
                     </a:ext>
                   </a:extLst>
                 </a:gridCol>
@@ -5107,7 +5107,7 @@
                 </a:tc>
                 <a:extLst>
                   <a:ext uri="{0D108BD9-81ED-4DB2-BD59-A6C34878D82A}">
-                    <a16:rowId xmlns="" xmlns:a16="http://schemas.microsoft.com/office/drawing/2014/main" val="10000"/>
+                    <a16:rowId xmlns:a16="http://schemas.microsoft.com/office/drawing/2014/main" xmlns="" val="10000"/>
                   </a:ext>
                 </a:extLst>
               </a:tr>
@@ -5141,7 +5141,7 @@
                 </a:tc>
                 <a:extLst>
                   <a:ext uri="{0D108BD9-81ED-4DB2-BD59-A6C34878D82A}">
-                    <a16:rowId xmlns="" xmlns:a16="http://schemas.microsoft.com/office/drawing/2014/main" val="10001"/>
+                    <a16:rowId xmlns:a16="http://schemas.microsoft.com/office/drawing/2014/main" xmlns="" val="10001"/>
                   </a:ext>
                 </a:extLst>
               </a:tr>
@@ -5183,7 +5183,7 @@
                 </a:tc>
                 <a:extLst>
                   <a:ext uri="{0D108BD9-81ED-4DB2-BD59-A6C34878D82A}">
-                    <a16:rowId xmlns="" xmlns:a16="http://schemas.microsoft.com/office/drawing/2014/main" val="10002"/>
+                    <a16:rowId xmlns:a16="http://schemas.microsoft.com/office/drawing/2014/main" xmlns="" val="10002"/>
                   </a:ext>
                 </a:extLst>
               </a:tr>
@@ -5217,7 +5217,7 @@
                 </a:tc>
                 <a:extLst>
                   <a:ext uri="{0D108BD9-81ED-4DB2-BD59-A6C34878D82A}">
-                    <a16:rowId xmlns="" xmlns:a16="http://schemas.microsoft.com/office/drawing/2014/main" val="10003"/>
+                    <a16:rowId xmlns:a16="http://schemas.microsoft.com/office/drawing/2014/main" xmlns="" val="10003"/>
                   </a:ext>
                 </a:extLst>
               </a:tr>
@@ -5288,7 +5288,7 @@
                 <a:gridCol w="2222878">
                   <a:extLst>
                     <a:ext uri="{9D8B030D-6E8A-4147-A177-3AD203B41FA5}">
-                      <a16:colId xmlns="" xmlns:a16="http://schemas.microsoft.com/office/drawing/2014/main" val="2192527220"/>
+                      <a16:colId xmlns:a16="http://schemas.microsoft.com/office/drawing/2014/main" xmlns="" val="2192527220"/>
                     </a:ext>
                   </a:extLst>
                 </a:gridCol>
@@ -5363,7 +5363,7 @@
                 </a:tc>
                 <a:extLst>
                   <a:ext uri="{0D108BD9-81ED-4DB2-BD59-A6C34878D82A}">
-                    <a16:rowId xmlns="" xmlns:a16="http://schemas.microsoft.com/office/drawing/2014/main" val="1986687887"/>
+                    <a16:rowId xmlns:a16="http://schemas.microsoft.com/office/drawing/2014/main" xmlns="" val="1986687887"/>
                   </a:ext>
                 </a:extLst>
               </a:tr>
@@ -5457,7 +5457,7 @@
                 </a:tc>
                 <a:extLst>
                   <a:ext uri="{0D108BD9-81ED-4DB2-BD59-A6C34878D82A}">
-                    <a16:rowId xmlns="" xmlns:a16="http://schemas.microsoft.com/office/drawing/2014/main" val="3506151837"/>
+                    <a16:rowId xmlns:a16="http://schemas.microsoft.com/office/drawing/2014/main" xmlns="" val="3506151837"/>
                   </a:ext>
                 </a:extLst>
               </a:tr>
@@ -5553,7 +5553,7 @@
                 </a:tc>
                 <a:extLst>
                   <a:ext uri="{0D108BD9-81ED-4DB2-BD59-A6C34878D82A}">
-                    <a16:rowId xmlns="" xmlns:a16="http://schemas.microsoft.com/office/drawing/2014/main" val="1767699772"/>
+                    <a16:rowId xmlns:a16="http://schemas.microsoft.com/office/drawing/2014/main" xmlns="" val="1767699772"/>
                   </a:ext>
                 </a:extLst>
               </a:tr>
@@ -5624,7 +5624,7 @@
                 <a:gridCol w="1928341">
                   <a:extLst>
                     <a:ext uri="{9D8B030D-6E8A-4147-A177-3AD203B41FA5}">
-                      <a16:colId xmlns="" xmlns:a16="http://schemas.microsoft.com/office/drawing/2014/main" val="20000"/>
+                      <a16:colId xmlns:a16="http://schemas.microsoft.com/office/drawing/2014/main" xmlns="" val="20000"/>
                     </a:ext>
                   </a:extLst>
                 </a:gridCol>
@@ -5699,7 +5699,7 @@
                 </a:tc>
                 <a:extLst>
                   <a:ext uri="{0D108BD9-81ED-4DB2-BD59-A6C34878D82A}">
-                    <a16:rowId xmlns="" xmlns:a16="http://schemas.microsoft.com/office/drawing/2014/main" val="10000"/>
+                    <a16:rowId xmlns:a16="http://schemas.microsoft.com/office/drawing/2014/main" xmlns="" val="10000"/>
                   </a:ext>
                 </a:extLst>
               </a:tr>
@@ -5771,7 +5771,7 @@
                 </a:tc>
                 <a:extLst>
                   <a:ext uri="{0D108BD9-81ED-4DB2-BD59-A6C34878D82A}">
-                    <a16:rowId xmlns="" xmlns:a16="http://schemas.microsoft.com/office/drawing/2014/main" val="10002"/>
+                    <a16:rowId xmlns:a16="http://schemas.microsoft.com/office/drawing/2014/main" xmlns="" val="10002"/>
                   </a:ext>
                 </a:extLst>
               </a:tr>
@@ -5909,7 +5909,7 @@
                 </a:tc>
                 <a:extLst>
                   <a:ext uri="{0D108BD9-81ED-4DB2-BD59-A6C34878D82A}">
-                    <a16:rowId xmlns="" xmlns:a16="http://schemas.microsoft.com/office/drawing/2014/main" val="10003"/>
+                    <a16:rowId xmlns:a16="http://schemas.microsoft.com/office/drawing/2014/main" xmlns="" val="10003"/>
                   </a:ext>
                 </a:extLst>
               </a:tr>
@@ -5980,7 +5980,7 @@
                 <a:gridCol w="2987497">
                   <a:extLst>
                     <a:ext uri="{9D8B030D-6E8A-4147-A177-3AD203B41FA5}">
-                      <a16:colId xmlns="" xmlns:a16="http://schemas.microsoft.com/office/drawing/2014/main" val="2192527220"/>
+                      <a16:colId xmlns:a16="http://schemas.microsoft.com/office/drawing/2014/main" xmlns="" val="2192527220"/>
                     </a:ext>
                   </a:extLst>
                 </a:gridCol>
@@ -6071,7 +6071,7 @@
                 </a:tc>
                 <a:extLst>
                   <a:ext uri="{0D108BD9-81ED-4DB2-BD59-A6C34878D82A}">
-                    <a16:rowId xmlns="" xmlns:a16="http://schemas.microsoft.com/office/drawing/2014/main" val="1986687887"/>
+                    <a16:rowId xmlns:a16="http://schemas.microsoft.com/office/drawing/2014/main" xmlns="" val="1986687887"/>
                   </a:ext>
                 </a:extLst>
               </a:tr>
@@ -6127,7 +6127,7 @@
                 </a:tc>
                 <a:extLst>
                   <a:ext uri="{0D108BD9-81ED-4DB2-BD59-A6C34878D82A}">
-                    <a16:rowId xmlns="" xmlns:a16="http://schemas.microsoft.com/office/drawing/2014/main" val="3506151837"/>
+                    <a16:rowId xmlns:a16="http://schemas.microsoft.com/office/drawing/2014/main" xmlns="" val="3506151837"/>
                   </a:ext>
                 </a:extLst>
               </a:tr>
@@ -6265,7 +6265,7 @@
                 </a:tc>
                 <a:extLst>
                   <a:ext uri="{0D108BD9-81ED-4DB2-BD59-A6C34878D82A}">
-                    <a16:rowId xmlns="" xmlns:a16="http://schemas.microsoft.com/office/drawing/2014/main" val="1767699772"/>
+                    <a16:rowId xmlns:a16="http://schemas.microsoft.com/office/drawing/2014/main" xmlns="" val="1767699772"/>
                   </a:ext>
                 </a:extLst>
               </a:tr>
@@ -6336,7 +6336,7 @@
                 <a:gridCol w="2690439">
                   <a:extLst>
                     <a:ext uri="{9D8B030D-6E8A-4147-A177-3AD203B41FA5}">
-                      <a16:colId xmlns="" xmlns:a16="http://schemas.microsoft.com/office/drawing/2014/main" val="20000"/>
+                      <a16:colId xmlns:a16="http://schemas.microsoft.com/office/drawing/2014/main" xmlns="" val="20000"/>
                     </a:ext>
                   </a:extLst>
                 </a:gridCol>
@@ -6411,7 +6411,7 @@
                 </a:tc>
                 <a:extLst>
                   <a:ext uri="{0D108BD9-81ED-4DB2-BD59-A6C34878D82A}">
-                    <a16:rowId xmlns="" xmlns:a16="http://schemas.microsoft.com/office/drawing/2014/main" val="10000"/>
+                    <a16:rowId xmlns:a16="http://schemas.microsoft.com/office/drawing/2014/main" xmlns="" val="10000"/>
                   </a:ext>
                 </a:extLst>
               </a:tr>
@@ -6476,7 +6476,7 @@
                 </a:tc>
                 <a:extLst>
                   <a:ext uri="{0D108BD9-81ED-4DB2-BD59-A6C34878D82A}">
-                    <a16:rowId xmlns="" xmlns:a16="http://schemas.microsoft.com/office/drawing/2014/main" val="2572675366"/>
+                    <a16:rowId xmlns:a16="http://schemas.microsoft.com/office/drawing/2014/main" xmlns="" val="2572675366"/>
                   </a:ext>
                 </a:extLst>
               </a:tr>
@@ -6532,7 +6532,7 @@
                 </a:tc>
                 <a:extLst>
                   <a:ext uri="{0D108BD9-81ED-4DB2-BD59-A6C34878D82A}">
-                    <a16:rowId xmlns="" xmlns:a16="http://schemas.microsoft.com/office/drawing/2014/main" val="10001"/>
+                    <a16:rowId xmlns:a16="http://schemas.microsoft.com/office/drawing/2014/main" xmlns="" val="10001"/>
                   </a:ext>
                 </a:extLst>
               </a:tr>
@@ -6682,7 +6682,7 @@
                 </a:tc>
                 <a:extLst>
                   <a:ext uri="{0D108BD9-81ED-4DB2-BD59-A6C34878D82A}">
-                    <a16:rowId xmlns="" xmlns:a16="http://schemas.microsoft.com/office/drawing/2014/main" val="10002"/>
+                    <a16:rowId xmlns:a16="http://schemas.microsoft.com/office/drawing/2014/main" xmlns="" val="10002"/>
                   </a:ext>
                 </a:extLst>
               </a:tr>
@@ -6699,14 +6699,14 @@
           <p:nvPr>
             <p:extLst>
               <p:ext uri="{D42A27DB-BD31-4B8C-83A1-F6EECF244321}">
-                <p14:modId xmlns:p14="http://schemas.microsoft.com/office/powerpoint/2010/main" val="1125835696"/>
+                <p14:modId xmlns:p14="http://schemas.microsoft.com/office/powerpoint/2010/main" val="2092622471"/>
               </p:ext>
             </p:extLst>
           </p:nvPr>
         </p:nvGraphicFramePr>
         <p:xfrm>
-          <a:off x="6519073" y="147965"/>
-          <a:ext cx="2998856" cy="1595212"/>
+          <a:off x="6698804" y="60023"/>
+          <a:ext cx="2876440" cy="1862336"/>
         </p:xfrm>
         <a:graphic>
           <a:graphicData uri="http://schemas.openxmlformats.org/drawingml/2006/table">
@@ -6715,15 +6715,15 @@
                 <a:tableStyleId>{073A0DAA-6AF3-43AB-8588-CEC1D06C72B9}</a:tableStyleId>
               </a:tblPr>
               <a:tblGrid>
-                <a:gridCol w="2998856">
+                <a:gridCol w="2876440">
                   <a:extLst>
                     <a:ext uri="{9D8B030D-6E8A-4147-A177-3AD203B41FA5}">
-                      <a16:colId xmlns="" xmlns:a16="http://schemas.microsoft.com/office/drawing/2014/main" val="2192527220"/>
+                      <a16:colId xmlns:a16="http://schemas.microsoft.com/office/drawing/2014/main" xmlns="" val="2192527220"/>
                     </a:ext>
                   </a:extLst>
                 </a:gridCol>
               </a:tblGrid>
-              <a:tr h="414071">
+              <a:tr h="232134">
                 <a:tc>
                   <a:txBody>
                     <a:bodyPr/>
@@ -6785,11 +6785,11 @@
                 </a:tc>
                 <a:extLst>
                   <a:ext uri="{0D108BD9-81ED-4DB2-BD59-A6C34878D82A}">
-                    <a16:rowId xmlns="" xmlns:a16="http://schemas.microsoft.com/office/drawing/2014/main" val="1986687887"/>
+                    <a16:rowId xmlns:a16="http://schemas.microsoft.com/office/drawing/2014/main" xmlns="" val="1986687887"/>
                   </a:ext>
                 </a:extLst>
               </a:tr>
-              <a:tr h="536487">
+              <a:tr h="364437">
                 <a:tc>
                   <a:txBody>
                     <a:bodyPr/>
@@ -6798,23 +6798,115 @@
                       <a:pPr algn="ctr"/>
                       <a:r>
                         <a:rPr lang="en-SG" sz="1200" b="1" dirty="0" smtClean="0">
-                          <a:latin typeface="Noveo Sans" charset="0"/>
-                          <a:ea typeface="Noveo Sans" charset="0"/>
-                          <a:cs typeface="Noveo Sans" charset="0"/>
-                        </a:rPr>
-                        <a:t>Functions</a:t>
+                          <a:solidFill>
+                            <a:schemeClr val="bg1"/>
+                          </a:solidFill>
+                          <a:latin typeface="Noveo Sans" charset="0"/>
+                          <a:ea typeface="Noveo Sans" charset="0"/>
+                          <a:cs typeface="Noveo Sans" charset="0"/>
+                        </a:rPr>
+                        <a:t>Milestone</a:t>
                       </a:r>
                     </a:p>
                     <a:p>
                       <a:pPr algn="ctr"/>
                       <a:r>
                         <a:rPr lang="en-SG" sz="1200" dirty="0" smtClean="0">
-                          <a:latin typeface="Noveo Sans" charset="0"/>
-                          <a:ea typeface="Noveo Sans" charset="0"/>
-                          <a:cs typeface="Noveo Sans" charset="0"/>
-                        </a:rPr>
-                        <a:t>Accounting Module (II)</a:t>
-                      </a:r>
+                          <a:solidFill>
+                            <a:schemeClr val="bg1"/>
+                          </a:solidFill>
+                          <a:latin typeface="Noveo Sans" charset="0"/>
+                          <a:ea typeface="Noveo Sans" charset="0"/>
+                          <a:cs typeface="Noveo Sans" charset="0"/>
+                        </a:rPr>
+                        <a:t>Midterm</a:t>
+                      </a:r>
+                      <a:r>
+                        <a:rPr lang="en-SG" sz="1200" baseline="0" dirty="0" smtClean="0">
+                          <a:solidFill>
+                            <a:schemeClr val="bg1"/>
+                          </a:solidFill>
+                          <a:latin typeface="Noveo Sans" charset="0"/>
+                          <a:ea typeface="Noveo Sans" charset="0"/>
+                          <a:cs typeface="Noveo Sans" charset="0"/>
+                        </a:rPr>
+                        <a:t>: </a:t>
+                      </a:r>
+                      <a:r>
+                        <a:rPr lang="en-SG" sz="1200" dirty="0" smtClean="0">
+                          <a:solidFill>
+                            <a:schemeClr val="bg1"/>
+                          </a:solidFill>
+                          <a:latin typeface="Noveo Sans" charset="0"/>
+                          <a:ea typeface="Noveo Sans" charset="0"/>
+                          <a:cs typeface="Noveo Sans" charset="0"/>
+                        </a:rPr>
+                        <a:t>3rd Oct –  7th Oct</a:t>
+                      </a:r>
+                      <a:endParaRPr lang="en-SG" sz="1200" dirty="0" smtClean="0">
+                        <a:solidFill>
+                          <a:schemeClr val="bg1"/>
+                        </a:solidFill>
+                        <a:latin typeface="Noveo Sans" charset="0"/>
+                        <a:ea typeface="Noveo Sans" charset="0"/>
+                        <a:cs typeface="Noveo Sans" charset="0"/>
+                      </a:endParaRPr>
+                    </a:p>
+                  </a:txBody>
+                  <a:tcPr marL="96012" marR="96012" marT="48007" marB="48007" anchor="ctr">
+                    <a:solidFill>
+                      <a:srgbClr val="DE1A54"/>
+                    </a:solidFill>
+                  </a:tcPr>
+                </a:tc>
+              </a:tr>
+              <a:tr h="364437">
+                <a:tc>
+                  <a:txBody>
+                    <a:bodyPr/>
+                    <a:lstStyle/>
+                    <a:p>
+                      <a:pPr algn="ctr"/>
+                      <a:r>
+                        <a:rPr lang="en-SG" sz="1200" b="1" dirty="0" smtClean="0">
+                          <a:latin typeface="Noveo Sans" charset="0"/>
+                          <a:ea typeface="Noveo Sans" charset="0"/>
+                          <a:cs typeface="Noveo Sans" charset="0"/>
+                        </a:rPr>
+                        <a:t>Functions</a:t>
+                      </a:r>
+                    </a:p>
+                    <a:p>
+                      <a:pPr algn="ctr"/>
+                      <a:r>
+                        <a:rPr lang="en-SG" sz="1200" dirty="0" smtClean="0">
+                          <a:latin typeface="Noveo Sans" charset="0"/>
+                          <a:ea typeface="Noveo Sans" charset="0"/>
+                          <a:cs typeface="Noveo Sans" charset="0"/>
+                        </a:rPr>
+                        <a:t>Authentication</a:t>
+                      </a:r>
+                      <a:r>
+                        <a:rPr lang="en-SG" sz="1200" baseline="0" dirty="0" smtClean="0">
+                          <a:latin typeface="Noveo Sans" charset="0"/>
+                          <a:ea typeface="Noveo Sans" charset="0"/>
+                          <a:cs typeface="Noveo Sans" charset="0"/>
+                        </a:rPr>
+                        <a:t> </a:t>
+                      </a:r>
+                      <a:r>
+                        <a:rPr lang="en-SG" sz="1200" dirty="0" smtClean="0">
+                          <a:latin typeface="Noveo Sans" charset="0"/>
+                          <a:ea typeface="Noveo Sans" charset="0"/>
+                          <a:cs typeface="Noveo Sans" charset="0"/>
+                        </a:rPr>
+                        <a:t>Module</a:t>
+                      </a:r>
+                      <a:endParaRPr lang="en-SG" sz="1200" dirty="0" smtClean="0">
+                        <a:latin typeface="Noveo Sans" charset="0"/>
+                        <a:ea typeface="Noveo Sans" charset="0"/>
+                        <a:cs typeface="Noveo Sans" charset="0"/>
+                      </a:endParaRPr>
                     </a:p>
                   </a:txBody>
                   <a:tcPr marL="96012" marR="96012" marT="48007" marB="48007" anchor="ctr">
@@ -6825,11 +6917,11 @@
                 </a:tc>
                 <a:extLst>
                   <a:ext uri="{0D108BD9-81ED-4DB2-BD59-A6C34878D82A}">
-                    <a16:rowId xmlns="" xmlns:a16="http://schemas.microsoft.com/office/drawing/2014/main" val="3506151837"/>
+                    <a16:rowId xmlns:a16="http://schemas.microsoft.com/office/drawing/2014/main" xmlns="" val="3506151837"/>
                   </a:ext>
                 </a:extLst>
               </a:tr>
-              <a:tr h="542266">
+              <a:tr h="508768">
                 <a:tc>
                   <a:txBody>
                     <a:bodyPr/>
@@ -6982,7 +7074,7 @@
                 </a:tc>
                 <a:extLst>
                   <a:ext uri="{0D108BD9-81ED-4DB2-BD59-A6C34878D82A}">
-                    <a16:rowId xmlns="" xmlns:a16="http://schemas.microsoft.com/office/drawing/2014/main" val="1767699772"/>
+                    <a16:rowId xmlns:a16="http://schemas.microsoft.com/office/drawing/2014/main" xmlns="" val="1767699772"/>
                   </a:ext>
                 </a:extLst>
               </a:tr>
@@ -7069,13 +7161,13 @@
           <p:nvPr>
             <p:extLst>
               <p:ext uri="{D42A27DB-BD31-4B8C-83A1-F6EECF244321}">
-                <p14:modId xmlns:p14="http://schemas.microsoft.com/office/powerpoint/2010/main" val="1299486956"/>
+                <p14:modId xmlns:p14="http://schemas.microsoft.com/office/powerpoint/2010/main" val="1549747497"/>
               </p:ext>
             </p:extLst>
           </p:nvPr>
         </p:nvGraphicFramePr>
         <p:xfrm>
-          <a:off x="3389598" y="146634"/>
+          <a:off x="3286108" y="107670"/>
           <a:ext cx="2160267" cy="2796028"/>
         </p:xfrm>
         <a:graphic>
@@ -7088,7 +7180,7 @@
                 <a:gridCol w="2160267">
                   <a:extLst>
                     <a:ext uri="{9D8B030D-6E8A-4147-A177-3AD203B41FA5}">
-                      <a16:colId xmlns="" xmlns:a16="http://schemas.microsoft.com/office/drawing/2014/main" val="20000"/>
+                      <a16:colId xmlns:a16="http://schemas.microsoft.com/office/drawing/2014/main" xmlns="" val="20000"/>
                     </a:ext>
                   </a:extLst>
                 </a:gridCol>
@@ -7171,7 +7263,7 @@
                 </a:tc>
                 <a:extLst>
                   <a:ext uri="{0D108BD9-81ED-4DB2-BD59-A6C34878D82A}">
-                    <a16:rowId xmlns="" xmlns:a16="http://schemas.microsoft.com/office/drawing/2014/main" val="10000"/>
+                    <a16:rowId xmlns:a16="http://schemas.microsoft.com/office/drawing/2014/main" xmlns="" val="10000"/>
                   </a:ext>
                 </a:extLst>
               </a:tr>
@@ -7237,15 +7329,7 @@
                           <a:ea typeface="Noveo Sans" charset="0"/>
                           <a:cs typeface="Noveo Sans" charset="0"/>
                         </a:rPr>
-                        <a:t> </a:t>
-                      </a:r>
-                      <a:r>
-                        <a:rPr lang="en-SG" sz="1200" b="1" baseline="0" dirty="0" smtClean="0">
-                          <a:latin typeface="Noveo Sans" charset="0"/>
-                          <a:ea typeface="Noveo Sans" charset="0"/>
-                          <a:cs typeface="Noveo Sans" charset="0"/>
-                        </a:rPr>
-                        <a:t>Testing (I)</a:t>
+                        <a:t> Testing (I)</a:t>
                       </a:r>
                       <a:endParaRPr lang="en-SG" sz="1200" dirty="0" smtClean="0">
                         <a:latin typeface="Noveo Sans" charset="0"/>
@@ -7262,7 +7346,7 @@
                 </a:tc>
                 <a:extLst>
                   <a:ext uri="{0D108BD9-81ED-4DB2-BD59-A6C34878D82A}">
-                    <a16:rowId xmlns="" xmlns:a16="http://schemas.microsoft.com/office/drawing/2014/main" val="10001"/>
+                    <a16:rowId xmlns:a16="http://schemas.microsoft.com/office/drawing/2014/main" xmlns="" val="10001"/>
                   </a:ext>
                 </a:extLst>
               </a:tr>
@@ -7331,7 +7415,7 @@
                 </a:tc>
                 <a:extLst>
                   <a:ext uri="{0D108BD9-81ED-4DB2-BD59-A6C34878D82A}">
-                    <a16:rowId xmlns="" xmlns:a16="http://schemas.microsoft.com/office/drawing/2014/main" val="10002"/>
+                    <a16:rowId xmlns:a16="http://schemas.microsoft.com/office/drawing/2014/main" xmlns="" val="10002"/>
                   </a:ext>
                 </a:extLst>
               </a:tr>
@@ -7460,7 +7544,7 @@
                 </a:tc>
                 <a:extLst>
                   <a:ext uri="{0D108BD9-81ED-4DB2-BD59-A6C34878D82A}">
-                    <a16:rowId xmlns="" xmlns:a16="http://schemas.microsoft.com/office/drawing/2014/main" val="10003"/>
+                    <a16:rowId xmlns:a16="http://schemas.microsoft.com/office/drawing/2014/main" xmlns="" val="10003"/>
                   </a:ext>
                 </a:extLst>
               </a:tr>
@@ -7477,14 +7561,14 @@
           <p:nvPr>
             <p:extLst>
               <p:ext uri="{D42A27DB-BD31-4B8C-83A1-F6EECF244321}">
-                <p14:modId xmlns:p14="http://schemas.microsoft.com/office/powerpoint/2010/main" val="1960944611"/>
+                <p14:modId xmlns:p14="http://schemas.microsoft.com/office/powerpoint/2010/main" val="1418348399"/>
               </p:ext>
             </p:extLst>
           </p:nvPr>
         </p:nvGraphicFramePr>
         <p:xfrm>
-          <a:off x="5670602" y="1852119"/>
-          <a:ext cx="1854351" cy="2095144"/>
+          <a:off x="5501447" y="1966108"/>
+          <a:ext cx="2057553" cy="2045216"/>
         </p:xfrm>
         <a:graphic>
           <a:graphicData uri="http://schemas.openxmlformats.org/drawingml/2006/table">
@@ -7493,15 +7577,15 @@
                 <a:tableStyleId>{073A0DAA-6AF3-43AB-8588-CEC1D06C72B9}</a:tableStyleId>
               </a:tblPr>
               <a:tblGrid>
-                <a:gridCol w="1854351">
+                <a:gridCol w="2057553">
                   <a:extLst>
                     <a:ext uri="{9D8B030D-6E8A-4147-A177-3AD203B41FA5}">
-                      <a16:colId xmlns="" xmlns:a16="http://schemas.microsoft.com/office/drawing/2014/main" val="2192527220"/>
+                      <a16:colId xmlns:a16="http://schemas.microsoft.com/office/drawing/2014/main" xmlns="" val="2192527220"/>
                     </a:ext>
                   </a:extLst>
                 </a:gridCol>
               </a:tblGrid>
-              <a:tr h="251198">
+              <a:tr h="234690">
                 <a:tc>
                   <a:txBody>
                     <a:bodyPr/>
@@ -7587,11 +7671,11 @@
                 </a:tc>
                 <a:extLst>
                   <a:ext uri="{0D108BD9-81ED-4DB2-BD59-A6C34878D82A}">
-                    <a16:rowId xmlns="" xmlns:a16="http://schemas.microsoft.com/office/drawing/2014/main" val="1986687887"/>
+                    <a16:rowId xmlns:a16="http://schemas.microsoft.com/office/drawing/2014/main" xmlns="" val="1986687887"/>
                   </a:ext>
                 </a:extLst>
               </a:tr>
-              <a:tr h="680712">
+              <a:tr h="660291">
                 <a:tc>
                   <a:txBody>
                     <a:bodyPr/>
@@ -7639,15 +7723,7 @@
                           <a:ea typeface="Noveo Sans" charset="0"/>
                           <a:cs typeface="Noveo Sans" charset="0"/>
                         </a:rPr>
-                        <a:t> (II</a:t>
-                      </a:r>
-                      <a:r>
-                        <a:rPr lang="en-SG" sz="1200" baseline="0" dirty="0" smtClean="0">
-                          <a:latin typeface="Noveo Sans" charset="0"/>
-                          <a:ea typeface="Noveo Sans" charset="0"/>
-                          <a:cs typeface="Noveo Sans" charset="0"/>
-                        </a:rPr>
-                        <a:t>), </a:t>
+                        <a:t> (II), </a:t>
                       </a:r>
                       <a:r>
                         <a:rPr lang="en-SG" sz="1200" dirty="0" smtClean="0">
@@ -7692,11 +7768,11 @@
                 </a:tc>
                 <a:extLst>
                   <a:ext uri="{0D108BD9-81ED-4DB2-BD59-A6C34878D82A}">
-                    <a16:rowId xmlns="" xmlns:a16="http://schemas.microsoft.com/office/drawing/2014/main" val="3506151837"/>
+                    <a16:rowId xmlns:a16="http://schemas.microsoft.com/office/drawing/2014/main" xmlns="" val="3506151837"/>
                   </a:ext>
                 </a:extLst>
               </a:tr>
-              <a:tr h="201213">
+              <a:tr h="222530">
                 <a:tc>
                   <a:txBody>
                     <a:bodyPr/>
@@ -7749,7 +7825,7 @@
                   </a:tcPr>
                 </a:tc>
               </a:tr>
-              <a:tr h="694582">
+              <a:tr h="514371">
                 <a:tc>
                   <a:txBody>
                     <a:bodyPr/>
@@ -7878,7 +7954,7 @@
                 </a:tc>
                 <a:extLst>
                   <a:ext uri="{0D108BD9-81ED-4DB2-BD59-A6C34878D82A}">
-                    <a16:rowId xmlns="" xmlns:a16="http://schemas.microsoft.com/office/drawing/2014/main" val="1767699772"/>
+                    <a16:rowId xmlns:a16="http://schemas.microsoft.com/office/drawing/2014/main" xmlns="" val="1767699772"/>
                   </a:ext>
                 </a:extLst>
               </a:tr>
@@ -7894,8 +7970,8 @@
         </p:nvCxnSpPr>
         <p:spPr>
           <a:xfrm flipH="1">
-            <a:off x="5946191" y="3920964"/>
-            <a:ext cx="8360" cy="174905"/>
+            <a:off x="5946191" y="3980812"/>
+            <a:ext cx="8360" cy="131409"/>
           </a:xfrm>
           <a:prstGeom prst="line">
             <a:avLst/>
@@ -7949,7 +8025,7 @@
                 <a:gridCol w="3020398">
                   <a:extLst>
                     <a:ext uri="{9D8B030D-6E8A-4147-A177-3AD203B41FA5}">
-                      <a16:colId xmlns="" xmlns:a16="http://schemas.microsoft.com/office/drawing/2014/main" val="20000"/>
+                      <a16:colId xmlns:a16="http://schemas.microsoft.com/office/drawing/2014/main" xmlns="" val="20000"/>
                     </a:ext>
                   </a:extLst>
                 </a:gridCol>
@@ -8040,7 +8116,7 @@
                 </a:tc>
                 <a:extLst>
                   <a:ext uri="{0D108BD9-81ED-4DB2-BD59-A6C34878D82A}">
-                    <a16:rowId xmlns="" xmlns:a16="http://schemas.microsoft.com/office/drawing/2014/main" val="10000"/>
+                    <a16:rowId xmlns:a16="http://schemas.microsoft.com/office/drawing/2014/main" xmlns="" val="10000"/>
                   </a:ext>
                 </a:extLst>
               </a:tr>
@@ -8086,7 +8162,7 @@
                 </a:tc>
                 <a:extLst>
                   <a:ext uri="{0D108BD9-81ED-4DB2-BD59-A6C34878D82A}">
-                    <a16:rowId xmlns="" xmlns:a16="http://schemas.microsoft.com/office/drawing/2014/main" val="10001"/>
+                    <a16:rowId xmlns:a16="http://schemas.microsoft.com/office/drawing/2014/main" xmlns="" val="10001"/>
                   </a:ext>
                 </a:extLst>
               </a:tr>
@@ -8130,15 +8206,7 @@
                           <a:ea typeface="Noveo Sans" charset="0"/>
                           <a:cs typeface="Noveo Sans" charset="0"/>
                         </a:rPr>
-                        <a:t>Analytics Module (Analysis – e.g. forecasting peak period</a:t>
-                      </a:r>
-                      <a:r>
-                        <a:rPr lang="en-SG" sz="1200" dirty="0" smtClean="0">
-                          <a:latin typeface="Noveo Sans" charset="0"/>
-                          <a:ea typeface="Noveo Sans" charset="0"/>
-                          <a:cs typeface="Noveo Sans" charset="0"/>
-                        </a:rPr>
-                        <a:t>), </a:t>
+                        <a:t>Analytics Module (Analysis – e.g. forecasting peak period), </a:t>
                       </a:r>
                       <a:r>
                         <a:rPr lang="en-SG" sz="1200" dirty="0" smtClean="0">
@@ -8183,7 +8251,7 @@
                 </a:tc>
                 <a:extLst>
                   <a:ext uri="{0D108BD9-81ED-4DB2-BD59-A6C34878D82A}">
-                    <a16:rowId xmlns="" xmlns:a16="http://schemas.microsoft.com/office/drawing/2014/main" val="10002"/>
+                    <a16:rowId xmlns:a16="http://schemas.microsoft.com/office/drawing/2014/main" xmlns="" val="10002"/>
                   </a:ext>
                 </a:extLst>
               </a:tr>
@@ -8364,7 +8432,7 @@
                 </a:tc>
                 <a:extLst>
                   <a:ext uri="{0D108BD9-81ED-4DB2-BD59-A6C34878D82A}">
-                    <a16:rowId xmlns="" xmlns:a16="http://schemas.microsoft.com/office/drawing/2014/main" val="10003"/>
+                    <a16:rowId xmlns:a16="http://schemas.microsoft.com/office/drawing/2014/main" xmlns="" val="10003"/>
                   </a:ext>
                 </a:extLst>
               </a:tr>
@@ -8416,14 +8484,14 @@
           <p:nvPr>
             <p:extLst>
               <p:ext uri="{D42A27DB-BD31-4B8C-83A1-F6EECF244321}">
-                <p14:modId xmlns:p14="http://schemas.microsoft.com/office/powerpoint/2010/main" val="233634501"/>
+                <p14:modId xmlns:p14="http://schemas.microsoft.com/office/powerpoint/2010/main" val="474295434"/>
               </p:ext>
             </p:extLst>
           </p:nvPr>
         </p:nvGraphicFramePr>
         <p:xfrm>
           <a:off x="5407209" y="4558755"/>
-          <a:ext cx="2532795" cy="2328467"/>
+          <a:ext cx="2843325" cy="2328467"/>
         </p:xfrm>
         <a:graphic>
           <a:graphicData uri="http://schemas.openxmlformats.org/drawingml/2006/table">
@@ -8432,10 +8500,10 @@
                 <a:tableStyleId>{073A0DAA-6AF3-43AB-8588-CEC1D06C72B9}</a:tableStyleId>
               </a:tblPr>
               <a:tblGrid>
-                <a:gridCol w="2532795">
+                <a:gridCol w="2843325">
                   <a:extLst>
                     <a:ext uri="{9D8B030D-6E8A-4147-A177-3AD203B41FA5}">
-                      <a16:colId xmlns="" xmlns:a16="http://schemas.microsoft.com/office/drawing/2014/main" val="20000"/>
+                      <a16:colId xmlns:a16="http://schemas.microsoft.com/office/drawing/2014/main" xmlns="" val="20000"/>
                     </a:ext>
                   </a:extLst>
                 </a:gridCol>
@@ -8502,7 +8570,7 @@
                 </a:tc>
                 <a:extLst>
                   <a:ext uri="{0D108BD9-81ED-4DB2-BD59-A6C34878D82A}">
-                    <a16:rowId xmlns="" xmlns:a16="http://schemas.microsoft.com/office/drawing/2014/main" val="10000"/>
+                    <a16:rowId xmlns:a16="http://schemas.microsoft.com/office/drawing/2014/main" xmlns="" val="10000"/>
                   </a:ext>
                 </a:extLst>
               </a:tr>
@@ -8536,7 +8604,7 @@
                 </a:tc>
                 <a:extLst>
                   <a:ext uri="{0D108BD9-81ED-4DB2-BD59-A6C34878D82A}">
-                    <a16:rowId xmlns="" xmlns:a16="http://schemas.microsoft.com/office/drawing/2014/main" val="10001"/>
+                    <a16:rowId xmlns:a16="http://schemas.microsoft.com/office/drawing/2014/main" xmlns="" val="10001"/>
                   </a:ext>
                 </a:extLst>
               </a:tr>
@@ -8584,7 +8652,7 @@
                 </a:tc>
                 <a:extLst>
                   <a:ext uri="{0D108BD9-81ED-4DB2-BD59-A6C34878D82A}">
-                    <a16:rowId xmlns="" xmlns:a16="http://schemas.microsoft.com/office/drawing/2014/main" val="4232395393"/>
+                    <a16:rowId xmlns:a16="http://schemas.microsoft.com/office/drawing/2014/main" xmlns="" val="4232395393"/>
                   </a:ext>
                 </a:extLst>
               </a:tr>
@@ -8624,7 +8692,7 @@
                 </a:tc>
                 <a:extLst>
                   <a:ext uri="{0D108BD9-81ED-4DB2-BD59-A6C34878D82A}">
-                    <a16:rowId xmlns="" xmlns:a16="http://schemas.microsoft.com/office/drawing/2014/main" val="10002"/>
+                    <a16:rowId xmlns:a16="http://schemas.microsoft.com/office/drawing/2014/main" xmlns="" val="10002"/>
                   </a:ext>
                 </a:extLst>
               </a:tr>
@@ -8753,7 +8821,7 @@
                 </a:tc>
                 <a:extLst>
                   <a:ext uri="{0D108BD9-81ED-4DB2-BD59-A6C34878D82A}">
-                    <a16:rowId xmlns="" xmlns:a16="http://schemas.microsoft.com/office/drawing/2014/main" val="10003"/>
+                    <a16:rowId xmlns:a16="http://schemas.microsoft.com/office/drawing/2014/main" xmlns="" val="10003"/>
                   </a:ext>
                 </a:extLst>
               </a:tr>
@@ -8805,14 +8873,14 @@
           <p:nvPr>
             <p:extLst>
               <p:ext uri="{D42A27DB-BD31-4B8C-83A1-F6EECF244321}">
-                <p14:modId xmlns:p14="http://schemas.microsoft.com/office/powerpoint/2010/main" val="2974104614"/>
+                <p14:modId xmlns:p14="http://schemas.microsoft.com/office/powerpoint/2010/main" val="1345522395"/>
               </p:ext>
             </p:extLst>
           </p:nvPr>
         </p:nvGraphicFramePr>
         <p:xfrm>
           <a:off x="6641489" y="7050433"/>
-          <a:ext cx="2055072" cy="2192386"/>
+          <a:ext cx="2055072" cy="1724628"/>
         </p:xfrm>
         <a:graphic>
           <a:graphicData uri="http://schemas.openxmlformats.org/drawingml/2006/table">
@@ -8824,7 +8892,7 @@
                 <a:gridCol w="2055072">
                   <a:extLst>
                     <a:ext uri="{9D8B030D-6E8A-4147-A177-3AD203B41FA5}">
-                      <a16:colId xmlns="" xmlns:a16="http://schemas.microsoft.com/office/drawing/2014/main" val="20000"/>
+                      <a16:colId xmlns:a16="http://schemas.microsoft.com/office/drawing/2014/main" xmlns="" val="20000"/>
                     </a:ext>
                   </a:extLst>
                 </a:gridCol>
@@ -8915,75 +8983,7 @@
                 </a:tc>
                 <a:extLst>
                   <a:ext uri="{0D108BD9-81ED-4DB2-BD59-A6C34878D82A}">
-                    <a16:rowId xmlns="" xmlns:a16="http://schemas.microsoft.com/office/drawing/2014/main" val="10000"/>
-                  </a:ext>
-                </a:extLst>
-              </a:tr>
-              <a:tr h="467758">
-                <a:tc>
-                  <a:txBody>
-                    <a:bodyPr/>
-                    <a:lstStyle/>
-                    <a:p>
-                      <a:pPr algn="ctr"/>
-                      <a:r>
-                        <a:rPr lang="en-SG" sz="1200" b="1" dirty="0" smtClean="0">
-                          <a:solidFill>
-                            <a:schemeClr val="bg1"/>
-                          </a:solidFill>
-                          <a:latin typeface="Noveo Sans" charset="0"/>
-                          <a:ea typeface="Noveo Sans" charset="0"/>
-                          <a:cs typeface="Noveo Sans" charset="0"/>
-                        </a:rPr>
-                        <a:t>Milestone</a:t>
-                      </a:r>
-                    </a:p>
-                    <a:p>
-                      <a:pPr algn="ctr"/>
-                      <a:r>
-                        <a:rPr lang="en-SG" sz="1200" dirty="0" smtClean="0">
-                          <a:solidFill>
-                            <a:schemeClr val="bg1"/>
-                          </a:solidFill>
-                          <a:latin typeface="Noveo Sans" charset="0"/>
-                          <a:ea typeface="Noveo Sans" charset="0"/>
-                          <a:cs typeface="Noveo Sans" charset="0"/>
-                        </a:rPr>
-                        <a:t>Midterm</a:t>
-                      </a:r>
-                      <a:r>
-                        <a:rPr lang="en-SG" sz="1200" baseline="0" dirty="0" smtClean="0">
-                          <a:solidFill>
-                            <a:schemeClr val="bg1"/>
-                          </a:solidFill>
-                          <a:latin typeface="Noveo Sans" charset="0"/>
-                          <a:ea typeface="Noveo Sans" charset="0"/>
-                          <a:cs typeface="Noveo Sans" charset="0"/>
-                        </a:rPr>
-                        <a:t>: </a:t>
-                      </a:r>
-                      <a:r>
-                        <a:rPr lang="en-SG" sz="1200" dirty="0" smtClean="0">
-                          <a:solidFill>
-                            <a:schemeClr val="bg1"/>
-                          </a:solidFill>
-                          <a:latin typeface="Noveo Sans" charset="0"/>
-                          <a:ea typeface="Noveo Sans" charset="0"/>
-                          <a:cs typeface="Noveo Sans" charset="0"/>
-                        </a:rPr>
-                        <a:t>3rd Oct –  7th Oct</a:t>
-                      </a:r>
-                    </a:p>
-                  </a:txBody>
-                  <a:tcPr marL="96012" marR="96012" marT="48007" marB="48007" anchor="ctr">
-                    <a:solidFill>
-                      <a:srgbClr val="DE1A54"/>
-                    </a:solidFill>
-                  </a:tcPr>
-                </a:tc>
-                <a:extLst>
-                  <a:ext uri="{0D108BD9-81ED-4DB2-BD59-A6C34878D82A}">
-                    <a16:rowId xmlns="" xmlns:a16="http://schemas.microsoft.com/office/drawing/2014/main" val="10001"/>
+                    <a16:rowId xmlns:a16="http://schemas.microsoft.com/office/drawing/2014/main" xmlns="" val="10000"/>
                   </a:ext>
                 </a:extLst>
               </a:tr>
@@ -9023,7 +9023,7 @@
                 </a:tc>
                 <a:extLst>
                   <a:ext uri="{0D108BD9-81ED-4DB2-BD59-A6C34878D82A}">
-                    <a16:rowId xmlns="" xmlns:a16="http://schemas.microsoft.com/office/drawing/2014/main" val="10002"/>
+                    <a16:rowId xmlns:a16="http://schemas.microsoft.com/office/drawing/2014/main" xmlns="" val="10002"/>
                   </a:ext>
                 </a:extLst>
               </a:tr>
@@ -9161,7 +9161,7 @@
                 </a:tc>
                 <a:extLst>
                   <a:ext uri="{0D108BD9-81ED-4DB2-BD59-A6C34878D82A}">
-                    <a16:rowId xmlns="" xmlns:a16="http://schemas.microsoft.com/office/drawing/2014/main" val="10003"/>
+                    <a16:rowId xmlns:a16="http://schemas.microsoft.com/office/drawing/2014/main" xmlns="" val="10003"/>
                   </a:ext>
                 </a:extLst>
               </a:tr>
@@ -9213,13 +9213,13 @@
           <p:nvPr>
             <p:extLst>
               <p:ext uri="{D42A27DB-BD31-4B8C-83A1-F6EECF244321}">
-                <p14:modId xmlns:p14="http://schemas.microsoft.com/office/powerpoint/2010/main" val="1531735123"/>
+                <p14:modId xmlns:p14="http://schemas.microsoft.com/office/powerpoint/2010/main" val="1708158704"/>
               </p:ext>
             </p:extLst>
           </p:nvPr>
         </p:nvGraphicFramePr>
         <p:xfrm>
-          <a:off x="8009698" y="1981231"/>
+          <a:off x="8025334" y="2122400"/>
           <a:ext cx="2950330" cy="1831445"/>
         </p:xfrm>
         <a:graphic>
@@ -9232,7 +9232,7 @@
                 <a:gridCol w="2950330">
                   <a:extLst>
                     <a:ext uri="{9D8B030D-6E8A-4147-A177-3AD203B41FA5}">
-                      <a16:colId xmlns="" xmlns:a16="http://schemas.microsoft.com/office/drawing/2014/main" val="20000"/>
+                      <a16:colId xmlns:a16="http://schemas.microsoft.com/office/drawing/2014/main" xmlns="" val="20000"/>
                     </a:ext>
                   </a:extLst>
                 </a:gridCol>
@@ -9299,7 +9299,7 @@
                 </a:tc>
                 <a:extLst>
                   <a:ext uri="{0D108BD9-81ED-4DB2-BD59-A6C34878D82A}">
-                    <a16:rowId xmlns="" xmlns:a16="http://schemas.microsoft.com/office/drawing/2014/main" val="10000"/>
+                    <a16:rowId xmlns:a16="http://schemas.microsoft.com/office/drawing/2014/main" xmlns="" val="10000"/>
                   </a:ext>
                 </a:extLst>
               </a:tr>
@@ -9333,7 +9333,7 @@
                 </a:tc>
                 <a:extLst>
                   <a:ext uri="{0D108BD9-81ED-4DB2-BD59-A6C34878D82A}">
-                    <a16:rowId xmlns="" xmlns:a16="http://schemas.microsoft.com/office/drawing/2014/main" val="10001"/>
+                    <a16:rowId xmlns:a16="http://schemas.microsoft.com/office/drawing/2014/main" xmlns="" val="10001"/>
                   </a:ext>
                 </a:extLst>
               </a:tr>
@@ -9381,7 +9381,7 @@
                 </a:tc>
                 <a:extLst>
                   <a:ext uri="{0D108BD9-81ED-4DB2-BD59-A6C34878D82A}">
-                    <a16:rowId xmlns="" xmlns:a16="http://schemas.microsoft.com/office/drawing/2014/main" val="679801633"/>
+                    <a16:rowId xmlns:a16="http://schemas.microsoft.com/office/drawing/2014/main" xmlns="" val="679801633"/>
                   </a:ext>
                 </a:extLst>
               </a:tr>
@@ -9415,7 +9415,7 @@
                 </a:tc>
                 <a:extLst>
                   <a:ext uri="{0D108BD9-81ED-4DB2-BD59-A6C34878D82A}">
-                    <a16:rowId xmlns="" xmlns:a16="http://schemas.microsoft.com/office/drawing/2014/main" val="10002"/>
+                    <a16:rowId xmlns:a16="http://schemas.microsoft.com/office/drawing/2014/main" xmlns="" val="10002"/>
                   </a:ext>
                 </a:extLst>
               </a:tr>
@@ -9616,7 +9616,7 @@
                 </a:tc>
                 <a:extLst>
                   <a:ext uri="{0D108BD9-81ED-4DB2-BD59-A6C34878D82A}">
-                    <a16:rowId xmlns="" xmlns:a16="http://schemas.microsoft.com/office/drawing/2014/main" val="10003"/>
+                    <a16:rowId xmlns:a16="http://schemas.microsoft.com/office/drawing/2014/main" xmlns="" val="10003"/>
                   </a:ext>
                 </a:extLst>
               </a:tr>
@@ -9689,7 +9689,7 @@
                 <a:gridCol w="2055072">
                   <a:extLst>
                     <a:ext uri="{9D8B030D-6E8A-4147-A177-3AD203B41FA5}">
-                      <a16:colId xmlns="" xmlns:a16="http://schemas.microsoft.com/office/drawing/2014/main" val="20000"/>
+                      <a16:colId xmlns:a16="http://schemas.microsoft.com/office/drawing/2014/main" xmlns="" val="20000"/>
                     </a:ext>
                   </a:extLst>
                 </a:gridCol>
@@ -9740,7 +9740,7 @@
                 </a:tc>
                 <a:extLst>
                   <a:ext uri="{0D108BD9-81ED-4DB2-BD59-A6C34878D82A}">
-                    <a16:rowId xmlns="" xmlns:a16="http://schemas.microsoft.com/office/drawing/2014/main" val="10000"/>
+                    <a16:rowId xmlns:a16="http://schemas.microsoft.com/office/drawing/2014/main" xmlns="" val="10000"/>
                   </a:ext>
                 </a:extLst>
               </a:tr>
@@ -9786,7 +9786,7 @@
                 </a:tc>
                 <a:extLst>
                   <a:ext uri="{0D108BD9-81ED-4DB2-BD59-A6C34878D82A}">
-                    <a16:rowId xmlns="" xmlns:a16="http://schemas.microsoft.com/office/drawing/2014/main" val="10001"/>
+                    <a16:rowId xmlns:a16="http://schemas.microsoft.com/office/drawing/2014/main" xmlns="" val="10001"/>
                   </a:ext>
                 </a:extLst>
               </a:tr>
@@ -9834,7 +9834,7 @@
                 </a:tc>
                 <a:extLst>
                   <a:ext uri="{0D108BD9-81ED-4DB2-BD59-A6C34878D82A}">
-                    <a16:rowId xmlns="" xmlns:a16="http://schemas.microsoft.com/office/drawing/2014/main" val="634995201"/>
+                    <a16:rowId xmlns:a16="http://schemas.microsoft.com/office/drawing/2014/main" xmlns="" val="634995201"/>
                   </a:ext>
                 </a:extLst>
               </a:tr>
@@ -9868,7 +9868,7 @@
                 </a:tc>
                 <a:extLst>
                   <a:ext uri="{0D108BD9-81ED-4DB2-BD59-A6C34878D82A}">
-                    <a16:rowId xmlns="" xmlns:a16="http://schemas.microsoft.com/office/drawing/2014/main" val="10002"/>
+                    <a16:rowId xmlns:a16="http://schemas.microsoft.com/office/drawing/2014/main" xmlns="" val="10002"/>
                   </a:ext>
                 </a:extLst>
               </a:tr>
@@ -10006,7 +10006,7 @@
                 </a:tc>
                 <a:extLst>
                   <a:ext uri="{0D108BD9-81ED-4DB2-BD59-A6C34878D82A}">
-                    <a16:rowId xmlns="" xmlns:a16="http://schemas.microsoft.com/office/drawing/2014/main" val="10003"/>
+                    <a16:rowId xmlns:a16="http://schemas.microsoft.com/office/drawing/2014/main" xmlns="" val="10003"/>
                   </a:ext>
                 </a:extLst>
               </a:tr>
@@ -10058,13 +10058,13 @@
           <p:nvPr>
             <p:extLst>
               <p:ext uri="{D42A27DB-BD31-4B8C-83A1-F6EECF244321}">
-                <p14:modId xmlns:p14="http://schemas.microsoft.com/office/powerpoint/2010/main" val="1945901713"/>
+                <p14:modId xmlns:p14="http://schemas.microsoft.com/office/powerpoint/2010/main" val="1744112445"/>
               </p:ext>
             </p:extLst>
           </p:nvPr>
         </p:nvGraphicFramePr>
         <p:xfrm>
-          <a:off x="9598749" y="136985"/>
+          <a:off x="9658599" y="148965"/>
           <a:ext cx="3094779" cy="1715069"/>
         </p:xfrm>
         <a:graphic>
@@ -10077,7 +10077,7 @@
                 <a:gridCol w="3094779">
                   <a:extLst>
                     <a:ext uri="{9D8B030D-6E8A-4147-A177-3AD203B41FA5}">
-                      <a16:colId xmlns="" xmlns:a16="http://schemas.microsoft.com/office/drawing/2014/main" val="20000"/>
+                      <a16:colId xmlns:a16="http://schemas.microsoft.com/office/drawing/2014/main" xmlns="" val="20000"/>
                     </a:ext>
                   </a:extLst>
                 </a:gridCol>
@@ -10112,7 +10112,7 @@
                 </a:tc>
                 <a:extLst>
                   <a:ext uri="{0D108BD9-81ED-4DB2-BD59-A6C34878D82A}">
-                    <a16:rowId xmlns="" xmlns:a16="http://schemas.microsoft.com/office/drawing/2014/main" val="10000"/>
+                    <a16:rowId xmlns:a16="http://schemas.microsoft.com/office/drawing/2014/main" xmlns="" val="10000"/>
                   </a:ext>
                 </a:extLst>
               </a:tr>
@@ -10180,7 +10180,7 @@
                 </a:tc>
                 <a:extLst>
                   <a:ext uri="{0D108BD9-81ED-4DB2-BD59-A6C34878D82A}">
-                    <a16:rowId xmlns="" xmlns:a16="http://schemas.microsoft.com/office/drawing/2014/main" val="10001"/>
+                    <a16:rowId xmlns:a16="http://schemas.microsoft.com/office/drawing/2014/main" xmlns="" val="10001"/>
                   </a:ext>
                 </a:extLst>
               </a:tr>
@@ -10345,7 +10345,7 @@
                 </a:tc>
                 <a:extLst>
                   <a:ext uri="{0D108BD9-81ED-4DB2-BD59-A6C34878D82A}">
-                    <a16:rowId xmlns="" xmlns:a16="http://schemas.microsoft.com/office/drawing/2014/main" val="10003"/>
+                    <a16:rowId xmlns:a16="http://schemas.microsoft.com/office/drawing/2014/main" xmlns="" val="10003"/>
                   </a:ext>
                 </a:extLst>
               </a:tr>
@@ -10416,7 +10416,7 @@
                 <a:gridCol w="1986506">
                   <a:extLst>
                     <a:ext uri="{9D8B030D-6E8A-4147-A177-3AD203B41FA5}">
-                      <a16:colId xmlns="" xmlns:a16="http://schemas.microsoft.com/office/drawing/2014/main" val="20000"/>
+                      <a16:colId xmlns:a16="http://schemas.microsoft.com/office/drawing/2014/main" xmlns="" val="20000"/>
                     </a:ext>
                   </a:extLst>
                 </a:gridCol>
@@ -10451,7 +10451,7 @@
                 </a:tc>
                 <a:extLst>
                   <a:ext uri="{0D108BD9-81ED-4DB2-BD59-A6C34878D82A}">
-                    <a16:rowId xmlns="" xmlns:a16="http://schemas.microsoft.com/office/drawing/2014/main" val="10000"/>
+                    <a16:rowId xmlns:a16="http://schemas.microsoft.com/office/drawing/2014/main" xmlns="" val="10000"/>
                   </a:ext>
                 </a:extLst>
               </a:tr>
@@ -10557,7 +10557,7 @@
                 </a:tc>
                 <a:extLst>
                   <a:ext uri="{0D108BD9-81ED-4DB2-BD59-A6C34878D82A}">
-                    <a16:rowId xmlns="" xmlns:a16="http://schemas.microsoft.com/office/drawing/2014/main" val="10001"/>
+                    <a16:rowId xmlns:a16="http://schemas.microsoft.com/office/drawing/2014/main" xmlns="" val="10001"/>
                   </a:ext>
                 </a:extLst>
               </a:tr>
@@ -10635,7 +10635,7 @@
                 </a:tc>
                 <a:extLst>
                   <a:ext uri="{0D108BD9-81ED-4DB2-BD59-A6C34878D82A}">
-                    <a16:rowId xmlns="" xmlns:a16="http://schemas.microsoft.com/office/drawing/2014/main" val="10003"/>
+                    <a16:rowId xmlns:a16="http://schemas.microsoft.com/office/drawing/2014/main" xmlns="" val="10003"/>
                   </a:ext>
                 </a:extLst>
               </a:tr>

--- a/FYP/Timeline and Diagram/FYPTimeline 15th June Edition.pptx
+++ b/FYP/Timeline and Diagram/FYPTimeline 15th June Edition.pptx
@@ -125,6 +125,9 @@
         </p15:guide>
       </p15:sldGuideLst>
     </p:ext>
+    <p:ext uri="{2D200454-40CA-4A62-9FC3-DE9A4176ACB9}">
+      <p15:notesGuideLst xmlns:p15="http://schemas.microsoft.com/office/powerpoint/2012/main"/>
+    </p:ext>
   </p:extLst>
 </p:presentation>
 </file>
@@ -211,7 +214,7 @@
           <a:p>
             <a:fld id="{D8A5F3BE-A6C5-E54D-9A35-A968F4ADF59A}" type="datetimeFigureOut">
               <a:rPr lang="en-US" smtClean="0"/>
-              <a:t>9/22/16</a:t>
+              <a:t>9/25/16</a:t>
             </a:fld>
             <a:endParaRPr lang="en-US"/>
           </a:p>
@@ -706,7 +709,24 @@
           <a:bodyPr/>
           <a:lstStyle/>
           <a:p>
-            <a:endParaRPr lang="en-US" dirty="0"/>
+            <a:pPr marL="0" marR="0" indent="0" algn="l" defTabSz="914400" rtl="0" eaLnBrk="1" fontAlgn="auto" latinLnBrk="0" hangingPunct="1">
+              <a:lnSpc>
+                <a:spcPct val="100000"/>
+              </a:lnSpc>
+              <a:spcBef>
+                <a:spcPts val="0"/>
+              </a:spcBef>
+              <a:spcAft>
+                <a:spcPts val="0"/>
+              </a:spcAft>
+              <a:buClrTx/>
+              <a:buSzTx/>
+              <a:buFontTx/>
+              <a:buNone/>
+              <a:tabLst/>
+              <a:defRPr/>
+            </a:pPr>
+            <a:endParaRPr lang="en-US" dirty="0" smtClean="0"/>
           </a:p>
         </p:txBody>
       </p:sp>
@@ -877,7 +897,7 @@
           <a:p>
             <a:fld id="{D93CE7DB-6B87-9F48-AC89-27FF703009F0}" type="datetimeFigureOut">
               <a:rPr lang="en-US" smtClean="0"/>
-              <a:t>9/22/16</a:t>
+              <a:t>9/25/16</a:t>
             </a:fld>
             <a:endParaRPr lang="en-US"/>
           </a:p>
@@ -1047,7 +1067,7 @@
           <a:p>
             <a:fld id="{D93CE7DB-6B87-9F48-AC89-27FF703009F0}" type="datetimeFigureOut">
               <a:rPr lang="en-US" smtClean="0"/>
-              <a:t>9/22/16</a:t>
+              <a:t>9/25/16</a:t>
             </a:fld>
             <a:endParaRPr lang="en-US"/>
           </a:p>
@@ -1227,7 +1247,7 @@
           <a:p>
             <a:fld id="{D93CE7DB-6B87-9F48-AC89-27FF703009F0}" type="datetimeFigureOut">
               <a:rPr lang="en-US" smtClean="0"/>
-              <a:t>9/22/16</a:t>
+              <a:t>9/25/16</a:t>
             </a:fld>
             <a:endParaRPr lang="en-US"/>
           </a:p>
@@ -1397,7 +1417,7 @@
           <a:p>
             <a:fld id="{D93CE7DB-6B87-9F48-AC89-27FF703009F0}" type="datetimeFigureOut">
               <a:rPr lang="en-US" smtClean="0"/>
-              <a:t>9/22/16</a:t>
+              <a:t>9/25/16</a:t>
             </a:fld>
             <a:endParaRPr lang="en-US"/>
           </a:p>
@@ -1641,7 +1661,7 @@
           <a:p>
             <a:fld id="{D93CE7DB-6B87-9F48-AC89-27FF703009F0}" type="datetimeFigureOut">
               <a:rPr lang="en-US" smtClean="0"/>
-              <a:t>9/22/16</a:t>
+              <a:t>9/25/16</a:t>
             </a:fld>
             <a:endParaRPr lang="en-US"/>
           </a:p>
@@ -1873,7 +1893,7 @@
           <a:p>
             <a:fld id="{D93CE7DB-6B87-9F48-AC89-27FF703009F0}" type="datetimeFigureOut">
               <a:rPr lang="en-US" smtClean="0"/>
-              <a:t>9/22/16</a:t>
+              <a:t>9/25/16</a:t>
             </a:fld>
             <a:endParaRPr lang="en-US"/>
           </a:p>
@@ -2240,7 +2260,7 @@
           <a:p>
             <a:fld id="{D93CE7DB-6B87-9F48-AC89-27FF703009F0}" type="datetimeFigureOut">
               <a:rPr lang="en-US" smtClean="0"/>
-              <a:t>9/22/16</a:t>
+              <a:t>9/25/16</a:t>
             </a:fld>
             <a:endParaRPr lang="en-US"/>
           </a:p>
@@ -2358,7 +2378,7 @@
           <a:p>
             <a:fld id="{D93CE7DB-6B87-9F48-AC89-27FF703009F0}" type="datetimeFigureOut">
               <a:rPr lang="en-US" smtClean="0"/>
-              <a:t>9/22/16</a:t>
+              <a:t>9/25/16</a:t>
             </a:fld>
             <a:endParaRPr lang="en-US"/>
           </a:p>
@@ -2453,7 +2473,7 @@
           <a:p>
             <a:fld id="{D93CE7DB-6B87-9F48-AC89-27FF703009F0}" type="datetimeFigureOut">
               <a:rPr lang="en-US" smtClean="0"/>
-              <a:t>9/22/16</a:t>
+              <a:t>9/25/16</a:t>
             </a:fld>
             <a:endParaRPr lang="en-US"/>
           </a:p>
@@ -2730,7 +2750,7 @@
           <a:p>
             <a:fld id="{D93CE7DB-6B87-9F48-AC89-27FF703009F0}" type="datetimeFigureOut">
               <a:rPr lang="en-US" smtClean="0"/>
-              <a:t>9/22/16</a:t>
+              <a:t>9/25/16</a:t>
             </a:fld>
             <a:endParaRPr lang="en-US"/>
           </a:p>
@@ -2987,7 +3007,7 @@
           <a:p>
             <a:fld id="{D93CE7DB-6B87-9F48-AC89-27FF703009F0}" type="datetimeFigureOut">
               <a:rPr lang="en-US" smtClean="0"/>
-              <a:t>9/22/16</a:t>
+              <a:t>9/25/16</a:t>
             </a:fld>
             <a:endParaRPr lang="en-US"/>
           </a:p>
@@ -3200,7 +3220,7 @@
           <a:p>
             <a:fld id="{D93CE7DB-6B87-9F48-AC89-27FF703009F0}" type="datetimeFigureOut">
               <a:rPr lang="en-US" smtClean="0"/>
-              <a:t>9/22/16</a:t>
+              <a:t>9/25/16</a:t>
             </a:fld>
             <a:endParaRPr lang="en-US"/>
           </a:p>
@@ -13739,7 +13759,7 @@
           <p:nvPr>
             <p:extLst>
               <p:ext uri="{D42A27DB-BD31-4B8C-83A1-F6EECF244321}">
-                <p14:modId xmlns:p14="http://schemas.microsoft.com/office/powerpoint/2010/main" val="393349626"/>
+                <p14:modId xmlns:p14="http://schemas.microsoft.com/office/powerpoint/2010/main" val="534754174"/>
               </p:ext>
             </p:extLst>
           </p:nvPr>
@@ -13878,7 +13898,7 @@
                           <a:ea typeface="Noveo Sans" charset="0"/>
                           <a:cs typeface="Noveo Sans" charset="0"/>
                         </a:rPr>
-                        <a:t> onto App Store</a:t>
+                        <a:t> onto Apple Test Flight</a:t>
                       </a:r>
                       <a:endParaRPr lang="en-SG" sz="1200" dirty="0" smtClean="0">
                         <a:solidFill>
@@ -13934,23 +13954,7 @@
                           <a:ea typeface="Noveo Sans" charset="0"/>
                           <a:cs typeface="Noveo Sans" charset="0"/>
                         </a:rPr>
-                        <a:t>Module (</a:t>
-                      </a:r>
-                      <a:r>
-                        <a:rPr lang="en-SG" sz="1200" baseline="0" dirty="0" smtClean="0">
-                          <a:latin typeface="Noveo Sans" charset="0"/>
-                          <a:ea typeface="Noveo Sans" charset="0"/>
-                          <a:cs typeface="Noveo Sans" charset="0"/>
-                        </a:rPr>
-                        <a:t>II) </a:t>
-                      </a:r>
-                      <a:r>
-                        <a:rPr lang="en-SG" sz="1200" baseline="0" dirty="0" smtClean="0">
-                          <a:latin typeface="Noveo Sans" charset="0"/>
-                          <a:ea typeface="Noveo Sans" charset="0"/>
-                          <a:cs typeface="Noveo Sans" charset="0"/>
-                        </a:rPr>
-                        <a:t>– User Access Control, </a:t>
+                        <a:t>Module (II) – User Access Control, </a:t>
                       </a:r>
                       <a:r>
                         <a:rPr lang="en-SG" sz="1200" dirty="0" smtClean="0">
@@ -13958,7 +13962,7 @@
                           <a:ea typeface="Noveo Sans" charset="0"/>
                           <a:cs typeface="Noveo Sans" charset="0"/>
                         </a:rPr>
-                        <a:t>Analytics Module (Graphical), Revamp UI</a:t>
+                        <a:t>Analytics Module (Graphical) (I)</a:t>
                       </a:r>
                     </a:p>
                   </a:txBody>
@@ -14514,9 +14518,9 @@
           <p:nvPr/>
         </p:nvCxnSpPr>
         <p:spPr>
-          <a:xfrm flipH="1">
-            <a:off x="4357258" y="2855093"/>
-            <a:ext cx="8985" cy="1212277"/>
+          <a:xfrm>
+            <a:off x="4357258" y="2521035"/>
+            <a:ext cx="1" cy="1546335"/>
           </a:xfrm>
           <a:prstGeom prst="line">
             <a:avLst/>
@@ -14586,14 +14590,14 @@
           <p:nvPr>
             <p:extLst>
               <p:ext uri="{D42A27DB-BD31-4B8C-83A1-F6EECF244321}">
-                <p14:modId xmlns:p14="http://schemas.microsoft.com/office/powerpoint/2010/main" val="1549747497"/>
+                <p14:modId xmlns:p14="http://schemas.microsoft.com/office/powerpoint/2010/main" val="1266051922"/>
               </p:ext>
             </p:extLst>
           </p:nvPr>
         </p:nvGraphicFramePr>
         <p:xfrm>
-          <a:off x="3286108" y="107670"/>
-          <a:ext cx="2160267" cy="2796028"/>
+          <a:off x="3312179" y="126820"/>
+          <a:ext cx="2160267" cy="2394215"/>
         </p:xfrm>
         <a:graphic>
           <a:graphicData uri="http://schemas.openxmlformats.org/drawingml/2006/table">
@@ -14610,7 +14614,7 @@
                   </a:extLst>
                 </a:gridCol>
               </a:tblGrid>
-              <a:tr h="294134">
+              <a:tr h="226510">
                 <a:tc>
                   <a:txBody>
                     <a:bodyPr/>
@@ -14692,7 +14696,7 @@
                   </a:ext>
                 </a:extLst>
               </a:tr>
-              <a:tr h="461774">
+              <a:tr h="355607">
                 <a:tc>
                   <a:txBody>
                     <a:bodyPr/>
@@ -14733,7 +14737,7 @@
                   </a:tcPr>
                 </a:tc>
               </a:tr>
-              <a:tr h="278894">
+              <a:tr h="214773">
                 <a:tc>
                   <a:txBody>
                     <a:bodyPr/>
@@ -14775,7 +14779,7 @@
                   </a:ext>
                 </a:extLst>
               </a:tr>
-              <a:tr h="690672">
+              <a:tr h="531879">
                 <a:tc>
                   <a:txBody>
                     <a:bodyPr/>
@@ -14823,7 +14827,7 @@
                           <a:ea typeface="Noveo Sans" charset="0"/>
                           <a:cs typeface="Noveo Sans" charset="0"/>
                         </a:rPr>
-                        <a:t>(I), Revamp UI</a:t>
+                        <a:t>(I)</a:t>
                       </a:r>
                       <a:endParaRPr lang="en-SG" sz="1200" dirty="0" smtClean="0">
                         <a:latin typeface="Noveo Sans" charset="0"/>
@@ -14844,7 +14848,7 @@
                   </a:ext>
                 </a:extLst>
               </a:tr>
-              <a:tr h="1070554">
+              <a:tr h="824422">
                 <a:tc>
                   <a:txBody>
                     <a:bodyPr/>
@@ -14986,7 +14990,7 @@
           <p:nvPr>
             <p:extLst>
               <p:ext uri="{D42A27DB-BD31-4B8C-83A1-F6EECF244321}">
-                <p14:modId xmlns:p14="http://schemas.microsoft.com/office/powerpoint/2010/main" val="1418348399"/>
+                <p14:modId xmlns:p14="http://schemas.microsoft.com/office/powerpoint/2010/main" val="667363297"/>
               </p:ext>
             </p:extLst>
           </p:nvPr>
@@ -15159,29 +15163,7 @@
                           <a:ea typeface="Noveo Sans" charset="0"/>
                           <a:cs typeface="Noveo Sans" charset="0"/>
                         </a:rPr>
-                        <a:t>Expert Testing (II)</a:t>
-                      </a:r>
-                      <a:r>
-                        <a:rPr lang="en-SG" sz="1200" baseline="0" dirty="0" smtClean="0">
-                          <a:solidFill>
-                            <a:schemeClr val="tx1"/>
-                          </a:solidFill>
-                          <a:latin typeface="Noveo Sans" charset="0"/>
-                          <a:ea typeface="Noveo Sans" charset="0"/>
-                          <a:cs typeface="Noveo Sans" charset="0"/>
-                        </a:rPr>
-                        <a:t> </a:t>
-                      </a:r>
-                      <a:r>
-                        <a:rPr lang="en-SG" sz="1200" dirty="0" smtClean="0">
-                          <a:solidFill>
-                            <a:schemeClr val="tx1"/>
-                          </a:solidFill>
-                          <a:latin typeface="Noveo Sans" charset="0"/>
-                          <a:ea typeface="Noveo Sans" charset="0"/>
-                          <a:cs typeface="Noveo Sans" charset="0"/>
-                        </a:rPr>
-                        <a:t>Review </a:t>
+                        <a:t>Expert Testing Review (II) </a:t>
                       </a:r>
                     </a:p>
                   </a:txBody>
@@ -15431,7 +15413,7 @@
           <p:nvPr>
             <p:extLst>
               <p:ext uri="{D42A27DB-BD31-4B8C-83A1-F6EECF244321}">
-                <p14:modId xmlns:p14="http://schemas.microsoft.com/office/powerpoint/2010/main" val="1469594365"/>
+                <p14:modId xmlns:p14="http://schemas.microsoft.com/office/powerpoint/2010/main" val="868284166"/>
               </p:ext>
             </p:extLst>
           </p:nvPr>
@@ -15631,10 +15613,26 @@
                           <a:ea typeface="Noveo Sans" charset="0"/>
                           <a:cs typeface="Noveo Sans" charset="0"/>
                         </a:rPr>
-                        <a:t>Analytics Module (Analysis – e.g. forecasting peak period), </a:t>
+                        <a:t>Analytics Module (Analysis – e.g. forecasting peak period)</a:t>
+                      </a:r>
+                      <a:r>
+                        <a:rPr lang="en-SG" sz="1200" baseline="0" dirty="0" smtClean="0">
+                          <a:latin typeface="Noveo Sans" charset="0"/>
+                          <a:ea typeface="Noveo Sans" charset="0"/>
+                          <a:cs typeface="Noveo Sans" charset="0"/>
+                        </a:rPr>
+                        <a:t> </a:t>
                       </a:r>
                       <a:r>
                         <a:rPr lang="en-SG" sz="1200" dirty="0" smtClean="0">
+                          <a:latin typeface="Noveo Sans" charset="0"/>
+                          <a:ea typeface="Noveo Sans" charset="0"/>
+                          <a:cs typeface="Noveo Sans" charset="0"/>
+                        </a:rPr>
+                        <a:t>(II), </a:t>
+                      </a:r>
+                      <a:r>
+                        <a:rPr lang="en-SG" sz="1200" dirty="0" smtClean="0">
                           <a:solidFill>
                             <a:schemeClr val="tx1"/>
                           </a:solidFill>
@@ -15642,29 +15640,7 @@
                           <a:ea typeface="Noveo Sans" charset="0"/>
                           <a:cs typeface="Noveo Sans" charset="0"/>
                         </a:rPr>
-                        <a:t>Expert Testing (I)</a:t>
-                      </a:r>
-                      <a:r>
-                        <a:rPr lang="en-SG" sz="1200" baseline="0" dirty="0" smtClean="0">
-                          <a:solidFill>
-                            <a:schemeClr val="tx1"/>
-                          </a:solidFill>
-                          <a:latin typeface="Noveo Sans" charset="0"/>
-                          <a:ea typeface="Noveo Sans" charset="0"/>
-                          <a:cs typeface="Noveo Sans" charset="0"/>
-                        </a:rPr>
-                        <a:t> </a:t>
-                      </a:r>
-                      <a:r>
-                        <a:rPr lang="en-SG" sz="1200" dirty="0" smtClean="0">
-                          <a:solidFill>
-                            <a:schemeClr val="tx1"/>
-                          </a:solidFill>
-                          <a:latin typeface="Noveo Sans" charset="0"/>
-                          <a:ea typeface="Noveo Sans" charset="0"/>
-                          <a:cs typeface="Noveo Sans" charset="0"/>
-                        </a:rPr>
-                        <a:t>Review </a:t>
+                        <a:t>Expert Testing Review (I) </a:t>
                       </a:r>
                     </a:p>
                   </a:txBody>
@@ -18148,7 +18124,7 @@
         </p:nvCxnSpPr>
         <p:spPr>
           <a:xfrm flipH="1">
-            <a:off x="5104500" y="4578883"/>
+            <a:off x="5104500" y="4621413"/>
             <a:ext cx="1597" cy="2726380"/>
           </a:xfrm>
           <a:prstGeom prst="line">
@@ -18255,41 +18231,6 @@
           <a:xfrm>
             <a:off x="11359499" y="2036646"/>
             <a:ext cx="0" cy="2461231"/>
-          </a:xfrm>
-          <a:prstGeom prst="line">
-            <a:avLst/>
-          </a:prstGeom>
-          <a:ln w="19050">
-            <a:solidFill>
-              <a:srgbClr val="D0D0D0"/>
-            </a:solidFill>
-          </a:ln>
-        </p:spPr>
-        <p:style>
-          <a:lnRef idx="1">
-            <a:schemeClr val="accent1"/>
-          </a:lnRef>
-          <a:fillRef idx="0">
-            <a:schemeClr val="accent1"/>
-          </a:fillRef>
-          <a:effectRef idx="0">
-            <a:schemeClr val="accent1"/>
-          </a:effectRef>
-          <a:fontRef idx="minor">
-            <a:schemeClr val="tx1"/>
-          </a:fontRef>
-        </p:style>
-      </p:cxnSp>
-      <p:cxnSp>
-        <p:nvCxnSpPr>
-          <p:cNvPr id="78" name="Straight Connector 77"/>
-          <p:cNvCxnSpPr/>
-          <p:nvPr/>
-        </p:nvCxnSpPr>
-        <p:spPr>
-          <a:xfrm flipH="1">
-            <a:off x="5111042" y="4062476"/>
-            <a:ext cx="8360" cy="548932"/>
           </a:xfrm>
           <a:prstGeom prst="line">
             <a:avLst/>
@@ -20159,7 +20100,7 @@
           <p:nvPr>
             <p:extLst>
               <p:ext uri="{D42A27DB-BD31-4B8C-83A1-F6EECF244321}">
-                <p14:modId xmlns:p14="http://schemas.microsoft.com/office/powerpoint/2010/main" val="1384841446"/>
+                <p14:modId xmlns:p14="http://schemas.microsoft.com/office/powerpoint/2010/main" val="2061024783"/>
               </p:ext>
             </p:extLst>
           </p:nvPr>
@@ -20308,7 +20249,7 @@
                       <a:r>
                         <a:rPr lang="en-SG" sz="1200" b="1" dirty="0" smtClean="0">
                           <a:solidFill>
-                            <a:schemeClr val="bg1"/>
+                            <a:schemeClr val="tx1"/>
                           </a:solidFill>
                           <a:latin typeface="Noveo Sans" charset="0"/>
                           <a:ea typeface="Noveo Sans" charset="0"/>
@@ -20322,50 +20263,28 @@
                       <a:r>
                         <a:rPr lang="en-SG" sz="1200" dirty="0" smtClean="0">
                           <a:solidFill>
-                            <a:schemeClr val="bg1"/>
-                          </a:solidFill>
-                          <a:latin typeface="Noveo Sans" charset="0"/>
-                          <a:ea typeface="Noveo Sans" charset="0"/>
-                          <a:cs typeface="Noveo Sans" charset="0"/>
-                        </a:rPr>
-                        <a:t>Accounting </a:t>
-                      </a:r>
-                      <a:r>
-                        <a:rPr lang="en-SG" sz="1200" dirty="0" smtClean="0">
-                          <a:solidFill>
-                            <a:schemeClr val="bg1"/>
-                          </a:solidFill>
-                          <a:latin typeface="Noveo Sans" charset="0"/>
-                          <a:ea typeface="Noveo Sans" charset="0"/>
-                          <a:cs typeface="Noveo Sans" charset="0"/>
-                        </a:rPr>
-                        <a:t>Module,</a:t>
+                            <a:schemeClr val="tx1"/>
+                          </a:solidFill>
+                          <a:latin typeface="Noveo Sans" charset="0"/>
+                          <a:ea typeface="Noveo Sans" charset="0"/>
+                          <a:cs typeface="Noveo Sans" charset="0"/>
+                        </a:rPr>
+                        <a:t>Accounting Module,</a:t>
                       </a:r>
                       <a:r>
                         <a:rPr lang="en-SG" sz="1200" baseline="0" dirty="0" smtClean="0">
                           <a:solidFill>
-                            <a:schemeClr val="bg1"/>
-                          </a:solidFill>
-                          <a:latin typeface="Noveo Sans" charset="0"/>
-                          <a:ea typeface="Noveo Sans" charset="0"/>
-                          <a:cs typeface="Noveo Sans" charset="0"/>
-                        </a:rPr>
-                        <a:t> </a:t>
-                      </a:r>
-                      <a:r>
-                        <a:rPr lang="en-SG" sz="1200" baseline="0" dirty="0" smtClean="0">
-                          <a:solidFill>
-                            <a:schemeClr val="bg1"/>
-                          </a:solidFill>
-                          <a:latin typeface="Noveo Sans" charset="0"/>
-                          <a:ea typeface="Noveo Sans" charset="0"/>
-                          <a:cs typeface="Noveo Sans" charset="0"/>
-                        </a:rPr>
-                        <a:t>Online Help Module</a:t>
+                            <a:schemeClr val="tx1"/>
+                          </a:solidFill>
+                          <a:latin typeface="Noveo Sans" charset="0"/>
+                          <a:ea typeface="Noveo Sans" charset="0"/>
+                          <a:cs typeface="Noveo Sans" charset="0"/>
+                        </a:rPr>
+                        <a:t> Online Help Module</a:t>
                       </a:r>
                       <a:endParaRPr lang="en-SG" sz="1200" dirty="0" smtClean="0">
                         <a:solidFill>
-                          <a:schemeClr val="bg1"/>
+                          <a:schemeClr val="tx1"/>
                         </a:solidFill>
                         <a:latin typeface="Noveo Sans" charset="0"/>
                         <a:ea typeface="Noveo Sans" charset="0"/>
@@ -20375,7 +20294,7 @@
                   </a:txBody>
                   <a:tcPr marL="96012" marR="96012" marT="48007" marB="48007" anchor="ctr">
                     <a:solidFill>
-                      <a:srgbClr val="000000"/>
+                      <a:srgbClr val="EEEEEE"/>
                     </a:solidFill>
                   </a:tcPr>
                 </a:tc>
@@ -21206,7 +21125,7 @@
           <p:nvPr>
             <p:extLst>
               <p:ext uri="{D42A27DB-BD31-4B8C-83A1-F6EECF244321}">
-                <p14:modId xmlns:p14="http://schemas.microsoft.com/office/powerpoint/2010/main" val="2134310356"/>
+                <p14:modId xmlns:p14="http://schemas.microsoft.com/office/powerpoint/2010/main" val="2026800547"/>
               </p:ext>
             </p:extLst>
           </p:nvPr>
@@ -21345,7 +21264,7 @@
                           <a:ea typeface="Noveo Sans" charset="0"/>
                           <a:cs typeface="Noveo Sans" charset="0"/>
                         </a:rPr>
-                        <a:t> onto App Store</a:t>
+                        <a:t> onto Apple Test Flight</a:t>
                       </a:r>
                       <a:endParaRPr lang="en-SG" sz="1200" dirty="0" smtClean="0">
                         <a:solidFill>
@@ -21379,7 +21298,7 @@
                       <a:r>
                         <a:rPr lang="en-SG" sz="1200" b="1" dirty="0" smtClean="0">
                           <a:solidFill>
-                            <a:schemeClr val="bg1"/>
+                            <a:schemeClr val="tx1"/>
                           </a:solidFill>
                           <a:latin typeface="Noveo Sans" charset="0"/>
                           <a:ea typeface="Noveo Sans" charset="0"/>
@@ -21393,7 +21312,7 @@
                       <a:r>
                         <a:rPr lang="en-SG" sz="1200" dirty="0" smtClean="0">
                           <a:solidFill>
-                            <a:schemeClr val="bg1"/>
+                            <a:schemeClr val="tx1"/>
                           </a:solidFill>
                           <a:latin typeface="Noveo Sans" charset="0"/>
                           <a:ea typeface="Noveo Sans" charset="0"/>
@@ -21404,63 +21323,30 @@
                       <a:r>
                         <a:rPr lang="en-SG" sz="1200" baseline="0" dirty="0" smtClean="0">
                           <a:solidFill>
-                            <a:schemeClr val="bg1"/>
-                          </a:solidFill>
-                          <a:latin typeface="Noveo Sans" charset="0"/>
-                          <a:ea typeface="Noveo Sans" charset="0"/>
-                          <a:cs typeface="Noveo Sans" charset="0"/>
-                        </a:rPr>
-                        <a:t>Module </a:t>
-                      </a:r>
-                      <a:r>
-                        <a:rPr lang="en-SG" sz="1200" baseline="0" dirty="0" smtClean="0">
-                          <a:solidFill>
-                            <a:schemeClr val="bg1"/>
-                          </a:solidFill>
-                          <a:latin typeface="Noveo Sans" charset="0"/>
-                          <a:ea typeface="Noveo Sans" charset="0"/>
-                          <a:cs typeface="Noveo Sans" charset="0"/>
-                        </a:rPr>
-                        <a:t>(</a:t>
-                      </a:r>
-                      <a:r>
-                        <a:rPr lang="en-SG" sz="1200" baseline="0" dirty="0" smtClean="0">
-                          <a:solidFill>
-                            <a:schemeClr val="bg1"/>
-                          </a:solidFill>
-                          <a:latin typeface="Noveo Sans" charset="0"/>
-                          <a:ea typeface="Noveo Sans" charset="0"/>
-                          <a:cs typeface="Noveo Sans" charset="0"/>
-                        </a:rPr>
-                        <a:t>I), </a:t>
+                            <a:schemeClr val="tx1"/>
+                          </a:solidFill>
+                          <a:latin typeface="Noveo Sans" charset="0"/>
+                          <a:ea typeface="Noveo Sans" charset="0"/>
+                          <a:cs typeface="Noveo Sans" charset="0"/>
+                        </a:rPr>
+                        <a:t>Module (I), </a:t>
                       </a:r>
                       <a:r>
                         <a:rPr lang="en-SG" sz="1200" dirty="0" smtClean="0">
                           <a:solidFill>
-                            <a:schemeClr val="bg1"/>
-                          </a:solidFill>
-                          <a:latin typeface="Noveo Sans" charset="0"/>
-                          <a:ea typeface="Noveo Sans" charset="0"/>
-                          <a:cs typeface="Noveo Sans" charset="0"/>
-                        </a:rPr>
-                        <a:t>Analytics </a:t>
-                      </a:r>
-                      <a:r>
-                        <a:rPr lang="en-SG" sz="1200" dirty="0" smtClean="0">
-                          <a:solidFill>
-                            <a:schemeClr val="bg1"/>
-                          </a:solidFill>
-                          <a:latin typeface="Noveo Sans" charset="0"/>
-                          <a:ea typeface="Noveo Sans" charset="0"/>
-                          <a:cs typeface="Noveo Sans" charset="0"/>
-                        </a:rPr>
-                        <a:t>Module (Graphical), Revamp UI</a:t>
+                            <a:schemeClr val="tx1"/>
+                          </a:solidFill>
+                          <a:latin typeface="Noveo Sans" charset="0"/>
+                          <a:ea typeface="Noveo Sans" charset="0"/>
+                          <a:cs typeface="Noveo Sans" charset="0"/>
+                        </a:rPr>
+                        <a:t>BI Module (Graphical) (I)</a:t>
                       </a:r>
                     </a:p>
                   </a:txBody>
                   <a:tcPr marL="96012" marR="96012" marT="48007" marB="48007" anchor="ctr">
                     <a:solidFill>
-                      <a:srgbClr val="000000"/>
+                      <a:srgbClr val="EEEEEE"/>
                     </a:solidFill>
                   </a:tcPr>
                 </a:tc>
@@ -21633,7 +21519,7 @@
           <p:nvPr>
             <p:extLst>
               <p:ext uri="{D42A27DB-BD31-4B8C-83A1-F6EECF244321}">
-                <p14:modId xmlns:p14="http://schemas.microsoft.com/office/powerpoint/2010/main" val="1424897376"/>
+                <p14:modId xmlns:p14="http://schemas.microsoft.com/office/powerpoint/2010/main" val="82864478"/>
               </p:ext>
             </p:extLst>
           </p:nvPr>
@@ -21796,7 +21682,7 @@
                       <a:r>
                         <a:rPr lang="en-SG" sz="1200" b="1" dirty="0" smtClean="0">
                           <a:solidFill>
-                            <a:schemeClr val="bg1"/>
+                            <a:schemeClr val="tx1"/>
                           </a:solidFill>
                           <a:latin typeface="Noveo Sans" charset="0"/>
                           <a:ea typeface="Noveo Sans" charset="0"/>
@@ -21810,7 +21696,7 @@
                       <a:r>
                         <a:rPr lang="en-SG" sz="1200" dirty="0" smtClean="0">
                           <a:solidFill>
-                            <a:schemeClr val="bg1"/>
+                            <a:schemeClr val="tx1"/>
                           </a:solidFill>
                           <a:latin typeface="Noveo Sans" charset="0"/>
                           <a:ea typeface="Noveo Sans" charset="0"/>
@@ -21818,19 +21704,11 @@
                         </a:rPr>
                         <a:t>Authentication Module (II)</a:t>
                       </a:r>
-                      <a:endParaRPr lang="en-SG" sz="1200" dirty="0" smtClean="0">
-                        <a:solidFill>
-                          <a:schemeClr val="bg1"/>
-                        </a:solidFill>
-                        <a:latin typeface="Noveo Sans" charset="0"/>
-                        <a:ea typeface="Noveo Sans" charset="0"/>
-                        <a:cs typeface="Noveo Sans" charset="0"/>
-                      </a:endParaRPr>
                     </a:p>
                   </a:txBody>
                   <a:tcPr marL="96012" marR="96012" marT="48007" marB="48007" anchor="ctr">
                     <a:solidFill>
-                      <a:srgbClr val="000000"/>
+                      <a:srgbClr val="EEEEEE"/>
                     </a:solidFill>
                   </a:tcPr>
                 </a:tc>
@@ -21863,11 +21741,6 @@
                         </a:rPr>
                         <a:t> </a:t>
                       </a:r>
-                      <a:endParaRPr lang="en-SG" sz="1200" b="1" baseline="0" dirty="0" smtClean="0">
-                        <a:latin typeface="Noveo Sans" charset="0"/>
-                        <a:ea typeface="Noveo Sans" charset="0"/>
-                        <a:cs typeface="Noveo Sans" charset="0"/>
-                      </a:endParaRPr>
                     </a:p>
                     <a:p>
                       <a:pPr lvl="0" algn="ctr"/>
@@ -22043,406 +21916,6 @@
       </p:cxnSp>
       <p:graphicFrame>
         <p:nvGraphicFramePr>
-          <p:cNvPr id="74" name="Table 73"/>
-          <p:cNvGraphicFramePr>
-            <a:graphicFrameLocks noGrp="1"/>
-          </p:cNvGraphicFramePr>
-          <p:nvPr>
-            <p:extLst>
-              <p:ext uri="{D42A27DB-BD31-4B8C-83A1-F6EECF244321}">
-                <p14:modId xmlns:p14="http://schemas.microsoft.com/office/powerpoint/2010/main" val="943376083"/>
-              </p:ext>
-            </p:extLst>
-          </p:nvPr>
-        </p:nvGraphicFramePr>
-        <p:xfrm>
-          <a:off x="2777977" y="2008029"/>
-          <a:ext cx="3091522" cy="2141230"/>
-        </p:xfrm>
-        <a:graphic>
-          <a:graphicData uri="http://schemas.openxmlformats.org/drawingml/2006/table">
-            <a:tbl>
-              <a:tblPr firstRow="1" bandRow="1">
-                <a:tableStyleId>{073A0DAA-6AF3-43AB-8588-CEC1D06C72B9}</a:tableStyleId>
-              </a:tblPr>
-              <a:tblGrid>
-                <a:gridCol w="3091522">
-                  <a:extLst>
-                    <a:ext uri="{9D8B030D-6E8A-4147-A177-3AD203B41FA5}">
-                      <a16:colId xmlns="" xmlns:a16="http://schemas.microsoft.com/office/drawing/2014/main" val="20000"/>
-                    </a:ext>
-                  </a:extLst>
-                </a:gridCol>
-              </a:tblGrid>
-              <a:tr h="210199">
-                <a:tc>
-                  <a:txBody>
-                    <a:bodyPr/>
-                    <a:lstStyle/>
-                    <a:p>
-                      <a:pPr algn="ctr"/>
-                      <a:r>
-                        <a:rPr lang="en-SG" sz="1300" b="0" dirty="0" smtClean="0">
-                          <a:latin typeface="Noveo Sans" charset="0"/>
-                          <a:ea typeface="Noveo Sans" charset="0"/>
-                          <a:cs typeface="Noveo Sans" charset="0"/>
-                        </a:rPr>
-                        <a:t>1</a:t>
-                      </a:r>
-                      <a:r>
-                        <a:rPr lang="en-SG" sz="1300" b="0" baseline="30000" dirty="0" smtClean="0">
-                          <a:latin typeface="Noveo Sans" charset="0"/>
-                          <a:ea typeface="Noveo Sans" charset="0"/>
-                          <a:cs typeface="Noveo Sans" charset="0"/>
-                        </a:rPr>
-                        <a:t>st</a:t>
-                      </a:r>
-                      <a:r>
-                        <a:rPr lang="en-SG" sz="1300" b="0" dirty="0" smtClean="0">
-                          <a:latin typeface="Noveo Sans" charset="0"/>
-                          <a:ea typeface="Noveo Sans" charset="0"/>
-                          <a:cs typeface="Noveo Sans" charset="0"/>
-                        </a:rPr>
-                        <a:t> Aug</a:t>
-                      </a:r>
-                      <a:r>
-                        <a:rPr lang="en-SG" sz="1300" b="0" baseline="0" dirty="0" smtClean="0">
-                          <a:latin typeface="Noveo Sans" charset="0"/>
-                          <a:ea typeface="Noveo Sans" charset="0"/>
-                          <a:cs typeface="Noveo Sans" charset="0"/>
-                        </a:rPr>
-                        <a:t> </a:t>
-                      </a:r>
-                      <a:r>
-                        <a:rPr lang="en-SG" sz="1300" b="0" dirty="0" smtClean="0">
-                          <a:latin typeface="Noveo Sans" charset="0"/>
-                          <a:ea typeface="Noveo Sans" charset="0"/>
-                          <a:cs typeface="Noveo Sans" charset="0"/>
-                        </a:rPr>
-                        <a:t>– 14</a:t>
-                      </a:r>
-                      <a:r>
-                        <a:rPr lang="en-SG" sz="1300" b="0" baseline="30000" dirty="0" smtClean="0">
-                          <a:latin typeface="Noveo Sans" charset="0"/>
-                          <a:ea typeface="Noveo Sans" charset="0"/>
-                          <a:cs typeface="Noveo Sans" charset="0"/>
-                        </a:rPr>
-                        <a:t>th</a:t>
-                      </a:r>
-                      <a:r>
-                        <a:rPr lang="en-SG" sz="1300" b="0" dirty="0" smtClean="0">
-                          <a:latin typeface="Noveo Sans" charset="0"/>
-                          <a:ea typeface="Noveo Sans" charset="0"/>
-                          <a:cs typeface="Noveo Sans" charset="0"/>
-                        </a:rPr>
-                        <a:t> Aug</a:t>
-                      </a:r>
-                      <a:endParaRPr lang="en-US" sz="1300" b="0" dirty="0">
-                        <a:latin typeface="Noveo Sans" charset="0"/>
-                        <a:ea typeface="Noveo Sans" charset="0"/>
-                        <a:cs typeface="Noveo Sans" charset="0"/>
-                      </a:endParaRPr>
-                    </a:p>
-                  </a:txBody>
-                  <a:tcPr marL="96012" marR="96012" marT="48007" marB="48007" anchor="ctr">
-                    <a:solidFill>
-                      <a:srgbClr val="868686"/>
-                    </a:solidFill>
-                  </a:tcPr>
-                </a:tc>
-                <a:extLst>
-                  <a:ext uri="{0D108BD9-81ED-4DB2-BD59-A6C34878D82A}">
-                    <a16:rowId xmlns="" xmlns:a16="http://schemas.microsoft.com/office/drawing/2014/main" val="10000"/>
-                  </a:ext>
-                </a:extLst>
-              </a:tr>
-              <a:tr h="330001">
-                <a:tc>
-                  <a:txBody>
-                    <a:bodyPr/>
-                    <a:lstStyle/>
-                    <a:p>
-                      <a:pPr algn="ctr"/>
-                      <a:r>
-                        <a:rPr lang="en-SG" sz="1200" b="1" dirty="0" smtClean="0">
-                          <a:solidFill>
-                            <a:schemeClr val="bg1"/>
-                          </a:solidFill>
-                          <a:latin typeface="Noveo Sans" charset="0"/>
-                          <a:ea typeface="Noveo Sans" charset="0"/>
-                          <a:cs typeface="Noveo Sans" charset="0"/>
-                        </a:rPr>
-                        <a:t>Milestone</a:t>
-                      </a:r>
-                    </a:p>
-                    <a:p>
-                      <a:pPr algn="ctr"/>
-                      <a:r>
-                        <a:rPr lang="en-SG" sz="1200" dirty="0" smtClean="0">
-                          <a:solidFill>
-                            <a:schemeClr val="bg1"/>
-                          </a:solidFill>
-                          <a:latin typeface="Noveo Sans" charset="0"/>
-                          <a:ea typeface="Noveo Sans" charset="0"/>
-                          <a:cs typeface="Noveo Sans" charset="0"/>
-                        </a:rPr>
-                        <a:t>(1) FYP Acceptance: 10th Aug </a:t>
-                      </a:r>
-                    </a:p>
-                  </a:txBody>
-                  <a:tcPr marL="96012" marR="96012" marT="48007" marB="48007" anchor="ctr">
-                    <a:solidFill>
-                      <a:srgbClr val="DE1A54"/>
-                    </a:solidFill>
-                  </a:tcPr>
-                </a:tc>
-              </a:tr>
-              <a:tr h="199308">
-                <a:tc>
-                  <a:txBody>
-                    <a:bodyPr/>
-                    <a:lstStyle/>
-                    <a:p>
-                      <a:pPr algn="ctr"/>
-                      <a:r>
-                        <a:rPr lang="en-SG" sz="1200" b="1" dirty="0" smtClean="0">
-                          <a:latin typeface="Noveo Sans" charset="0"/>
-                          <a:ea typeface="Noveo Sans" charset="0"/>
-                          <a:cs typeface="Noveo Sans" charset="0"/>
-                        </a:rPr>
-                        <a:t>Expert</a:t>
-                      </a:r>
-                      <a:r>
-                        <a:rPr lang="en-SG" sz="1200" b="1" baseline="0" dirty="0" smtClean="0">
-                          <a:latin typeface="Noveo Sans" charset="0"/>
-                          <a:ea typeface="Noveo Sans" charset="0"/>
-                          <a:cs typeface="Noveo Sans" charset="0"/>
-                        </a:rPr>
-                        <a:t> Testing (I)</a:t>
-                      </a:r>
-                      <a:endParaRPr lang="en-SG" sz="1200" dirty="0" smtClean="0">
-                        <a:latin typeface="Noveo Sans" charset="0"/>
-                        <a:ea typeface="Noveo Sans" charset="0"/>
-                        <a:cs typeface="Noveo Sans" charset="0"/>
-                      </a:endParaRPr>
-                    </a:p>
-                  </a:txBody>
-                  <a:tcPr marL="96012" marR="96012" marT="48007" marB="48007" anchor="ctr">
-                    <a:solidFill>
-                      <a:srgbClr val="FFC000"/>
-                    </a:solidFill>
-                  </a:tcPr>
-                </a:tc>
-                <a:extLst>
-                  <a:ext uri="{0D108BD9-81ED-4DB2-BD59-A6C34878D82A}">
-                    <a16:rowId xmlns="" xmlns:a16="http://schemas.microsoft.com/office/drawing/2014/main" val="10001"/>
-                  </a:ext>
-                </a:extLst>
-              </a:tr>
-              <a:tr h="330001">
-                <a:tc>
-                  <a:txBody>
-                    <a:bodyPr/>
-                    <a:lstStyle/>
-                    <a:p>
-                      <a:pPr algn="ctr"/>
-                      <a:r>
-                        <a:rPr lang="en-SG" sz="1200" b="1" dirty="0" smtClean="0">
-                          <a:latin typeface="Noveo Sans" charset="0"/>
-                          <a:ea typeface="Noveo Sans" charset="0"/>
-                          <a:cs typeface="Noveo Sans" charset="0"/>
-                        </a:rPr>
-                        <a:t>Functions</a:t>
-                      </a:r>
-                    </a:p>
-                    <a:p>
-                      <a:pPr marL="0" marR="0" indent="0" algn="ctr" defTabSz="1280160" rtl="0" eaLnBrk="1" fontAlgn="auto" latinLnBrk="0" hangingPunct="1">
-                        <a:lnSpc>
-                          <a:spcPct val="100000"/>
-                        </a:lnSpc>
-                        <a:spcBef>
-                          <a:spcPts val="0"/>
-                        </a:spcBef>
-                        <a:spcAft>
-                          <a:spcPts val="0"/>
-                        </a:spcAft>
-                        <a:buClrTx/>
-                        <a:buSzTx/>
-                        <a:buFontTx/>
-                        <a:buNone/>
-                        <a:tabLst/>
-                        <a:defRPr/>
-                      </a:pPr>
-                      <a:r>
-                        <a:rPr lang="en-SG" sz="1200" dirty="0" smtClean="0">
-                          <a:latin typeface="Noveo Sans" charset="0"/>
-                          <a:ea typeface="Noveo Sans" charset="0"/>
-                          <a:cs typeface="Noveo Sans" charset="0"/>
-                        </a:rPr>
-                        <a:t>Language Module </a:t>
-                      </a:r>
-                      <a:r>
-                        <a:rPr lang="en-SG" sz="1200" baseline="0" dirty="0" smtClean="0">
-                          <a:latin typeface="Noveo Sans" charset="0"/>
-                          <a:ea typeface="Noveo Sans" charset="0"/>
-                          <a:cs typeface="Noveo Sans" charset="0"/>
-                        </a:rPr>
-                        <a:t>(I), Revamp UI</a:t>
-                      </a:r>
-                      <a:endParaRPr lang="en-SG" sz="1200" dirty="0" smtClean="0">
-                        <a:latin typeface="Noveo Sans" charset="0"/>
-                        <a:ea typeface="Noveo Sans" charset="0"/>
-                        <a:cs typeface="Noveo Sans" charset="0"/>
-                      </a:endParaRPr>
-                    </a:p>
-                  </a:txBody>
-                  <a:tcPr marL="96012" marR="96012" marT="48007" marB="48007" anchor="ctr">
-                    <a:solidFill>
-                      <a:srgbClr val="E7E7E7"/>
-                    </a:solidFill>
-                  </a:tcPr>
-                </a:tc>
-                <a:extLst>
-                  <a:ext uri="{0D108BD9-81ED-4DB2-BD59-A6C34878D82A}">
-                    <a16:rowId xmlns="" xmlns:a16="http://schemas.microsoft.com/office/drawing/2014/main" val="10002"/>
-                  </a:ext>
-                </a:extLst>
-              </a:tr>
-              <a:tr h="500636">
-                <a:tc>
-                  <a:txBody>
-                    <a:bodyPr/>
-                    <a:lstStyle/>
-                    <a:p>
-                      <a:pPr algn="ctr"/>
-                      <a:r>
-                        <a:rPr lang="en-US" sz="1200" b="1" kern="1200" dirty="0" smtClean="0">
-                          <a:solidFill>
-                            <a:schemeClr val="dk1"/>
-                          </a:solidFill>
-                          <a:effectLst/>
-                          <a:latin typeface="Noveo Sans" panose="020B0503020204020203" pitchFamily="34" charset="0"/>
-                          <a:ea typeface="+mn-ea"/>
-                          <a:cs typeface="+mn-cs"/>
-                        </a:rPr>
-                        <a:t>Documentation</a:t>
-                      </a:r>
-                      <a:endParaRPr lang="en-SG" sz="1200" b="1" kern="1200" dirty="0" smtClean="0">
-                        <a:solidFill>
-                          <a:schemeClr val="dk1"/>
-                        </a:solidFill>
-                        <a:effectLst/>
-                        <a:latin typeface="Noveo Sans" panose="020B0503020204020203" pitchFamily="34" charset="0"/>
-                        <a:ea typeface="+mn-ea"/>
-                        <a:cs typeface="+mn-cs"/>
-                      </a:endParaRPr>
-                    </a:p>
-                    <a:p>
-                      <a:pPr lvl="0" algn="ctr"/>
-                      <a:r>
-                        <a:rPr lang="en-US" sz="1200" kern="1200" dirty="0" smtClean="0">
-                          <a:solidFill>
-                            <a:schemeClr val="dk1"/>
-                          </a:solidFill>
-                          <a:effectLst/>
-                          <a:latin typeface="Noveo Sans" panose="020B0503020204020203" pitchFamily="34" charset="0"/>
-                          <a:ea typeface="+mn-ea"/>
-                          <a:cs typeface="+mn-cs"/>
-                        </a:rPr>
-                        <a:t>Test Cases</a:t>
-                      </a:r>
-                      <a:r>
-                        <a:rPr lang="en-SG" sz="1200" kern="1200" dirty="0" smtClean="0">
-                          <a:solidFill>
-                            <a:schemeClr val="dk1"/>
-                          </a:solidFill>
-                          <a:effectLst/>
-                          <a:latin typeface="Noveo Sans" panose="020B0503020204020203" pitchFamily="34" charset="0"/>
-                          <a:ea typeface="+mn-ea"/>
-                          <a:cs typeface="+mn-cs"/>
-                        </a:rPr>
-                        <a:t>,</a:t>
-                      </a:r>
-                      <a:r>
-                        <a:rPr lang="en-SG" sz="1200" kern="1200" baseline="0" dirty="0" smtClean="0">
-                          <a:solidFill>
-                            <a:schemeClr val="dk1"/>
-                          </a:solidFill>
-                          <a:effectLst/>
-                          <a:latin typeface="Noveo Sans" panose="020B0503020204020203" pitchFamily="34" charset="0"/>
-                          <a:ea typeface="+mn-ea"/>
-                          <a:cs typeface="+mn-cs"/>
-                        </a:rPr>
-                        <a:t> </a:t>
-                      </a:r>
-                      <a:r>
-                        <a:rPr lang="en-US" sz="1200" kern="1200" dirty="0" smtClean="0">
-                          <a:solidFill>
-                            <a:schemeClr val="dk1"/>
-                          </a:solidFill>
-                          <a:effectLst/>
-                          <a:latin typeface="Noveo Sans" panose="020B0503020204020203" pitchFamily="34" charset="0"/>
-                          <a:ea typeface="+mn-ea"/>
-                          <a:cs typeface="+mn-cs"/>
-                        </a:rPr>
-                        <a:t>Update Wiki</a:t>
-                      </a:r>
-                      <a:r>
-                        <a:rPr lang="en-SG" sz="1200" kern="1200" dirty="0" smtClean="0">
-                          <a:solidFill>
-                            <a:schemeClr val="dk1"/>
-                          </a:solidFill>
-                          <a:effectLst/>
-                          <a:latin typeface="Noveo Sans" panose="020B0503020204020203" pitchFamily="34" charset="0"/>
-                          <a:ea typeface="+mn-ea"/>
-                          <a:cs typeface="+mn-cs"/>
-                        </a:rPr>
-                        <a:t>,</a:t>
-                      </a:r>
-                      <a:r>
-                        <a:rPr lang="en-SG" sz="1200" kern="1200" baseline="0" dirty="0" smtClean="0">
-                          <a:solidFill>
-                            <a:schemeClr val="dk1"/>
-                          </a:solidFill>
-                          <a:effectLst/>
-                          <a:latin typeface="Noveo Sans" panose="020B0503020204020203" pitchFamily="34" charset="0"/>
-                          <a:ea typeface="+mn-ea"/>
-                          <a:cs typeface="+mn-cs"/>
-                        </a:rPr>
-                        <a:t> </a:t>
-                      </a:r>
-                      <a:r>
-                        <a:rPr lang="en-US" sz="1200" kern="1200" dirty="0" smtClean="0">
-                          <a:solidFill>
-                            <a:schemeClr val="dk1"/>
-                          </a:solidFill>
-                          <a:effectLst/>
-                          <a:latin typeface="Noveo Sans" panose="020B0503020204020203" pitchFamily="34" charset="0"/>
-                          <a:ea typeface="+mn-ea"/>
-                          <a:cs typeface="+mn-cs"/>
-                        </a:rPr>
-                        <a:t>Update Bug log, Prepare acceptance slides</a:t>
-                      </a:r>
-                    </a:p>
-                  </a:txBody>
-                  <a:tcPr marL="96012" marR="96012" marT="48007" marB="48007" anchor="ctr">
-                    <a:solidFill>
-                      <a:srgbClr val="EEEEEE"/>
-                    </a:solidFill>
-                  </a:tcPr>
-                </a:tc>
-                <a:extLst>
-                  <a:ext uri="{0D108BD9-81ED-4DB2-BD59-A6C34878D82A}">
-                    <a16:rowId xmlns="" xmlns:a16="http://schemas.microsoft.com/office/drawing/2014/main" val="10003"/>
-                  </a:ext>
-                </a:extLst>
-              </a:tr>
-            </a:tbl>
-          </a:graphicData>
-        </a:graphic>
-      </p:graphicFrame>
-      <p:graphicFrame>
-        <p:nvGraphicFramePr>
           <p:cNvPr id="76" name="Table 75"/>
           <p:cNvGraphicFramePr>
             <a:graphicFrameLocks noGrp="1"/>
@@ -22450,7 +21923,7 @@
           <p:nvPr>
             <p:extLst>
               <p:ext uri="{D42A27DB-BD31-4B8C-83A1-F6EECF244321}">
-                <p14:modId xmlns:p14="http://schemas.microsoft.com/office/powerpoint/2010/main" val="663382819"/>
+                <p14:modId xmlns:p14="http://schemas.microsoft.com/office/powerpoint/2010/main" val="1912900276"/>
               </p:ext>
             </p:extLst>
           </p:nvPr>
@@ -22632,7 +22105,18 @@
                           <a:ea typeface="Noveo Sans" charset="0"/>
                           <a:cs typeface="Noveo Sans" charset="0"/>
                         </a:rPr>
-                        <a:t>Analytics Module (Analysis – e.g. forecasting peak period), Expert </a:t>
+                        <a:t>BI Module (BI– e.g. best</a:t>
+                      </a:r>
+                      <a:r>
+                        <a:rPr lang="en-SG" sz="1200" baseline="0" dirty="0" smtClean="0">
+                          <a:solidFill>
+                            <a:schemeClr val="bg1"/>
+                          </a:solidFill>
+                          <a:latin typeface="Noveo Sans" charset="0"/>
+                          <a:ea typeface="Noveo Sans" charset="0"/>
+                          <a:cs typeface="Noveo Sans" charset="0"/>
+                        </a:rPr>
+                        <a:t> sales</a:t>
                       </a:r>
                       <a:r>
                         <a:rPr lang="en-SG" sz="1200" dirty="0" smtClean="0">
@@ -22643,29 +22127,7 @@
                           <a:ea typeface="Noveo Sans" charset="0"/>
                           <a:cs typeface="Noveo Sans" charset="0"/>
                         </a:rPr>
-                        <a:t>Testing (II)</a:t>
-                      </a:r>
-                      <a:r>
-                        <a:rPr lang="en-SG" sz="1200" baseline="0" dirty="0" smtClean="0">
-                          <a:solidFill>
-                            <a:schemeClr val="bg1"/>
-                          </a:solidFill>
-                          <a:latin typeface="Noveo Sans" charset="0"/>
-                          <a:ea typeface="Noveo Sans" charset="0"/>
-                          <a:cs typeface="Noveo Sans" charset="0"/>
-                        </a:rPr>
-                        <a:t> </a:t>
-                      </a:r>
-                      <a:r>
-                        <a:rPr lang="en-SG" sz="1200" dirty="0" smtClean="0">
-                          <a:solidFill>
-                            <a:schemeClr val="bg1"/>
-                          </a:solidFill>
-                          <a:latin typeface="Noveo Sans" charset="0"/>
-                          <a:ea typeface="Noveo Sans" charset="0"/>
-                          <a:cs typeface="Noveo Sans" charset="0"/>
-                        </a:rPr>
-                        <a:t>Review </a:t>
+                        <a:t>) (II), Expert Testing Review (II) </a:t>
                       </a:r>
                     </a:p>
                   </a:txBody>
@@ -22880,7 +22342,7 @@
           <p:nvPr>
             <p:extLst>
               <p:ext uri="{D42A27DB-BD31-4B8C-83A1-F6EECF244321}">
-                <p14:modId xmlns:p14="http://schemas.microsoft.com/office/powerpoint/2010/main" val="450061180"/>
+                <p14:modId xmlns:p14="http://schemas.microsoft.com/office/powerpoint/2010/main" val="1332402878"/>
               </p:ext>
             </p:extLst>
           </p:nvPr>
@@ -23049,6 +22511,9 @@
                       <a:pPr algn="ctr"/>
                       <a:r>
                         <a:rPr lang="en-SG" sz="1200" b="1" dirty="0" smtClean="0">
+                          <a:solidFill>
+                            <a:schemeClr val="bg1"/>
+                          </a:solidFill>
                           <a:latin typeface="Noveo Sans" charset="0"/>
                           <a:ea typeface="Noveo Sans" charset="0"/>
                           <a:cs typeface="Noveo Sans" charset="0"/>
@@ -23076,50 +22541,42 @@
                       </a:pPr>
                       <a:r>
                         <a:rPr lang="en-SG" sz="1200" dirty="0" smtClean="0">
-                          <a:latin typeface="Noveo Sans" charset="0"/>
-                          <a:ea typeface="Noveo Sans" charset="0"/>
-                          <a:cs typeface="Noveo Sans" charset="0"/>
-                        </a:rPr>
-                        <a:t>Analytics Module (Analysis – e.g. forecasting peak period), </a:t>
+                          <a:solidFill>
+                            <a:schemeClr val="bg1"/>
+                          </a:solidFill>
+                          <a:latin typeface="Noveo Sans" charset="0"/>
+                          <a:ea typeface="Noveo Sans" charset="0"/>
+                          <a:cs typeface="Noveo Sans" charset="0"/>
+                        </a:rPr>
+                        <a:t>BI Module (BI– e.g. best</a:t>
+                      </a:r>
+                      <a:r>
+                        <a:rPr lang="en-SG" sz="1200" baseline="0" dirty="0" smtClean="0">
+                          <a:solidFill>
+                            <a:schemeClr val="bg1"/>
+                          </a:solidFill>
+                          <a:latin typeface="Noveo Sans" charset="0"/>
+                          <a:ea typeface="Noveo Sans" charset="0"/>
+                          <a:cs typeface="Noveo Sans" charset="0"/>
+                        </a:rPr>
+                        <a:t> sales</a:t>
                       </a:r>
                       <a:r>
                         <a:rPr lang="en-SG" sz="1200" dirty="0" smtClean="0">
                           <a:solidFill>
-                            <a:schemeClr val="tx1"/>
-                          </a:solidFill>
-                          <a:latin typeface="Noveo Sans" charset="0"/>
-                          <a:ea typeface="Noveo Sans" charset="0"/>
-                          <a:cs typeface="Noveo Sans" charset="0"/>
-                        </a:rPr>
-                        <a:t>Expert Testing (I)</a:t>
-                      </a:r>
-                      <a:r>
-                        <a:rPr lang="en-SG" sz="1200" baseline="0" dirty="0" smtClean="0">
-                          <a:solidFill>
-                            <a:schemeClr val="tx1"/>
-                          </a:solidFill>
-                          <a:latin typeface="Noveo Sans" charset="0"/>
-                          <a:ea typeface="Noveo Sans" charset="0"/>
-                          <a:cs typeface="Noveo Sans" charset="0"/>
-                        </a:rPr>
-                        <a:t> </a:t>
-                      </a:r>
-                      <a:r>
-                        <a:rPr lang="en-SG" sz="1200" dirty="0" smtClean="0">
-                          <a:solidFill>
-                            <a:schemeClr val="tx1"/>
-                          </a:solidFill>
-                          <a:latin typeface="Noveo Sans" charset="0"/>
-                          <a:ea typeface="Noveo Sans" charset="0"/>
-                          <a:cs typeface="Noveo Sans" charset="0"/>
-                        </a:rPr>
-                        <a:t>Review </a:t>
+                            <a:schemeClr val="bg1"/>
+                          </a:solidFill>
+                          <a:latin typeface="Noveo Sans" charset="0"/>
+                          <a:ea typeface="Noveo Sans" charset="0"/>
+                          <a:cs typeface="Noveo Sans" charset="0"/>
+                        </a:rPr>
+                        <a:t>) (II), Expert Testing Review (I) </a:t>
                       </a:r>
                     </a:p>
                   </a:txBody>
                   <a:tcPr marL="96012" marR="96012" marT="48007" marB="48007" anchor="ctr">
                     <a:solidFill>
-                      <a:srgbClr val="E7E7E7"/>
+                      <a:schemeClr val="tx1"/>
                     </a:solidFill>
                   </a:tcPr>
                 </a:tc>
@@ -25473,6 +24930,406 @@
                         <a:ea typeface="+mn-ea"/>
                         <a:cs typeface="+mn-cs"/>
                       </a:endParaRPr>
+                    </a:p>
+                  </a:txBody>
+                  <a:tcPr marL="96012" marR="96012" marT="48007" marB="48007" anchor="ctr">
+                    <a:solidFill>
+                      <a:srgbClr val="EEEEEE"/>
+                    </a:solidFill>
+                  </a:tcPr>
+                </a:tc>
+                <a:extLst>
+                  <a:ext uri="{0D108BD9-81ED-4DB2-BD59-A6C34878D82A}">
+                    <a16:rowId xmlns="" xmlns:a16="http://schemas.microsoft.com/office/drawing/2014/main" val="10003"/>
+                  </a:ext>
+                </a:extLst>
+              </a:tr>
+            </a:tbl>
+          </a:graphicData>
+        </a:graphic>
+      </p:graphicFrame>
+      <p:graphicFrame>
+        <p:nvGraphicFramePr>
+          <p:cNvPr id="74" name="Table 73"/>
+          <p:cNvGraphicFramePr>
+            <a:graphicFrameLocks noGrp="1"/>
+          </p:cNvGraphicFramePr>
+          <p:nvPr>
+            <p:extLst>
+              <p:ext uri="{D42A27DB-BD31-4B8C-83A1-F6EECF244321}">
+                <p14:modId xmlns:p14="http://schemas.microsoft.com/office/powerpoint/2010/main" val="1253086937"/>
+              </p:ext>
+            </p:extLst>
+          </p:nvPr>
+        </p:nvGraphicFramePr>
+        <p:xfrm>
+          <a:off x="2777977" y="2008029"/>
+          <a:ext cx="3091522" cy="2141230"/>
+        </p:xfrm>
+        <a:graphic>
+          <a:graphicData uri="http://schemas.openxmlformats.org/drawingml/2006/table">
+            <a:tbl>
+              <a:tblPr firstRow="1" bandRow="1">
+                <a:tableStyleId>{073A0DAA-6AF3-43AB-8588-CEC1D06C72B9}</a:tableStyleId>
+              </a:tblPr>
+              <a:tblGrid>
+                <a:gridCol w="3091522">
+                  <a:extLst>
+                    <a:ext uri="{9D8B030D-6E8A-4147-A177-3AD203B41FA5}">
+                      <a16:colId xmlns="" xmlns:a16="http://schemas.microsoft.com/office/drawing/2014/main" val="20000"/>
+                    </a:ext>
+                  </a:extLst>
+                </a:gridCol>
+              </a:tblGrid>
+              <a:tr h="210199">
+                <a:tc>
+                  <a:txBody>
+                    <a:bodyPr/>
+                    <a:lstStyle/>
+                    <a:p>
+                      <a:pPr algn="ctr"/>
+                      <a:r>
+                        <a:rPr lang="en-SG" sz="1300" b="0" dirty="0" smtClean="0">
+                          <a:latin typeface="Noveo Sans" charset="0"/>
+                          <a:ea typeface="Noveo Sans" charset="0"/>
+                          <a:cs typeface="Noveo Sans" charset="0"/>
+                        </a:rPr>
+                        <a:t>1</a:t>
+                      </a:r>
+                      <a:r>
+                        <a:rPr lang="en-SG" sz="1300" b="0" baseline="30000" dirty="0" smtClean="0">
+                          <a:latin typeface="Noveo Sans" charset="0"/>
+                          <a:ea typeface="Noveo Sans" charset="0"/>
+                          <a:cs typeface="Noveo Sans" charset="0"/>
+                        </a:rPr>
+                        <a:t>st</a:t>
+                      </a:r>
+                      <a:r>
+                        <a:rPr lang="en-SG" sz="1300" b="0" dirty="0" smtClean="0">
+                          <a:latin typeface="Noveo Sans" charset="0"/>
+                          <a:ea typeface="Noveo Sans" charset="0"/>
+                          <a:cs typeface="Noveo Sans" charset="0"/>
+                        </a:rPr>
+                        <a:t> Aug</a:t>
+                      </a:r>
+                      <a:r>
+                        <a:rPr lang="en-SG" sz="1300" b="0" baseline="0" dirty="0" smtClean="0">
+                          <a:latin typeface="Noveo Sans" charset="0"/>
+                          <a:ea typeface="Noveo Sans" charset="0"/>
+                          <a:cs typeface="Noveo Sans" charset="0"/>
+                        </a:rPr>
+                        <a:t> </a:t>
+                      </a:r>
+                      <a:r>
+                        <a:rPr lang="en-SG" sz="1300" b="0" dirty="0" smtClean="0">
+                          <a:latin typeface="Noveo Sans" charset="0"/>
+                          <a:ea typeface="Noveo Sans" charset="0"/>
+                          <a:cs typeface="Noveo Sans" charset="0"/>
+                        </a:rPr>
+                        <a:t>– 14</a:t>
+                      </a:r>
+                      <a:r>
+                        <a:rPr lang="en-SG" sz="1300" b="0" baseline="30000" dirty="0" smtClean="0">
+                          <a:latin typeface="Noveo Sans" charset="0"/>
+                          <a:ea typeface="Noveo Sans" charset="0"/>
+                          <a:cs typeface="Noveo Sans" charset="0"/>
+                        </a:rPr>
+                        <a:t>th</a:t>
+                      </a:r>
+                      <a:r>
+                        <a:rPr lang="en-SG" sz="1300" b="0" dirty="0" smtClean="0">
+                          <a:latin typeface="Noveo Sans" charset="0"/>
+                          <a:ea typeface="Noveo Sans" charset="0"/>
+                          <a:cs typeface="Noveo Sans" charset="0"/>
+                        </a:rPr>
+                        <a:t> Aug</a:t>
+                      </a:r>
+                      <a:endParaRPr lang="en-US" sz="1300" b="0" dirty="0">
+                        <a:latin typeface="Noveo Sans" charset="0"/>
+                        <a:ea typeface="Noveo Sans" charset="0"/>
+                        <a:cs typeface="Noveo Sans" charset="0"/>
+                      </a:endParaRPr>
+                    </a:p>
+                  </a:txBody>
+                  <a:tcPr marL="96012" marR="96012" marT="48007" marB="48007" anchor="ctr">
+                    <a:solidFill>
+                      <a:srgbClr val="868686"/>
+                    </a:solidFill>
+                  </a:tcPr>
+                </a:tc>
+                <a:extLst>
+                  <a:ext uri="{0D108BD9-81ED-4DB2-BD59-A6C34878D82A}">
+                    <a16:rowId xmlns="" xmlns:a16="http://schemas.microsoft.com/office/drawing/2014/main" val="10000"/>
+                  </a:ext>
+                </a:extLst>
+              </a:tr>
+              <a:tr h="330001">
+                <a:tc>
+                  <a:txBody>
+                    <a:bodyPr/>
+                    <a:lstStyle/>
+                    <a:p>
+                      <a:pPr algn="ctr"/>
+                      <a:r>
+                        <a:rPr lang="en-SG" sz="1200" b="1" dirty="0" smtClean="0">
+                          <a:solidFill>
+                            <a:schemeClr val="bg1"/>
+                          </a:solidFill>
+                          <a:latin typeface="Noveo Sans" charset="0"/>
+                          <a:ea typeface="Noveo Sans" charset="0"/>
+                          <a:cs typeface="Noveo Sans" charset="0"/>
+                        </a:rPr>
+                        <a:t>Milestone</a:t>
+                      </a:r>
+                    </a:p>
+                    <a:p>
+                      <a:pPr algn="ctr"/>
+                      <a:r>
+                        <a:rPr lang="en-SG" sz="1200" dirty="0" smtClean="0">
+                          <a:solidFill>
+                            <a:schemeClr val="bg1"/>
+                          </a:solidFill>
+                          <a:latin typeface="Noveo Sans" charset="0"/>
+                          <a:ea typeface="Noveo Sans" charset="0"/>
+                          <a:cs typeface="Noveo Sans" charset="0"/>
+                        </a:rPr>
+                        <a:t>(1) FYP Acceptance: 10th Aug </a:t>
+                      </a:r>
+                    </a:p>
+                  </a:txBody>
+                  <a:tcPr marL="96012" marR="96012" marT="48007" marB="48007" anchor="ctr">
+                    <a:solidFill>
+                      <a:srgbClr val="DE1A54"/>
+                    </a:solidFill>
+                  </a:tcPr>
+                </a:tc>
+              </a:tr>
+              <a:tr h="199308">
+                <a:tc>
+                  <a:txBody>
+                    <a:bodyPr/>
+                    <a:lstStyle/>
+                    <a:p>
+                      <a:pPr algn="ctr"/>
+                      <a:r>
+                        <a:rPr lang="en-SG" sz="1200" b="1" dirty="0" smtClean="0">
+                          <a:latin typeface="Noveo Sans" charset="0"/>
+                          <a:ea typeface="Noveo Sans" charset="0"/>
+                          <a:cs typeface="Noveo Sans" charset="0"/>
+                        </a:rPr>
+                        <a:t>Expert</a:t>
+                      </a:r>
+                      <a:r>
+                        <a:rPr lang="en-SG" sz="1200" b="1" baseline="0" dirty="0" smtClean="0">
+                          <a:latin typeface="Noveo Sans" charset="0"/>
+                          <a:ea typeface="Noveo Sans" charset="0"/>
+                          <a:cs typeface="Noveo Sans" charset="0"/>
+                        </a:rPr>
+                        <a:t> Testing (I)</a:t>
+                      </a:r>
+                      <a:endParaRPr lang="en-SG" sz="1200" dirty="0" smtClean="0">
+                        <a:latin typeface="Noveo Sans" charset="0"/>
+                        <a:ea typeface="Noveo Sans" charset="0"/>
+                        <a:cs typeface="Noveo Sans" charset="0"/>
+                      </a:endParaRPr>
+                    </a:p>
+                  </a:txBody>
+                  <a:tcPr marL="96012" marR="96012" marT="48007" marB="48007" anchor="ctr">
+                    <a:solidFill>
+                      <a:srgbClr val="FFC000"/>
+                    </a:solidFill>
+                  </a:tcPr>
+                </a:tc>
+                <a:extLst>
+                  <a:ext uri="{0D108BD9-81ED-4DB2-BD59-A6C34878D82A}">
+                    <a16:rowId xmlns="" xmlns:a16="http://schemas.microsoft.com/office/drawing/2014/main" val="10001"/>
+                  </a:ext>
+                </a:extLst>
+              </a:tr>
+              <a:tr h="330001">
+                <a:tc>
+                  <a:txBody>
+                    <a:bodyPr/>
+                    <a:lstStyle/>
+                    <a:p>
+                      <a:pPr algn="ctr"/>
+                      <a:r>
+                        <a:rPr lang="en-SG" sz="1200" b="1" dirty="0" smtClean="0">
+                          <a:latin typeface="Noveo Sans" charset="0"/>
+                          <a:ea typeface="Noveo Sans" charset="0"/>
+                          <a:cs typeface="Noveo Sans" charset="0"/>
+                        </a:rPr>
+                        <a:t>Functions</a:t>
+                      </a:r>
+                    </a:p>
+                    <a:p>
+                      <a:pPr marL="0" marR="0" indent="0" algn="ctr" defTabSz="1280160" rtl="0" eaLnBrk="1" fontAlgn="auto" latinLnBrk="0" hangingPunct="1">
+                        <a:lnSpc>
+                          <a:spcPct val="100000"/>
+                        </a:lnSpc>
+                        <a:spcBef>
+                          <a:spcPts val="0"/>
+                        </a:spcBef>
+                        <a:spcAft>
+                          <a:spcPts val="0"/>
+                        </a:spcAft>
+                        <a:buClrTx/>
+                        <a:buSzTx/>
+                        <a:buFontTx/>
+                        <a:buNone/>
+                        <a:tabLst/>
+                        <a:defRPr/>
+                      </a:pPr>
+                      <a:r>
+                        <a:rPr lang="en-SG" sz="1200" dirty="0" smtClean="0">
+                          <a:latin typeface="Noveo Sans" charset="0"/>
+                          <a:ea typeface="Noveo Sans" charset="0"/>
+                          <a:cs typeface="Noveo Sans" charset="0"/>
+                        </a:rPr>
+                        <a:t>Language Module </a:t>
+                      </a:r>
+                      <a:r>
+                        <a:rPr lang="en-SG" sz="1200" baseline="0" dirty="0" smtClean="0">
+                          <a:latin typeface="Noveo Sans" charset="0"/>
+                          <a:ea typeface="Noveo Sans" charset="0"/>
+                          <a:cs typeface="Noveo Sans" charset="0"/>
+                        </a:rPr>
+                        <a:t>(I)</a:t>
+                      </a:r>
+                      <a:endParaRPr lang="en-SG" sz="1200" dirty="0" smtClean="0">
+                        <a:latin typeface="Noveo Sans" charset="0"/>
+                        <a:ea typeface="Noveo Sans" charset="0"/>
+                        <a:cs typeface="Noveo Sans" charset="0"/>
+                      </a:endParaRPr>
+                    </a:p>
+                  </a:txBody>
+                  <a:tcPr marL="96012" marR="96012" marT="48007" marB="48007" anchor="ctr">
+                    <a:solidFill>
+                      <a:srgbClr val="E7E7E7"/>
+                    </a:solidFill>
+                  </a:tcPr>
+                </a:tc>
+                <a:extLst>
+                  <a:ext uri="{0D108BD9-81ED-4DB2-BD59-A6C34878D82A}">
+                    <a16:rowId xmlns="" xmlns:a16="http://schemas.microsoft.com/office/drawing/2014/main" val="10002"/>
+                  </a:ext>
+                </a:extLst>
+              </a:tr>
+              <a:tr h="500636">
+                <a:tc>
+                  <a:txBody>
+                    <a:bodyPr/>
+                    <a:lstStyle/>
+                    <a:p>
+                      <a:pPr algn="ctr"/>
+                      <a:r>
+                        <a:rPr lang="en-US" sz="1200" b="1" kern="1200" dirty="0" smtClean="0">
+                          <a:solidFill>
+                            <a:schemeClr val="dk1"/>
+                          </a:solidFill>
+                          <a:effectLst/>
+                          <a:latin typeface="Noveo Sans" panose="020B0503020204020203" pitchFamily="34" charset="0"/>
+                          <a:ea typeface="+mn-ea"/>
+                          <a:cs typeface="+mn-cs"/>
+                        </a:rPr>
+                        <a:t>Documentation</a:t>
+                      </a:r>
+                      <a:endParaRPr lang="en-SG" sz="1200" b="1" kern="1200" dirty="0" smtClean="0">
+                        <a:solidFill>
+                          <a:schemeClr val="dk1"/>
+                        </a:solidFill>
+                        <a:effectLst/>
+                        <a:latin typeface="Noveo Sans" panose="020B0503020204020203" pitchFamily="34" charset="0"/>
+                        <a:ea typeface="+mn-ea"/>
+                        <a:cs typeface="+mn-cs"/>
+                      </a:endParaRPr>
+                    </a:p>
+                    <a:p>
+                      <a:pPr lvl="0" algn="ctr"/>
+                      <a:r>
+                        <a:rPr lang="en-US" sz="1200" kern="1200" dirty="0" smtClean="0">
+                          <a:solidFill>
+                            <a:schemeClr val="dk1"/>
+                          </a:solidFill>
+                          <a:effectLst/>
+                          <a:latin typeface="Noveo Sans" panose="020B0503020204020203" pitchFamily="34" charset="0"/>
+                          <a:ea typeface="+mn-ea"/>
+                          <a:cs typeface="+mn-cs"/>
+                        </a:rPr>
+                        <a:t>Test Cases</a:t>
+                      </a:r>
+                      <a:r>
+                        <a:rPr lang="en-SG" sz="1200" kern="1200" dirty="0" smtClean="0">
+                          <a:solidFill>
+                            <a:schemeClr val="dk1"/>
+                          </a:solidFill>
+                          <a:effectLst/>
+                          <a:latin typeface="Noveo Sans" panose="020B0503020204020203" pitchFamily="34" charset="0"/>
+                          <a:ea typeface="+mn-ea"/>
+                          <a:cs typeface="+mn-cs"/>
+                        </a:rPr>
+                        <a:t>,</a:t>
+                      </a:r>
+                      <a:r>
+                        <a:rPr lang="en-SG" sz="1200" kern="1200" baseline="0" dirty="0" smtClean="0">
+                          <a:solidFill>
+                            <a:schemeClr val="dk1"/>
+                          </a:solidFill>
+                          <a:effectLst/>
+                          <a:latin typeface="Noveo Sans" panose="020B0503020204020203" pitchFamily="34" charset="0"/>
+                          <a:ea typeface="+mn-ea"/>
+                          <a:cs typeface="+mn-cs"/>
+                        </a:rPr>
+                        <a:t> </a:t>
+                      </a:r>
+                      <a:r>
+                        <a:rPr lang="en-US" sz="1200" kern="1200" dirty="0" smtClean="0">
+                          <a:solidFill>
+                            <a:schemeClr val="dk1"/>
+                          </a:solidFill>
+                          <a:effectLst/>
+                          <a:latin typeface="Noveo Sans" panose="020B0503020204020203" pitchFamily="34" charset="0"/>
+                          <a:ea typeface="+mn-ea"/>
+                          <a:cs typeface="+mn-cs"/>
+                        </a:rPr>
+                        <a:t>Update Wiki</a:t>
+                      </a:r>
+                      <a:r>
+                        <a:rPr lang="en-SG" sz="1200" kern="1200" dirty="0" smtClean="0">
+                          <a:solidFill>
+                            <a:schemeClr val="dk1"/>
+                          </a:solidFill>
+                          <a:effectLst/>
+                          <a:latin typeface="Noveo Sans" panose="020B0503020204020203" pitchFamily="34" charset="0"/>
+                          <a:ea typeface="+mn-ea"/>
+                          <a:cs typeface="+mn-cs"/>
+                        </a:rPr>
+                        <a:t>,</a:t>
+                      </a:r>
+                      <a:r>
+                        <a:rPr lang="en-SG" sz="1200" kern="1200" baseline="0" dirty="0" smtClean="0">
+                          <a:solidFill>
+                            <a:schemeClr val="dk1"/>
+                          </a:solidFill>
+                          <a:effectLst/>
+                          <a:latin typeface="Noveo Sans" panose="020B0503020204020203" pitchFamily="34" charset="0"/>
+                          <a:ea typeface="+mn-ea"/>
+                          <a:cs typeface="+mn-cs"/>
+                        </a:rPr>
+                        <a:t> </a:t>
+                      </a:r>
+                      <a:r>
+                        <a:rPr lang="en-US" sz="1200" kern="1200" dirty="0" smtClean="0">
+                          <a:solidFill>
+                            <a:schemeClr val="dk1"/>
+                          </a:solidFill>
+                          <a:effectLst/>
+                          <a:latin typeface="Noveo Sans" panose="020B0503020204020203" pitchFamily="34" charset="0"/>
+                          <a:ea typeface="+mn-ea"/>
+                          <a:cs typeface="+mn-cs"/>
+                        </a:rPr>
+                        <a:t>Update Bug log, Prepare acceptance slides</a:t>
+                      </a:r>
                     </a:p>
                   </a:txBody>
                   <a:tcPr marL="96012" marR="96012" marT="48007" marB="48007" anchor="ctr">
@@ -25899,11 +25756,6 @@
               </a:rPr>
               <a:t>Buffer Iteration</a:t>
             </a:r>
-            <a:endParaRPr lang="en-US" sz="1680" dirty="0">
-              <a:latin typeface="Noveo Sans" charset="0"/>
-              <a:ea typeface="Noveo Sans" charset="0"/>
-              <a:cs typeface="Noveo Sans" charset="0"/>
-            </a:endParaRPr>
           </a:p>
         </p:txBody>
       </p:sp>
@@ -26278,11 +26130,6 @@
               </a:rPr>
               <a:t>Buffer Iteration</a:t>
             </a:r>
-            <a:endParaRPr lang="en-US" sz="1680" dirty="0">
-              <a:latin typeface="Noveo Sans" charset="0"/>
-              <a:ea typeface="Noveo Sans" charset="0"/>
-              <a:cs typeface="Noveo Sans" charset="0"/>
-            </a:endParaRPr>
           </a:p>
         </p:txBody>
       </p:sp>
@@ -26341,11 +26188,6 @@
               </a:rPr>
               <a:t>Changes</a:t>
             </a:r>
-            <a:endParaRPr lang="en-US" sz="1680" dirty="0">
-              <a:latin typeface="Noveo Sans" charset="0"/>
-              <a:ea typeface="Noveo Sans" charset="0"/>
-              <a:cs typeface="Noveo Sans" charset="0"/>
-            </a:endParaRPr>
           </a:p>
         </p:txBody>
       </p:sp>

--- a/FYP/Timeline and Diagram/FYPTimeline 15th June Edition.pptx
+++ b/FYP/Timeline and Diagram/FYPTimeline 15th June Edition.pptx
@@ -214,7 +214,7 @@
           <a:p>
             <a:fld id="{D8A5F3BE-A6C5-E54D-9A35-A968F4ADF59A}" type="datetimeFigureOut">
               <a:rPr lang="en-US" smtClean="0"/>
-              <a:t>9/25/16</a:t>
+              <a:t>10/11/16</a:t>
             </a:fld>
             <a:endParaRPr lang="en-US"/>
           </a:p>
@@ -897,7 +897,7 @@
           <a:p>
             <a:fld id="{D93CE7DB-6B87-9F48-AC89-27FF703009F0}" type="datetimeFigureOut">
               <a:rPr lang="en-US" smtClean="0"/>
-              <a:t>9/25/16</a:t>
+              <a:t>10/11/16</a:t>
             </a:fld>
             <a:endParaRPr lang="en-US"/>
           </a:p>
@@ -1067,7 +1067,7 @@
           <a:p>
             <a:fld id="{D93CE7DB-6B87-9F48-AC89-27FF703009F0}" type="datetimeFigureOut">
               <a:rPr lang="en-US" smtClean="0"/>
-              <a:t>9/25/16</a:t>
+              <a:t>10/11/16</a:t>
             </a:fld>
             <a:endParaRPr lang="en-US"/>
           </a:p>
@@ -1247,7 +1247,7 @@
           <a:p>
             <a:fld id="{D93CE7DB-6B87-9F48-AC89-27FF703009F0}" type="datetimeFigureOut">
               <a:rPr lang="en-US" smtClean="0"/>
-              <a:t>9/25/16</a:t>
+              <a:t>10/11/16</a:t>
             </a:fld>
             <a:endParaRPr lang="en-US"/>
           </a:p>
@@ -1417,7 +1417,7 @@
           <a:p>
             <a:fld id="{D93CE7DB-6B87-9F48-AC89-27FF703009F0}" type="datetimeFigureOut">
               <a:rPr lang="en-US" smtClean="0"/>
-              <a:t>9/25/16</a:t>
+              <a:t>10/11/16</a:t>
             </a:fld>
             <a:endParaRPr lang="en-US"/>
           </a:p>
@@ -1661,7 +1661,7 @@
           <a:p>
             <a:fld id="{D93CE7DB-6B87-9F48-AC89-27FF703009F0}" type="datetimeFigureOut">
               <a:rPr lang="en-US" smtClean="0"/>
-              <a:t>9/25/16</a:t>
+              <a:t>10/11/16</a:t>
             </a:fld>
             <a:endParaRPr lang="en-US"/>
           </a:p>
@@ -1893,7 +1893,7 @@
           <a:p>
             <a:fld id="{D93CE7DB-6B87-9F48-AC89-27FF703009F0}" type="datetimeFigureOut">
               <a:rPr lang="en-US" smtClean="0"/>
-              <a:t>9/25/16</a:t>
+              <a:t>10/11/16</a:t>
             </a:fld>
             <a:endParaRPr lang="en-US"/>
           </a:p>
@@ -2260,7 +2260,7 @@
           <a:p>
             <a:fld id="{D93CE7DB-6B87-9F48-AC89-27FF703009F0}" type="datetimeFigureOut">
               <a:rPr lang="en-US" smtClean="0"/>
-              <a:t>9/25/16</a:t>
+              <a:t>10/11/16</a:t>
             </a:fld>
             <a:endParaRPr lang="en-US"/>
           </a:p>
@@ -2378,7 +2378,7 @@
           <a:p>
             <a:fld id="{D93CE7DB-6B87-9F48-AC89-27FF703009F0}" type="datetimeFigureOut">
               <a:rPr lang="en-US" smtClean="0"/>
-              <a:t>9/25/16</a:t>
+              <a:t>10/11/16</a:t>
             </a:fld>
             <a:endParaRPr lang="en-US"/>
           </a:p>
@@ -2473,7 +2473,7 @@
           <a:p>
             <a:fld id="{D93CE7DB-6B87-9F48-AC89-27FF703009F0}" type="datetimeFigureOut">
               <a:rPr lang="en-US" smtClean="0"/>
-              <a:t>9/25/16</a:t>
+              <a:t>10/11/16</a:t>
             </a:fld>
             <a:endParaRPr lang="en-US"/>
           </a:p>
@@ -2750,7 +2750,7 @@
           <a:p>
             <a:fld id="{D93CE7DB-6B87-9F48-AC89-27FF703009F0}" type="datetimeFigureOut">
               <a:rPr lang="en-US" smtClean="0"/>
-              <a:t>9/25/16</a:t>
+              <a:t>10/11/16</a:t>
             </a:fld>
             <a:endParaRPr lang="en-US"/>
           </a:p>
@@ -3007,7 +3007,7 @@
           <a:p>
             <a:fld id="{D93CE7DB-6B87-9F48-AC89-27FF703009F0}" type="datetimeFigureOut">
               <a:rPr lang="en-US" smtClean="0"/>
-              <a:t>9/25/16</a:t>
+              <a:t>10/11/16</a:t>
             </a:fld>
             <a:endParaRPr lang="en-US"/>
           </a:p>
@@ -3220,7 +3220,7 @@
           <a:p>
             <a:fld id="{D93CE7DB-6B87-9F48-AC89-27FF703009F0}" type="datetimeFigureOut">
               <a:rPr lang="en-US" smtClean="0"/>
-              <a:t>9/25/16</a:t>
+              <a:t>10/11/16</a:t>
             </a:fld>
             <a:endParaRPr lang="en-US"/>
           </a:p>
@@ -5232,7 +5232,7 @@
                 <a:gridCol w="1612468">
                   <a:extLst>
                     <a:ext uri="{9D8B030D-6E8A-4147-A177-3AD203B41FA5}">
-                      <a16:colId xmlns="" xmlns:a16="http://schemas.microsoft.com/office/drawing/2014/main" val="20000"/>
+                      <a16:colId xmlns:a16="http://schemas.microsoft.com/office/drawing/2014/main" xmlns="" val="20000"/>
                     </a:ext>
                   </a:extLst>
                 </a:gridCol>
@@ -5307,7 +5307,7 @@
                 </a:tc>
                 <a:extLst>
                   <a:ext uri="{0D108BD9-81ED-4DB2-BD59-A6C34878D82A}">
-                    <a16:rowId xmlns="" xmlns:a16="http://schemas.microsoft.com/office/drawing/2014/main" val="10000"/>
+                    <a16:rowId xmlns:a16="http://schemas.microsoft.com/office/drawing/2014/main" xmlns="" val="10000"/>
                   </a:ext>
                 </a:extLst>
               </a:tr>
@@ -5341,7 +5341,7 @@
                 </a:tc>
                 <a:extLst>
                   <a:ext uri="{0D108BD9-81ED-4DB2-BD59-A6C34878D82A}">
-                    <a16:rowId xmlns="" xmlns:a16="http://schemas.microsoft.com/office/drawing/2014/main" val="10001"/>
+                    <a16:rowId xmlns:a16="http://schemas.microsoft.com/office/drawing/2014/main" xmlns="" val="10001"/>
                   </a:ext>
                 </a:extLst>
               </a:tr>
@@ -5383,7 +5383,7 @@
                 </a:tc>
                 <a:extLst>
                   <a:ext uri="{0D108BD9-81ED-4DB2-BD59-A6C34878D82A}">
-                    <a16:rowId xmlns="" xmlns:a16="http://schemas.microsoft.com/office/drawing/2014/main" val="10002"/>
+                    <a16:rowId xmlns:a16="http://schemas.microsoft.com/office/drawing/2014/main" xmlns="" val="10002"/>
                   </a:ext>
                 </a:extLst>
               </a:tr>
@@ -5417,7 +5417,7 @@
                 </a:tc>
                 <a:extLst>
                   <a:ext uri="{0D108BD9-81ED-4DB2-BD59-A6C34878D82A}">
-                    <a16:rowId xmlns="" xmlns:a16="http://schemas.microsoft.com/office/drawing/2014/main" val="10003"/>
+                    <a16:rowId xmlns:a16="http://schemas.microsoft.com/office/drawing/2014/main" xmlns="" val="10003"/>
                   </a:ext>
                 </a:extLst>
               </a:tr>
@@ -5488,7 +5488,7 @@
                 <a:gridCol w="2222878">
                   <a:extLst>
                     <a:ext uri="{9D8B030D-6E8A-4147-A177-3AD203B41FA5}">
-                      <a16:colId xmlns="" xmlns:a16="http://schemas.microsoft.com/office/drawing/2014/main" val="2192527220"/>
+                      <a16:colId xmlns:a16="http://schemas.microsoft.com/office/drawing/2014/main" xmlns="" val="2192527220"/>
                     </a:ext>
                   </a:extLst>
                 </a:gridCol>
@@ -5563,7 +5563,7 @@
                 </a:tc>
                 <a:extLst>
                   <a:ext uri="{0D108BD9-81ED-4DB2-BD59-A6C34878D82A}">
-                    <a16:rowId xmlns="" xmlns:a16="http://schemas.microsoft.com/office/drawing/2014/main" val="1986687887"/>
+                    <a16:rowId xmlns:a16="http://schemas.microsoft.com/office/drawing/2014/main" xmlns="" val="1986687887"/>
                   </a:ext>
                 </a:extLst>
               </a:tr>
@@ -5657,7 +5657,7 @@
                 </a:tc>
                 <a:extLst>
                   <a:ext uri="{0D108BD9-81ED-4DB2-BD59-A6C34878D82A}">
-                    <a16:rowId xmlns="" xmlns:a16="http://schemas.microsoft.com/office/drawing/2014/main" val="3506151837"/>
+                    <a16:rowId xmlns:a16="http://schemas.microsoft.com/office/drawing/2014/main" xmlns="" val="3506151837"/>
                   </a:ext>
                 </a:extLst>
               </a:tr>
@@ -5753,7 +5753,7 @@
                 </a:tc>
                 <a:extLst>
                   <a:ext uri="{0D108BD9-81ED-4DB2-BD59-A6C34878D82A}">
-                    <a16:rowId xmlns="" xmlns:a16="http://schemas.microsoft.com/office/drawing/2014/main" val="1767699772"/>
+                    <a16:rowId xmlns:a16="http://schemas.microsoft.com/office/drawing/2014/main" xmlns="" val="1767699772"/>
                   </a:ext>
                 </a:extLst>
               </a:tr>
@@ -5824,7 +5824,7 @@
                 <a:gridCol w="1928341">
                   <a:extLst>
                     <a:ext uri="{9D8B030D-6E8A-4147-A177-3AD203B41FA5}">
-                      <a16:colId xmlns="" xmlns:a16="http://schemas.microsoft.com/office/drawing/2014/main" val="20000"/>
+                      <a16:colId xmlns:a16="http://schemas.microsoft.com/office/drawing/2014/main" xmlns="" val="20000"/>
                     </a:ext>
                   </a:extLst>
                 </a:gridCol>
@@ -5899,7 +5899,7 @@
                 </a:tc>
                 <a:extLst>
                   <a:ext uri="{0D108BD9-81ED-4DB2-BD59-A6C34878D82A}">
-                    <a16:rowId xmlns="" xmlns:a16="http://schemas.microsoft.com/office/drawing/2014/main" val="10000"/>
+                    <a16:rowId xmlns:a16="http://schemas.microsoft.com/office/drawing/2014/main" xmlns="" val="10000"/>
                   </a:ext>
                 </a:extLst>
               </a:tr>
@@ -5971,7 +5971,7 @@
                 </a:tc>
                 <a:extLst>
                   <a:ext uri="{0D108BD9-81ED-4DB2-BD59-A6C34878D82A}">
-                    <a16:rowId xmlns="" xmlns:a16="http://schemas.microsoft.com/office/drawing/2014/main" val="10002"/>
+                    <a16:rowId xmlns:a16="http://schemas.microsoft.com/office/drawing/2014/main" xmlns="" val="10002"/>
                   </a:ext>
                 </a:extLst>
               </a:tr>
@@ -6109,7 +6109,7 @@
                 </a:tc>
                 <a:extLst>
                   <a:ext uri="{0D108BD9-81ED-4DB2-BD59-A6C34878D82A}">
-                    <a16:rowId xmlns="" xmlns:a16="http://schemas.microsoft.com/office/drawing/2014/main" val="10003"/>
+                    <a16:rowId xmlns:a16="http://schemas.microsoft.com/office/drawing/2014/main" xmlns="" val="10003"/>
                   </a:ext>
                 </a:extLst>
               </a:tr>
@@ -6180,7 +6180,7 @@
                 <a:gridCol w="2987497">
                   <a:extLst>
                     <a:ext uri="{9D8B030D-6E8A-4147-A177-3AD203B41FA5}">
-                      <a16:colId xmlns="" xmlns:a16="http://schemas.microsoft.com/office/drawing/2014/main" val="2192527220"/>
+                      <a16:colId xmlns:a16="http://schemas.microsoft.com/office/drawing/2014/main" xmlns="" val="2192527220"/>
                     </a:ext>
                   </a:extLst>
                 </a:gridCol>
@@ -6271,7 +6271,7 @@
                 </a:tc>
                 <a:extLst>
                   <a:ext uri="{0D108BD9-81ED-4DB2-BD59-A6C34878D82A}">
-                    <a16:rowId xmlns="" xmlns:a16="http://schemas.microsoft.com/office/drawing/2014/main" val="1986687887"/>
+                    <a16:rowId xmlns:a16="http://schemas.microsoft.com/office/drawing/2014/main" xmlns="" val="1986687887"/>
                   </a:ext>
                 </a:extLst>
               </a:tr>
@@ -6327,7 +6327,7 @@
                 </a:tc>
                 <a:extLst>
                   <a:ext uri="{0D108BD9-81ED-4DB2-BD59-A6C34878D82A}">
-                    <a16:rowId xmlns="" xmlns:a16="http://schemas.microsoft.com/office/drawing/2014/main" val="3506151837"/>
+                    <a16:rowId xmlns:a16="http://schemas.microsoft.com/office/drawing/2014/main" xmlns="" val="3506151837"/>
                   </a:ext>
                 </a:extLst>
               </a:tr>
@@ -6465,7 +6465,7 @@
                 </a:tc>
                 <a:extLst>
                   <a:ext uri="{0D108BD9-81ED-4DB2-BD59-A6C34878D82A}">
-                    <a16:rowId xmlns="" xmlns:a16="http://schemas.microsoft.com/office/drawing/2014/main" val="1767699772"/>
+                    <a16:rowId xmlns:a16="http://schemas.microsoft.com/office/drawing/2014/main" xmlns="" val="1767699772"/>
                   </a:ext>
                 </a:extLst>
               </a:tr>
@@ -6536,7 +6536,7 @@
                 <a:gridCol w="2690439">
                   <a:extLst>
                     <a:ext uri="{9D8B030D-6E8A-4147-A177-3AD203B41FA5}">
-                      <a16:colId xmlns="" xmlns:a16="http://schemas.microsoft.com/office/drawing/2014/main" val="20000"/>
+                      <a16:colId xmlns:a16="http://schemas.microsoft.com/office/drawing/2014/main" xmlns="" val="20000"/>
                     </a:ext>
                   </a:extLst>
                 </a:gridCol>
@@ -6611,7 +6611,7 @@
                 </a:tc>
                 <a:extLst>
                   <a:ext uri="{0D108BD9-81ED-4DB2-BD59-A6C34878D82A}">
-                    <a16:rowId xmlns="" xmlns:a16="http://schemas.microsoft.com/office/drawing/2014/main" val="10000"/>
+                    <a16:rowId xmlns:a16="http://schemas.microsoft.com/office/drawing/2014/main" xmlns="" val="10000"/>
                   </a:ext>
                 </a:extLst>
               </a:tr>
@@ -6676,7 +6676,7 @@
                 </a:tc>
                 <a:extLst>
                   <a:ext uri="{0D108BD9-81ED-4DB2-BD59-A6C34878D82A}">
-                    <a16:rowId xmlns="" xmlns:a16="http://schemas.microsoft.com/office/drawing/2014/main" val="2572675366"/>
+                    <a16:rowId xmlns:a16="http://schemas.microsoft.com/office/drawing/2014/main" xmlns="" val="2572675366"/>
                   </a:ext>
                 </a:extLst>
               </a:tr>
@@ -6732,7 +6732,7 @@
                 </a:tc>
                 <a:extLst>
                   <a:ext uri="{0D108BD9-81ED-4DB2-BD59-A6C34878D82A}">
-                    <a16:rowId xmlns="" xmlns:a16="http://schemas.microsoft.com/office/drawing/2014/main" val="10001"/>
+                    <a16:rowId xmlns:a16="http://schemas.microsoft.com/office/drawing/2014/main" xmlns="" val="10001"/>
                   </a:ext>
                 </a:extLst>
               </a:tr>
@@ -6882,7 +6882,7 @@
                 </a:tc>
                 <a:extLst>
                   <a:ext uri="{0D108BD9-81ED-4DB2-BD59-A6C34878D82A}">
-                    <a16:rowId xmlns="" xmlns:a16="http://schemas.microsoft.com/office/drawing/2014/main" val="10002"/>
+                    <a16:rowId xmlns:a16="http://schemas.microsoft.com/office/drawing/2014/main" xmlns="" val="10002"/>
                   </a:ext>
                 </a:extLst>
               </a:tr>
@@ -6918,7 +6918,7 @@
                 <a:gridCol w="2876440">
                   <a:extLst>
                     <a:ext uri="{9D8B030D-6E8A-4147-A177-3AD203B41FA5}">
-                      <a16:colId xmlns="" xmlns:a16="http://schemas.microsoft.com/office/drawing/2014/main" val="2192527220"/>
+                      <a16:colId xmlns:a16="http://schemas.microsoft.com/office/drawing/2014/main" xmlns="" val="2192527220"/>
                     </a:ext>
                   </a:extLst>
                 </a:gridCol>
@@ -6985,7 +6985,7 @@
                 </a:tc>
                 <a:extLst>
                   <a:ext uri="{0D108BD9-81ED-4DB2-BD59-A6C34878D82A}">
-                    <a16:rowId xmlns="" xmlns:a16="http://schemas.microsoft.com/office/drawing/2014/main" val="1986687887"/>
+                    <a16:rowId xmlns:a16="http://schemas.microsoft.com/office/drawing/2014/main" xmlns="" val="1986687887"/>
                   </a:ext>
                 </a:extLst>
               </a:tr>
@@ -7104,7 +7104,7 @@
                 </a:tc>
                 <a:extLst>
                   <a:ext uri="{0D108BD9-81ED-4DB2-BD59-A6C34878D82A}">
-                    <a16:rowId xmlns="" xmlns:a16="http://schemas.microsoft.com/office/drawing/2014/main" val="3506151837"/>
+                    <a16:rowId xmlns:a16="http://schemas.microsoft.com/office/drawing/2014/main" xmlns="" val="3506151837"/>
                   </a:ext>
                 </a:extLst>
               </a:tr>
@@ -7261,7 +7261,7 @@
                 </a:tc>
                 <a:extLst>
                   <a:ext uri="{0D108BD9-81ED-4DB2-BD59-A6C34878D82A}">
-                    <a16:rowId xmlns="" xmlns:a16="http://schemas.microsoft.com/office/drawing/2014/main" val="1767699772"/>
+                    <a16:rowId xmlns:a16="http://schemas.microsoft.com/office/drawing/2014/main" xmlns="" val="1767699772"/>
                   </a:ext>
                 </a:extLst>
               </a:tr>
@@ -7367,7 +7367,7 @@
                 <a:gridCol w="2160267">
                   <a:extLst>
                     <a:ext uri="{9D8B030D-6E8A-4147-A177-3AD203B41FA5}">
-                      <a16:colId xmlns="" xmlns:a16="http://schemas.microsoft.com/office/drawing/2014/main" val="20000"/>
+                      <a16:colId xmlns:a16="http://schemas.microsoft.com/office/drawing/2014/main" xmlns="" val="20000"/>
                     </a:ext>
                   </a:extLst>
                 </a:gridCol>
@@ -7450,7 +7450,7 @@
                 </a:tc>
                 <a:extLst>
                   <a:ext uri="{0D108BD9-81ED-4DB2-BD59-A6C34878D82A}">
-                    <a16:rowId xmlns="" xmlns:a16="http://schemas.microsoft.com/office/drawing/2014/main" val="10000"/>
+                    <a16:rowId xmlns:a16="http://schemas.microsoft.com/office/drawing/2014/main" xmlns="" val="10000"/>
                   </a:ext>
                 </a:extLst>
               </a:tr>
@@ -7533,7 +7533,7 @@
                 </a:tc>
                 <a:extLst>
                   <a:ext uri="{0D108BD9-81ED-4DB2-BD59-A6C34878D82A}">
-                    <a16:rowId xmlns="" xmlns:a16="http://schemas.microsoft.com/office/drawing/2014/main" val="10001"/>
+                    <a16:rowId xmlns:a16="http://schemas.microsoft.com/office/drawing/2014/main" xmlns="" val="10001"/>
                   </a:ext>
                 </a:extLst>
               </a:tr>
@@ -7602,7 +7602,7 @@
                 </a:tc>
                 <a:extLst>
                   <a:ext uri="{0D108BD9-81ED-4DB2-BD59-A6C34878D82A}">
-                    <a16:rowId xmlns="" xmlns:a16="http://schemas.microsoft.com/office/drawing/2014/main" val="10002"/>
+                    <a16:rowId xmlns:a16="http://schemas.microsoft.com/office/drawing/2014/main" xmlns="" val="10002"/>
                   </a:ext>
                 </a:extLst>
               </a:tr>
@@ -7731,7 +7731,7 @@
                 </a:tc>
                 <a:extLst>
                   <a:ext uri="{0D108BD9-81ED-4DB2-BD59-A6C34878D82A}">
-                    <a16:rowId xmlns="" xmlns:a16="http://schemas.microsoft.com/office/drawing/2014/main" val="10003"/>
+                    <a16:rowId xmlns:a16="http://schemas.microsoft.com/office/drawing/2014/main" xmlns="" val="10003"/>
                   </a:ext>
                 </a:extLst>
               </a:tr>
@@ -7767,7 +7767,7 @@
                 <a:gridCol w="2057553">
                   <a:extLst>
                     <a:ext uri="{9D8B030D-6E8A-4147-A177-3AD203B41FA5}">
-                      <a16:colId xmlns="" xmlns:a16="http://schemas.microsoft.com/office/drawing/2014/main" val="2192527220"/>
+                      <a16:colId xmlns:a16="http://schemas.microsoft.com/office/drawing/2014/main" xmlns="" val="2192527220"/>
                     </a:ext>
                   </a:extLst>
                 </a:gridCol>
@@ -7858,7 +7858,7 @@
                 </a:tc>
                 <a:extLst>
                   <a:ext uri="{0D108BD9-81ED-4DB2-BD59-A6C34878D82A}">
-                    <a16:rowId xmlns="" xmlns:a16="http://schemas.microsoft.com/office/drawing/2014/main" val="1986687887"/>
+                    <a16:rowId xmlns:a16="http://schemas.microsoft.com/office/drawing/2014/main" xmlns="" val="1986687887"/>
                   </a:ext>
                 </a:extLst>
               </a:tr>
@@ -7955,7 +7955,7 @@
                 </a:tc>
                 <a:extLst>
                   <a:ext uri="{0D108BD9-81ED-4DB2-BD59-A6C34878D82A}">
-                    <a16:rowId xmlns="" xmlns:a16="http://schemas.microsoft.com/office/drawing/2014/main" val="3506151837"/>
+                    <a16:rowId xmlns:a16="http://schemas.microsoft.com/office/drawing/2014/main" xmlns="" val="3506151837"/>
                   </a:ext>
                 </a:extLst>
               </a:tr>
@@ -8141,7 +8141,7 @@
                 </a:tc>
                 <a:extLst>
                   <a:ext uri="{0D108BD9-81ED-4DB2-BD59-A6C34878D82A}">
-                    <a16:rowId xmlns="" xmlns:a16="http://schemas.microsoft.com/office/drawing/2014/main" val="1767699772"/>
+                    <a16:rowId xmlns:a16="http://schemas.microsoft.com/office/drawing/2014/main" xmlns="" val="1767699772"/>
                   </a:ext>
                 </a:extLst>
               </a:tr>
@@ -8212,7 +8212,7 @@
                 <a:gridCol w="3020398">
                   <a:extLst>
                     <a:ext uri="{9D8B030D-6E8A-4147-A177-3AD203B41FA5}">
-                      <a16:colId xmlns="" xmlns:a16="http://schemas.microsoft.com/office/drawing/2014/main" val="20000"/>
+                      <a16:colId xmlns:a16="http://schemas.microsoft.com/office/drawing/2014/main" xmlns="" val="20000"/>
                     </a:ext>
                   </a:extLst>
                 </a:gridCol>
@@ -8303,7 +8303,7 @@
                 </a:tc>
                 <a:extLst>
                   <a:ext uri="{0D108BD9-81ED-4DB2-BD59-A6C34878D82A}">
-                    <a16:rowId xmlns="" xmlns:a16="http://schemas.microsoft.com/office/drawing/2014/main" val="10000"/>
+                    <a16:rowId xmlns:a16="http://schemas.microsoft.com/office/drawing/2014/main" xmlns="" val="10000"/>
                   </a:ext>
                 </a:extLst>
               </a:tr>
@@ -8349,7 +8349,7 @@
                 </a:tc>
                 <a:extLst>
                   <a:ext uri="{0D108BD9-81ED-4DB2-BD59-A6C34878D82A}">
-                    <a16:rowId xmlns="" xmlns:a16="http://schemas.microsoft.com/office/drawing/2014/main" val="10001"/>
+                    <a16:rowId xmlns:a16="http://schemas.microsoft.com/office/drawing/2014/main" xmlns="" val="10001"/>
                   </a:ext>
                 </a:extLst>
               </a:tr>
@@ -8438,7 +8438,7 @@
                 </a:tc>
                 <a:extLst>
                   <a:ext uri="{0D108BD9-81ED-4DB2-BD59-A6C34878D82A}">
-                    <a16:rowId xmlns="" xmlns:a16="http://schemas.microsoft.com/office/drawing/2014/main" val="10002"/>
+                    <a16:rowId xmlns:a16="http://schemas.microsoft.com/office/drawing/2014/main" xmlns="" val="10002"/>
                   </a:ext>
                 </a:extLst>
               </a:tr>
@@ -8619,7 +8619,7 @@
                 </a:tc>
                 <a:extLst>
                   <a:ext uri="{0D108BD9-81ED-4DB2-BD59-A6C34878D82A}">
-                    <a16:rowId xmlns="" xmlns:a16="http://schemas.microsoft.com/office/drawing/2014/main" val="10003"/>
+                    <a16:rowId xmlns:a16="http://schemas.microsoft.com/office/drawing/2014/main" xmlns="" val="10003"/>
                   </a:ext>
                 </a:extLst>
               </a:tr>
@@ -8690,7 +8690,7 @@
                 <a:gridCol w="2843325">
                   <a:extLst>
                     <a:ext uri="{9D8B030D-6E8A-4147-A177-3AD203B41FA5}">
-                      <a16:colId xmlns="" xmlns:a16="http://schemas.microsoft.com/office/drawing/2014/main" val="20000"/>
+                      <a16:colId xmlns:a16="http://schemas.microsoft.com/office/drawing/2014/main" xmlns="" val="20000"/>
                     </a:ext>
                   </a:extLst>
                 </a:gridCol>
@@ -8757,7 +8757,7 @@
                 </a:tc>
                 <a:extLst>
                   <a:ext uri="{0D108BD9-81ED-4DB2-BD59-A6C34878D82A}">
-                    <a16:rowId xmlns="" xmlns:a16="http://schemas.microsoft.com/office/drawing/2014/main" val="10000"/>
+                    <a16:rowId xmlns:a16="http://schemas.microsoft.com/office/drawing/2014/main" xmlns="" val="10000"/>
                   </a:ext>
                 </a:extLst>
               </a:tr>
@@ -8791,7 +8791,7 @@
                 </a:tc>
                 <a:extLst>
                   <a:ext uri="{0D108BD9-81ED-4DB2-BD59-A6C34878D82A}">
-                    <a16:rowId xmlns="" xmlns:a16="http://schemas.microsoft.com/office/drawing/2014/main" val="10001"/>
+                    <a16:rowId xmlns:a16="http://schemas.microsoft.com/office/drawing/2014/main" xmlns="" val="10001"/>
                   </a:ext>
                 </a:extLst>
               </a:tr>
@@ -8839,7 +8839,7 @@
                 </a:tc>
                 <a:extLst>
                   <a:ext uri="{0D108BD9-81ED-4DB2-BD59-A6C34878D82A}">
-                    <a16:rowId xmlns="" xmlns:a16="http://schemas.microsoft.com/office/drawing/2014/main" val="4232395393"/>
+                    <a16:rowId xmlns:a16="http://schemas.microsoft.com/office/drawing/2014/main" xmlns="" val="4232395393"/>
                   </a:ext>
                 </a:extLst>
               </a:tr>
@@ -8879,7 +8879,7 @@
                 </a:tc>
                 <a:extLst>
                   <a:ext uri="{0D108BD9-81ED-4DB2-BD59-A6C34878D82A}">
-                    <a16:rowId xmlns="" xmlns:a16="http://schemas.microsoft.com/office/drawing/2014/main" val="10002"/>
+                    <a16:rowId xmlns:a16="http://schemas.microsoft.com/office/drawing/2014/main" xmlns="" val="10002"/>
                   </a:ext>
                 </a:extLst>
               </a:tr>
@@ -9008,7 +9008,7 @@
                 </a:tc>
                 <a:extLst>
                   <a:ext uri="{0D108BD9-81ED-4DB2-BD59-A6C34878D82A}">
-                    <a16:rowId xmlns="" xmlns:a16="http://schemas.microsoft.com/office/drawing/2014/main" val="10003"/>
+                    <a16:rowId xmlns:a16="http://schemas.microsoft.com/office/drawing/2014/main" xmlns="" val="10003"/>
                   </a:ext>
                 </a:extLst>
               </a:tr>
@@ -9079,7 +9079,7 @@
                 <a:gridCol w="2055072">
                   <a:extLst>
                     <a:ext uri="{9D8B030D-6E8A-4147-A177-3AD203B41FA5}">
-                      <a16:colId xmlns="" xmlns:a16="http://schemas.microsoft.com/office/drawing/2014/main" val="20000"/>
+                      <a16:colId xmlns:a16="http://schemas.microsoft.com/office/drawing/2014/main" xmlns="" val="20000"/>
                     </a:ext>
                   </a:extLst>
                 </a:gridCol>
@@ -9170,7 +9170,7 @@
                 </a:tc>
                 <a:extLst>
                   <a:ext uri="{0D108BD9-81ED-4DB2-BD59-A6C34878D82A}">
-                    <a16:rowId xmlns="" xmlns:a16="http://schemas.microsoft.com/office/drawing/2014/main" val="10000"/>
+                    <a16:rowId xmlns:a16="http://schemas.microsoft.com/office/drawing/2014/main" xmlns="" val="10000"/>
                   </a:ext>
                 </a:extLst>
               </a:tr>
@@ -9210,7 +9210,7 @@
                 </a:tc>
                 <a:extLst>
                   <a:ext uri="{0D108BD9-81ED-4DB2-BD59-A6C34878D82A}">
-                    <a16:rowId xmlns="" xmlns:a16="http://schemas.microsoft.com/office/drawing/2014/main" val="10002"/>
+                    <a16:rowId xmlns:a16="http://schemas.microsoft.com/office/drawing/2014/main" xmlns="" val="10002"/>
                   </a:ext>
                 </a:extLst>
               </a:tr>
@@ -9348,7 +9348,7 @@
                 </a:tc>
                 <a:extLst>
                   <a:ext uri="{0D108BD9-81ED-4DB2-BD59-A6C34878D82A}">
-                    <a16:rowId xmlns="" xmlns:a16="http://schemas.microsoft.com/office/drawing/2014/main" val="10003"/>
+                    <a16:rowId xmlns:a16="http://schemas.microsoft.com/office/drawing/2014/main" xmlns="" val="10003"/>
                   </a:ext>
                 </a:extLst>
               </a:tr>
@@ -9419,7 +9419,7 @@
                 <a:gridCol w="2950330">
                   <a:extLst>
                     <a:ext uri="{9D8B030D-6E8A-4147-A177-3AD203B41FA5}">
-                      <a16:colId xmlns="" xmlns:a16="http://schemas.microsoft.com/office/drawing/2014/main" val="20000"/>
+                      <a16:colId xmlns:a16="http://schemas.microsoft.com/office/drawing/2014/main" xmlns="" val="20000"/>
                     </a:ext>
                   </a:extLst>
                 </a:gridCol>
@@ -9486,7 +9486,7 @@
                 </a:tc>
                 <a:extLst>
                   <a:ext uri="{0D108BD9-81ED-4DB2-BD59-A6C34878D82A}">
-                    <a16:rowId xmlns="" xmlns:a16="http://schemas.microsoft.com/office/drawing/2014/main" val="10000"/>
+                    <a16:rowId xmlns:a16="http://schemas.microsoft.com/office/drawing/2014/main" xmlns="" val="10000"/>
                   </a:ext>
                 </a:extLst>
               </a:tr>
@@ -9520,7 +9520,7 @@
                 </a:tc>
                 <a:extLst>
                   <a:ext uri="{0D108BD9-81ED-4DB2-BD59-A6C34878D82A}">
-                    <a16:rowId xmlns="" xmlns:a16="http://schemas.microsoft.com/office/drawing/2014/main" val="10001"/>
+                    <a16:rowId xmlns:a16="http://schemas.microsoft.com/office/drawing/2014/main" xmlns="" val="10001"/>
                   </a:ext>
                 </a:extLst>
               </a:tr>
@@ -9568,7 +9568,7 @@
                 </a:tc>
                 <a:extLst>
                   <a:ext uri="{0D108BD9-81ED-4DB2-BD59-A6C34878D82A}">
-                    <a16:rowId xmlns="" xmlns:a16="http://schemas.microsoft.com/office/drawing/2014/main" val="679801633"/>
+                    <a16:rowId xmlns:a16="http://schemas.microsoft.com/office/drawing/2014/main" xmlns="" val="679801633"/>
                   </a:ext>
                 </a:extLst>
               </a:tr>
@@ -9602,7 +9602,7 @@
                 </a:tc>
                 <a:extLst>
                   <a:ext uri="{0D108BD9-81ED-4DB2-BD59-A6C34878D82A}">
-                    <a16:rowId xmlns="" xmlns:a16="http://schemas.microsoft.com/office/drawing/2014/main" val="10002"/>
+                    <a16:rowId xmlns:a16="http://schemas.microsoft.com/office/drawing/2014/main" xmlns="" val="10002"/>
                   </a:ext>
                 </a:extLst>
               </a:tr>
@@ -9803,7 +9803,7 @@
                 </a:tc>
                 <a:extLst>
                   <a:ext uri="{0D108BD9-81ED-4DB2-BD59-A6C34878D82A}">
-                    <a16:rowId xmlns="" xmlns:a16="http://schemas.microsoft.com/office/drawing/2014/main" val="10003"/>
+                    <a16:rowId xmlns:a16="http://schemas.microsoft.com/office/drawing/2014/main" xmlns="" val="10003"/>
                   </a:ext>
                 </a:extLst>
               </a:tr>
@@ -9876,7 +9876,7 @@
                 <a:gridCol w="2055072">
                   <a:extLst>
                     <a:ext uri="{9D8B030D-6E8A-4147-A177-3AD203B41FA5}">
-                      <a16:colId xmlns="" xmlns:a16="http://schemas.microsoft.com/office/drawing/2014/main" val="20000"/>
+                      <a16:colId xmlns:a16="http://schemas.microsoft.com/office/drawing/2014/main" xmlns="" val="20000"/>
                     </a:ext>
                   </a:extLst>
                 </a:gridCol>
@@ -9927,7 +9927,7 @@
                 </a:tc>
                 <a:extLst>
                   <a:ext uri="{0D108BD9-81ED-4DB2-BD59-A6C34878D82A}">
-                    <a16:rowId xmlns="" xmlns:a16="http://schemas.microsoft.com/office/drawing/2014/main" val="10000"/>
+                    <a16:rowId xmlns:a16="http://schemas.microsoft.com/office/drawing/2014/main" xmlns="" val="10000"/>
                   </a:ext>
                 </a:extLst>
               </a:tr>
@@ -9973,7 +9973,7 @@
                 </a:tc>
                 <a:extLst>
                   <a:ext uri="{0D108BD9-81ED-4DB2-BD59-A6C34878D82A}">
-                    <a16:rowId xmlns="" xmlns:a16="http://schemas.microsoft.com/office/drawing/2014/main" val="10001"/>
+                    <a16:rowId xmlns:a16="http://schemas.microsoft.com/office/drawing/2014/main" xmlns="" val="10001"/>
                   </a:ext>
                 </a:extLst>
               </a:tr>
@@ -10021,7 +10021,7 @@
                 </a:tc>
                 <a:extLst>
                   <a:ext uri="{0D108BD9-81ED-4DB2-BD59-A6C34878D82A}">
-                    <a16:rowId xmlns="" xmlns:a16="http://schemas.microsoft.com/office/drawing/2014/main" val="634995201"/>
+                    <a16:rowId xmlns:a16="http://schemas.microsoft.com/office/drawing/2014/main" xmlns="" val="634995201"/>
                   </a:ext>
                 </a:extLst>
               </a:tr>
@@ -10055,7 +10055,7 @@
                 </a:tc>
                 <a:extLst>
                   <a:ext uri="{0D108BD9-81ED-4DB2-BD59-A6C34878D82A}">
-                    <a16:rowId xmlns="" xmlns:a16="http://schemas.microsoft.com/office/drawing/2014/main" val="10002"/>
+                    <a16:rowId xmlns:a16="http://schemas.microsoft.com/office/drawing/2014/main" xmlns="" val="10002"/>
                   </a:ext>
                 </a:extLst>
               </a:tr>
@@ -10193,7 +10193,7 @@
                 </a:tc>
                 <a:extLst>
                   <a:ext uri="{0D108BD9-81ED-4DB2-BD59-A6C34878D82A}">
-                    <a16:rowId xmlns="" xmlns:a16="http://schemas.microsoft.com/office/drawing/2014/main" val="10003"/>
+                    <a16:rowId xmlns:a16="http://schemas.microsoft.com/office/drawing/2014/main" xmlns="" val="10003"/>
                   </a:ext>
                 </a:extLst>
               </a:tr>
@@ -10264,7 +10264,7 @@
                 <a:gridCol w="3094779">
                   <a:extLst>
                     <a:ext uri="{9D8B030D-6E8A-4147-A177-3AD203B41FA5}">
-                      <a16:colId xmlns="" xmlns:a16="http://schemas.microsoft.com/office/drawing/2014/main" val="20000"/>
+                      <a16:colId xmlns:a16="http://schemas.microsoft.com/office/drawing/2014/main" xmlns="" val="20000"/>
                     </a:ext>
                   </a:extLst>
                 </a:gridCol>
@@ -10299,7 +10299,7 @@
                 </a:tc>
                 <a:extLst>
                   <a:ext uri="{0D108BD9-81ED-4DB2-BD59-A6C34878D82A}">
-                    <a16:rowId xmlns="" xmlns:a16="http://schemas.microsoft.com/office/drawing/2014/main" val="10000"/>
+                    <a16:rowId xmlns:a16="http://schemas.microsoft.com/office/drawing/2014/main" xmlns="" val="10000"/>
                   </a:ext>
                 </a:extLst>
               </a:tr>
@@ -10367,7 +10367,7 @@
                 </a:tc>
                 <a:extLst>
                   <a:ext uri="{0D108BD9-81ED-4DB2-BD59-A6C34878D82A}">
-                    <a16:rowId xmlns="" xmlns:a16="http://schemas.microsoft.com/office/drawing/2014/main" val="10001"/>
+                    <a16:rowId xmlns:a16="http://schemas.microsoft.com/office/drawing/2014/main" xmlns="" val="10001"/>
                   </a:ext>
                 </a:extLst>
               </a:tr>
@@ -10532,7 +10532,7 @@
                 </a:tc>
                 <a:extLst>
                   <a:ext uri="{0D108BD9-81ED-4DB2-BD59-A6C34878D82A}">
-                    <a16:rowId xmlns="" xmlns:a16="http://schemas.microsoft.com/office/drawing/2014/main" val="10003"/>
+                    <a16:rowId xmlns:a16="http://schemas.microsoft.com/office/drawing/2014/main" xmlns="" val="10003"/>
                   </a:ext>
                 </a:extLst>
               </a:tr>
@@ -10603,7 +10603,7 @@
                 <a:gridCol w="1986506">
                   <a:extLst>
                     <a:ext uri="{9D8B030D-6E8A-4147-A177-3AD203B41FA5}">
-                      <a16:colId xmlns="" xmlns:a16="http://schemas.microsoft.com/office/drawing/2014/main" val="20000"/>
+                      <a16:colId xmlns:a16="http://schemas.microsoft.com/office/drawing/2014/main" xmlns="" val="20000"/>
                     </a:ext>
                   </a:extLst>
                 </a:gridCol>
@@ -10638,7 +10638,7 @@
                 </a:tc>
                 <a:extLst>
                   <a:ext uri="{0D108BD9-81ED-4DB2-BD59-A6C34878D82A}">
-                    <a16:rowId xmlns="" xmlns:a16="http://schemas.microsoft.com/office/drawing/2014/main" val="10000"/>
+                    <a16:rowId xmlns:a16="http://schemas.microsoft.com/office/drawing/2014/main" xmlns="" val="10000"/>
                   </a:ext>
                 </a:extLst>
               </a:tr>
@@ -10744,7 +10744,7 @@
                 </a:tc>
                 <a:extLst>
                   <a:ext uri="{0D108BD9-81ED-4DB2-BD59-A6C34878D82A}">
-                    <a16:rowId xmlns="" xmlns:a16="http://schemas.microsoft.com/office/drawing/2014/main" val="10001"/>
+                    <a16:rowId xmlns:a16="http://schemas.microsoft.com/office/drawing/2014/main" xmlns="" val="10001"/>
                   </a:ext>
                 </a:extLst>
               </a:tr>
@@ -10822,7 +10822,7 @@
                 </a:tc>
                 <a:extLst>
                   <a:ext uri="{0D108BD9-81ED-4DB2-BD59-A6C34878D82A}">
-                    <a16:rowId xmlns="" xmlns:a16="http://schemas.microsoft.com/office/drawing/2014/main" val="10003"/>
+                    <a16:rowId xmlns:a16="http://schemas.microsoft.com/office/drawing/2014/main" xmlns="" val="10003"/>
                   </a:ext>
                 </a:extLst>
               </a:tr>
@@ -12474,7 +12474,7 @@
                 <a:gridCol w="1612468">
                   <a:extLst>
                     <a:ext uri="{9D8B030D-6E8A-4147-A177-3AD203B41FA5}">
-                      <a16:colId xmlns="" xmlns:a16="http://schemas.microsoft.com/office/drawing/2014/main" val="20000"/>
+                      <a16:colId xmlns:a16="http://schemas.microsoft.com/office/drawing/2014/main" xmlns="" val="20000"/>
                     </a:ext>
                   </a:extLst>
                 </a:gridCol>
@@ -12549,7 +12549,7 @@
                 </a:tc>
                 <a:extLst>
                   <a:ext uri="{0D108BD9-81ED-4DB2-BD59-A6C34878D82A}">
-                    <a16:rowId xmlns="" xmlns:a16="http://schemas.microsoft.com/office/drawing/2014/main" val="10000"/>
+                    <a16:rowId xmlns:a16="http://schemas.microsoft.com/office/drawing/2014/main" xmlns="" val="10000"/>
                   </a:ext>
                 </a:extLst>
               </a:tr>
@@ -12583,7 +12583,7 @@
                 </a:tc>
                 <a:extLst>
                   <a:ext uri="{0D108BD9-81ED-4DB2-BD59-A6C34878D82A}">
-                    <a16:rowId xmlns="" xmlns:a16="http://schemas.microsoft.com/office/drawing/2014/main" val="10001"/>
+                    <a16:rowId xmlns:a16="http://schemas.microsoft.com/office/drawing/2014/main" xmlns="" val="10001"/>
                   </a:ext>
                 </a:extLst>
               </a:tr>
@@ -12625,7 +12625,7 @@
                 </a:tc>
                 <a:extLst>
                   <a:ext uri="{0D108BD9-81ED-4DB2-BD59-A6C34878D82A}">
-                    <a16:rowId xmlns="" xmlns:a16="http://schemas.microsoft.com/office/drawing/2014/main" val="10002"/>
+                    <a16:rowId xmlns:a16="http://schemas.microsoft.com/office/drawing/2014/main" xmlns="" val="10002"/>
                   </a:ext>
                 </a:extLst>
               </a:tr>
@@ -12659,7 +12659,7 @@
                 </a:tc>
                 <a:extLst>
                   <a:ext uri="{0D108BD9-81ED-4DB2-BD59-A6C34878D82A}">
-                    <a16:rowId xmlns="" xmlns:a16="http://schemas.microsoft.com/office/drawing/2014/main" val="10003"/>
+                    <a16:rowId xmlns:a16="http://schemas.microsoft.com/office/drawing/2014/main" xmlns="" val="10003"/>
                   </a:ext>
                 </a:extLst>
               </a:tr>
@@ -12730,7 +12730,7 @@
                 <a:gridCol w="2222878">
                   <a:extLst>
                     <a:ext uri="{9D8B030D-6E8A-4147-A177-3AD203B41FA5}">
-                      <a16:colId xmlns="" xmlns:a16="http://schemas.microsoft.com/office/drawing/2014/main" val="2192527220"/>
+                      <a16:colId xmlns:a16="http://schemas.microsoft.com/office/drawing/2014/main" xmlns="" val="2192527220"/>
                     </a:ext>
                   </a:extLst>
                 </a:gridCol>
@@ -12805,7 +12805,7 @@
                 </a:tc>
                 <a:extLst>
                   <a:ext uri="{0D108BD9-81ED-4DB2-BD59-A6C34878D82A}">
-                    <a16:rowId xmlns="" xmlns:a16="http://schemas.microsoft.com/office/drawing/2014/main" val="1986687887"/>
+                    <a16:rowId xmlns:a16="http://schemas.microsoft.com/office/drawing/2014/main" xmlns="" val="1986687887"/>
                   </a:ext>
                 </a:extLst>
               </a:tr>
@@ -12899,7 +12899,7 @@
                 </a:tc>
                 <a:extLst>
                   <a:ext uri="{0D108BD9-81ED-4DB2-BD59-A6C34878D82A}">
-                    <a16:rowId xmlns="" xmlns:a16="http://schemas.microsoft.com/office/drawing/2014/main" val="3506151837"/>
+                    <a16:rowId xmlns:a16="http://schemas.microsoft.com/office/drawing/2014/main" xmlns="" val="3506151837"/>
                   </a:ext>
                 </a:extLst>
               </a:tr>
@@ -12995,7 +12995,7 @@
                 </a:tc>
                 <a:extLst>
                   <a:ext uri="{0D108BD9-81ED-4DB2-BD59-A6C34878D82A}">
-                    <a16:rowId xmlns="" xmlns:a16="http://schemas.microsoft.com/office/drawing/2014/main" val="1767699772"/>
+                    <a16:rowId xmlns:a16="http://schemas.microsoft.com/office/drawing/2014/main" xmlns="" val="1767699772"/>
                   </a:ext>
                 </a:extLst>
               </a:tr>
@@ -13066,7 +13066,7 @@
                 <a:gridCol w="1928341">
                   <a:extLst>
                     <a:ext uri="{9D8B030D-6E8A-4147-A177-3AD203B41FA5}">
-                      <a16:colId xmlns="" xmlns:a16="http://schemas.microsoft.com/office/drawing/2014/main" val="20000"/>
+                      <a16:colId xmlns:a16="http://schemas.microsoft.com/office/drawing/2014/main" xmlns="" val="20000"/>
                     </a:ext>
                   </a:extLst>
                 </a:gridCol>
@@ -13141,7 +13141,7 @@
                 </a:tc>
                 <a:extLst>
                   <a:ext uri="{0D108BD9-81ED-4DB2-BD59-A6C34878D82A}">
-                    <a16:rowId xmlns="" xmlns:a16="http://schemas.microsoft.com/office/drawing/2014/main" val="10000"/>
+                    <a16:rowId xmlns:a16="http://schemas.microsoft.com/office/drawing/2014/main" xmlns="" val="10000"/>
                   </a:ext>
                 </a:extLst>
               </a:tr>
@@ -13213,7 +13213,7 @@
                 </a:tc>
                 <a:extLst>
                   <a:ext uri="{0D108BD9-81ED-4DB2-BD59-A6C34878D82A}">
-                    <a16:rowId xmlns="" xmlns:a16="http://schemas.microsoft.com/office/drawing/2014/main" val="10002"/>
+                    <a16:rowId xmlns:a16="http://schemas.microsoft.com/office/drawing/2014/main" xmlns="" val="10002"/>
                   </a:ext>
                 </a:extLst>
               </a:tr>
@@ -13351,7 +13351,7 @@
                 </a:tc>
                 <a:extLst>
                   <a:ext uri="{0D108BD9-81ED-4DB2-BD59-A6C34878D82A}">
-                    <a16:rowId xmlns="" xmlns:a16="http://schemas.microsoft.com/office/drawing/2014/main" val="10003"/>
+                    <a16:rowId xmlns:a16="http://schemas.microsoft.com/office/drawing/2014/main" xmlns="" val="10003"/>
                   </a:ext>
                 </a:extLst>
               </a:tr>
@@ -13422,7 +13422,7 @@
                 <a:gridCol w="2987497">
                   <a:extLst>
                     <a:ext uri="{9D8B030D-6E8A-4147-A177-3AD203B41FA5}">
-                      <a16:colId xmlns="" xmlns:a16="http://schemas.microsoft.com/office/drawing/2014/main" val="2192527220"/>
+                      <a16:colId xmlns:a16="http://schemas.microsoft.com/office/drawing/2014/main" xmlns="" val="2192527220"/>
                     </a:ext>
                   </a:extLst>
                 </a:gridCol>
@@ -13513,7 +13513,7 @@
                 </a:tc>
                 <a:extLst>
                   <a:ext uri="{0D108BD9-81ED-4DB2-BD59-A6C34878D82A}">
-                    <a16:rowId xmlns="" xmlns:a16="http://schemas.microsoft.com/office/drawing/2014/main" val="1986687887"/>
+                    <a16:rowId xmlns:a16="http://schemas.microsoft.com/office/drawing/2014/main" xmlns="" val="1986687887"/>
                   </a:ext>
                 </a:extLst>
               </a:tr>
@@ -13569,7 +13569,7 @@
                 </a:tc>
                 <a:extLst>
                   <a:ext uri="{0D108BD9-81ED-4DB2-BD59-A6C34878D82A}">
-                    <a16:rowId xmlns="" xmlns:a16="http://schemas.microsoft.com/office/drawing/2014/main" val="3506151837"/>
+                    <a16:rowId xmlns:a16="http://schemas.microsoft.com/office/drawing/2014/main" xmlns="" val="3506151837"/>
                   </a:ext>
                 </a:extLst>
               </a:tr>
@@ -13707,7 +13707,7 @@
                 </a:tc>
                 <a:extLst>
                   <a:ext uri="{0D108BD9-81ED-4DB2-BD59-A6C34878D82A}">
-                    <a16:rowId xmlns="" xmlns:a16="http://schemas.microsoft.com/office/drawing/2014/main" val="1767699772"/>
+                    <a16:rowId xmlns:a16="http://schemas.microsoft.com/office/drawing/2014/main" xmlns="" val="1767699772"/>
                   </a:ext>
                 </a:extLst>
               </a:tr>
@@ -13778,7 +13778,7 @@
                 <a:gridCol w="2690439">
                   <a:extLst>
                     <a:ext uri="{9D8B030D-6E8A-4147-A177-3AD203B41FA5}">
-                      <a16:colId xmlns="" xmlns:a16="http://schemas.microsoft.com/office/drawing/2014/main" val="20000"/>
+                      <a16:colId xmlns:a16="http://schemas.microsoft.com/office/drawing/2014/main" xmlns="" val="20000"/>
                     </a:ext>
                   </a:extLst>
                 </a:gridCol>
@@ -13853,7 +13853,7 @@
                 </a:tc>
                 <a:extLst>
                   <a:ext uri="{0D108BD9-81ED-4DB2-BD59-A6C34878D82A}">
-                    <a16:rowId xmlns="" xmlns:a16="http://schemas.microsoft.com/office/drawing/2014/main" val="10000"/>
+                    <a16:rowId xmlns:a16="http://schemas.microsoft.com/office/drawing/2014/main" xmlns="" val="10000"/>
                   </a:ext>
                 </a:extLst>
               </a:tr>
@@ -13918,7 +13918,7 @@
                 </a:tc>
                 <a:extLst>
                   <a:ext uri="{0D108BD9-81ED-4DB2-BD59-A6C34878D82A}">
-                    <a16:rowId xmlns="" xmlns:a16="http://schemas.microsoft.com/office/drawing/2014/main" val="2572675366"/>
+                    <a16:rowId xmlns:a16="http://schemas.microsoft.com/office/drawing/2014/main" xmlns="" val="2572675366"/>
                   </a:ext>
                 </a:extLst>
               </a:tr>
@@ -13974,7 +13974,7 @@
                 </a:tc>
                 <a:extLst>
                   <a:ext uri="{0D108BD9-81ED-4DB2-BD59-A6C34878D82A}">
-                    <a16:rowId xmlns="" xmlns:a16="http://schemas.microsoft.com/office/drawing/2014/main" val="10001"/>
+                    <a16:rowId xmlns:a16="http://schemas.microsoft.com/office/drawing/2014/main" xmlns="" val="10001"/>
                   </a:ext>
                 </a:extLst>
               </a:tr>
@@ -14124,7 +14124,7 @@
                 </a:tc>
                 <a:extLst>
                   <a:ext uri="{0D108BD9-81ED-4DB2-BD59-A6C34878D82A}">
-                    <a16:rowId xmlns="" xmlns:a16="http://schemas.microsoft.com/office/drawing/2014/main" val="10002"/>
+                    <a16:rowId xmlns:a16="http://schemas.microsoft.com/office/drawing/2014/main" xmlns="" val="10002"/>
                   </a:ext>
                 </a:extLst>
               </a:tr>
@@ -14160,7 +14160,7 @@
                 <a:gridCol w="2876440">
                   <a:extLst>
                     <a:ext uri="{9D8B030D-6E8A-4147-A177-3AD203B41FA5}">
-                      <a16:colId xmlns="" xmlns:a16="http://schemas.microsoft.com/office/drawing/2014/main" val="2192527220"/>
+                      <a16:colId xmlns:a16="http://schemas.microsoft.com/office/drawing/2014/main" xmlns="" val="2192527220"/>
                     </a:ext>
                   </a:extLst>
                 </a:gridCol>
@@ -14227,7 +14227,7 @@
                 </a:tc>
                 <a:extLst>
                   <a:ext uri="{0D108BD9-81ED-4DB2-BD59-A6C34878D82A}">
-                    <a16:rowId xmlns="" xmlns:a16="http://schemas.microsoft.com/office/drawing/2014/main" val="1986687887"/>
+                    <a16:rowId xmlns:a16="http://schemas.microsoft.com/office/drawing/2014/main" xmlns="" val="1986687887"/>
                   </a:ext>
                 </a:extLst>
               </a:tr>
@@ -14346,7 +14346,7 @@
                 </a:tc>
                 <a:extLst>
                   <a:ext uri="{0D108BD9-81ED-4DB2-BD59-A6C34878D82A}">
-                    <a16:rowId xmlns="" xmlns:a16="http://schemas.microsoft.com/office/drawing/2014/main" val="3506151837"/>
+                    <a16:rowId xmlns:a16="http://schemas.microsoft.com/office/drawing/2014/main" xmlns="" val="3506151837"/>
                   </a:ext>
                 </a:extLst>
               </a:tr>
@@ -14503,7 +14503,7 @@
                 </a:tc>
                 <a:extLst>
                   <a:ext uri="{0D108BD9-81ED-4DB2-BD59-A6C34878D82A}">
-                    <a16:rowId xmlns="" xmlns:a16="http://schemas.microsoft.com/office/drawing/2014/main" val="1767699772"/>
+                    <a16:rowId xmlns:a16="http://schemas.microsoft.com/office/drawing/2014/main" xmlns="" val="1767699772"/>
                   </a:ext>
                 </a:extLst>
               </a:tr>
@@ -14609,7 +14609,7 @@
                 <a:gridCol w="2160267">
                   <a:extLst>
                     <a:ext uri="{9D8B030D-6E8A-4147-A177-3AD203B41FA5}">
-                      <a16:colId xmlns="" xmlns:a16="http://schemas.microsoft.com/office/drawing/2014/main" val="20000"/>
+                      <a16:colId xmlns:a16="http://schemas.microsoft.com/office/drawing/2014/main" xmlns="" val="20000"/>
                     </a:ext>
                   </a:extLst>
                 </a:gridCol>
@@ -14692,7 +14692,7 @@
                 </a:tc>
                 <a:extLst>
                   <a:ext uri="{0D108BD9-81ED-4DB2-BD59-A6C34878D82A}">
-                    <a16:rowId xmlns="" xmlns:a16="http://schemas.microsoft.com/office/drawing/2014/main" val="10000"/>
+                    <a16:rowId xmlns:a16="http://schemas.microsoft.com/office/drawing/2014/main" xmlns="" val="10000"/>
                   </a:ext>
                 </a:extLst>
               </a:tr>
@@ -14775,7 +14775,7 @@
                 </a:tc>
                 <a:extLst>
                   <a:ext uri="{0D108BD9-81ED-4DB2-BD59-A6C34878D82A}">
-                    <a16:rowId xmlns="" xmlns:a16="http://schemas.microsoft.com/office/drawing/2014/main" val="10001"/>
+                    <a16:rowId xmlns:a16="http://schemas.microsoft.com/office/drawing/2014/main" xmlns="" val="10001"/>
                   </a:ext>
                 </a:extLst>
               </a:tr>
@@ -14844,7 +14844,7 @@
                 </a:tc>
                 <a:extLst>
                   <a:ext uri="{0D108BD9-81ED-4DB2-BD59-A6C34878D82A}">
-                    <a16:rowId xmlns="" xmlns:a16="http://schemas.microsoft.com/office/drawing/2014/main" val="10002"/>
+                    <a16:rowId xmlns:a16="http://schemas.microsoft.com/office/drawing/2014/main" xmlns="" val="10002"/>
                   </a:ext>
                 </a:extLst>
               </a:tr>
@@ -14973,7 +14973,7 @@
                 </a:tc>
                 <a:extLst>
                   <a:ext uri="{0D108BD9-81ED-4DB2-BD59-A6C34878D82A}">
-                    <a16:rowId xmlns="" xmlns:a16="http://schemas.microsoft.com/office/drawing/2014/main" val="10003"/>
+                    <a16:rowId xmlns:a16="http://schemas.microsoft.com/office/drawing/2014/main" xmlns="" val="10003"/>
                   </a:ext>
                 </a:extLst>
               </a:tr>
@@ -15009,7 +15009,7 @@
                 <a:gridCol w="2057553">
                   <a:extLst>
                     <a:ext uri="{9D8B030D-6E8A-4147-A177-3AD203B41FA5}">
-                      <a16:colId xmlns="" xmlns:a16="http://schemas.microsoft.com/office/drawing/2014/main" val="2192527220"/>
+                      <a16:colId xmlns:a16="http://schemas.microsoft.com/office/drawing/2014/main" xmlns="" val="2192527220"/>
                     </a:ext>
                   </a:extLst>
                 </a:gridCol>
@@ -15100,7 +15100,7 @@
                 </a:tc>
                 <a:extLst>
                   <a:ext uri="{0D108BD9-81ED-4DB2-BD59-A6C34878D82A}">
-                    <a16:rowId xmlns="" xmlns:a16="http://schemas.microsoft.com/office/drawing/2014/main" val="1986687887"/>
+                    <a16:rowId xmlns:a16="http://schemas.microsoft.com/office/drawing/2014/main" xmlns="" val="1986687887"/>
                   </a:ext>
                 </a:extLst>
               </a:tr>
@@ -15175,7 +15175,7 @@
                 </a:tc>
                 <a:extLst>
                   <a:ext uri="{0D108BD9-81ED-4DB2-BD59-A6C34878D82A}">
-                    <a16:rowId xmlns="" xmlns:a16="http://schemas.microsoft.com/office/drawing/2014/main" val="3506151837"/>
+                    <a16:rowId xmlns:a16="http://schemas.microsoft.com/office/drawing/2014/main" xmlns="" val="3506151837"/>
                   </a:ext>
                 </a:extLst>
               </a:tr>
@@ -15361,7 +15361,7 @@
                 </a:tc>
                 <a:extLst>
                   <a:ext uri="{0D108BD9-81ED-4DB2-BD59-A6C34878D82A}">
-                    <a16:rowId xmlns="" xmlns:a16="http://schemas.microsoft.com/office/drawing/2014/main" val="1767699772"/>
+                    <a16:rowId xmlns:a16="http://schemas.microsoft.com/office/drawing/2014/main" xmlns="" val="1767699772"/>
                   </a:ext>
                 </a:extLst>
               </a:tr>
@@ -15432,7 +15432,7 @@
                 <a:gridCol w="3020398">
                   <a:extLst>
                     <a:ext uri="{9D8B030D-6E8A-4147-A177-3AD203B41FA5}">
-                      <a16:colId xmlns="" xmlns:a16="http://schemas.microsoft.com/office/drawing/2014/main" val="20000"/>
+                      <a16:colId xmlns:a16="http://schemas.microsoft.com/office/drawing/2014/main" xmlns="" val="20000"/>
                     </a:ext>
                   </a:extLst>
                 </a:gridCol>
@@ -15523,7 +15523,7 @@
                 </a:tc>
                 <a:extLst>
                   <a:ext uri="{0D108BD9-81ED-4DB2-BD59-A6C34878D82A}">
-                    <a16:rowId xmlns="" xmlns:a16="http://schemas.microsoft.com/office/drawing/2014/main" val="10000"/>
+                    <a16:rowId xmlns:a16="http://schemas.microsoft.com/office/drawing/2014/main" xmlns="" val="10000"/>
                   </a:ext>
                 </a:extLst>
               </a:tr>
@@ -15569,7 +15569,7 @@
                 </a:tc>
                 <a:extLst>
                   <a:ext uri="{0D108BD9-81ED-4DB2-BD59-A6C34878D82A}">
-                    <a16:rowId xmlns="" xmlns:a16="http://schemas.microsoft.com/office/drawing/2014/main" val="10001"/>
+                    <a16:rowId xmlns:a16="http://schemas.microsoft.com/office/drawing/2014/main" xmlns="" val="10001"/>
                   </a:ext>
                 </a:extLst>
               </a:tr>
@@ -15652,7 +15652,7 @@
                 </a:tc>
                 <a:extLst>
                   <a:ext uri="{0D108BD9-81ED-4DB2-BD59-A6C34878D82A}">
-                    <a16:rowId xmlns="" xmlns:a16="http://schemas.microsoft.com/office/drawing/2014/main" val="10002"/>
+                    <a16:rowId xmlns:a16="http://schemas.microsoft.com/office/drawing/2014/main" xmlns="" val="10002"/>
                   </a:ext>
                 </a:extLst>
               </a:tr>
@@ -15833,7 +15833,7 @@
                 </a:tc>
                 <a:extLst>
                   <a:ext uri="{0D108BD9-81ED-4DB2-BD59-A6C34878D82A}">
-                    <a16:rowId xmlns="" xmlns:a16="http://schemas.microsoft.com/office/drawing/2014/main" val="10003"/>
+                    <a16:rowId xmlns:a16="http://schemas.microsoft.com/office/drawing/2014/main" xmlns="" val="10003"/>
                   </a:ext>
                 </a:extLst>
               </a:tr>
@@ -15904,7 +15904,7 @@
                 <a:gridCol w="2843325">
                   <a:extLst>
                     <a:ext uri="{9D8B030D-6E8A-4147-A177-3AD203B41FA5}">
-                      <a16:colId xmlns="" xmlns:a16="http://schemas.microsoft.com/office/drawing/2014/main" val="20000"/>
+                      <a16:colId xmlns:a16="http://schemas.microsoft.com/office/drawing/2014/main" xmlns="" val="20000"/>
                     </a:ext>
                   </a:extLst>
                 </a:gridCol>
@@ -15971,7 +15971,7 @@
                 </a:tc>
                 <a:extLst>
                   <a:ext uri="{0D108BD9-81ED-4DB2-BD59-A6C34878D82A}">
-                    <a16:rowId xmlns="" xmlns:a16="http://schemas.microsoft.com/office/drawing/2014/main" val="10000"/>
+                    <a16:rowId xmlns:a16="http://schemas.microsoft.com/office/drawing/2014/main" xmlns="" val="10000"/>
                   </a:ext>
                 </a:extLst>
               </a:tr>
@@ -16005,7 +16005,7 @@
                 </a:tc>
                 <a:extLst>
                   <a:ext uri="{0D108BD9-81ED-4DB2-BD59-A6C34878D82A}">
-                    <a16:rowId xmlns="" xmlns:a16="http://schemas.microsoft.com/office/drawing/2014/main" val="10001"/>
+                    <a16:rowId xmlns:a16="http://schemas.microsoft.com/office/drawing/2014/main" xmlns="" val="10001"/>
                   </a:ext>
                 </a:extLst>
               </a:tr>
@@ -16053,7 +16053,7 @@
                 </a:tc>
                 <a:extLst>
                   <a:ext uri="{0D108BD9-81ED-4DB2-BD59-A6C34878D82A}">
-                    <a16:rowId xmlns="" xmlns:a16="http://schemas.microsoft.com/office/drawing/2014/main" val="4232395393"/>
+                    <a16:rowId xmlns:a16="http://schemas.microsoft.com/office/drawing/2014/main" xmlns="" val="4232395393"/>
                   </a:ext>
                 </a:extLst>
               </a:tr>
@@ -16093,7 +16093,7 @@
                 </a:tc>
                 <a:extLst>
                   <a:ext uri="{0D108BD9-81ED-4DB2-BD59-A6C34878D82A}">
-                    <a16:rowId xmlns="" xmlns:a16="http://schemas.microsoft.com/office/drawing/2014/main" val="10002"/>
+                    <a16:rowId xmlns:a16="http://schemas.microsoft.com/office/drawing/2014/main" xmlns="" val="10002"/>
                   </a:ext>
                 </a:extLst>
               </a:tr>
@@ -16222,7 +16222,7 @@
                 </a:tc>
                 <a:extLst>
                   <a:ext uri="{0D108BD9-81ED-4DB2-BD59-A6C34878D82A}">
-                    <a16:rowId xmlns="" xmlns:a16="http://schemas.microsoft.com/office/drawing/2014/main" val="10003"/>
+                    <a16:rowId xmlns:a16="http://schemas.microsoft.com/office/drawing/2014/main" xmlns="" val="10003"/>
                   </a:ext>
                 </a:extLst>
               </a:tr>
@@ -16293,7 +16293,7 @@
                 <a:gridCol w="2055072">
                   <a:extLst>
                     <a:ext uri="{9D8B030D-6E8A-4147-A177-3AD203B41FA5}">
-                      <a16:colId xmlns="" xmlns:a16="http://schemas.microsoft.com/office/drawing/2014/main" val="20000"/>
+                      <a16:colId xmlns:a16="http://schemas.microsoft.com/office/drawing/2014/main" xmlns="" val="20000"/>
                     </a:ext>
                   </a:extLst>
                 </a:gridCol>
@@ -16384,7 +16384,7 @@
                 </a:tc>
                 <a:extLst>
                   <a:ext uri="{0D108BD9-81ED-4DB2-BD59-A6C34878D82A}">
-                    <a16:rowId xmlns="" xmlns:a16="http://schemas.microsoft.com/office/drawing/2014/main" val="10000"/>
+                    <a16:rowId xmlns:a16="http://schemas.microsoft.com/office/drawing/2014/main" xmlns="" val="10000"/>
                   </a:ext>
                 </a:extLst>
               </a:tr>
@@ -16424,7 +16424,7 @@
                 </a:tc>
                 <a:extLst>
                   <a:ext uri="{0D108BD9-81ED-4DB2-BD59-A6C34878D82A}">
-                    <a16:rowId xmlns="" xmlns:a16="http://schemas.microsoft.com/office/drawing/2014/main" val="10002"/>
+                    <a16:rowId xmlns:a16="http://schemas.microsoft.com/office/drawing/2014/main" xmlns="" val="10002"/>
                   </a:ext>
                 </a:extLst>
               </a:tr>
@@ -16562,7 +16562,7 @@
                 </a:tc>
                 <a:extLst>
                   <a:ext uri="{0D108BD9-81ED-4DB2-BD59-A6C34878D82A}">
-                    <a16:rowId xmlns="" xmlns:a16="http://schemas.microsoft.com/office/drawing/2014/main" val="10003"/>
+                    <a16:rowId xmlns:a16="http://schemas.microsoft.com/office/drawing/2014/main" xmlns="" val="10003"/>
                   </a:ext>
                 </a:extLst>
               </a:tr>
@@ -16633,7 +16633,7 @@
                 <a:gridCol w="2950330">
                   <a:extLst>
                     <a:ext uri="{9D8B030D-6E8A-4147-A177-3AD203B41FA5}">
-                      <a16:colId xmlns="" xmlns:a16="http://schemas.microsoft.com/office/drawing/2014/main" val="20000"/>
+                      <a16:colId xmlns:a16="http://schemas.microsoft.com/office/drawing/2014/main" xmlns="" val="20000"/>
                     </a:ext>
                   </a:extLst>
                 </a:gridCol>
@@ -16700,7 +16700,7 @@
                 </a:tc>
                 <a:extLst>
                   <a:ext uri="{0D108BD9-81ED-4DB2-BD59-A6C34878D82A}">
-                    <a16:rowId xmlns="" xmlns:a16="http://schemas.microsoft.com/office/drawing/2014/main" val="10000"/>
+                    <a16:rowId xmlns:a16="http://schemas.microsoft.com/office/drawing/2014/main" xmlns="" val="10000"/>
                   </a:ext>
                 </a:extLst>
               </a:tr>
@@ -16734,7 +16734,7 @@
                 </a:tc>
                 <a:extLst>
                   <a:ext uri="{0D108BD9-81ED-4DB2-BD59-A6C34878D82A}">
-                    <a16:rowId xmlns="" xmlns:a16="http://schemas.microsoft.com/office/drawing/2014/main" val="10001"/>
+                    <a16:rowId xmlns:a16="http://schemas.microsoft.com/office/drawing/2014/main" xmlns="" val="10001"/>
                   </a:ext>
                 </a:extLst>
               </a:tr>
@@ -16782,7 +16782,7 @@
                 </a:tc>
                 <a:extLst>
                   <a:ext uri="{0D108BD9-81ED-4DB2-BD59-A6C34878D82A}">
-                    <a16:rowId xmlns="" xmlns:a16="http://schemas.microsoft.com/office/drawing/2014/main" val="679801633"/>
+                    <a16:rowId xmlns:a16="http://schemas.microsoft.com/office/drawing/2014/main" xmlns="" val="679801633"/>
                   </a:ext>
                 </a:extLst>
               </a:tr>
@@ -16816,7 +16816,7 @@
                 </a:tc>
                 <a:extLst>
                   <a:ext uri="{0D108BD9-81ED-4DB2-BD59-A6C34878D82A}">
-                    <a16:rowId xmlns="" xmlns:a16="http://schemas.microsoft.com/office/drawing/2014/main" val="10002"/>
+                    <a16:rowId xmlns:a16="http://schemas.microsoft.com/office/drawing/2014/main" xmlns="" val="10002"/>
                   </a:ext>
                 </a:extLst>
               </a:tr>
@@ -17017,7 +17017,7 @@
                 </a:tc>
                 <a:extLst>
                   <a:ext uri="{0D108BD9-81ED-4DB2-BD59-A6C34878D82A}">
-                    <a16:rowId xmlns="" xmlns:a16="http://schemas.microsoft.com/office/drawing/2014/main" val="10003"/>
+                    <a16:rowId xmlns:a16="http://schemas.microsoft.com/office/drawing/2014/main" xmlns="" val="10003"/>
                   </a:ext>
                 </a:extLst>
               </a:tr>
@@ -17090,7 +17090,7 @@
                 <a:gridCol w="2055072">
                   <a:extLst>
                     <a:ext uri="{9D8B030D-6E8A-4147-A177-3AD203B41FA5}">
-                      <a16:colId xmlns="" xmlns:a16="http://schemas.microsoft.com/office/drawing/2014/main" val="20000"/>
+                      <a16:colId xmlns:a16="http://schemas.microsoft.com/office/drawing/2014/main" xmlns="" val="20000"/>
                     </a:ext>
                   </a:extLst>
                 </a:gridCol>
@@ -17141,7 +17141,7 @@
                 </a:tc>
                 <a:extLst>
                   <a:ext uri="{0D108BD9-81ED-4DB2-BD59-A6C34878D82A}">
-                    <a16:rowId xmlns="" xmlns:a16="http://schemas.microsoft.com/office/drawing/2014/main" val="10000"/>
+                    <a16:rowId xmlns:a16="http://schemas.microsoft.com/office/drawing/2014/main" xmlns="" val="10000"/>
                   </a:ext>
                 </a:extLst>
               </a:tr>
@@ -17187,7 +17187,7 @@
                 </a:tc>
                 <a:extLst>
                   <a:ext uri="{0D108BD9-81ED-4DB2-BD59-A6C34878D82A}">
-                    <a16:rowId xmlns="" xmlns:a16="http://schemas.microsoft.com/office/drawing/2014/main" val="10001"/>
+                    <a16:rowId xmlns:a16="http://schemas.microsoft.com/office/drawing/2014/main" xmlns="" val="10001"/>
                   </a:ext>
                 </a:extLst>
               </a:tr>
@@ -17235,7 +17235,7 @@
                 </a:tc>
                 <a:extLst>
                   <a:ext uri="{0D108BD9-81ED-4DB2-BD59-A6C34878D82A}">
-                    <a16:rowId xmlns="" xmlns:a16="http://schemas.microsoft.com/office/drawing/2014/main" val="634995201"/>
+                    <a16:rowId xmlns:a16="http://schemas.microsoft.com/office/drawing/2014/main" xmlns="" val="634995201"/>
                   </a:ext>
                 </a:extLst>
               </a:tr>
@@ -17269,7 +17269,7 @@
                 </a:tc>
                 <a:extLst>
                   <a:ext uri="{0D108BD9-81ED-4DB2-BD59-A6C34878D82A}">
-                    <a16:rowId xmlns="" xmlns:a16="http://schemas.microsoft.com/office/drawing/2014/main" val="10002"/>
+                    <a16:rowId xmlns:a16="http://schemas.microsoft.com/office/drawing/2014/main" xmlns="" val="10002"/>
                   </a:ext>
                 </a:extLst>
               </a:tr>
@@ -17407,7 +17407,7 @@
                 </a:tc>
                 <a:extLst>
                   <a:ext uri="{0D108BD9-81ED-4DB2-BD59-A6C34878D82A}">
-                    <a16:rowId xmlns="" xmlns:a16="http://schemas.microsoft.com/office/drawing/2014/main" val="10003"/>
+                    <a16:rowId xmlns:a16="http://schemas.microsoft.com/office/drawing/2014/main" xmlns="" val="10003"/>
                   </a:ext>
                 </a:extLst>
               </a:tr>
@@ -17478,7 +17478,7 @@
                 <a:gridCol w="3094779">
                   <a:extLst>
                     <a:ext uri="{9D8B030D-6E8A-4147-A177-3AD203B41FA5}">
-                      <a16:colId xmlns="" xmlns:a16="http://schemas.microsoft.com/office/drawing/2014/main" val="20000"/>
+                      <a16:colId xmlns:a16="http://schemas.microsoft.com/office/drawing/2014/main" xmlns="" val="20000"/>
                     </a:ext>
                   </a:extLst>
                 </a:gridCol>
@@ -17513,7 +17513,7 @@
                 </a:tc>
                 <a:extLst>
                   <a:ext uri="{0D108BD9-81ED-4DB2-BD59-A6C34878D82A}">
-                    <a16:rowId xmlns="" xmlns:a16="http://schemas.microsoft.com/office/drawing/2014/main" val="10000"/>
+                    <a16:rowId xmlns:a16="http://schemas.microsoft.com/office/drawing/2014/main" xmlns="" val="10000"/>
                   </a:ext>
                 </a:extLst>
               </a:tr>
@@ -17581,7 +17581,7 @@
                 </a:tc>
                 <a:extLst>
                   <a:ext uri="{0D108BD9-81ED-4DB2-BD59-A6C34878D82A}">
-                    <a16:rowId xmlns="" xmlns:a16="http://schemas.microsoft.com/office/drawing/2014/main" val="10001"/>
+                    <a16:rowId xmlns:a16="http://schemas.microsoft.com/office/drawing/2014/main" xmlns="" val="10001"/>
                   </a:ext>
                 </a:extLst>
               </a:tr>
@@ -17746,7 +17746,7 @@
                 </a:tc>
                 <a:extLst>
                   <a:ext uri="{0D108BD9-81ED-4DB2-BD59-A6C34878D82A}">
-                    <a16:rowId xmlns="" xmlns:a16="http://schemas.microsoft.com/office/drawing/2014/main" val="10003"/>
+                    <a16:rowId xmlns:a16="http://schemas.microsoft.com/office/drawing/2014/main" xmlns="" val="10003"/>
                   </a:ext>
                 </a:extLst>
               </a:tr>
@@ -17817,7 +17817,7 @@
                 <a:gridCol w="1986506">
                   <a:extLst>
                     <a:ext uri="{9D8B030D-6E8A-4147-A177-3AD203B41FA5}">
-                      <a16:colId xmlns="" xmlns:a16="http://schemas.microsoft.com/office/drawing/2014/main" val="20000"/>
+                      <a16:colId xmlns:a16="http://schemas.microsoft.com/office/drawing/2014/main" xmlns="" val="20000"/>
                     </a:ext>
                   </a:extLst>
                 </a:gridCol>
@@ -17852,7 +17852,7 @@
                 </a:tc>
                 <a:extLst>
                   <a:ext uri="{0D108BD9-81ED-4DB2-BD59-A6C34878D82A}">
-                    <a16:rowId xmlns="" xmlns:a16="http://schemas.microsoft.com/office/drawing/2014/main" val="10000"/>
+                    <a16:rowId xmlns:a16="http://schemas.microsoft.com/office/drawing/2014/main" xmlns="" val="10000"/>
                   </a:ext>
                 </a:extLst>
               </a:tr>
@@ -17958,7 +17958,7 @@
                 </a:tc>
                 <a:extLst>
                   <a:ext uri="{0D108BD9-81ED-4DB2-BD59-A6C34878D82A}">
-                    <a16:rowId xmlns="" xmlns:a16="http://schemas.microsoft.com/office/drawing/2014/main" val="10001"/>
+                    <a16:rowId xmlns:a16="http://schemas.microsoft.com/office/drawing/2014/main" xmlns="" val="10001"/>
                   </a:ext>
                 </a:extLst>
               </a:tr>
@@ -18036,7 +18036,7 @@
                 </a:tc>
                 <a:extLst>
                   <a:ext uri="{0D108BD9-81ED-4DB2-BD59-A6C34878D82A}">
-                    <a16:rowId xmlns="" xmlns:a16="http://schemas.microsoft.com/office/drawing/2014/main" val="10003"/>
+                    <a16:rowId xmlns:a16="http://schemas.microsoft.com/office/drawing/2014/main" xmlns="" val="10003"/>
                   </a:ext>
                 </a:extLst>
               </a:tr>
@@ -19863,7 +19863,7 @@
                 <a:gridCol w="1612468">
                   <a:extLst>
                     <a:ext uri="{9D8B030D-6E8A-4147-A177-3AD203B41FA5}">
-                      <a16:colId xmlns="" xmlns:a16="http://schemas.microsoft.com/office/drawing/2014/main" val="20000"/>
+                      <a16:colId xmlns:a16="http://schemas.microsoft.com/office/drawing/2014/main" xmlns="" val="20000"/>
                     </a:ext>
                   </a:extLst>
                 </a:gridCol>
@@ -19938,7 +19938,7 @@
                 </a:tc>
                 <a:extLst>
                   <a:ext uri="{0D108BD9-81ED-4DB2-BD59-A6C34878D82A}">
-                    <a16:rowId xmlns="" xmlns:a16="http://schemas.microsoft.com/office/drawing/2014/main" val="10000"/>
+                    <a16:rowId xmlns:a16="http://schemas.microsoft.com/office/drawing/2014/main" xmlns="" val="10000"/>
                   </a:ext>
                 </a:extLst>
               </a:tr>
@@ -19972,7 +19972,7 @@
                 </a:tc>
                 <a:extLst>
                   <a:ext uri="{0D108BD9-81ED-4DB2-BD59-A6C34878D82A}">
-                    <a16:rowId xmlns="" xmlns:a16="http://schemas.microsoft.com/office/drawing/2014/main" val="10001"/>
+                    <a16:rowId xmlns:a16="http://schemas.microsoft.com/office/drawing/2014/main" xmlns="" val="10001"/>
                   </a:ext>
                 </a:extLst>
               </a:tr>
@@ -20014,7 +20014,7 @@
                 </a:tc>
                 <a:extLst>
                   <a:ext uri="{0D108BD9-81ED-4DB2-BD59-A6C34878D82A}">
-                    <a16:rowId xmlns="" xmlns:a16="http://schemas.microsoft.com/office/drawing/2014/main" val="10002"/>
+                    <a16:rowId xmlns:a16="http://schemas.microsoft.com/office/drawing/2014/main" xmlns="" val="10002"/>
                   </a:ext>
                 </a:extLst>
               </a:tr>
@@ -20048,7 +20048,7 @@
                 </a:tc>
                 <a:extLst>
                   <a:ext uri="{0D108BD9-81ED-4DB2-BD59-A6C34878D82A}">
-                    <a16:rowId xmlns="" xmlns:a16="http://schemas.microsoft.com/office/drawing/2014/main" val="10003"/>
+                    <a16:rowId xmlns:a16="http://schemas.microsoft.com/office/drawing/2014/main" xmlns="" val="10003"/>
                   </a:ext>
                 </a:extLst>
               </a:tr>
@@ -20119,7 +20119,7 @@
                 <a:gridCol w="2222878">
                   <a:extLst>
                     <a:ext uri="{9D8B030D-6E8A-4147-A177-3AD203B41FA5}">
-                      <a16:colId xmlns="" xmlns:a16="http://schemas.microsoft.com/office/drawing/2014/main" val="2192527220"/>
+                      <a16:colId xmlns:a16="http://schemas.microsoft.com/office/drawing/2014/main" xmlns="" val="2192527220"/>
                     </a:ext>
                   </a:extLst>
                 </a:gridCol>
@@ -20194,7 +20194,7 @@
                 </a:tc>
                 <a:extLst>
                   <a:ext uri="{0D108BD9-81ED-4DB2-BD59-A6C34878D82A}">
-                    <a16:rowId xmlns="" xmlns:a16="http://schemas.microsoft.com/office/drawing/2014/main" val="1986687887"/>
+                    <a16:rowId xmlns:a16="http://schemas.microsoft.com/office/drawing/2014/main" xmlns="" val="1986687887"/>
                   </a:ext>
                 </a:extLst>
               </a:tr>
@@ -20300,7 +20300,7 @@
                 </a:tc>
                 <a:extLst>
                   <a:ext uri="{0D108BD9-81ED-4DB2-BD59-A6C34878D82A}">
-                    <a16:rowId xmlns="" xmlns:a16="http://schemas.microsoft.com/office/drawing/2014/main" val="3506151837"/>
+                    <a16:rowId xmlns:a16="http://schemas.microsoft.com/office/drawing/2014/main" xmlns="" val="3506151837"/>
                   </a:ext>
                 </a:extLst>
               </a:tr>
@@ -20396,7 +20396,7 @@
                 </a:tc>
                 <a:extLst>
                   <a:ext uri="{0D108BD9-81ED-4DB2-BD59-A6C34878D82A}">
-                    <a16:rowId xmlns="" xmlns:a16="http://schemas.microsoft.com/office/drawing/2014/main" val="1767699772"/>
+                    <a16:rowId xmlns:a16="http://schemas.microsoft.com/office/drawing/2014/main" xmlns="" val="1767699772"/>
                   </a:ext>
                 </a:extLst>
               </a:tr>
@@ -20432,7 +20432,7 @@
                 <a:gridCol w="1928341">
                   <a:extLst>
                     <a:ext uri="{9D8B030D-6E8A-4147-A177-3AD203B41FA5}">
-                      <a16:colId xmlns="" xmlns:a16="http://schemas.microsoft.com/office/drawing/2014/main" val="20000"/>
+                      <a16:colId xmlns:a16="http://schemas.microsoft.com/office/drawing/2014/main" xmlns="" val="20000"/>
                     </a:ext>
                   </a:extLst>
                 </a:gridCol>
@@ -20507,7 +20507,7 @@
                 </a:tc>
                 <a:extLst>
                   <a:ext uri="{0D108BD9-81ED-4DB2-BD59-A6C34878D82A}">
-                    <a16:rowId xmlns="" xmlns:a16="http://schemas.microsoft.com/office/drawing/2014/main" val="10000"/>
+                    <a16:rowId xmlns:a16="http://schemas.microsoft.com/office/drawing/2014/main" xmlns="" val="10000"/>
                   </a:ext>
                 </a:extLst>
               </a:tr>
@@ -20579,7 +20579,7 @@
                 </a:tc>
                 <a:extLst>
                   <a:ext uri="{0D108BD9-81ED-4DB2-BD59-A6C34878D82A}">
-                    <a16:rowId xmlns="" xmlns:a16="http://schemas.microsoft.com/office/drawing/2014/main" val="10002"/>
+                    <a16:rowId xmlns:a16="http://schemas.microsoft.com/office/drawing/2014/main" xmlns="" val="10002"/>
                   </a:ext>
                 </a:extLst>
               </a:tr>
@@ -20717,7 +20717,7 @@
                 </a:tc>
                 <a:extLst>
                   <a:ext uri="{0D108BD9-81ED-4DB2-BD59-A6C34878D82A}">
-                    <a16:rowId xmlns="" xmlns:a16="http://schemas.microsoft.com/office/drawing/2014/main" val="10003"/>
+                    <a16:rowId xmlns:a16="http://schemas.microsoft.com/office/drawing/2014/main" xmlns="" val="10003"/>
                   </a:ext>
                 </a:extLst>
               </a:tr>
@@ -20788,7 +20788,7 @@
                 <a:gridCol w="2987497">
                   <a:extLst>
                     <a:ext uri="{9D8B030D-6E8A-4147-A177-3AD203B41FA5}">
-                      <a16:colId xmlns="" xmlns:a16="http://schemas.microsoft.com/office/drawing/2014/main" val="2192527220"/>
+                      <a16:colId xmlns:a16="http://schemas.microsoft.com/office/drawing/2014/main" xmlns="" val="2192527220"/>
                     </a:ext>
                   </a:extLst>
                 </a:gridCol>
@@ -20879,7 +20879,7 @@
                 </a:tc>
                 <a:extLst>
                   <a:ext uri="{0D108BD9-81ED-4DB2-BD59-A6C34878D82A}">
-                    <a16:rowId xmlns="" xmlns:a16="http://schemas.microsoft.com/office/drawing/2014/main" val="1986687887"/>
+                    <a16:rowId xmlns:a16="http://schemas.microsoft.com/office/drawing/2014/main" xmlns="" val="1986687887"/>
                   </a:ext>
                 </a:extLst>
               </a:tr>
@@ -20935,7 +20935,7 @@
                 </a:tc>
                 <a:extLst>
                   <a:ext uri="{0D108BD9-81ED-4DB2-BD59-A6C34878D82A}">
-                    <a16:rowId xmlns="" xmlns:a16="http://schemas.microsoft.com/office/drawing/2014/main" val="3506151837"/>
+                    <a16:rowId xmlns:a16="http://schemas.microsoft.com/office/drawing/2014/main" xmlns="" val="3506151837"/>
                   </a:ext>
                 </a:extLst>
               </a:tr>
@@ -21073,7 +21073,7 @@
                 </a:tc>
                 <a:extLst>
                   <a:ext uri="{0D108BD9-81ED-4DB2-BD59-A6C34878D82A}">
-                    <a16:rowId xmlns="" xmlns:a16="http://schemas.microsoft.com/office/drawing/2014/main" val="1767699772"/>
+                    <a16:rowId xmlns:a16="http://schemas.microsoft.com/office/drawing/2014/main" xmlns="" val="1767699772"/>
                   </a:ext>
                 </a:extLst>
               </a:tr>
@@ -21144,7 +21144,7 @@
                 <a:gridCol w="2690439">
                   <a:extLst>
                     <a:ext uri="{9D8B030D-6E8A-4147-A177-3AD203B41FA5}">
-                      <a16:colId xmlns="" xmlns:a16="http://schemas.microsoft.com/office/drawing/2014/main" val="20000"/>
+                      <a16:colId xmlns:a16="http://schemas.microsoft.com/office/drawing/2014/main" xmlns="" val="20000"/>
                     </a:ext>
                   </a:extLst>
                 </a:gridCol>
@@ -21219,7 +21219,7 @@
                 </a:tc>
                 <a:extLst>
                   <a:ext uri="{0D108BD9-81ED-4DB2-BD59-A6C34878D82A}">
-                    <a16:rowId xmlns="" xmlns:a16="http://schemas.microsoft.com/office/drawing/2014/main" val="10000"/>
+                    <a16:rowId xmlns:a16="http://schemas.microsoft.com/office/drawing/2014/main" xmlns="" val="10000"/>
                   </a:ext>
                 </a:extLst>
               </a:tr>
@@ -21284,7 +21284,7 @@
                 </a:tc>
                 <a:extLst>
                   <a:ext uri="{0D108BD9-81ED-4DB2-BD59-A6C34878D82A}">
-                    <a16:rowId xmlns="" xmlns:a16="http://schemas.microsoft.com/office/drawing/2014/main" val="2572675366"/>
+                    <a16:rowId xmlns:a16="http://schemas.microsoft.com/office/drawing/2014/main" xmlns="" val="2572675366"/>
                   </a:ext>
                 </a:extLst>
               </a:tr>
@@ -21352,7 +21352,7 @@
                 </a:tc>
                 <a:extLst>
                   <a:ext uri="{0D108BD9-81ED-4DB2-BD59-A6C34878D82A}">
-                    <a16:rowId xmlns="" xmlns:a16="http://schemas.microsoft.com/office/drawing/2014/main" val="10001"/>
+                    <a16:rowId xmlns:a16="http://schemas.microsoft.com/office/drawing/2014/main" xmlns="" val="10001"/>
                   </a:ext>
                 </a:extLst>
               </a:tr>
@@ -21502,7 +21502,7 @@
                 </a:tc>
                 <a:extLst>
                   <a:ext uri="{0D108BD9-81ED-4DB2-BD59-A6C34878D82A}">
-                    <a16:rowId xmlns="" xmlns:a16="http://schemas.microsoft.com/office/drawing/2014/main" val="10002"/>
+                    <a16:rowId xmlns:a16="http://schemas.microsoft.com/office/drawing/2014/main" xmlns="" val="10002"/>
                   </a:ext>
                 </a:extLst>
               </a:tr>
@@ -21538,7 +21538,7 @@
                 <a:gridCol w="2454915">
                   <a:extLst>
                     <a:ext uri="{9D8B030D-6E8A-4147-A177-3AD203B41FA5}">
-                      <a16:colId xmlns="" xmlns:a16="http://schemas.microsoft.com/office/drawing/2014/main" val="2192527220"/>
+                      <a16:colId xmlns:a16="http://schemas.microsoft.com/office/drawing/2014/main" xmlns="" val="2192527220"/>
                     </a:ext>
                   </a:extLst>
                 </a:gridCol>
@@ -21605,7 +21605,7 @@
                 </a:tc>
                 <a:extLst>
                   <a:ext uri="{0D108BD9-81ED-4DB2-BD59-A6C34878D82A}">
-                    <a16:rowId xmlns="" xmlns:a16="http://schemas.microsoft.com/office/drawing/2014/main" val="1986687887"/>
+                    <a16:rowId xmlns:a16="http://schemas.microsoft.com/office/drawing/2014/main" xmlns="" val="1986687887"/>
                   </a:ext>
                 </a:extLst>
               </a:tr>
@@ -21714,7 +21714,7 @@
                 </a:tc>
                 <a:extLst>
                   <a:ext uri="{0D108BD9-81ED-4DB2-BD59-A6C34878D82A}">
-                    <a16:rowId xmlns="" xmlns:a16="http://schemas.microsoft.com/office/drawing/2014/main" val="3506151837"/>
+                    <a16:rowId xmlns:a16="http://schemas.microsoft.com/office/drawing/2014/main" xmlns="" val="3506151837"/>
                   </a:ext>
                 </a:extLst>
               </a:tr>
@@ -21871,7 +21871,7 @@
                 </a:tc>
                 <a:extLst>
                   <a:ext uri="{0D108BD9-81ED-4DB2-BD59-A6C34878D82A}">
-                    <a16:rowId xmlns="" xmlns:a16="http://schemas.microsoft.com/office/drawing/2014/main" val="1767699772"/>
+                    <a16:rowId xmlns:a16="http://schemas.microsoft.com/office/drawing/2014/main" xmlns="" val="1767699772"/>
                   </a:ext>
                 </a:extLst>
               </a:tr>
@@ -21942,7 +21942,7 @@
                 <a:gridCol w="3666808">
                   <a:extLst>
                     <a:ext uri="{9D8B030D-6E8A-4147-A177-3AD203B41FA5}">
-                      <a16:colId xmlns="" xmlns:a16="http://schemas.microsoft.com/office/drawing/2014/main" val="2192527220"/>
+                      <a16:colId xmlns:a16="http://schemas.microsoft.com/office/drawing/2014/main" xmlns="" val="2192527220"/>
                     </a:ext>
                   </a:extLst>
                 </a:gridCol>
@@ -22033,7 +22033,7 @@
                 </a:tc>
                 <a:extLst>
                   <a:ext uri="{0D108BD9-81ED-4DB2-BD59-A6C34878D82A}">
-                    <a16:rowId xmlns="" xmlns:a16="http://schemas.microsoft.com/office/drawing/2014/main" val="1986687887"/>
+                    <a16:rowId xmlns:a16="http://schemas.microsoft.com/office/drawing/2014/main" xmlns="" val="1986687887"/>
                   </a:ext>
                 </a:extLst>
               </a:tr>
@@ -22139,7 +22139,7 @@
                 </a:tc>
                 <a:extLst>
                   <a:ext uri="{0D108BD9-81ED-4DB2-BD59-A6C34878D82A}">
-                    <a16:rowId xmlns="" xmlns:a16="http://schemas.microsoft.com/office/drawing/2014/main" val="3506151837"/>
+                    <a16:rowId xmlns:a16="http://schemas.microsoft.com/office/drawing/2014/main" xmlns="" val="3506151837"/>
                   </a:ext>
                 </a:extLst>
               </a:tr>
@@ -22325,7 +22325,7 @@
                 </a:tc>
                 <a:extLst>
                   <a:ext uri="{0D108BD9-81ED-4DB2-BD59-A6C34878D82A}">
-                    <a16:rowId xmlns="" xmlns:a16="http://schemas.microsoft.com/office/drawing/2014/main" val="1767699772"/>
+                    <a16:rowId xmlns:a16="http://schemas.microsoft.com/office/drawing/2014/main" xmlns="" val="1767699772"/>
                   </a:ext>
                 </a:extLst>
               </a:tr>
@@ -22361,7 +22361,7 @@
                 <a:gridCol w="3020398">
                   <a:extLst>
                     <a:ext uri="{9D8B030D-6E8A-4147-A177-3AD203B41FA5}">
-                      <a16:colId xmlns="" xmlns:a16="http://schemas.microsoft.com/office/drawing/2014/main" val="20000"/>
+                      <a16:colId xmlns:a16="http://schemas.microsoft.com/office/drawing/2014/main" xmlns="" val="20000"/>
                     </a:ext>
                   </a:extLst>
                 </a:gridCol>
@@ -22452,7 +22452,7 @@
                 </a:tc>
                 <a:extLst>
                   <a:ext uri="{0D108BD9-81ED-4DB2-BD59-A6C34878D82A}">
-                    <a16:rowId xmlns="" xmlns:a16="http://schemas.microsoft.com/office/drawing/2014/main" val="10000"/>
+                    <a16:rowId xmlns:a16="http://schemas.microsoft.com/office/drawing/2014/main" xmlns="" val="10000"/>
                   </a:ext>
                 </a:extLst>
               </a:tr>
@@ -22498,7 +22498,7 @@
                 </a:tc>
                 <a:extLst>
                   <a:ext uri="{0D108BD9-81ED-4DB2-BD59-A6C34878D82A}">
-                    <a16:rowId xmlns="" xmlns:a16="http://schemas.microsoft.com/office/drawing/2014/main" val="10001"/>
+                    <a16:rowId xmlns:a16="http://schemas.microsoft.com/office/drawing/2014/main" xmlns="" val="10001"/>
                   </a:ext>
                 </a:extLst>
               </a:tr>
@@ -22582,7 +22582,7 @@
                 </a:tc>
                 <a:extLst>
                   <a:ext uri="{0D108BD9-81ED-4DB2-BD59-A6C34878D82A}">
-                    <a16:rowId xmlns="" xmlns:a16="http://schemas.microsoft.com/office/drawing/2014/main" val="10002"/>
+                    <a16:rowId xmlns:a16="http://schemas.microsoft.com/office/drawing/2014/main" xmlns="" val="10002"/>
                   </a:ext>
                 </a:extLst>
               </a:tr>
@@ -22763,7 +22763,7 @@
                 </a:tc>
                 <a:extLst>
                   <a:ext uri="{0D108BD9-81ED-4DB2-BD59-A6C34878D82A}">
-                    <a16:rowId xmlns="" xmlns:a16="http://schemas.microsoft.com/office/drawing/2014/main" val="10003"/>
+                    <a16:rowId xmlns:a16="http://schemas.microsoft.com/office/drawing/2014/main" xmlns="" val="10003"/>
                   </a:ext>
                 </a:extLst>
               </a:tr>
@@ -22834,7 +22834,7 @@
                 <a:gridCol w="2843325">
                   <a:extLst>
                     <a:ext uri="{9D8B030D-6E8A-4147-A177-3AD203B41FA5}">
-                      <a16:colId xmlns="" xmlns:a16="http://schemas.microsoft.com/office/drawing/2014/main" val="20000"/>
+                      <a16:colId xmlns:a16="http://schemas.microsoft.com/office/drawing/2014/main" xmlns="" val="20000"/>
                     </a:ext>
                   </a:extLst>
                 </a:gridCol>
@@ -22901,7 +22901,7 @@
                 </a:tc>
                 <a:extLst>
                   <a:ext uri="{0D108BD9-81ED-4DB2-BD59-A6C34878D82A}">
-                    <a16:rowId xmlns="" xmlns:a16="http://schemas.microsoft.com/office/drawing/2014/main" val="10000"/>
+                    <a16:rowId xmlns:a16="http://schemas.microsoft.com/office/drawing/2014/main" xmlns="" val="10000"/>
                   </a:ext>
                 </a:extLst>
               </a:tr>
@@ -22935,7 +22935,7 @@
                 </a:tc>
                 <a:extLst>
                   <a:ext uri="{0D108BD9-81ED-4DB2-BD59-A6C34878D82A}">
-                    <a16:rowId xmlns="" xmlns:a16="http://schemas.microsoft.com/office/drawing/2014/main" val="10001"/>
+                    <a16:rowId xmlns:a16="http://schemas.microsoft.com/office/drawing/2014/main" xmlns="" val="10001"/>
                   </a:ext>
                 </a:extLst>
               </a:tr>
@@ -22983,7 +22983,7 @@
                 </a:tc>
                 <a:extLst>
                   <a:ext uri="{0D108BD9-81ED-4DB2-BD59-A6C34878D82A}">
-                    <a16:rowId xmlns="" xmlns:a16="http://schemas.microsoft.com/office/drawing/2014/main" val="4232395393"/>
+                    <a16:rowId xmlns:a16="http://schemas.microsoft.com/office/drawing/2014/main" xmlns="" val="4232395393"/>
                   </a:ext>
                 </a:extLst>
               </a:tr>
@@ -23045,7 +23045,7 @@
                 </a:tc>
                 <a:extLst>
                   <a:ext uri="{0D108BD9-81ED-4DB2-BD59-A6C34878D82A}">
-                    <a16:rowId xmlns="" xmlns:a16="http://schemas.microsoft.com/office/drawing/2014/main" val="10002"/>
+                    <a16:rowId xmlns:a16="http://schemas.microsoft.com/office/drawing/2014/main" xmlns="" val="10002"/>
                   </a:ext>
                 </a:extLst>
               </a:tr>
@@ -23174,7 +23174,7 @@
                 </a:tc>
                 <a:extLst>
                   <a:ext uri="{0D108BD9-81ED-4DB2-BD59-A6C34878D82A}">
-                    <a16:rowId xmlns="" xmlns:a16="http://schemas.microsoft.com/office/drawing/2014/main" val="10003"/>
+                    <a16:rowId xmlns:a16="http://schemas.microsoft.com/office/drawing/2014/main" xmlns="" val="10003"/>
                   </a:ext>
                 </a:extLst>
               </a:tr>
@@ -23226,14 +23226,14 @@
           <p:nvPr>
             <p:extLst>
               <p:ext uri="{D42A27DB-BD31-4B8C-83A1-F6EECF244321}">
-                <p14:modId xmlns:p14="http://schemas.microsoft.com/office/powerpoint/2010/main" val="314184176"/>
+                <p14:modId xmlns:p14="http://schemas.microsoft.com/office/powerpoint/2010/main" val="573804155"/>
               </p:ext>
             </p:extLst>
           </p:nvPr>
         </p:nvGraphicFramePr>
         <p:xfrm>
           <a:off x="6641489" y="7305263"/>
-          <a:ext cx="2055072" cy="1724628"/>
+          <a:ext cx="2055072" cy="2153701"/>
         </p:xfrm>
         <a:graphic>
           <a:graphicData uri="http://schemas.openxmlformats.org/drawingml/2006/table">
@@ -23245,7 +23245,7 @@
                 <a:gridCol w="2055072">
                   <a:extLst>
                     <a:ext uri="{9D8B030D-6E8A-4147-A177-3AD203B41FA5}">
-                      <a16:colId xmlns="" xmlns:a16="http://schemas.microsoft.com/office/drawing/2014/main" val="20000"/>
+                      <a16:colId xmlns:a16="http://schemas.microsoft.com/office/drawing/2014/main" xmlns="" val="20000"/>
                     </a:ext>
                   </a:extLst>
                 </a:gridCol>
@@ -23336,7 +23336,7 @@
                 </a:tc>
                 <a:extLst>
                   <a:ext uri="{0D108BD9-81ED-4DB2-BD59-A6C34878D82A}">
-                    <a16:rowId xmlns="" xmlns:a16="http://schemas.microsoft.com/office/drawing/2014/main" val="10000"/>
+                    <a16:rowId xmlns:a16="http://schemas.microsoft.com/office/drawing/2014/main" xmlns="" val="10000"/>
                   </a:ext>
                 </a:extLst>
               </a:tr>
@@ -23386,8 +23386,27 @@
                           <a:ea typeface="Noveo Sans" charset="0"/>
                           <a:cs typeface="Noveo Sans" charset="0"/>
                         </a:rPr>
-                        <a:t>Backend Admin Module</a:t>
-                      </a:r>
+                        <a:t>Backend Admin </a:t>
+                      </a:r>
+                      <a:r>
+                        <a:rPr lang="en-SG" sz="1200" dirty="0" smtClean="0">
+                          <a:solidFill>
+                            <a:schemeClr val="bg1"/>
+                          </a:solidFill>
+                          <a:latin typeface="Noveo Sans" charset="0"/>
+                          <a:ea typeface="Noveo Sans" charset="0"/>
+                          <a:cs typeface="Noveo Sans" charset="0"/>
+                        </a:rPr>
+                        <a:t>Module, Migration, Sync Function, ios10 Upgrade</a:t>
+                      </a:r>
+                      <a:endParaRPr lang="en-SG" sz="1200" dirty="0" smtClean="0">
+                        <a:solidFill>
+                          <a:schemeClr val="bg1"/>
+                        </a:solidFill>
+                        <a:latin typeface="Noveo Sans" charset="0"/>
+                        <a:ea typeface="Noveo Sans" charset="0"/>
+                        <a:cs typeface="Noveo Sans" charset="0"/>
+                      </a:endParaRPr>
                     </a:p>
                   </a:txBody>
                   <a:tcPr marL="96012" marR="96012" marT="48007" marB="48007" anchor="ctr">
@@ -23398,7 +23417,7 @@
                 </a:tc>
                 <a:extLst>
                   <a:ext uri="{0D108BD9-81ED-4DB2-BD59-A6C34878D82A}">
-                    <a16:rowId xmlns="" xmlns:a16="http://schemas.microsoft.com/office/drawing/2014/main" val="10002"/>
+                    <a16:rowId xmlns:a16="http://schemas.microsoft.com/office/drawing/2014/main" xmlns="" val="10002"/>
                   </a:ext>
                 </a:extLst>
               </a:tr>
@@ -23515,7 +23534,19 @@
                           <a:ea typeface="+mn-ea"/>
                           <a:cs typeface="+mn-cs"/>
                         </a:rPr>
-                        <a:t>Update Bug log</a:t>
+                        <a:t>Update Bug </a:t>
+                      </a:r>
+                      <a:r>
+                        <a:rPr lang="en-US" sz="1200" kern="1200" dirty="0" smtClean="0">
+                          <a:solidFill>
+                            <a:schemeClr val="dk1"/>
+                          </a:solidFill>
+                          <a:effectLst/>
+                          <a:latin typeface="Noveo Sans" panose="020B0503020204020203" pitchFamily="34" charset="0"/>
+                          <a:ea typeface="+mn-ea"/>
+                          <a:cs typeface="+mn-cs"/>
+                        </a:rPr>
+                        <a:t>log, User guide for UAT 2</a:t>
                       </a:r>
                       <a:endParaRPr lang="en-SG" sz="1200" kern="1200" dirty="0">
                         <a:solidFill>
@@ -23536,7 +23567,7 @@
                 </a:tc>
                 <a:extLst>
                   <a:ext uri="{0D108BD9-81ED-4DB2-BD59-A6C34878D82A}">
-                    <a16:rowId xmlns="" xmlns:a16="http://schemas.microsoft.com/office/drawing/2014/main" val="10003"/>
+                    <a16:rowId xmlns:a16="http://schemas.microsoft.com/office/drawing/2014/main" xmlns="" val="10003"/>
                   </a:ext>
                 </a:extLst>
               </a:tr>
@@ -23607,7 +23638,7 @@
                 <a:gridCol w="2950330">
                   <a:extLst>
                     <a:ext uri="{9D8B030D-6E8A-4147-A177-3AD203B41FA5}">
-                      <a16:colId xmlns="" xmlns:a16="http://schemas.microsoft.com/office/drawing/2014/main" val="20000"/>
+                      <a16:colId xmlns:a16="http://schemas.microsoft.com/office/drawing/2014/main" xmlns="" val="20000"/>
                     </a:ext>
                   </a:extLst>
                 </a:gridCol>
@@ -23674,7 +23705,7 @@
                 </a:tc>
                 <a:extLst>
                   <a:ext uri="{0D108BD9-81ED-4DB2-BD59-A6C34878D82A}">
-                    <a16:rowId xmlns="" xmlns:a16="http://schemas.microsoft.com/office/drawing/2014/main" val="10000"/>
+                    <a16:rowId xmlns:a16="http://schemas.microsoft.com/office/drawing/2014/main" xmlns="" val="10000"/>
                   </a:ext>
                 </a:extLst>
               </a:tr>
@@ -23708,7 +23739,7 @@
                 </a:tc>
                 <a:extLst>
                   <a:ext uri="{0D108BD9-81ED-4DB2-BD59-A6C34878D82A}">
-                    <a16:rowId xmlns="" xmlns:a16="http://schemas.microsoft.com/office/drawing/2014/main" val="10001"/>
+                    <a16:rowId xmlns:a16="http://schemas.microsoft.com/office/drawing/2014/main" xmlns="" val="10001"/>
                   </a:ext>
                 </a:extLst>
               </a:tr>
@@ -23756,7 +23787,7 @@
                 </a:tc>
                 <a:extLst>
                   <a:ext uri="{0D108BD9-81ED-4DB2-BD59-A6C34878D82A}">
-                    <a16:rowId xmlns="" xmlns:a16="http://schemas.microsoft.com/office/drawing/2014/main" val="679801633"/>
+                    <a16:rowId xmlns:a16="http://schemas.microsoft.com/office/drawing/2014/main" xmlns="" val="679801633"/>
                   </a:ext>
                 </a:extLst>
               </a:tr>
@@ -23790,7 +23821,7 @@
                 </a:tc>
                 <a:extLst>
                   <a:ext uri="{0D108BD9-81ED-4DB2-BD59-A6C34878D82A}">
-                    <a16:rowId xmlns="" xmlns:a16="http://schemas.microsoft.com/office/drawing/2014/main" val="10002"/>
+                    <a16:rowId xmlns:a16="http://schemas.microsoft.com/office/drawing/2014/main" xmlns="" val="10002"/>
                   </a:ext>
                 </a:extLst>
               </a:tr>
@@ -23991,7 +24022,7 @@
                 </a:tc>
                 <a:extLst>
                   <a:ext uri="{0D108BD9-81ED-4DB2-BD59-A6C34878D82A}">
-                    <a16:rowId xmlns="" xmlns:a16="http://schemas.microsoft.com/office/drawing/2014/main" val="10003"/>
+                    <a16:rowId xmlns:a16="http://schemas.microsoft.com/office/drawing/2014/main" xmlns="" val="10003"/>
                   </a:ext>
                 </a:extLst>
               </a:tr>
@@ -24064,7 +24095,7 @@
                 <a:gridCol w="2055072">
                   <a:extLst>
                     <a:ext uri="{9D8B030D-6E8A-4147-A177-3AD203B41FA5}">
-                      <a16:colId xmlns="" xmlns:a16="http://schemas.microsoft.com/office/drawing/2014/main" val="20000"/>
+                      <a16:colId xmlns:a16="http://schemas.microsoft.com/office/drawing/2014/main" xmlns="" val="20000"/>
                     </a:ext>
                   </a:extLst>
                 </a:gridCol>
@@ -24115,7 +24146,7 @@
                 </a:tc>
                 <a:extLst>
                   <a:ext uri="{0D108BD9-81ED-4DB2-BD59-A6C34878D82A}">
-                    <a16:rowId xmlns="" xmlns:a16="http://schemas.microsoft.com/office/drawing/2014/main" val="10000"/>
+                    <a16:rowId xmlns:a16="http://schemas.microsoft.com/office/drawing/2014/main" xmlns="" val="10000"/>
                   </a:ext>
                 </a:extLst>
               </a:tr>
@@ -24161,7 +24192,7 @@
                 </a:tc>
                 <a:extLst>
                   <a:ext uri="{0D108BD9-81ED-4DB2-BD59-A6C34878D82A}">
-                    <a16:rowId xmlns="" xmlns:a16="http://schemas.microsoft.com/office/drawing/2014/main" val="10001"/>
+                    <a16:rowId xmlns:a16="http://schemas.microsoft.com/office/drawing/2014/main" xmlns="" val="10001"/>
                   </a:ext>
                 </a:extLst>
               </a:tr>
@@ -24209,7 +24240,7 @@
                 </a:tc>
                 <a:extLst>
                   <a:ext uri="{0D108BD9-81ED-4DB2-BD59-A6C34878D82A}">
-                    <a16:rowId xmlns="" xmlns:a16="http://schemas.microsoft.com/office/drawing/2014/main" val="634995201"/>
+                    <a16:rowId xmlns:a16="http://schemas.microsoft.com/office/drawing/2014/main" xmlns="" val="634995201"/>
                   </a:ext>
                 </a:extLst>
               </a:tr>
@@ -24243,7 +24274,7 @@
                 </a:tc>
                 <a:extLst>
                   <a:ext uri="{0D108BD9-81ED-4DB2-BD59-A6C34878D82A}">
-                    <a16:rowId xmlns="" xmlns:a16="http://schemas.microsoft.com/office/drawing/2014/main" val="10002"/>
+                    <a16:rowId xmlns:a16="http://schemas.microsoft.com/office/drawing/2014/main" xmlns="" val="10002"/>
                   </a:ext>
                 </a:extLst>
               </a:tr>
@@ -24381,7 +24412,7 @@
                 </a:tc>
                 <a:extLst>
                   <a:ext uri="{0D108BD9-81ED-4DB2-BD59-A6C34878D82A}">
-                    <a16:rowId xmlns="" xmlns:a16="http://schemas.microsoft.com/office/drawing/2014/main" val="10003"/>
+                    <a16:rowId xmlns:a16="http://schemas.microsoft.com/office/drawing/2014/main" xmlns="" val="10003"/>
                   </a:ext>
                 </a:extLst>
               </a:tr>
@@ -24417,7 +24448,7 @@
                 <a:gridCol w="3094779">
                   <a:extLst>
                     <a:ext uri="{9D8B030D-6E8A-4147-A177-3AD203B41FA5}">
-                      <a16:colId xmlns="" xmlns:a16="http://schemas.microsoft.com/office/drawing/2014/main" val="20000"/>
+                      <a16:colId xmlns:a16="http://schemas.microsoft.com/office/drawing/2014/main" xmlns="" val="20000"/>
                     </a:ext>
                   </a:extLst>
                 </a:gridCol>
@@ -24452,7 +24483,7 @@
                 </a:tc>
                 <a:extLst>
                   <a:ext uri="{0D108BD9-81ED-4DB2-BD59-A6C34878D82A}">
-                    <a16:rowId xmlns="" xmlns:a16="http://schemas.microsoft.com/office/drawing/2014/main" val="10000"/>
+                    <a16:rowId xmlns:a16="http://schemas.microsoft.com/office/drawing/2014/main" xmlns="" val="10000"/>
                   </a:ext>
                 </a:extLst>
               </a:tr>
@@ -24520,7 +24551,7 @@
                 </a:tc>
                 <a:extLst>
                   <a:ext uri="{0D108BD9-81ED-4DB2-BD59-A6C34878D82A}">
-                    <a16:rowId xmlns="" xmlns:a16="http://schemas.microsoft.com/office/drawing/2014/main" val="10001"/>
+                    <a16:rowId xmlns:a16="http://schemas.microsoft.com/office/drawing/2014/main" xmlns="" val="10001"/>
                   </a:ext>
                 </a:extLst>
               </a:tr>
@@ -24685,7 +24716,7 @@
                 </a:tc>
                 <a:extLst>
                   <a:ext uri="{0D108BD9-81ED-4DB2-BD59-A6C34878D82A}">
-                    <a16:rowId xmlns="" xmlns:a16="http://schemas.microsoft.com/office/drawing/2014/main" val="10003"/>
+                    <a16:rowId xmlns:a16="http://schemas.microsoft.com/office/drawing/2014/main" xmlns="" val="10003"/>
                   </a:ext>
                 </a:extLst>
               </a:tr>
@@ -24721,7 +24752,7 @@
                 <a:gridCol w="1986506">
                   <a:extLst>
                     <a:ext uri="{9D8B030D-6E8A-4147-A177-3AD203B41FA5}">
-                      <a16:colId xmlns="" xmlns:a16="http://schemas.microsoft.com/office/drawing/2014/main" val="20000"/>
+                      <a16:colId xmlns:a16="http://schemas.microsoft.com/office/drawing/2014/main" xmlns="" val="20000"/>
                     </a:ext>
                   </a:extLst>
                 </a:gridCol>
@@ -24756,7 +24787,7 @@
                 </a:tc>
                 <a:extLst>
                   <a:ext uri="{0D108BD9-81ED-4DB2-BD59-A6C34878D82A}">
-                    <a16:rowId xmlns="" xmlns:a16="http://schemas.microsoft.com/office/drawing/2014/main" val="10000"/>
+                    <a16:rowId xmlns:a16="http://schemas.microsoft.com/office/drawing/2014/main" xmlns="" val="10000"/>
                   </a:ext>
                 </a:extLst>
               </a:tr>
@@ -24862,7 +24893,7 @@
                 </a:tc>
                 <a:extLst>
                   <a:ext uri="{0D108BD9-81ED-4DB2-BD59-A6C34878D82A}">
-                    <a16:rowId xmlns="" xmlns:a16="http://schemas.microsoft.com/office/drawing/2014/main" val="10001"/>
+                    <a16:rowId xmlns:a16="http://schemas.microsoft.com/office/drawing/2014/main" xmlns="" val="10001"/>
                   </a:ext>
                 </a:extLst>
               </a:tr>
@@ -24940,7 +24971,7 @@
                 </a:tc>
                 <a:extLst>
                   <a:ext uri="{0D108BD9-81ED-4DB2-BD59-A6C34878D82A}">
-                    <a16:rowId xmlns="" xmlns:a16="http://schemas.microsoft.com/office/drawing/2014/main" val="10003"/>
+                    <a16:rowId xmlns:a16="http://schemas.microsoft.com/office/drawing/2014/main" xmlns="" val="10003"/>
                   </a:ext>
                 </a:extLst>
               </a:tr>
@@ -24976,7 +25007,7 @@
                 <a:gridCol w="3091522">
                   <a:extLst>
                     <a:ext uri="{9D8B030D-6E8A-4147-A177-3AD203B41FA5}">
-                      <a16:colId xmlns="" xmlns:a16="http://schemas.microsoft.com/office/drawing/2014/main" val="20000"/>
+                      <a16:colId xmlns:a16="http://schemas.microsoft.com/office/drawing/2014/main" xmlns="" val="20000"/>
                     </a:ext>
                   </a:extLst>
                 </a:gridCol>
@@ -25059,7 +25090,7 @@
                 </a:tc>
                 <a:extLst>
                   <a:ext uri="{0D108BD9-81ED-4DB2-BD59-A6C34878D82A}">
-                    <a16:rowId xmlns="" xmlns:a16="http://schemas.microsoft.com/office/drawing/2014/main" val="10000"/>
+                    <a16:rowId xmlns:a16="http://schemas.microsoft.com/office/drawing/2014/main" xmlns="" val="10000"/>
                   </a:ext>
                 </a:extLst>
               </a:tr>
@@ -25142,7 +25173,7 @@
                 </a:tc>
                 <a:extLst>
                   <a:ext uri="{0D108BD9-81ED-4DB2-BD59-A6C34878D82A}">
-                    <a16:rowId xmlns="" xmlns:a16="http://schemas.microsoft.com/office/drawing/2014/main" val="10001"/>
+                    <a16:rowId xmlns:a16="http://schemas.microsoft.com/office/drawing/2014/main" xmlns="" val="10001"/>
                   </a:ext>
                 </a:extLst>
               </a:tr>
@@ -25211,7 +25242,7 @@
                 </a:tc>
                 <a:extLst>
                   <a:ext uri="{0D108BD9-81ED-4DB2-BD59-A6C34878D82A}">
-                    <a16:rowId xmlns="" xmlns:a16="http://schemas.microsoft.com/office/drawing/2014/main" val="10002"/>
+                    <a16:rowId xmlns:a16="http://schemas.microsoft.com/office/drawing/2014/main" xmlns="" val="10002"/>
                   </a:ext>
                 </a:extLst>
               </a:tr>
@@ -25340,7 +25371,7 @@
                 </a:tc>
                 <a:extLst>
                   <a:ext uri="{0D108BD9-81ED-4DB2-BD59-A6C34878D82A}">
-                    <a16:rowId xmlns="" xmlns:a16="http://schemas.microsoft.com/office/drawing/2014/main" val="10003"/>
+                    <a16:rowId xmlns:a16="http://schemas.microsoft.com/office/drawing/2014/main" xmlns="" val="10003"/>
                   </a:ext>
                 </a:extLst>
               </a:tr>
